--- a/Words y Excel/Imagenes.pptx
+++ b/Words y Excel/Imagenes.pptx
@@ -16,6 +16,8 @@
     <p:sldId id="264" r:id="rId10"/>
     <p:sldId id="265" r:id="rId11"/>
     <p:sldId id="266" r:id="rId12"/>
+    <p:sldId id="267" r:id="rId13"/>
+    <p:sldId id="268" r:id="rId14"/>
   </p:sldIdLst>
   <p:sldSz cx="12192000" cy="6858000"/>
   <p:notesSz cx="6858000" cy="9144000"/>
@@ -253,7 +255,7 @@
           <a:p>
             <a:fld id="{87B90760-3AE8-4264-A437-D8036A2785FF}" type="datetimeFigureOut">
               <a:rPr lang="es-ES" smtClean="0"/>
-              <a:t>19/12/2022</a:t>
+              <a:t>20/12/2022</a:t>
             </a:fld>
             <a:endParaRPr lang="es-ES"/>
           </a:p>
@@ -423,7 +425,7 @@
           <a:p>
             <a:fld id="{87B90760-3AE8-4264-A437-D8036A2785FF}" type="datetimeFigureOut">
               <a:rPr lang="es-ES" smtClean="0"/>
-              <a:t>19/12/2022</a:t>
+              <a:t>20/12/2022</a:t>
             </a:fld>
             <a:endParaRPr lang="es-ES"/>
           </a:p>
@@ -603,7 +605,7 @@
           <a:p>
             <a:fld id="{87B90760-3AE8-4264-A437-D8036A2785FF}" type="datetimeFigureOut">
               <a:rPr lang="es-ES" smtClean="0"/>
-              <a:t>19/12/2022</a:t>
+              <a:t>20/12/2022</a:t>
             </a:fld>
             <a:endParaRPr lang="es-ES"/>
           </a:p>
@@ -773,7 +775,7 @@
           <a:p>
             <a:fld id="{87B90760-3AE8-4264-A437-D8036A2785FF}" type="datetimeFigureOut">
               <a:rPr lang="es-ES" smtClean="0"/>
-              <a:t>19/12/2022</a:t>
+              <a:t>20/12/2022</a:t>
             </a:fld>
             <a:endParaRPr lang="es-ES"/>
           </a:p>
@@ -1019,7 +1021,7 @@
           <a:p>
             <a:fld id="{87B90760-3AE8-4264-A437-D8036A2785FF}" type="datetimeFigureOut">
               <a:rPr lang="es-ES" smtClean="0"/>
-              <a:t>19/12/2022</a:t>
+              <a:t>20/12/2022</a:t>
             </a:fld>
             <a:endParaRPr lang="es-ES"/>
           </a:p>
@@ -1251,7 +1253,7 @@
           <a:p>
             <a:fld id="{87B90760-3AE8-4264-A437-D8036A2785FF}" type="datetimeFigureOut">
               <a:rPr lang="es-ES" smtClean="0"/>
-              <a:t>19/12/2022</a:t>
+              <a:t>20/12/2022</a:t>
             </a:fld>
             <a:endParaRPr lang="es-ES"/>
           </a:p>
@@ -1618,7 +1620,7 @@
           <a:p>
             <a:fld id="{87B90760-3AE8-4264-A437-D8036A2785FF}" type="datetimeFigureOut">
               <a:rPr lang="es-ES" smtClean="0"/>
-              <a:t>19/12/2022</a:t>
+              <a:t>20/12/2022</a:t>
             </a:fld>
             <a:endParaRPr lang="es-ES"/>
           </a:p>
@@ -1736,7 +1738,7 @@
           <a:p>
             <a:fld id="{87B90760-3AE8-4264-A437-D8036A2785FF}" type="datetimeFigureOut">
               <a:rPr lang="es-ES" smtClean="0"/>
-              <a:t>19/12/2022</a:t>
+              <a:t>20/12/2022</a:t>
             </a:fld>
             <a:endParaRPr lang="es-ES"/>
           </a:p>
@@ -1831,7 +1833,7 @@
           <a:p>
             <a:fld id="{87B90760-3AE8-4264-A437-D8036A2785FF}" type="datetimeFigureOut">
               <a:rPr lang="es-ES" smtClean="0"/>
-              <a:t>19/12/2022</a:t>
+              <a:t>20/12/2022</a:t>
             </a:fld>
             <a:endParaRPr lang="es-ES"/>
           </a:p>
@@ -2108,7 +2110,7 @@
           <a:p>
             <a:fld id="{87B90760-3AE8-4264-A437-D8036A2785FF}" type="datetimeFigureOut">
               <a:rPr lang="es-ES" smtClean="0"/>
-              <a:t>19/12/2022</a:t>
+              <a:t>20/12/2022</a:t>
             </a:fld>
             <a:endParaRPr lang="es-ES"/>
           </a:p>
@@ -2361,7 +2363,7 @@
           <a:p>
             <a:fld id="{87B90760-3AE8-4264-A437-D8036A2785FF}" type="datetimeFigureOut">
               <a:rPr lang="es-ES" smtClean="0"/>
-              <a:t>19/12/2022</a:t>
+              <a:t>20/12/2022</a:t>
             </a:fld>
             <a:endParaRPr lang="es-ES"/>
           </a:p>
@@ -2574,7 +2576,7 @@
           <a:p>
             <a:fld id="{87B90760-3AE8-4264-A437-D8036A2785FF}" type="datetimeFigureOut">
               <a:rPr lang="es-ES" smtClean="0"/>
-              <a:t>19/12/2022</a:t>
+              <a:t>20/12/2022</a:t>
             </a:fld>
             <a:endParaRPr lang="es-ES"/>
           </a:p>
@@ -6354,27 +6356,27 @@
       </p:sp>
       <p:grpSp>
         <p:nvGrpSpPr>
-          <p:cNvPr id="55" name="Grupo 54"/>
+          <p:cNvPr id="10" name="Grupo 9"/>
           <p:cNvGrpSpPr/>
           <p:nvPr/>
         </p:nvGrpSpPr>
         <p:grpSpPr>
           <a:xfrm>
-            <a:off x="1024649" y="1202125"/>
-            <a:ext cx="4925472" cy="2821879"/>
-            <a:chOff x="1024649" y="1202125"/>
-            <a:chExt cx="4925472" cy="2821879"/>
+            <a:off x="6171653" y="820750"/>
+            <a:ext cx="4912772" cy="2821879"/>
+            <a:chOff x="6234715" y="1178101"/>
+            <a:chExt cx="4912772" cy="2821879"/>
           </a:xfrm>
         </p:grpSpPr>
         <p:sp>
           <p:nvSpPr>
-            <p:cNvPr id="24" name="CuadroTexto 23"/>
+            <p:cNvPr id="57" name="CuadroTexto 56"/>
             <p:cNvSpPr txBox="1"/>
             <p:nvPr/>
           </p:nvSpPr>
           <p:spPr>
             <a:xfrm>
-              <a:off x="1024649" y="3169587"/>
+              <a:off x="6234715" y="3145563"/>
               <a:ext cx="1188018" cy="276999"/>
             </a:xfrm>
             <a:prstGeom prst="rect">
@@ -6400,29 +6402,4708 @@
             </a:p>
           </p:txBody>
         </p:sp>
+        <p:sp>
+          <p:nvSpPr>
+            <p:cNvPr id="59" name="Rectángulo redondeado 58"/>
+            <p:cNvSpPr/>
+            <p:nvPr/>
+          </p:nvSpPr>
+          <p:spPr>
+            <a:xfrm>
+              <a:off x="7841281" y="1682677"/>
+              <a:ext cx="1581712" cy="261779"/>
+            </a:xfrm>
+            <a:prstGeom prst="roundRect">
+              <a:avLst/>
+            </a:prstGeom>
+            <a:solidFill>
+              <a:schemeClr val="accent1">
+                <a:lumMod val="20000"/>
+                <a:lumOff val="80000"/>
+              </a:schemeClr>
+            </a:solidFill>
+            <a:ln w="19050"/>
+          </p:spPr>
+          <p:style>
+            <a:lnRef idx="2">
+              <a:schemeClr val="dk1"/>
+            </a:lnRef>
+            <a:fillRef idx="1">
+              <a:schemeClr val="lt1"/>
+            </a:fillRef>
+            <a:effectRef idx="0">
+              <a:schemeClr val="dk1"/>
+            </a:effectRef>
+            <a:fontRef idx="minor">
+              <a:schemeClr val="dk1"/>
+            </a:fontRef>
+          </p:style>
+          <p:txBody>
+            <a:bodyPr rtlCol="0" anchor="ctr"/>
+            <a:lstStyle/>
+            <a:p>
+              <a:pPr algn="ctr"/>
+              <a:r>
+                <a:rPr lang="es-ES" sz="1100" dirty="0" smtClean="0"/>
+                <a:t>Tomar el tiempo actual</a:t>
+              </a:r>
+              <a:endParaRPr lang="es-ES" sz="1100" dirty="0"/>
+            </a:p>
+          </p:txBody>
+        </p:sp>
+        <p:cxnSp>
+          <p:nvCxnSpPr>
+            <p:cNvPr id="60" name="Conector recto de flecha 59"/>
+            <p:cNvCxnSpPr>
+              <a:stCxn id="59" idx="2"/>
+              <a:endCxn id="62" idx="0"/>
+            </p:cNvCxnSpPr>
+            <p:nvPr/>
+          </p:nvCxnSpPr>
+          <p:spPr>
+            <a:xfrm flipH="1">
+              <a:off x="8632136" y="1944456"/>
+              <a:ext cx="1" cy="239188"/>
+            </a:xfrm>
+            <a:prstGeom prst="straightConnector1">
+              <a:avLst/>
+            </a:prstGeom>
+            <a:ln w="19050">
+              <a:tailEnd type="triangle"/>
+            </a:ln>
+          </p:spPr>
+          <p:style>
+            <a:lnRef idx="1">
+              <a:schemeClr val="dk1"/>
+            </a:lnRef>
+            <a:fillRef idx="0">
+              <a:schemeClr val="dk1"/>
+            </a:fillRef>
+            <a:effectRef idx="0">
+              <a:schemeClr val="dk1"/>
+            </a:effectRef>
+            <a:fontRef idx="minor">
+              <a:schemeClr val="tx1"/>
+            </a:fontRef>
+          </p:style>
+        </p:cxnSp>
+        <p:cxnSp>
+          <p:nvCxnSpPr>
+            <p:cNvPr id="61" name="Conector recto de flecha 60"/>
+            <p:cNvCxnSpPr>
+              <a:stCxn id="70" idx="2"/>
+              <a:endCxn id="59" idx="0"/>
+            </p:cNvCxnSpPr>
+            <p:nvPr/>
+          </p:nvCxnSpPr>
+          <p:spPr>
+            <a:xfrm>
+              <a:off x="8632137" y="1439880"/>
+              <a:ext cx="0" cy="242797"/>
+            </a:xfrm>
+            <a:prstGeom prst="straightConnector1">
+              <a:avLst/>
+            </a:prstGeom>
+            <a:ln w="19050">
+              <a:tailEnd type="triangle"/>
+            </a:ln>
+          </p:spPr>
+          <p:style>
+            <a:lnRef idx="1">
+              <a:schemeClr val="dk1"/>
+            </a:lnRef>
+            <a:fillRef idx="0">
+              <a:schemeClr val="dk1"/>
+            </a:fillRef>
+            <a:effectRef idx="0">
+              <a:schemeClr val="dk1"/>
+            </a:effectRef>
+            <a:fontRef idx="minor">
+              <a:schemeClr val="tx1"/>
+            </a:fontRef>
+          </p:style>
+        </p:cxnSp>
+        <p:sp>
+          <p:nvSpPr>
+            <p:cNvPr id="62" name="Rectángulo redondeado 61"/>
+            <p:cNvSpPr/>
+            <p:nvPr/>
+          </p:nvSpPr>
+          <p:spPr>
+            <a:xfrm>
+              <a:off x="7418614" y="2183644"/>
+              <a:ext cx="2427044" cy="261779"/>
+            </a:xfrm>
+            <a:prstGeom prst="roundRect">
+              <a:avLst/>
+            </a:prstGeom>
+            <a:solidFill>
+              <a:schemeClr val="accent1">
+                <a:lumMod val="20000"/>
+                <a:lumOff val="80000"/>
+              </a:schemeClr>
+            </a:solidFill>
+            <a:ln w="19050"/>
+          </p:spPr>
+          <p:style>
+            <a:lnRef idx="2">
+              <a:schemeClr val="dk1"/>
+            </a:lnRef>
+            <a:fillRef idx="1">
+              <a:schemeClr val="lt1"/>
+            </a:fillRef>
+            <a:effectRef idx="0">
+              <a:schemeClr val="dk1"/>
+            </a:effectRef>
+            <a:fontRef idx="minor">
+              <a:schemeClr val="dk1"/>
+            </a:fontRef>
+          </p:style>
+          <p:txBody>
+            <a:bodyPr rtlCol="0" anchor="ctr"/>
+            <a:lstStyle/>
+            <a:p>
+              <a:pPr algn="ctr"/>
+              <a:r>
+                <a:rPr lang="es-ES" sz="1100" dirty="0" smtClean="0"/>
+                <a:t>Llamar a función </a:t>
+              </a:r>
+              <a:r>
+                <a:rPr lang="es-ES" sz="1100" i="1" dirty="0" err="1" smtClean="0"/>
+                <a:t>coger_datos_gsr</a:t>
+              </a:r>
+              <a:endParaRPr lang="es-ES" sz="1100" dirty="0"/>
+            </a:p>
+          </p:txBody>
+        </p:sp>
+        <p:sp>
+          <p:nvSpPr>
+            <p:cNvPr id="63" name="Rectángulo redondeado 62"/>
+            <p:cNvSpPr/>
+            <p:nvPr/>
+          </p:nvSpPr>
+          <p:spPr>
+            <a:xfrm>
+              <a:off x="7418614" y="2684611"/>
+              <a:ext cx="2427044" cy="365372"/>
+            </a:xfrm>
+            <a:prstGeom prst="roundRect">
+              <a:avLst/>
+            </a:prstGeom>
+            <a:solidFill>
+              <a:schemeClr val="accent1">
+                <a:lumMod val="20000"/>
+                <a:lumOff val="80000"/>
+              </a:schemeClr>
+            </a:solidFill>
+            <a:ln w="19050"/>
+          </p:spPr>
+          <p:style>
+            <a:lnRef idx="2">
+              <a:schemeClr val="dk1"/>
+            </a:lnRef>
+            <a:fillRef idx="1">
+              <a:schemeClr val="lt1"/>
+            </a:fillRef>
+            <a:effectRef idx="0">
+              <a:schemeClr val="dk1"/>
+            </a:effectRef>
+            <a:fontRef idx="minor">
+              <a:schemeClr val="dk1"/>
+            </a:fontRef>
+          </p:style>
+          <p:txBody>
+            <a:bodyPr rtlCol="0" anchor="ctr"/>
+            <a:lstStyle/>
+            <a:p>
+              <a:pPr algn="ctr"/>
+              <a:r>
+                <a:rPr lang="es-ES" sz="1100" dirty="0" smtClean="0"/>
+                <a:t>Guardar los </a:t>
+              </a:r>
+              <a:r>
+                <a:rPr lang="es-ES" sz="1100" dirty="0" smtClean="0"/>
+                <a:t>dos</a:t>
+              </a:r>
+              <a:r>
+                <a:rPr lang="es-ES" sz="1100" dirty="0" smtClean="0"/>
+                <a:t> </a:t>
+              </a:r>
+              <a:r>
+                <a:rPr lang="es-ES" sz="1100" dirty="0" smtClean="0"/>
+                <a:t>valores en una estructura</a:t>
+              </a:r>
+              <a:endParaRPr lang="es-ES" sz="1100" dirty="0"/>
+            </a:p>
+          </p:txBody>
+        </p:sp>
+        <p:cxnSp>
+          <p:nvCxnSpPr>
+            <p:cNvPr id="64" name="Conector recto de flecha 63"/>
+            <p:cNvCxnSpPr>
+              <a:stCxn id="62" idx="2"/>
+              <a:endCxn id="63" idx="0"/>
+            </p:cNvCxnSpPr>
+            <p:nvPr/>
+          </p:nvCxnSpPr>
+          <p:spPr>
+            <a:xfrm>
+              <a:off x="8632136" y="2445423"/>
+              <a:ext cx="0" cy="239188"/>
+            </a:xfrm>
+            <a:prstGeom prst="straightConnector1">
+              <a:avLst/>
+            </a:prstGeom>
+            <a:ln w="19050">
+              <a:tailEnd type="triangle"/>
+            </a:ln>
+          </p:spPr>
+          <p:style>
+            <a:lnRef idx="1">
+              <a:schemeClr val="dk1"/>
+            </a:lnRef>
+            <a:fillRef idx="0">
+              <a:schemeClr val="dk1"/>
+            </a:fillRef>
+            <a:effectRef idx="0">
+              <a:schemeClr val="dk1"/>
+            </a:effectRef>
+            <a:fontRef idx="minor">
+              <a:schemeClr val="tx1"/>
+            </a:fontRef>
+          </p:style>
+        </p:cxnSp>
+        <p:cxnSp>
+          <p:nvCxnSpPr>
+            <p:cNvPr id="65" name="Conector recto de flecha 64"/>
+            <p:cNvCxnSpPr>
+              <a:stCxn id="63" idx="3"/>
+            </p:cNvCxnSpPr>
+            <p:nvPr/>
+          </p:nvCxnSpPr>
+          <p:spPr>
+            <a:xfrm>
+              <a:off x="9845658" y="2867297"/>
+              <a:ext cx="1301829" cy="0"/>
+            </a:xfrm>
+            <a:prstGeom prst="straightConnector1">
+              <a:avLst/>
+            </a:prstGeom>
+            <a:ln w="19050">
+              <a:tailEnd type="triangle"/>
+            </a:ln>
+          </p:spPr>
+          <p:style>
+            <a:lnRef idx="1">
+              <a:schemeClr val="dk1"/>
+            </a:lnRef>
+            <a:fillRef idx="0">
+              <a:schemeClr val="dk1"/>
+            </a:fillRef>
+            <a:effectRef idx="0">
+              <a:schemeClr val="dk1"/>
+            </a:effectRef>
+            <a:fontRef idx="minor">
+              <a:schemeClr val="tx1"/>
+            </a:fontRef>
+          </p:style>
+        </p:cxnSp>
+        <p:sp>
+          <p:nvSpPr>
+            <p:cNvPr id="66" name="CuadroTexto 65"/>
+            <p:cNvSpPr txBox="1"/>
+            <p:nvPr/>
+          </p:nvSpPr>
+          <p:spPr>
+            <a:xfrm>
+              <a:off x="9830225" y="2603295"/>
+              <a:ext cx="1301829" cy="276999"/>
+            </a:xfrm>
+            <a:prstGeom prst="rect">
+              <a:avLst/>
+            </a:prstGeom>
+            <a:noFill/>
+          </p:spPr>
+          <p:txBody>
+            <a:bodyPr wrap="square" rtlCol="0">
+              <a:spAutoFit/>
+            </a:bodyPr>
+            <a:lstStyle/>
+            <a:p>
+              <a:r>
+                <a:rPr lang="es-ES" sz="1200" dirty="0" err="1" smtClean="0"/>
+                <a:t>datos_sensores</a:t>
+              </a:r>
+              <a:r>
+                <a:rPr lang="es-ES" sz="1200" dirty="0" smtClean="0"/>
+                <a:t>()</a:t>
+              </a:r>
+              <a:endParaRPr lang="es-ES" sz="1200" dirty="0"/>
+            </a:p>
+          </p:txBody>
+        </p:sp>
+        <p:sp>
+          <p:nvSpPr>
+            <p:cNvPr id="67" name="Rectángulo redondeado 66"/>
+            <p:cNvSpPr/>
+            <p:nvPr/>
+          </p:nvSpPr>
+          <p:spPr>
+            <a:xfrm>
+              <a:off x="8030725" y="3738201"/>
+              <a:ext cx="1215521" cy="261779"/>
+            </a:xfrm>
+            <a:prstGeom prst="roundRect">
+              <a:avLst/>
+            </a:prstGeom>
+            <a:solidFill>
+              <a:schemeClr val="accent6">
+                <a:lumMod val="40000"/>
+                <a:lumOff val="60000"/>
+              </a:schemeClr>
+            </a:solidFill>
+            <a:ln w="19050"/>
+          </p:spPr>
+          <p:style>
+            <a:lnRef idx="2">
+              <a:schemeClr val="dk1"/>
+            </a:lnRef>
+            <a:fillRef idx="1">
+              <a:schemeClr val="lt1"/>
+            </a:fillRef>
+            <a:effectRef idx="0">
+              <a:schemeClr val="dk1"/>
+            </a:effectRef>
+            <a:fontRef idx="minor">
+              <a:schemeClr val="dk1"/>
+            </a:fontRef>
+          </p:style>
+          <p:txBody>
+            <a:bodyPr rtlCol="0" anchor="ctr"/>
+            <a:lstStyle/>
+            <a:p>
+              <a:pPr algn="ctr"/>
+              <a:r>
+                <a:rPr lang="es-ES" sz="1100" dirty="0" smtClean="0"/>
+                <a:t>Fin de la función</a:t>
+              </a:r>
+              <a:endParaRPr lang="es-ES" sz="1100" dirty="0"/>
+            </a:p>
+          </p:txBody>
+        </p:sp>
+        <p:cxnSp>
+          <p:nvCxnSpPr>
+            <p:cNvPr id="68" name="Conector recto de flecha 67"/>
+            <p:cNvCxnSpPr/>
+            <p:nvPr/>
+          </p:nvCxnSpPr>
+          <p:spPr>
+            <a:xfrm>
+              <a:off x="6264960" y="3389804"/>
+              <a:ext cx="1159810" cy="0"/>
+            </a:xfrm>
+            <a:prstGeom prst="straightConnector1">
+              <a:avLst/>
+            </a:prstGeom>
+            <a:ln w="19050">
+              <a:tailEnd type="triangle"/>
+            </a:ln>
+          </p:spPr>
+          <p:style>
+            <a:lnRef idx="1">
+              <a:schemeClr val="dk1"/>
+            </a:lnRef>
+            <a:fillRef idx="0">
+              <a:schemeClr val="dk1"/>
+            </a:fillRef>
+            <a:effectRef idx="0">
+              <a:schemeClr val="dk1"/>
+            </a:effectRef>
+            <a:fontRef idx="minor">
+              <a:schemeClr val="tx1"/>
+            </a:fontRef>
+          </p:style>
+        </p:cxnSp>
+        <p:sp>
+          <p:nvSpPr>
+            <p:cNvPr id="69" name="CuadroTexto 68"/>
+            <p:cNvSpPr txBox="1"/>
+            <p:nvPr/>
+          </p:nvSpPr>
+          <p:spPr>
+            <a:xfrm>
+              <a:off x="6459647" y="3361171"/>
+              <a:ext cx="620683" cy="276999"/>
+            </a:xfrm>
+            <a:prstGeom prst="rect">
+              <a:avLst/>
+            </a:prstGeom>
+            <a:noFill/>
+          </p:spPr>
+          <p:txBody>
+            <a:bodyPr wrap="none" rtlCol="0">
+              <a:spAutoFit/>
+            </a:bodyPr>
+            <a:lstStyle/>
+            <a:p>
+              <a:r>
+                <a:rPr lang="es-ES" sz="1200" dirty="0" err="1" smtClean="0"/>
+                <a:t>q_gsr</a:t>
+              </a:r>
+              <a:r>
+                <a:rPr lang="es-ES" sz="1200" dirty="0" smtClean="0"/>
+                <a:t>()</a:t>
+              </a:r>
+              <a:endParaRPr lang="es-ES" sz="1200" dirty="0"/>
+            </a:p>
+          </p:txBody>
+        </p:sp>
+        <p:sp>
+          <p:nvSpPr>
+            <p:cNvPr id="70" name="Rectángulo redondeado 69"/>
+            <p:cNvSpPr/>
+            <p:nvPr/>
+          </p:nvSpPr>
+          <p:spPr>
+            <a:xfrm>
+              <a:off x="7932828" y="1178101"/>
+              <a:ext cx="1398617" cy="261779"/>
+            </a:xfrm>
+            <a:prstGeom prst="roundRect">
+              <a:avLst/>
+            </a:prstGeom>
+            <a:solidFill>
+              <a:schemeClr val="accent6">
+                <a:lumMod val="40000"/>
+                <a:lumOff val="60000"/>
+              </a:schemeClr>
+            </a:solidFill>
+            <a:ln w="19050"/>
+          </p:spPr>
+          <p:style>
+            <a:lnRef idx="2">
+              <a:schemeClr val="dk1"/>
+            </a:lnRef>
+            <a:fillRef idx="1">
+              <a:schemeClr val="lt1"/>
+            </a:fillRef>
+            <a:effectRef idx="0">
+              <a:schemeClr val="dk1"/>
+            </a:effectRef>
+            <a:fontRef idx="minor">
+              <a:schemeClr val="dk1"/>
+            </a:fontRef>
+          </p:style>
+          <p:txBody>
+            <a:bodyPr rtlCol="0" anchor="ctr"/>
+            <a:lstStyle/>
+            <a:p>
+              <a:pPr algn="ctr"/>
+              <a:r>
+                <a:rPr lang="es-ES" sz="1100" dirty="0" smtClean="0"/>
+                <a:t>Llamada a la función</a:t>
+              </a:r>
+              <a:endParaRPr lang="es-ES" sz="1100" dirty="0"/>
+            </a:p>
+          </p:txBody>
+        </p:sp>
+        <p:sp>
+          <p:nvSpPr>
+            <p:cNvPr id="71" name="Rectángulo redondeado 70"/>
+            <p:cNvSpPr/>
+            <p:nvPr/>
+          </p:nvSpPr>
+          <p:spPr>
+            <a:xfrm>
+              <a:off x="7422733" y="3211406"/>
+              <a:ext cx="2427044" cy="365372"/>
+            </a:xfrm>
+            <a:prstGeom prst="roundRect">
+              <a:avLst/>
+            </a:prstGeom>
+            <a:solidFill>
+              <a:schemeClr val="accent1">
+                <a:lumMod val="20000"/>
+                <a:lumOff val="80000"/>
+              </a:schemeClr>
+            </a:solidFill>
+            <a:ln w="19050"/>
+          </p:spPr>
+          <p:style>
+            <a:lnRef idx="2">
+              <a:schemeClr val="dk1"/>
+            </a:lnRef>
+            <a:fillRef idx="1">
+              <a:schemeClr val="lt1"/>
+            </a:fillRef>
+            <a:effectRef idx="0">
+              <a:schemeClr val="dk1"/>
+            </a:effectRef>
+            <a:fontRef idx="minor">
+              <a:schemeClr val="dk1"/>
+            </a:fontRef>
+          </p:style>
+          <p:txBody>
+            <a:bodyPr rtlCol="0" anchor="ctr"/>
+            <a:lstStyle/>
+            <a:p>
+              <a:pPr algn="ctr"/>
+              <a:r>
+                <a:rPr lang="es-ES" sz="1100" dirty="0" smtClean="0"/>
+                <a:t>Introducir la estructura en la </a:t>
+              </a:r>
+              <a:r>
+                <a:rPr lang="es-ES" sz="1100" i="1" dirty="0" smtClean="0"/>
+                <a:t>QUEUE</a:t>
+              </a:r>
+              <a:endParaRPr lang="es-ES" sz="1100" dirty="0"/>
+            </a:p>
+          </p:txBody>
+        </p:sp>
+        <p:sp>
+          <p:nvSpPr>
+            <p:cNvPr id="72" name="CuadroTexto 71"/>
+            <p:cNvSpPr txBox="1"/>
+            <p:nvPr/>
+          </p:nvSpPr>
+          <p:spPr>
+            <a:xfrm>
+              <a:off x="9906455" y="3162399"/>
+              <a:ext cx="657133" cy="276999"/>
+            </a:xfrm>
+            <a:prstGeom prst="rect">
+              <a:avLst/>
+            </a:prstGeom>
+            <a:noFill/>
+          </p:spPr>
+          <p:txBody>
+            <a:bodyPr wrap="square" rtlCol="0">
+              <a:spAutoFit/>
+            </a:bodyPr>
+            <a:lstStyle/>
+            <a:p>
+              <a:r>
+                <a:rPr lang="es-ES" sz="1200" dirty="0" err="1" smtClean="0"/>
+                <a:t>q_gsr</a:t>
+              </a:r>
+              <a:r>
+                <a:rPr lang="es-ES" sz="1200" dirty="0" smtClean="0"/>
+                <a:t>()</a:t>
+              </a:r>
+              <a:endParaRPr lang="es-ES" sz="1200" dirty="0"/>
+            </a:p>
+          </p:txBody>
+        </p:sp>
+        <p:cxnSp>
+          <p:nvCxnSpPr>
+            <p:cNvPr id="73" name="Conector recto de flecha 72"/>
+            <p:cNvCxnSpPr/>
+            <p:nvPr/>
+          </p:nvCxnSpPr>
+          <p:spPr>
+            <a:xfrm>
+              <a:off x="9849777" y="3422562"/>
+              <a:ext cx="770489" cy="0"/>
+            </a:xfrm>
+            <a:prstGeom prst="straightConnector1">
+              <a:avLst/>
+            </a:prstGeom>
+            <a:ln w="19050">
+              <a:tailEnd type="triangle"/>
+            </a:ln>
+          </p:spPr>
+          <p:style>
+            <a:lnRef idx="1">
+              <a:schemeClr val="dk1"/>
+            </a:lnRef>
+            <a:fillRef idx="0">
+              <a:schemeClr val="dk1"/>
+            </a:fillRef>
+            <a:effectRef idx="0">
+              <a:schemeClr val="dk1"/>
+            </a:effectRef>
+            <a:fontRef idx="minor">
+              <a:schemeClr val="tx1"/>
+            </a:fontRef>
+          </p:style>
+        </p:cxnSp>
+        <p:cxnSp>
+          <p:nvCxnSpPr>
+            <p:cNvPr id="92" name="Conector recto de flecha 91"/>
+            <p:cNvCxnSpPr>
+              <a:stCxn id="63" idx="2"/>
+              <a:endCxn id="71" idx="0"/>
+            </p:cNvCxnSpPr>
+            <p:nvPr/>
+          </p:nvCxnSpPr>
+          <p:spPr>
+            <a:xfrm>
+              <a:off x="8632136" y="3049983"/>
+              <a:ext cx="4119" cy="161423"/>
+            </a:xfrm>
+            <a:prstGeom prst="straightConnector1">
+              <a:avLst/>
+            </a:prstGeom>
+            <a:ln w="19050">
+              <a:tailEnd type="triangle"/>
+            </a:ln>
+          </p:spPr>
+          <p:style>
+            <a:lnRef idx="1">
+              <a:schemeClr val="dk1"/>
+            </a:lnRef>
+            <a:fillRef idx="0">
+              <a:schemeClr val="dk1"/>
+            </a:fillRef>
+            <a:effectRef idx="0">
+              <a:schemeClr val="dk1"/>
+            </a:effectRef>
+            <a:fontRef idx="minor">
+              <a:schemeClr val="tx1"/>
+            </a:fontRef>
+          </p:style>
+        </p:cxnSp>
+        <p:cxnSp>
+          <p:nvCxnSpPr>
+            <p:cNvPr id="93" name="Conector recto de flecha 92"/>
+            <p:cNvCxnSpPr>
+              <a:stCxn id="71" idx="2"/>
+              <a:endCxn id="67" idx="0"/>
+            </p:cNvCxnSpPr>
+            <p:nvPr/>
+          </p:nvCxnSpPr>
+          <p:spPr>
+            <a:xfrm>
+              <a:off x="8636255" y="3576778"/>
+              <a:ext cx="2231" cy="161423"/>
+            </a:xfrm>
+            <a:prstGeom prst="straightConnector1">
+              <a:avLst/>
+            </a:prstGeom>
+            <a:ln w="19050">
+              <a:tailEnd type="triangle"/>
+            </a:ln>
+          </p:spPr>
+          <p:style>
+            <a:lnRef idx="1">
+              <a:schemeClr val="dk1"/>
+            </a:lnRef>
+            <a:fillRef idx="0">
+              <a:schemeClr val="dk1"/>
+            </a:fillRef>
+            <a:effectRef idx="0">
+              <a:schemeClr val="dk1"/>
+            </a:effectRef>
+            <a:fontRef idx="minor">
+              <a:schemeClr val="tx1"/>
+            </a:fontRef>
+          </p:style>
+        </p:cxnSp>
+      </p:grpSp>
+      <p:grpSp>
+        <p:nvGrpSpPr>
+          <p:cNvPr id="22" name="Grupo 21"/>
+          <p:cNvGrpSpPr/>
+          <p:nvPr/>
+        </p:nvGrpSpPr>
+        <p:grpSpPr>
+          <a:xfrm>
+            <a:off x="974287" y="844774"/>
+            <a:ext cx="4912772" cy="2821879"/>
+            <a:chOff x="1037349" y="1202125"/>
+            <a:chExt cx="4912772" cy="2821879"/>
+          </a:xfrm>
+        </p:grpSpPr>
+        <p:sp>
+          <p:nvSpPr>
+            <p:cNvPr id="24" name="CuadroTexto 23"/>
+            <p:cNvSpPr txBox="1"/>
+            <p:nvPr/>
+          </p:nvSpPr>
+          <p:spPr>
+            <a:xfrm>
+              <a:off x="1037349" y="3169587"/>
+              <a:ext cx="1188018" cy="276999"/>
+            </a:xfrm>
+            <a:prstGeom prst="rect">
+              <a:avLst/>
+            </a:prstGeom>
+            <a:noFill/>
+          </p:spPr>
+          <p:txBody>
+            <a:bodyPr wrap="none" rtlCol="0">
+              <a:spAutoFit/>
+            </a:bodyPr>
+            <a:lstStyle/>
+            <a:p>
+              <a:r>
+                <a:rPr lang="es-ES" sz="1200" dirty="0" err="1" smtClean="0"/>
+                <a:t>datos_senores</a:t>
+              </a:r>
+              <a:r>
+                <a:rPr lang="es-ES" sz="1200" dirty="0" smtClean="0"/>
+                <a:t>()</a:t>
+              </a:r>
+              <a:endParaRPr lang="es-ES" sz="1200" dirty="0"/>
+            </a:p>
+          </p:txBody>
+        </p:sp>
+        <p:sp>
+          <p:nvSpPr>
+            <p:cNvPr id="6" name="Rectángulo redondeado 5"/>
+            <p:cNvSpPr/>
+            <p:nvPr/>
+          </p:nvSpPr>
+          <p:spPr>
+            <a:xfrm>
+              <a:off x="2643915" y="1706701"/>
+              <a:ext cx="1581712" cy="261779"/>
+            </a:xfrm>
+            <a:prstGeom prst="roundRect">
+              <a:avLst/>
+            </a:prstGeom>
+            <a:solidFill>
+              <a:schemeClr val="accent1">
+                <a:lumMod val="20000"/>
+                <a:lumOff val="80000"/>
+              </a:schemeClr>
+            </a:solidFill>
+            <a:ln w="19050"/>
+          </p:spPr>
+          <p:style>
+            <a:lnRef idx="2">
+              <a:schemeClr val="dk1"/>
+            </a:lnRef>
+            <a:fillRef idx="1">
+              <a:schemeClr val="lt1"/>
+            </a:fillRef>
+            <a:effectRef idx="0">
+              <a:schemeClr val="dk1"/>
+            </a:effectRef>
+            <a:fontRef idx="minor">
+              <a:schemeClr val="dk1"/>
+            </a:fontRef>
+          </p:style>
+          <p:txBody>
+            <a:bodyPr rtlCol="0" anchor="ctr"/>
+            <a:lstStyle/>
+            <a:p>
+              <a:pPr algn="ctr"/>
+              <a:r>
+                <a:rPr lang="es-ES" sz="1100" dirty="0" smtClean="0"/>
+                <a:t>Tomar el tiempo actual</a:t>
+              </a:r>
+              <a:endParaRPr lang="es-ES" sz="1100" dirty="0"/>
+            </a:p>
+          </p:txBody>
+        </p:sp>
+        <p:cxnSp>
+          <p:nvCxnSpPr>
+            <p:cNvPr id="7" name="Conector recto de flecha 6"/>
+            <p:cNvCxnSpPr>
+              <a:stCxn id="6" idx="2"/>
+              <a:endCxn id="11" idx="0"/>
+            </p:cNvCxnSpPr>
+            <p:nvPr/>
+          </p:nvCxnSpPr>
+          <p:spPr>
+            <a:xfrm flipH="1">
+              <a:off x="3434770" y="1968480"/>
+              <a:ext cx="1" cy="239188"/>
+            </a:xfrm>
+            <a:prstGeom prst="straightConnector1">
+              <a:avLst/>
+            </a:prstGeom>
+            <a:ln w="19050">
+              <a:tailEnd type="triangle"/>
+            </a:ln>
+          </p:spPr>
+          <p:style>
+            <a:lnRef idx="1">
+              <a:schemeClr val="dk1"/>
+            </a:lnRef>
+            <a:fillRef idx="0">
+              <a:schemeClr val="dk1"/>
+            </a:fillRef>
+            <a:effectRef idx="0">
+              <a:schemeClr val="dk1"/>
+            </a:effectRef>
+            <a:fontRef idx="minor">
+              <a:schemeClr val="tx1"/>
+            </a:fontRef>
+          </p:style>
+        </p:cxnSp>
+        <p:cxnSp>
+          <p:nvCxnSpPr>
+            <p:cNvPr id="8" name="Conector recto de flecha 7"/>
+            <p:cNvCxnSpPr>
+              <a:stCxn id="26" idx="2"/>
+              <a:endCxn id="6" idx="0"/>
+            </p:cNvCxnSpPr>
+            <p:nvPr/>
+          </p:nvCxnSpPr>
+          <p:spPr>
+            <a:xfrm>
+              <a:off x="3434771" y="1463904"/>
+              <a:ext cx="0" cy="242797"/>
+            </a:xfrm>
+            <a:prstGeom prst="straightConnector1">
+              <a:avLst/>
+            </a:prstGeom>
+            <a:ln w="19050">
+              <a:tailEnd type="triangle"/>
+            </a:ln>
+          </p:spPr>
+          <p:style>
+            <a:lnRef idx="1">
+              <a:schemeClr val="dk1"/>
+            </a:lnRef>
+            <a:fillRef idx="0">
+              <a:schemeClr val="dk1"/>
+            </a:fillRef>
+            <a:effectRef idx="0">
+              <a:schemeClr val="dk1"/>
+            </a:effectRef>
+            <a:fontRef idx="minor">
+              <a:schemeClr val="tx1"/>
+            </a:fontRef>
+          </p:style>
+        </p:cxnSp>
+        <p:sp>
+          <p:nvSpPr>
+            <p:cNvPr id="11" name="Rectángulo redondeado 10"/>
+            <p:cNvSpPr/>
+            <p:nvPr/>
+          </p:nvSpPr>
+          <p:spPr>
+            <a:xfrm>
+              <a:off x="2221248" y="2207668"/>
+              <a:ext cx="2427044" cy="261779"/>
+            </a:xfrm>
+            <a:prstGeom prst="roundRect">
+              <a:avLst/>
+            </a:prstGeom>
+            <a:solidFill>
+              <a:schemeClr val="accent1">
+                <a:lumMod val="20000"/>
+                <a:lumOff val="80000"/>
+              </a:schemeClr>
+            </a:solidFill>
+            <a:ln w="19050"/>
+          </p:spPr>
+          <p:style>
+            <a:lnRef idx="2">
+              <a:schemeClr val="dk1"/>
+            </a:lnRef>
+            <a:fillRef idx="1">
+              <a:schemeClr val="lt1"/>
+            </a:fillRef>
+            <a:effectRef idx="0">
+              <a:schemeClr val="dk1"/>
+            </a:effectRef>
+            <a:fontRef idx="minor">
+              <a:schemeClr val="dk1"/>
+            </a:fontRef>
+          </p:style>
+          <p:txBody>
+            <a:bodyPr rtlCol="0" anchor="ctr"/>
+            <a:lstStyle/>
+            <a:p>
+              <a:pPr algn="ctr"/>
+              <a:r>
+                <a:rPr lang="es-ES" sz="1100" dirty="0" smtClean="0"/>
+                <a:t>Llamar a función </a:t>
+              </a:r>
+              <a:r>
+                <a:rPr lang="es-ES" sz="1100" i="1" dirty="0" err="1" smtClean="0"/>
+                <a:t>coger_datos_pox</a:t>
+              </a:r>
+              <a:endParaRPr lang="es-ES" sz="1100" dirty="0"/>
+            </a:p>
+          </p:txBody>
+        </p:sp>
+        <p:sp>
+          <p:nvSpPr>
+            <p:cNvPr id="12" name="Rectángulo redondeado 11"/>
+            <p:cNvSpPr/>
+            <p:nvPr/>
+          </p:nvSpPr>
+          <p:spPr>
+            <a:xfrm>
+              <a:off x="2221248" y="2708635"/>
+              <a:ext cx="2427044" cy="365372"/>
+            </a:xfrm>
+            <a:prstGeom prst="roundRect">
+              <a:avLst/>
+            </a:prstGeom>
+            <a:solidFill>
+              <a:schemeClr val="accent1">
+                <a:lumMod val="20000"/>
+                <a:lumOff val="80000"/>
+              </a:schemeClr>
+            </a:solidFill>
+            <a:ln w="19050"/>
+          </p:spPr>
+          <p:style>
+            <a:lnRef idx="2">
+              <a:schemeClr val="dk1"/>
+            </a:lnRef>
+            <a:fillRef idx="1">
+              <a:schemeClr val="lt1"/>
+            </a:fillRef>
+            <a:effectRef idx="0">
+              <a:schemeClr val="dk1"/>
+            </a:effectRef>
+            <a:fontRef idx="minor">
+              <a:schemeClr val="dk1"/>
+            </a:fontRef>
+          </p:style>
+          <p:txBody>
+            <a:bodyPr rtlCol="0" anchor="ctr"/>
+            <a:lstStyle/>
+            <a:p>
+              <a:pPr algn="ctr"/>
+              <a:r>
+                <a:rPr lang="es-ES" sz="1100" dirty="0" smtClean="0"/>
+                <a:t>Guardar los tres valores en una estructura</a:t>
+              </a:r>
+              <a:endParaRPr lang="es-ES" sz="1100" dirty="0"/>
+            </a:p>
+          </p:txBody>
+        </p:sp>
+        <p:cxnSp>
+          <p:nvCxnSpPr>
+            <p:cNvPr id="13" name="Conector recto de flecha 12"/>
+            <p:cNvCxnSpPr>
+              <a:stCxn id="11" idx="2"/>
+              <a:endCxn id="12" idx="0"/>
+            </p:cNvCxnSpPr>
+            <p:nvPr/>
+          </p:nvCxnSpPr>
+          <p:spPr>
+            <a:xfrm>
+              <a:off x="3434770" y="2469447"/>
+              <a:ext cx="0" cy="239188"/>
+            </a:xfrm>
+            <a:prstGeom prst="straightConnector1">
+              <a:avLst/>
+            </a:prstGeom>
+            <a:ln w="19050">
+              <a:tailEnd type="triangle"/>
+            </a:ln>
+          </p:spPr>
+          <p:style>
+            <a:lnRef idx="1">
+              <a:schemeClr val="dk1"/>
+            </a:lnRef>
+            <a:fillRef idx="0">
+              <a:schemeClr val="dk1"/>
+            </a:fillRef>
+            <a:effectRef idx="0">
+              <a:schemeClr val="dk1"/>
+            </a:effectRef>
+            <a:fontRef idx="minor">
+              <a:schemeClr val="tx1"/>
+            </a:fontRef>
+          </p:style>
+        </p:cxnSp>
+        <p:cxnSp>
+          <p:nvCxnSpPr>
+            <p:cNvPr id="15" name="Conector recto de flecha 14"/>
+            <p:cNvCxnSpPr>
+              <a:stCxn id="12" idx="3"/>
+            </p:cNvCxnSpPr>
+            <p:nvPr/>
+          </p:nvCxnSpPr>
+          <p:spPr>
+            <a:xfrm>
+              <a:off x="4648292" y="2891321"/>
+              <a:ext cx="1301829" cy="0"/>
+            </a:xfrm>
+            <a:prstGeom prst="straightConnector1">
+              <a:avLst/>
+            </a:prstGeom>
+            <a:ln w="19050">
+              <a:tailEnd type="triangle"/>
+            </a:ln>
+          </p:spPr>
+          <p:style>
+            <a:lnRef idx="1">
+              <a:schemeClr val="dk1"/>
+            </a:lnRef>
+            <a:fillRef idx="0">
+              <a:schemeClr val="dk1"/>
+            </a:fillRef>
+            <a:effectRef idx="0">
+              <a:schemeClr val="dk1"/>
+            </a:effectRef>
+            <a:fontRef idx="minor">
+              <a:schemeClr val="tx1"/>
+            </a:fontRef>
+          </p:style>
+        </p:cxnSp>
+        <p:sp>
+          <p:nvSpPr>
+            <p:cNvPr id="17" name="CuadroTexto 16"/>
+            <p:cNvSpPr txBox="1"/>
+            <p:nvPr/>
+          </p:nvSpPr>
+          <p:spPr>
+            <a:xfrm>
+              <a:off x="4632859" y="2627319"/>
+              <a:ext cx="1301829" cy="276999"/>
+            </a:xfrm>
+            <a:prstGeom prst="rect">
+              <a:avLst/>
+            </a:prstGeom>
+            <a:noFill/>
+          </p:spPr>
+          <p:txBody>
+            <a:bodyPr wrap="square" rtlCol="0">
+              <a:spAutoFit/>
+            </a:bodyPr>
+            <a:lstStyle/>
+            <a:p>
+              <a:r>
+                <a:rPr lang="es-ES" sz="1200" dirty="0" err="1" smtClean="0"/>
+                <a:t>datos_sensores</a:t>
+              </a:r>
+              <a:r>
+                <a:rPr lang="es-ES" sz="1200" dirty="0" smtClean="0"/>
+                <a:t>()</a:t>
+              </a:r>
+              <a:endParaRPr lang="es-ES" sz="1200" dirty="0"/>
+            </a:p>
+          </p:txBody>
+        </p:sp>
+        <p:sp>
+          <p:nvSpPr>
+            <p:cNvPr id="19" name="Rectángulo redondeado 18"/>
+            <p:cNvSpPr/>
+            <p:nvPr/>
+          </p:nvSpPr>
+          <p:spPr>
+            <a:xfrm>
+              <a:off x="2833359" y="3762225"/>
+              <a:ext cx="1215521" cy="261779"/>
+            </a:xfrm>
+            <a:prstGeom prst="roundRect">
+              <a:avLst/>
+            </a:prstGeom>
+            <a:solidFill>
+              <a:schemeClr val="accent6">
+                <a:lumMod val="40000"/>
+                <a:lumOff val="60000"/>
+              </a:schemeClr>
+            </a:solidFill>
+            <a:ln w="19050"/>
+          </p:spPr>
+          <p:style>
+            <a:lnRef idx="2">
+              <a:schemeClr val="dk1"/>
+            </a:lnRef>
+            <a:fillRef idx="1">
+              <a:schemeClr val="lt1"/>
+            </a:fillRef>
+            <a:effectRef idx="0">
+              <a:schemeClr val="dk1"/>
+            </a:effectRef>
+            <a:fontRef idx="minor">
+              <a:schemeClr val="dk1"/>
+            </a:fontRef>
+          </p:style>
+          <p:txBody>
+            <a:bodyPr rtlCol="0" anchor="ctr"/>
+            <a:lstStyle/>
+            <a:p>
+              <a:pPr algn="ctr"/>
+              <a:r>
+                <a:rPr lang="es-ES" sz="1100" dirty="0" smtClean="0"/>
+                <a:t>Fin de la función</a:t>
+              </a:r>
+              <a:endParaRPr lang="es-ES" sz="1100" dirty="0"/>
+            </a:p>
+          </p:txBody>
+        </p:sp>
+        <p:cxnSp>
+          <p:nvCxnSpPr>
+            <p:cNvPr id="23" name="Conector recto de flecha 22"/>
+            <p:cNvCxnSpPr/>
+            <p:nvPr/>
+          </p:nvCxnSpPr>
+          <p:spPr>
+            <a:xfrm>
+              <a:off x="1067594" y="3413828"/>
+              <a:ext cx="1159810" cy="0"/>
+            </a:xfrm>
+            <a:prstGeom prst="straightConnector1">
+              <a:avLst/>
+            </a:prstGeom>
+            <a:ln w="19050">
+              <a:tailEnd type="triangle"/>
+            </a:ln>
+          </p:spPr>
+          <p:style>
+            <a:lnRef idx="1">
+              <a:schemeClr val="dk1"/>
+            </a:lnRef>
+            <a:fillRef idx="0">
+              <a:schemeClr val="dk1"/>
+            </a:fillRef>
+            <a:effectRef idx="0">
+              <a:schemeClr val="dk1"/>
+            </a:effectRef>
+            <a:fontRef idx="minor">
+              <a:schemeClr val="tx1"/>
+            </a:fontRef>
+          </p:style>
+        </p:cxnSp>
+        <p:sp>
+          <p:nvSpPr>
+            <p:cNvPr id="25" name="CuadroTexto 24"/>
+            <p:cNvSpPr txBox="1"/>
+            <p:nvPr/>
+          </p:nvSpPr>
+          <p:spPr>
+            <a:xfrm>
+              <a:off x="1262281" y="3385195"/>
+              <a:ext cx="660950" cy="276999"/>
+            </a:xfrm>
+            <a:prstGeom prst="rect">
+              <a:avLst/>
+            </a:prstGeom>
+            <a:noFill/>
+          </p:spPr>
+          <p:txBody>
+            <a:bodyPr wrap="none" rtlCol="0">
+              <a:spAutoFit/>
+            </a:bodyPr>
+            <a:lstStyle/>
+            <a:p>
+              <a:r>
+                <a:rPr lang="es-ES" sz="1200" dirty="0" err="1" smtClean="0"/>
+                <a:t>q_pox</a:t>
+              </a:r>
+              <a:r>
+                <a:rPr lang="es-ES" sz="1200" dirty="0" smtClean="0"/>
+                <a:t>()</a:t>
+              </a:r>
+              <a:endParaRPr lang="es-ES" sz="1200" dirty="0"/>
+            </a:p>
+          </p:txBody>
+        </p:sp>
+        <p:sp>
+          <p:nvSpPr>
+            <p:cNvPr id="26" name="Rectángulo redondeado 25"/>
+            <p:cNvSpPr/>
+            <p:nvPr/>
+          </p:nvSpPr>
+          <p:spPr>
+            <a:xfrm>
+              <a:off x="2735462" y="1202125"/>
+              <a:ext cx="1398617" cy="261779"/>
+            </a:xfrm>
+            <a:prstGeom prst="roundRect">
+              <a:avLst/>
+            </a:prstGeom>
+            <a:solidFill>
+              <a:schemeClr val="accent6">
+                <a:lumMod val="40000"/>
+                <a:lumOff val="60000"/>
+              </a:schemeClr>
+            </a:solidFill>
+            <a:ln w="19050"/>
+          </p:spPr>
+          <p:style>
+            <a:lnRef idx="2">
+              <a:schemeClr val="dk1"/>
+            </a:lnRef>
+            <a:fillRef idx="1">
+              <a:schemeClr val="lt1"/>
+            </a:fillRef>
+            <a:effectRef idx="0">
+              <a:schemeClr val="dk1"/>
+            </a:effectRef>
+            <a:fontRef idx="minor">
+              <a:schemeClr val="dk1"/>
+            </a:fontRef>
+          </p:style>
+          <p:txBody>
+            <a:bodyPr rtlCol="0" anchor="ctr"/>
+            <a:lstStyle/>
+            <a:p>
+              <a:pPr algn="ctr"/>
+              <a:r>
+                <a:rPr lang="es-ES" sz="1100" dirty="0" smtClean="0"/>
+                <a:t>Llamada a la función</a:t>
+              </a:r>
+              <a:endParaRPr lang="es-ES" sz="1100" dirty="0"/>
+            </a:p>
+          </p:txBody>
+        </p:sp>
+        <p:sp>
+          <p:nvSpPr>
+            <p:cNvPr id="43" name="Rectángulo redondeado 42"/>
+            <p:cNvSpPr/>
+            <p:nvPr/>
+          </p:nvSpPr>
+          <p:spPr>
+            <a:xfrm>
+              <a:off x="2225367" y="3235430"/>
+              <a:ext cx="2427044" cy="365372"/>
+            </a:xfrm>
+            <a:prstGeom prst="roundRect">
+              <a:avLst/>
+            </a:prstGeom>
+            <a:solidFill>
+              <a:schemeClr val="accent1">
+                <a:lumMod val="20000"/>
+                <a:lumOff val="80000"/>
+              </a:schemeClr>
+            </a:solidFill>
+            <a:ln w="19050"/>
+          </p:spPr>
+          <p:style>
+            <a:lnRef idx="2">
+              <a:schemeClr val="dk1"/>
+            </a:lnRef>
+            <a:fillRef idx="1">
+              <a:schemeClr val="lt1"/>
+            </a:fillRef>
+            <a:effectRef idx="0">
+              <a:schemeClr val="dk1"/>
+            </a:effectRef>
+            <a:fontRef idx="minor">
+              <a:schemeClr val="dk1"/>
+            </a:fontRef>
+          </p:style>
+          <p:txBody>
+            <a:bodyPr rtlCol="0" anchor="ctr"/>
+            <a:lstStyle/>
+            <a:p>
+              <a:pPr algn="ctr"/>
+              <a:r>
+                <a:rPr lang="es-ES" sz="1100" dirty="0" smtClean="0"/>
+                <a:t>Introducir la estructura en la </a:t>
+              </a:r>
+              <a:r>
+                <a:rPr lang="es-ES" sz="1100" i="1" dirty="0" smtClean="0"/>
+                <a:t>QUEUE</a:t>
+              </a:r>
+              <a:endParaRPr lang="es-ES" sz="1100" dirty="0"/>
+            </a:p>
+          </p:txBody>
+        </p:sp>
+        <p:sp>
+          <p:nvSpPr>
+            <p:cNvPr id="45" name="CuadroTexto 44"/>
+            <p:cNvSpPr txBox="1"/>
+            <p:nvPr/>
+          </p:nvSpPr>
+          <p:spPr>
+            <a:xfrm>
+              <a:off x="4709089" y="3186423"/>
+              <a:ext cx="657133" cy="276999"/>
+            </a:xfrm>
+            <a:prstGeom prst="rect">
+              <a:avLst/>
+            </a:prstGeom>
+            <a:noFill/>
+          </p:spPr>
+          <p:txBody>
+            <a:bodyPr wrap="square" rtlCol="0">
+              <a:spAutoFit/>
+            </a:bodyPr>
+            <a:lstStyle/>
+            <a:p>
+              <a:r>
+                <a:rPr lang="es-ES" sz="1200" dirty="0" err="1" smtClean="0"/>
+                <a:t>q_pox</a:t>
+              </a:r>
+              <a:r>
+                <a:rPr lang="es-ES" sz="1200" dirty="0" smtClean="0"/>
+                <a:t>()</a:t>
+              </a:r>
+              <a:endParaRPr lang="es-ES" sz="1200" dirty="0"/>
+            </a:p>
+          </p:txBody>
+        </p:sp>
+        <p:cxnSp>
+          <p:nvCxnSpPr>
+            <p:cNvPr id="50" name="Conector recto de flecha 49"/>
+            <p:cNvCxnSpPr/>
+            <p:nvPr/>
+          </p:nvCxnSpPr>
+          <p:spPr>
+            <a:xfrm>
+              <a:off x="4652411" y="3446586"/>
+              <a:ext cx="770489" cy="0"/>
+            </a:xfrm>
+            <a:prstGeom prst="straightConnector1">
+              <a:avLst/>
+            </a:prstGeom>
+            <a:ln w="19050">
+              <a:tailEnd type="triangle"/>
+            </a:ln>
+          </p:spPr>
+          <p:style>
+            <a:lnRef idx="1">
+              <a:schemeClr val="dk1"/>
+            </a:lnRef>
+            <a:fillRef idx="0">
+              <a:schemeClr val="dk1"/>
+            </a:fillRef>
+            <a:effectRef idx="0">
+              <a:schemeClr val="dk1"/>
+            </a:effectRef>
+            <a:fontRef idx="minor">
+              <a:schemeClr val="tx1"/>
+            </a:fontRef>
+          </p:style>
+        </p:cxnSp>
+        <p:cxnSp>
+          <p:nvCxnSpPr>
+            <p:cNvPr id="94" name="Conector recto de flecha 93"/>
+            <p:cNvCxnSpPr>
+              <a:stCxn id="12" idx="2"/>
+              <a:endCxn id="43" idx="0"/>
+            </p:cNvCxnSpPr>
+            <p:nvPr/>
+          </p:nvCxnSpPr>
+          <p:spPr>
+            <a:xfrm>
+              <a:off x="3434770" y="3074007"/>
+              <a:ext cx="4119" cy="161423"/>
+            </a:xfrm>
+            <a:prstGeom prst="straightConnector1">
+              <a:avLst/>
+            </a:prstGeom>
+            <a:ln w="19050">
+              <a:tailEnd type="triangle"/>
+            </a:ln>
+          </p:spPr>
+          <p:style>
+            <a:lnRef idx="1">
+              <a:schemeClr val="dk1"/>
+            </a:lnRef>
+            <a:fillRef idx="0">
+              <a:schemeClr val="dk1"/>
+            </a:fillRef>
+            <a:effectRef idx="0">
+              <a:schemeClr val="dk1"/>
+            </a:effectRef>
+            <a:fontRef idx="minor">
+              <a:schemeClr val="tx1"/>
+            </a:fontRef>
+          </p:style>
+        </p:cxnSp>
+        <p:cxnSp>
+          <p:nvCxnSpPr>
+            <p:cNvPr id="95" name="Conector recto de flecha 94"/>
+            <p:cNvCxnSpPr>
+              <a:stCxn id="43" idx="2"/>
+              <a:endCxn id="19" idx="0"/>
+            </p:cNvCxnSpPr>
+            <p:nvPr/>
+          </p:nvCxnSpPr>
+          <p:spPr>
+            <a:xfrm>
+              <a:off x="3438889" y="3600802"/>
+              <a:ext cx="2231" cy="161423"/>
+            </a:xfrm>
+            <a:prstGeom prst="straightConnector1">
+              <a:avLst/>
+            </a:prstGeom>
+            <a:ln w="19050">
+              <a:tailEnd type="triangle"/>
+            </a:ln>
+          </p:spPr>
+          <p:style>
+            <a:lnRef idx="1">
+              <a:schemeClr val="dk1"/>
+            </a:lnRef>
+            <a:fillRef idx="0">
+              <a:schemeClr val="dk1"/>
+            </a:fillRef>
+            <a:effectRef idx="0">
+              <a:schemeClr val="dk1"/>
+            </a:effectRef>
+            <a:fontRef idx="minor">
+              <a:schemeClr val="tx1"/>
+            </a:fontRef>
+          </p:style>
+        </p:cxnSp>
+      </p:grpSp>
+      <p:grpSp>
+        <p:nvGrpSpPr>
+          <p:cNvPr id="31" name="Grupo 30"/>
+          <p:cNvGrpSpPr/>
+          <p:nvPr/>
+        </p:nvGrpSpPr>
+        <p:grpSpPr>
+          <a:xfrm>
+            <a:off x="3371708" y="3785719"/>
+            <a:ext cx="4925472" cy="2821879"/>
+            <a:chOff x="3434769" y="3932073"/>
+            <a:chExt cx="4925472" cy="2821879"/>
+          </a:xfrm>
+        </p:grpSpPr>
+        <p:sp>
+          <p:nvSpPr>
+            <p:cNvPr id="75" name="CuadroTexto 74"/>
+            <p:cNvSpPr txBox="1"/>
+            <p:nvPr/>
+          </p:nvSpPr>
+          <p:spPr>
+            <a:xfrm>
+              <a:off x="3434769" y="5899535"/>
+              <a:ext cx="1188018" cy="276999"/>
+            </a:xfrm>
+            <a:prstGeom prst="rect">
+              <a:avLst/>
+            </a:prstGeom>
+            <a:noFill/>
+          </p:spPr>
+          <p:txBody>
+            <a:bodyPr wrap="none" rtlCol="0">
+              <a:spAutoFit/>
+            </a:bodyPr>
+            <a:lstStyle/>
+            <a:p>
+              <a:r>
+                <a:rPr lang="es-ES" sz="1200" dirty="0" err="1" smtClean="0"/>
+                <a:t>datos_senores</a:t>
+              </a:r>
+              <a:r>
+                <a:rPr lang="es-ES" sz="1200" dirty="0" smtClean="0"/>
+                <a:t>()</a:t>
+              </a:r>
+              <a:endParaRPr lang="es-ES" sz="1200" dirty="0"/>
+            </a:p>
+          </p:txBody>
+        </p:sp>
+        <p:sp>
+          <p:nvSpPr>
+            <p:cNvPr id="77" name="Rectángulo redondeado 76"/>
+            <p:cNvSpPr/>
+            <p:nvPr/>
+          </p:nvSpPr>
+          <p:spPr>
+            <a:xfrm>
+              <a:off x="5054035" y="4436649"/>
+              <a:ext cx="1581712" cy="261779"/>
+            </a:xfrm>
+            <a:prstGeom prst="roundRect">
+              <a:avLst/>
+            </a:prstGeom>
+            <a:solidFill>
+              <a:schemeClr val="accent1">
+                <a:lumMod val="20000"/>
+                <a:lumOff val="80000"/>
+              </a:schemeClr>
+            </a:solidFill>
+            <a:ln w="19050"/>
+          </p:spPr>
+          <p:style>
+            <a:lnRef idx="2">
+              <a:schemeClr val="dk1"/>
+            </a:lnRef>
+            <a:fillRef idx="1">
+              <a:schemeClr val="lt1"/>
+            </a:fillRef>
+            <a:effectRef idx="0">
+              <a:schemeClr val="dk1"/>
+            </a:effectRef>
+            <a:fontRef idx="minor">
+              <a:schemeClr val="dk1"/>
+            </a:fontRef>
+          </p:style>
+          <p:txBody>
+            <a:bodyPr rtlCol="0" anchor="ctr"/>
+            <a:lstStyle/>
+            <a:p>
+              <a:pPr algn="ctr"/>
+              <a:r>
+                <a:rPr lang="es-ES" sz="1100" dirty="0" smtClean="0"/>
+                <a:t>Tomar el tiempo actual</a:t>
+              </a:r>
+              <a:endParaRPr lang="es-ES" sz="1100" dirty="0"/>
+            </a:p>
+          </p:txBody>
+        </p:sp>
+        <p:cxnSp>
+          <p:nvCxnSpPr>
+            <p:cNvPr id="78" name="Conector recto de flecha 77"/>
+            <p:cNvCxnSpPr>
+              <a:stCxn id="77" idx="2"/>
+              <a:endCxn id="80" idx="0"/>
+            </p:cNvCxnSpPr>
+            <p:nvPr/>
+          </p:nvCxnSpPr>
+          <p:spPr>
+            <a:xfrm flipH="1">
+              <a:off x="5844890" y="4698428"/>
+              <a:ext cx="1" cy="239188"/>
+            </a:xfrm>
+            <a:prstGeom prst="straightConnector1">
+              <a:avLst/>
+            </a:prstGeom>
+            <a:ln w="19050">
+              <a:tailEnd type="triangle"/>
+            </a:ln>
+          </p:spPr>
+          <p:style>
+            <a:lnRef idx="1">
+              <a:schemeClr val="dk1"/>
+            </a:lnRef>
+            <a:fillRef idx="0">
+              <a:schemeClr val="dk1"/>
+            </a:fillRef>
+            <a:effectRef idx="0">
+              <a:schemeClr val="dk1"/>
+            </a:effectRef>
+            <a:fontRef idx="minor">
+              <a:schemeClr val="tx1"/>
+            </a:fontRef>
+          </p:style>
+        </p:cxnSp>
+        <p:cxnSp>
+          <p:nvCxnSpPr>
+            <p:cNvPr id="79" name="Conector recto de flecha 78"/>
+            <p:cNvCxnSpPr>
+              <a:stCxn id="88" idx="2"/>
+              <a:endCxn id="77" idx="0"/>
+            </p:cNvCxnSpPr>
+            <p:nvPr/>
+          </p:nvCxnSpPr>
+          <p:spPr>
+            <a:xfrm>
+              <a:off x="5844891" y="4193852"/>
+              <a:ext cx="0" cy="242797"/>
+            </a:xfrm>
+            <a:prstGeom prst="straightConnector1">
+              <a:avLst/>
+            </a:prstGeom>
+            <a:ln w="19050">
+              <a:tailEnd type="triangle"/>
+            </a:ln>
+          </p:spPr>
+          <p:style>
+            <a:lnRef idx="1">
+              <a:schemeClr val="dk1"/>
+            </a:lnRef>
+            <a:fillRef idx="0">
+              <a:schemeClr val="dk1"/>
+            </a:fillRef>
+            <a:effectRef idx="0">
+              <a:schemeClr val="dk1"/>
+            </a:effectRef>
+            <a:fontRef idx="minor">
+              <a:schemeClr val="tx1"/>
+            </a:fontRef>
+          </p:style>
+        </p:cxnSp>
+        <p:sp>
+          <p:nvSpPr>
+            <p:cNvPr id="80" name="Rectángulo redondeado 79"/>
+            <p:cNvSpPr/>
+            <p:nvPr/>
+          </p:nvSpPr>
+          <p:spPr>
+            <a:xfrm>
+              <a:off x="4631368" y="4937616"/>
+              <a:ext cx="2427044" cy="261779"/>
+            </a:xfrm>
+            <a:prstGeom prst="roundRect">
+              <a:avLst/>
+            </a:prstGeom>
+            <a:solidFill>
+              <a:schemeClr val="accent1">
+                <a:lumMod val="20000"/>
+                <a:lumOff val="80000"/>
+              </a:schemeClr>
+            </a:solidFill>
+            <a:ln w="19050"/>
+          </p:spPr>
+          <p:style>
+            <a:lnRef idx="2">
+              <a:schemeClr val="dk1"/>
+            </a:lnRef>
+            <a:fillRef idx="1">
+              <a:schemeClr val="lt1"/>
+            </a:fillRef>
+            <a:effectRef idx="0">
+              <a:schemeClr val="dk1"/>
+            </a:effectRef>
+            <a:fontRef idx="minor">
+              <a:schemeClr val="dk1"/>
+            </a:fontRef>
+          </p:style>
+          <p:txBody>
+            <a:bodyPr rtlCol="0" anchor="ctr"/>
+            <a:lstStyle/>
+            <a:p>
+              <a:pPr algn="ctr"/>
+              <a:r>
+                <a:rPr lang="es-ES" sz="1100" dirty="0" smtClean="0"/>
+                <a:t>Llamar a función </a:t>
+              </a:r>
+              <a:r>
+                <a:rPr lang="es-ES" sz="1100" i="1" dirty="0" err="1" smtClean="0"/>
+                <a:t>coger_datos_ecg</a:t>
+              </a:r>
+              <a:endParaRPr lang="es-ES" sz="1100" dirty="0"/>
+            </a:p>
+          </p:txBody>
+        </p:sp>
+        <p:sp>
+          <p:nvSpPr>
+            <p:cNvPr id="81" name="Rectángulo redondeado 80"/>
+            <p:cNvSpPr/>
+            <p:nvPr/>
+          </p:nvSpPr>
+          <p:spPr>
+            <a:xfrm>
+              <a:off x="4631368" y="5438583"/>
+              <a:ext cx="2427044" cy="365372"/>
+            </a:xfrm>
+            <a:prstGeom prst="roundRect">
+              <a:avLst/>
+            </a:prstGeom>
+            <a:solidFill>
+              <a:schemeClr val="accent1">
+                <a:lumMod val="20000"/>
+                <a:lumOff val="80000"/>
+              </a:schemeClr>
+            </a:solidFill>
+            <a:ln w="19050"/>
+          </p:spPr>
+          <p:style>
+            <a:lnRef idx="2">
+              <a:schemeClr val="dk1"/>
+            </a:lnRef>
+            <a:fillRef idx="1">
+              <a:schemeClr val="lt1"/>
+            </a:fillRef>
+            <a:effectRef idx="0">
+              <a:schemeClr val="dk1"/>
+            </a:effectRef>
+            <a:fontRef idx="minor">
+              <a:schemeClr val="dk1"/>
+            </a:fontRef>
+          </p:style>
+          <p:txBody>
+            <a:bodyPr rtlCol="0" anchor="ctr"/>
+            <a:lstStyle/>
+            <a:p>
+              <a:pPr algn="ctr"/>
+              <a:r>
+                <a:rPr lang="es-ES" sz="1100" dirty="0" smtClean="0"/>
+                <a:t>Guardar los </a:t>
+              </a:r>
+              <a:r>
+                <a:rPr lang="es-ES" sz="1100" dirty="0" smtClean="0"/>
+                <a:t>do</a:t>
+              </a:r>
+              <a:r>
+                <a:rPr lang="es-ES" sz="1100" dirty="0" smtClean="0"/>
+                <a:t>s </a:t>
+              </a:r>
+              <a:r>
+                <a:rPr lang="es-ES" sz="1100" dirty="0" smtClean="0"/>
+                <a:t>valores en una estructura</a:t>
+              </a:r>
+              <a:endParaRPr lang="es-ES" sz="1100" dirty="0"/>
+            </a:p>
+          </p:txBody>
+        </p:sp>
+        <p:cxnSp>
+          <p:nvCxnSpPr>
+            <p:cNvPr id="82" name="Conector recto de flecha 81"/>
+            <p:cNvCxnSpPr>
+              <a:stCxn id="80" idx="2"/>
+              <a:endCxn id="81" idx="0"/>
+            </p:cNvCxnSpPr>
+            <p:nvPr/>
+          </p:nvCxnSpPr>
+          <p:spPr>
+            <a:xfrm>
+              <a:off x="5844890" y="5199395"/>
+              <a:ext cx="0" cy="239188"/>
+            </a:xfrm>
+            <a:prstGeom prst="straightConnector1">
+              <a:avLst/>
+            </a:prstGeom>
+            <a:ln w="19050">
+              <a:tailEnd type="triangle"/>
+            </a:ln>
+          </p:spPr>
+          <p:style>
+            <a:lnRef idx="1">
+              <a:schemeClr val="dk1"/>
+            </a:lnRef>
+            <a:fillRef idx="0">
+              <a:schemeClr val="dk1"/>
+            </a:fillRef>
+            <a:effectRef idx="0">
+              <a:schemeClr val="dk1"/>
+            </a:effectRef>
+            <a:fontRef idx="minor">
+              <a:schemeClr val="tx1"/>
+            </a:fontRef>
+          </p:style>
+        </p:cxnSp>
+        <p:cxnSp>
+          <p:nvCxnSpPr>
+            <p:cNvPr id="83" name="Conector recto de flecha 82"/>
+            <p:cNvCxnSpPr>
+              <a:stCxn id="81" idx="3"/>
+            </p:cNvCxnSpPr>
+            <p:nvPr/>
+          </p:nvCxnSpPr>
+          <p:spPr>
+            <a:xfrm>
+              <a:off x="7058412" y="5621269"/>
+              <a:ext cx="1301829" cy="0"/>
+            </a:xfrm>
+            <a:prstGeom prst="straightConnector1">
+              <a:avLst/>
+            </a:prstGeom>
+            <a:ln w="19050">
+              <a:tailEnd type="triangle"/>
+            </a:ln>
+          </p:spPr>
+          <p:style>
+            <a:lnRef idx="1">
+              <a:schemeClr val="dk1"/>
+            </a:lnRef>
+            <a:fillRef idx="0">
+              <a:schemeClr val="dk1"/>
+            </a:fillRef>
+            <a:effectRef idx="0">
+              <a:schemeClr val="dk1"/>
+            </a:effectRef>
+            <a:fontRef idx="minor">
+              <a:schemeClr val="tx1"/>
+            </a:fontRef>
+          </p:style>
+        </p:cxnSp>
+        <p:sp>
+          <p:nvSpPr>
+            <p:cNvPr id="84" name="CuadroTexto 83"/>
+            <p:cNvSpPr txBox="1"/>
+            <p:nvPr/>
+          </p:nvSpPr>
+          <p:spPr>
+            <a:xfrm>
+              <a:off x="7042979" y="5357267"/>
+              <a:ext cx="1301829" cy="276999"/>
+            </a:xfrm>
+            <a:prstGeom prst="rect">
+              <a:avLst/>
+            </a:prstGeom>
+            <a:noFill/>
+          </p:spPr>
+          <p:txBody>
+            <a:bodyPr wrap="square" rtlCol="0">
+              <a:spAutoFit/>
+            </a:bodyPr>
+            <a:lstStyle/>
+            <a:p>
+              <a:r>
+                <a:rPr lang="es-ES" sz="1200" dirty="0" err="1" smtClean="0"/>
+                <a:t>datos_sensores</a:t>
+              </a:r>
+              <a:r>
+                <a:rPr lang="es-ES" sz="1200" dirty="0" smtClean="0"/>
+                <a:t>()</a:t>
+              </a:r>
+              <a:endParaRPr lang="es-ES" sz="1200" dirty="0"/>
+            </a:p>
+          </p:txBody>
+        </p:sp>
+        <p:sp>
+          <p:nvSpPr>
+            <p:cNvPr id="85" name="Rectángulo redondeado 84"/>
+            <p:cNvSpPr/>
+            <p:nvPr/>
+          </p:nvSpPr>
+          <p:spPr>
+            <a:xfrm>
+              <a:off x="5237129" y="6492173"/>
+              <a:ext cx="1215521" cy="261779"/>
+            </a:xfrm>
+            <a:prstGeom prst="roundRect">
+              <a:avLst/>
+            </a:prstGeom>
+            <a:solidFill>
+              <a:schemeClr val="accent6">
+                <a:lumMod val="40000"/>
+                <a:lumOff val="60000"/>
+              </a:schemeClr>
+            </a:solidFill>
+            <a:ln w="19050"/>
+          </p:spPr>
+          <p:style>
+            <a:lnRef idx="2">
+              <a:schemeClr val="dk1"/>
+            </a:lnRef>
+            <a:fillRef idx="1">
+              <a:schemeClr val="lt1"/>
+            </a:fillRef>
+            <a:effectRef idx="0">
+              <a:schemeClr val="dk1"/>
+            </a:effectRef>
+            <a:fontRef idx="minor">
+              <a:schemeClr val="dk1"/>
+            </a:fontRef>
+          </p:style>
+          <p:txBody>
+            <a:bodyPr rtlCol="0" anchor="ctr"/>
+            <a:lstStyle/>
+            <a:p>
+              <a:pPr algn="ctr"/>
+              <a:r>
+                <a:rPr lang="es-ES" sz="1100" dirty="0" smtClean="0"/>
+                <a:t>Fin de la función</a:t>
+              </a:r>
+              <a:endParaRPr lang="es-ES" sz="1100" dirty="0"/>
+            </a:p>
+          </p:txBody>
+        </p:sp>
+        <p:cxnSp>
+          <p:nvCxnSpPr>
+            <p:cNvPr id="86" name="Conector recto de flecha 85"/>
+            <p:cNvCxnSpPr/>
+            <p:nvPr/>
+          </p:nvCxnSpPr>
+          <p:spPr>
+            <a:xfrm>
+              <a:off x="3471364" y="6143776"/>
+              <a:ext cx="1159810" cy="0"/>
+            </a:xfrm>
+            <a:prstGeom prst="straightConnector1">
+              <a:avLst/>
+            </a:prstGeom>
+            <a:ln w="19050">
+              <a:tailEnd type="triangle"/>
+            </a:ln>
+          </p:spPr>
+          <p:style>
+            <a:lnRef idx="1">
+              <a:schemeClr val="dk1"/>
+            </a:lnRef>
+            <a:fillRef idx="0">
+              <a:schemeClr val="dk1"/>
+            </a:fillRef>
+            <a:effectRef idx="0">
+              <a:schemeClr val="dk1"/>
+            </a:effectRef>
+            <a:fontRef idx="minor">
+              <a:schemeClr val="tx1"/>
+            </a:fontRef>
+          </p:style>
+        </p:cxnSp>
+        <p:sp>
+          <p:nvSpPr>
+            <p:cNvPr id="87" name="CuadroTexto 86"/>
+            <p:cNvSpPr txBox="1"/>
+            <p:nvPr/>
+          </p:nvSpPr>
+          <p:spPr>
+            <a:xfrm>
+              <a:off x="3666051" y="6115143"/>
+              <a:ext cx="649537" cy="276999"/>
+            </a:xfrm>
+            <a:prstGeom prst="rect">
+              <a:avLst/>
+            </a:prstGeom>
+            <a:noFill/>
+          </p:spPr>
+          <p:txBody>
+            <a:bodyPr wrap="none" rtlCol="0">
+              <a:spAutoFit/>
+            </a:bodyPr>
+            <a:lstStyle/>
+            <a:p>
+              <a:r>
+                <a:rPr lang="es-ES" sz="1200" dirty="0" err="1" smtClean="0"/>
+                <a:t>q_ecg</a:t>
+              </a:r>
+              <a:r>
+                <a:rPr lang="es-ES" sz="1200" dirty="0" smtClean="0"/>
+                <a:t>()</a:t>
+              </a:r>
+              <a:endParaRPr lang="es-ES" sz="1200" dirty="0"/>
+            </a:p>
+          </p:txBody>
+        </p:sp>
+        <p:sp>
+          <p:nvSpPr>
+            <p:cNvPr id="88" name="Rectángulo redondeado 87"/>
+            <p:cNvSpPr/>
+            <p:nvPr/>
+          </p:nvSpPr>
+          <p:spPr>
+            <a:xfrm>
+              <a:off x="5145582" y="3932073"/>
+              <a:ext cx="1398617" cy="261779"/>
+            </a:xfrm>
+            <a:prstGeom prst="roundRect">
+              <a:avLst/>
+            </a:prstGeom>
+            <a:solidFill>
+              <a:schemeClr val="accent6">
+                <a:lumMod val="40000"/>
+                <a:lumOff val="60000"/>
+              </a:schemeClr>
+            </a:solidFill>
+            <a:ln w="19050"/>
+          </p:spPr>
+          <p:style>
+            <a:lnRef idx="2">
+              <a:schemeClr val="dk1"/>
+            </a:lnRef>
+            <a:fillRef idx="1">
+              <a:schemeClr val="lt1"/>
+            </a:fillRef>
+            <a:effectRef idx="0">
+              <a:schemeClr val="dk1"/>
+            </a:effectRef>
+            <a:fontRef idx="minor">
+              <a:schemeClr val="dk1"/>
+            </a:fontRef>
+          </p:style>
+          <p:txBody>
+            <a:bodyPr rtlCol="0" anchor="ctr"/>
+            <a:lstStyle/>
+            <a:p>
+              <a:pPr algn="ctr"/>
+              <a:r>
+                <a:rPr lang="es-ES" sz="1100" dirty="0" smtClean="0"/>
+                <a:t>Llamada a la función</a:t>
+              </a:r>
+              <a:endParaRPr lang="es-ES" sz="1100" dirty="0"/>
+            </a:p>
+          </p:txBody>
+        </p:sp>
+        <p:sp>
+          <p:nvSpPr>
+            <p:cNvPr id="89" name="Rectángulo redondeado 88"/>
+            <p:cNvSpPr/>
+            <p:nvPr/>
+          </p:nvSpPr>
+          <p:spPr>
+            <a:xfrm>
+              <a:off x="4629137" y="5965378"/>
+              <a:ext cx="2427044" cy="365372"/>
+            </a:xfrm>
+            <a:prstGeom prst="roundRect">
+              <a:avLst/>
+            </a:prstGeom>
+            <a:solidFill>
+              <a:schemeClr val="accent1">
+                <a:lumMod val="20000"/>
+                <a:lumOff val="80000"/>
+              </a:schemeClr>
+            </a:solidFill>
+            <a:ln w="19050"/>
+          </p:spPr>
+          <p:style>
+            <a:lnRef idx="2">
+              <a:schemeClr val="dk1"/>
+            </a:lnRef>
+            <a:fillRef idx="1">
+              <a:schemeClr val="lt1"/>
+            </a:fillRef>
+            <a:effectRef idx="0">
+              <a:schemeClr val="dk1"/>
+            </a:effectRef>
+            <a:fontRef idx="minor">
+              <a:schemeClr val="dk1"/>
+            </a:fontRef>
+          </p:style>
+          <p:txBody>
+            <a:bodyPr rtlCol="0" anchor="ctr"/>
+            <a:lstStyle/>
+            <a:p>
+              <a:pPr algn="ctr"/>
+              <a:r>
+                <a:rPr lang="es-ES" sz="1100" dirty="0" smtClean="0"/>
+                <a:t>Introducir la estructura en la </a:t>
+              </a:r>
+              <a:r>
+                <a:rPr lang="es-ES" sz="1100" i="1" dirty="0" smtClean="0"/>
+                <a:t>QUEUE</a:t>
+              </a:r>
+              <a:endParaRPr lang="es-ES" sz="1100" dirty="0"/>
+            </a:p>
+          </p:txBody>
+        </p:sp>
+        <p:sp>
+          <p:nvSpPr>
+            <p:cNvPr id="90" name="CuadroTexto 89"/>
+            <p:cNvSpPr txBox="1"/>
+            <p:nvPr/>
+          </p:nvSpPr>
+          <p:spPr>
+            <a:xfrm>
+              <a:off x="7112859" y="5916371"/>
+              <a:ext cx="657133" cy="276999"/>
+            </a:xfrm>
+            <a:prstGeom prst="rect">
+              <a:avLst/>
+            </a:prstGeom>
+            <a:noFill/>
+          </p:spPr>
+          <p:txBody>
+            <a:bodyPr wrap="square" rtlCol="0">
+              <a:spAutoFit/>
+            </a:bodyPr>
+            <a:lstStyle/>
+            <a:p>
+              <a:r>
+                <a:rPr lang="es-ES" sz="1200" dirty="0" err="1" smtClean="0"/>
+                <a:t>q_ecg</a:t>
+              </a:r>
+              <a:r>
+                <a:rPr lang="es-ES" sz="1200" dirty="0" smtClean="0"/>
+                <a:t>()</a:t>
+              </a:r>
+              <a:endParaRPr lang="es-ES" sz="1200" dirty="0"/>
+            </a:p>
+          </p:txBody>
+        </p:sp>
+        <p:cxnSp>
+          <p:nvCxnSpPr>
+            <p:cNvPr id="91" name="Conector recto de flecha 90"/>
+            <p:cNvCxnSpPr/>
+            <p:nvPr/>
+          </p:nvCxnSpPr>
+          <p:spPr>
+            <a:xfrm>
+              <a:off x="7056181" y="6176534"/>
+              <a:ext cx="770489" cy="0"/>
+            </a:xfrm>
+            <a:prstGeom prst="straightConnector1">
+              <a:avLst/>
+            </a:prstGeom>
+            <a:ln w="19050">
+              <a:tailEnd type="triangle"/>
+            </a:ln>
+          </p:spPr>
+          <p:style>
+            <a:lnRef idx="1">
+              <a:schemeClr val="dk1"/>
+            </a:lnRef>
+            <a:fillRef idx="0">
+              <a:schemeClr val="dk1"/>
+            </a:fillRef>
+            <a:effectRef idx="0">
+              <a:schemeClr val="dk1"/>
+            </a:effectRef>
+            <a:fontRef idx="minor">
+              <a:schemeClr val="tx1"/>
+            </a:fontRef>
+          </p:style>
+        </p:cxnSp>
+        <p:cxnSp>
+          <p:nvCxnSpPr>
+            <p:cNvPr id="100" name="Conector recto de flecha 99"/>
+            <p:cNvCxnSpPr>
+              <a:stCxn id="81" idx="2"/>
+              <a:endCxn id="89" idx="0"/>
+            </p:cNvCxnSpPr>
+            <p:nvPr/>
+          </p:nvCxnSpPr>
+          <p:spPr>
+            <a:xfrm flipH="1">
+              <a:off x="5842659" y="5803955"/>
+              <a:ext cx="2231" cy="161423"/>
+            </a:xfrm>
+            <a:prstGeom prst="straightConnector1">
+              <a:avLst/>
+            </a:prstGeom>
+            <a:ln w="19050">
+              <a:tailEnd type="triangle"/>
+            </a:ln>
+          </p:spPr>
+          <p:style>
+            <a:lnRef idx="1">
+              <a:schemeClr val="dk1"/>
+            </a:lnRef>
+            <a:fillRef idx="0">
+              <a:schemeClr val="dk1"/>
+            </a:fillRef>
+            <a:effectRef idx="0">
+              <a:schemeClr val="dk1"/>
+            </a:effectRef>
+            <a:fontRef idx="minor">
+              <a:schemeClr val="tx1"/>
+            </a:fontRef>
+          </p:style>
+        </p:cxnSp>
+        <p:cxnSp>
+          <p:nvCxnSpPr>
+            <p:cNvPr id="101" name="Conector recto de flecha 100"/>
+            <p:cNvCxnSpPr>
+              <a:stCxn id="89" idx="2"/>
+              <a:endCxn id="85" idx="0"/>
+            </p:cNvCxnSpPr>
+            <p:nvPr/>
+          </p:nvCxnSpPr>
+          <p:spPr>
+            <a:xfrm>
+              <a:off x="5842659" y="6330750"/>
+              <a:ext cx="2231" cy="161423"/>
+            </a:xfrm>
+            <a:prstGeom prst="straightConnector1">
+              <a:avLst/>
+            </a:prstGeom>
+            <a:ln w="19050">
+              <a:tailEnd type="triangle"/>
+            </a:ln>
+          </p:spPr>
+          <p:style>
+            <a:lnRef idx="1">
+              <a:schemeClr val="dk1"/>
+            </a:lnRef>
+            <a:fillRef idx="0">
+              <a:schemeClr val="dk1"/>
+            </a:fillRef>
+            <a:effectRef idx="0">
+              <a:schemeClr val="dk1"/>
+            </a:effectRef>
+            <a:fontRef idx="minor">
+              <a:schemeClr val="tx1"/>
+            </a:fontRef>
+          </p:style>
+        </p:cxnSp>
+      </p:grpSp>
+    </p:spTree>
+    <p:extLst>
+      <p:ext uri="{BB962C8B-B14F-4D97-AF65-F5344CB8AC3E}">
+        <p14:creationId xmlns:p14="http://schemas.microsoft.com/office/powerpoint/2010/main" val="3243159812"/>
+      </p:ext>
+    </p:extLst>
+  </p:cSld>
+  <p:clrMapOvr>
+    <a:masterClrMapping/>
+  </p:clrMapOvr>
+</p:sld>
+</file>
+
+<file path=ppt/slides/slide12.xml><?xml version="1.0" encoding="utf-8"?>
+<p:sld xmlns:a="http://schemas.openxmlformats.org/drawingml/2006/main" xmlns:r="http://schemas.openxmlformats.org/officeDocument/2006/relationships" xmlns:p="http://schemas.openxmlformats.org/presentationml/2006/main">
+  <p:cSld>
+    <p:spTree>
+      <p:nvGrpSpPr>
+        <p:cNvPr id="1" name=""/>
+        <p:cNvGrpSpPr/>
+        <p:nvPr/>
+      </p:nvGrpSpPr>
+      <p:grpSpPr>
+        <a:xfrm>
+          <a:off x="0" y="0"/>
+          <a:ext cx="0" cy="0"/>
+          <a:chOff x="0" y="0"/>
+          <a:chExt cx="0" cy="0"/>
+        </a:xfrm>
+      </p:grpSpPr>
+      <p:grpSp>
+        <p:nvGrpSpPr>
+          <p:cNvPr id="57" name="Grupo 56"/>
+          <p:cNvGrpSpPr/>
+          <p:nvPr/>
+        </p:nvGrpSpPr>
+        <p:grpSpPr>
+          <a:xfrm>
+            <a:off x="1462439" y="703011"/>
+            <a:ext cx="8735552" cy="3453832"/>
+            <a:chOff x="1462439" y="703011"/>
+            <a:chExt cx="8735552" cy="3453832"/>
+          </a:xfrm>
+        </p:grpSpPr>
         <p:grpSp>
           <p:nvGrpSpPr>
-            <p:cNvPr id="54" name="Grupo 53"/>
+            <p:cNvPr id="50" name="Grupo 49"/>
             <p:cNvGrpSpPr/>
             <p:nvPr/>
           </p:nvGrpSpPr>
           <p:grpSpPr>
             <a:xfrm>
-              <a:off x="1054894" y="1202125"/>
-              <a:ext cx="4895227" cy="2821879"/>
-              <a:chOff x="1054894" y="1202125"/>
-              <a:chExt cx="4895227" cy="2821879"/>
+              <a:off x="1462439" y="703011"/>
+              <a:ext cx="8735552" cy="3453832"/>
+              <a:chOff x="1491014" y="1274511"/>
+              <a:chExt cx="8735552" cy="3453832"/>
             </a:xfrm>
           </p:grpSpPr>
+          <p:grpSp>
+            <p:nvGrpSpPr>
+              <p:cNvPr id="4" name="Grupo 3"/>
+              <p:cNvGrpSpPr/>
+              <p:nvPr/>
+            </p:nvGrpSpPr>
+            <p:grpSpPr>
+              <a:xfrm>
+                <a:off x="1491014" y="1274511"/>
+                <a:ext cx="8735552" cy="3453832"/>
+                <a:chOff x="1491014" y="1274511"/>
+                <a:chExt cx="8735552" cy="3453832"/>
+              </a:xfrm>
+            </p:grpSpPr>
+            <p:cxnSp>
+              <p:nvCxnSpPr>
+                <p:cNvPr id="5" name="Conector recto de flecha 4"/>
+                <p:cNvCxnSpPr>
+                  <a:stCxn id="9" idx="3"/>
+                </p:cNvCxnSpPr>
+                <p:nvPr/>
+              </p:nvCxnSpPr>
+              <p:spPr>
+                <a:xfrm flipV="1">
+                  <a:off x="6722375" y="2552709"/>
+                  <a:ext cx="722052" cy="1"/>
+                </a:xfrm>
+                <a:prstGeom prst="straightConnector1">
+                  <a:avLst/>
+                </a:prstGeom>
+                <a:ln w="19050">
+                  <a:solidFill>
+                    <a:schemeClr val="bg2">
+                      <a:lumMod val="50000"/>
+                    </a:schemeClr>
+                  </a:solidFill>
+                  <a:tailEnd type="triangle"/>
+                </a:ln>
+              </p:spPr>
+              <p:style>
+                <a:lnRef idx="1">
+                  <a:schemeClr val="dk1"/>
+                </a:lnRef>
+                <a:fillRef idx="0">
+                  <a:schemeClr val="dk1"/>
+                </a:fillRef>
+                <a:effectRef idx="0">
+                  <a:schemeClr val="dk1"/>
+                </a:effectRef>
+                <a:fontRef idx="minor">
+                  <a:schemeClr val="tx1"/>
+                </a:fontRef>
+              </p:style>
+            </p:cxnSp>
+            <p:sp>
+              <p:nvSpPr>
+                <p:cNvPr id="6" name="Rectángulo redondeado 5"/>
+                <p:cNvSpPr/>
+                <p:nvPr/>
+              </p:nvSpPr>
+              <p:spPr>
+                <a:xfrm>
+                  <a:off x="5111548" y="1779087"/>
+                  <a:ext cx="1581712" cy="404681"/>
+                </a:xfrm>
+                <a:prstGeom prst="roundRect">
+                  <a:avLst/>
+                </a:prstGeom>
+                <a:solidFill>
+                  <a:schemeClr val="accent1">
+                    <a:lumMod val="20000"/>
+                    <a:lumOff val="80000"/>
+                  </a:schemeClr>
+                </a:solidFill>
+                <a:ln w="19050"/>
+              </p:spPr>
+              <p:style>
+                <a:lnRef idx="2">
+                  <a:schemeClr val="dk1"/>
+                </a:lnRef>
+                <a:fillRef idx="1">
+                  <a:schemeClr val="lt1"/>
+                </a:fillRef>
+                <a:effectRef idx="0">
+                  <a:schemeClr val="dk1"/>
+                </a:effectRef>
+                <a:fontRef idx="minor">
+                  <a:schemeClr val="dk1"/>
+                </a:fontRef>
+              </p:style>
+              <p:txBody>
+                <a:bodyPr rtlCol="0" anchor="ctr"/>
+                <a:lstStyle/>
+                <a:p>
+                  <a:pPr algn="ctr"/>
+                  <a:r>
+                    <a:rPr lang="es-ES" sz="1100" dirty="0" smtClean="0"/>
+                    <a:t>Creación de </a:t>
+                  </a:r>
+                  <a:r>
+                    <a:rPr lang="es-ES" sz="1100" dirty="0" smtClean="0"/>
+                    <a:t>lolas colas </a:t>
+                  </a:r>
+                  <a:r>
+                    <a:rPr lang="es-ES" sz="1100" i="1" dirty="0" smtClean="0"/>
+                    <a:t>QUEUE</a:t>
+                  </a:r>
+                  <a:endParaRPr lang="es-ES" sz="1100" dirty="0"/>
+                </a:p>
+              </p:txBody>
+            </p:sp>
+            <p:cxnSp>
+              <p:nvCxnSpPr>
+                <p:cNvPr id="7" name="Conector recto de flecha 6"/>
+                <p:cNvCxnSpPr>
+                  <a:stCxn id="6" idx="2"/>
+                  <a:endCxn id="9" idx="0"/>
+                </p:cNvCxnSpPr>
+                <p:nvPr/>
+              </p:nvCxnSpPr>
+              <p:spPr>
+                <a:xfrm flipH="1">
+                  <a:off x="5902403" y="2183768"/>
+                  <a:ext cx="1" cy="238052"/>
+                </a:xfrm>
+                <a:prstGeom prst="straightConnector1">
+                  <a:avLst/>
+                </a:prstGeom>
+                <a:ln w="19050">
+                  <a:tailEnd type="triangle"/>
+                </a:ln>
+              </p:spPr>
+              <p:style>
+                <a:lnRef idx="1">
+                  <a:schemeClr val="dk1"/>
+                </a:lnRef>
+                <a:fillRef idx="0">
+                  <a:schemeClr val="dk1"/>
+                </a:fillRef>
+                <a:effectRef idx="0">
+                  <a:schemeClr val="dk1"/>
+                </a:effectRef>
+                <a:fontRef idx="minor">
+                  <a:schemeClr val="tx1"/>
+                </a:fontRef>
+              </p:style>
+            </p:cxnSp>
+            <p:cxnSp>
+              <p:nvCxnSpPr>
+                <p:cNvPr id="8" name="Conector recto de flecha 7"/>
+                <p:cNvCxnSpPr>
+                  <a:stCxn id="11" idx="2"/>
+                  <a:endCxn id="6" idx="0"/>
+                </p:cNvCxnSpPr>
+                <p:nvPr/>
+              </p:nvCxnSpPr>
+              <p:spPr>
+                <a:xfrm>
+                  <a:off x="5902404" y="1536290"/>
+                  <a:ext cx="0" cy="242797"/>
+                </a:xfrm>
+                <a:prstGeom prst="straightConnector1">
+                  <a:avLst/>
+                </a:prstGeom>
+                <a:ln w="19050">
+                  <a:tailEnd type="triangle"/>
+                </a:ln>
+              </p:spPr>
+              <p:style>
+                <a:lnRef idx="1">
+                  <a:schemeClr val="dk1"/>
+                </a:lnRef>
+                <a:fillRef idx="0">
+                  <a:schemeClr val="dk1"/>
+                </a:fillRef>
+                <a:effectRef idx="0">
+                  <a:schemeClr val="dk1"/>
+                </a:effectRef>
+                <a:fontRef idx="minor">
+                  <a:schemeClr val="tx1"/>
+                </a:fontRef>
+              </p:style>
+            </p:cxnSp>
+            <p:sp>
+              <p:nvSpPr>
+                <p:cNvPr id="9" name="Rectángulo redondeado 8"/>
+                <p:cNvSpPr/>
+                <p:nvPr/>
+              </p:nvSpPr>
+              <p:spPr>
+                <a:xfrm>
+                  <a:off x="5082431" y="2421820"/>
+                  <a:ext cx="1639944" cy="261779"/>
+                </a:xfrm>
+                <a:prstGeom prst="roundRect">
+                  <a:avLst/>
+                </a:prstGeom>
+                <a:solidFill>
+                  <a:schemeClr val="accent1">
+                    <a:lumMod val="20000"/>
+                    <a:lumOff val="80000"/>
+                  </a:schemeClr>
+                </a:solidFill>
+                <a:ln w="19050"/>
+              </p:spPr>
+              <p:style>
+                <a:lnRef idx="2">
+                  <a:schemeClr val="dk1"/>
+                </a:lnRef>
+                <a:fillRef idx="1">
+                  <a:schemeClr val="lt1"/>
+                </a:fillRef>
+                <a:effectRef idx="0">
+                  <a:schemeClr val="dk1"/>
+                </a:effectRef>
+                <a:fontRef idx="minor">
+                  <a:schemeClr val="dk1"/>
+                </a:fontRef>
+              </p:style>
+              <p:txBody>
+                <a:bodyPr rtlCol="0" anchor="ctr"/>
+                <a:lstStyle/>
+                <a:p>
+                  <a:pPr algn="ctr"/>
+                  <a:r>
+                    <a:rPr lang="es-ES" sz="1100" dirty="0" smtClean="0"/>
+                    <a:t>Tomar el tiempo actual</a:t>
+                  </a:r>
+                  <a:endParaRPr lang="es-ES" sz="1100" dirty="0"/>
+                </a:p>
+              </p:txBody>
+            </p:sp>
+            <p:sp>
+              <p:nvSpPr>
+                <p:cNvPr id="10" name="CuadroTexto 9"/>
+                <p:cNvSpPr txBox="1"/>
+                <p:nvPr/>
+              </p:nvSpPr>
+              <p:spPr>
+                <a:xfrm>
+                  <a:off x="6604759" y="2792938"/>
+                  <a:ext cx="3621807" cy="276999"/>
+                </a:xfrm>
+                <a:prstGeom prst="rect">
+                  <a:avLst/>
+                </a:prstGeom>
+                <a:noFill/>
+              </p:spPr>
+              <p:txBody>
+                <a:bodyPr wrap="square" rtlCol="0">
+                  <a:spAutoFit/>
+                </a:bodyPr>
+                <a:lstStyle/>
+                <a:p>
+                  <a:r>
+                    <a:rPr lang="es-ES" sz="1200" dirty="0" smtClean="0"/>
+                    <a:t>T_POX: </a:t>
+                  </a:r>
+                  <a:r>
+                    <a:rPr lang="es-ES" sz="1200" dirty="0" smtClean="0">
+                      <a:solidFill>
+                        <a:schemeClr val="bg1">
+                          <a:lumMod val="50000"/>
+                        </a:schemeClr>
+                      </a:solidFill>
+                    </a:rPr>
+                    <a:t>t_0</a:t>
+                  </a:r>
+                  <a:r>
+                    <a:rPr lang="es-ES" sz="1200" dirty="0" smtClean="0"/>
+                    <a:t>, </a:t>
+                  </a:r>
+                  <a:r>
+                    <a:rPr lang="es-ES" sz="1200" dirty="0" smtClean="0"/>
+                    <a:t>Índice, Periodo, </a:t>
+                  </a:r>
+                  <a:r>
+                    <a:rPr lang="es-ES" sz="1200" dirty="0" err="1" smtClean="0"/>
+                    <a:t>generar_buffer_pox</a:t>
+                  </a:r>
+                  <a:r>
+                    <a:rPr lang="es-ES" sz="1200" dirty="0" smtClean="0"/>
+                    <a:t>, </a:t>
+                  </a:r>
+                  <a:r>
+                    <a:rPr lang="es-ES" sz="1200" dirty="0" err="1" smtClean="0"/>
+                    <a:t>q_pox</a:t>
+                  </a:r>
+                  <a:endParaRPr lang="es-ES" sz="1200" dirty="0"/>
+                </a:p>
+              </p:txBody>
+            </p:sp>
+            <p:sp>
+              <p:nvSpPr>
+                <p:cNvPr id="11" name="Rectángulo redondeado 10"/>
+                <p:cNvSpPr/>
+                <p:nvPr/>
+              </p:nvSpPr>
+              <p:spPr>
+                <a:xfrm>
+                  <a:off x="5203095" y="1274511"/>
+                  <a:ext cx="1398617" cy="261779"/>
+                </a:xfrm>
+                <a:prstGeom prst="roundRect">
+                  <a:avLst/>
+                </a:prstGeom>
+                <a:solidFill>
+                  <a:schemeClr val="accent6">
+                    <a:lumMod val="40000"/>
+                    <a:lumOff val="60000"/>
+                  </a:schemeClr>
+                </a:solidFill>
+                <a:ln w="19050"/>
+              </p:spPr>
+              <p:style>
+                <a:lnRef idx="2">
+                  <a:schemeClr val="dk1"/>
+                </a:lnRef>
+                <a:fillRef idx="1">
+                  <a:schemeClr val="lt1"/>
+                </a:fillRef>
+                <a:effectRef idx="0">
+                  <a:schemeClr val="dk1"/>
+                </a:effectRef>
+                <a:fontRef idx="minor">
+                  <a:schemeClr val="dk1"/>
+                </a:fontRef>
+              </p:style>
+              <p:txBody>
+                <a:bodyPr rtlCol="0" anchor="ctr"/>
+                <a:lstStyle/>
+                <a:p>
+                  <a:pPr algn="ctr"/>
+                  <a:r>
+                    <a:rPr lang="es-ES" sz="1100" dirty="0" smtClean="0"/>
+                    <a:t>Inicio del programa</a:t>
+                  </a:r>
+                  <a:endParaRPr lang="es-ES" sz="1100" dirty="0"/>
+                </a:p>
+              </p:txBody>
+            </p:sp>
+            <p:sp>
+              <p:nvSpPr>
+                <p:cNvPr id="12" name="Rectángulo redondeado 11"/>
+                <p:cNvSpPr/>
+                <p:nvPr/>
+              </p:nvSpPr>
+              <p:spPr>
+                <a:xfrm>
+                  <a:off x="5209975" y="2921651"/>
+                  <a:ext cx="1384856" cy="528687"/>
+                </a:xfrm>
+                <a:prstGeom prst="roundRect">
+                  <a:avLst/>
+                </a:prstGeom>
+                <a:solidFill>
+                  <a:schemeClr val="accent1">
+                    <a:lumMod val="20000"/>
+                    <a:lumOff val="80000"/>
+                  </a:schemeClr>
+                </a:solidFill>
+                <a:ln w="19050"/>
+              </p:spPr>
+              <p:style>
+                <a:lnRef idx="2">
+                  <a:schemeClr val="dk1"/>
+                </a:lnRef>
+                <a:fillRef idx="1">
+                  <a:schemeClr val="lt1"/>
+                </a:fillRef>
+                <a:effectRef idx="0">
+                  <a:schemeClr val="dk1"/>
+                </a:effectRef>
+                <a:fontRef idx="minor">
+                  <a:schemeClr val="dk1"/>
+                </a:fontRef>
+              </p:style>
+              <p:txBody>
+                <a:bodyPr rtlCol="0" anchor="ctr"/>
+                <a:lstStyle/>
+                <a:p>
+                  <a:pPr algn="ctr"/>
+                  <a:r>
+                    <a:rPr lang="es-ES" sz="1100" dirty="0" smtClean="0"/>
+                    <a:t>Creación de las 3 </a:t>
+                  </a:r>
+                  <a:r>
+                    <a:rPr lang="es-ES" sz="1100" dirty="0" smtClean="0"/>
+                    <a:t>Tareas</a:t>
+                  </a:r>
+                  <a:br>
+                    <a:rPr lang="es-ES" sz="1100" dirty="0" smtClean="0"/>
+                  </a:br>
+                  <a:r>
+                    <a:rPr lang="es-ES" sz="1100" dirty="0" smtClean="0"/>
+                    <a:t>(Recogida de datos) </a:t>
+                  </a:r>
+                  <a:endParaRPr lang="es-ES" sz="1100" dirty="0"/>
+                </a:p>
+              </p:txBody>
+            </p:sp>
+            <p:cxnSp>
+              <p:nvCxnSpPr>
+                <p:cNvPr id="13" name="Conector recto de flecha 12"/>
+                <p:cNvCxnSpPr>
+                  <a:stCxn id="9" idx="2"/>
+                  <a:endCxn id="12" idx="0"/>
+                </p:cNvCxnSpPr>
+                <p:nvPr/>
+              </p:nvCxnSpPr>
+              <p:spPr>
+                <a:xfrm>
+                  <a:off x="5902403" y="2683599"/>
+                  <a:ext cx="0" cy="238052"/>
+                </a:xfrm>
+                <a:prstGeom prst="straightConnector1">
+                  <a:avLst/>
+                </a:prstGeom>
+                <a:ln w="19050">
+                  <a:tailEnd type="triangle"/>
+                </a:ln>
+              </p:spPr>
+              <p:style>
+                <a:lnRef idx="1">
+                  <a:schemeClr val="dk1"/>
+                </a:lnRef>
+                <a:fillRef idx="0">
+                  <a:schemeClr val="dk1"/>
+                </a:fillRef>
+                <a:effectRef idx="0">
+                  <a:schemeClr val="dk1"/>
+                </a:effectRef>
+                <a:fontRef idx="minor">
+                  <a:schemeClr val="tx1"/>
+                </a:fontRef>
+              </p:style>
+            </p:cxnSp>
+            <p:cxnSp>
+              <p:nvCxnSpPr>
+                <p:cNvPr id="14" name="Conector recto de flecha 13"/>
+                <p:cNvCxnSpPr>
+                  <a:stCxn id="12" idx="2"/>
+                  <a:endCxn id="31" idx="0"/>
+                </p:cNvCxnSpPr>
+                <p:nvPr/>
+              </p:nvCxnSpPr>
+              <p:spPr>
+                <a:xfrm>
+                  <a:off x="5902403" y="3450338"/>
+                  <a:ext cx="2646" cy="182652"/>
+                </a:xfrm>
+                <a:prstGeom prst="straightConnector1">
+                  <a:avLst/>
+                </a:prstGeom>
+                <a:ln w="19050">
+                  <a:tailEnd type="triangle"/>
+                </a:ln>
+              </p:spPr>
+              <p:style>
+                <a:lnRef idx="1">
+                  <a:schemeClr val="dk1"/>
+                </a:lnRef>
+                <a:fillRef idx="0">
+                  <a:schemeClr val="dk1"/>
+                </a:fillRef>
+                <a:effectRef idx="0">
+                  <a:schemeClr val="dk1"/>
+                </a:effectRef>
+                <a:fontRef idx="minor">
+                  <a:schemeClr val="tx1"/>
+                </a:fontRef>
+              </p:style>
+            </p:cxnSp>
+            <p:cxnSp>
+              <p:nvCxnSpPr>
+                <p:cNvPr id="15" name="Conector recto de flecha 14"/>
+                <p:cNvCxnSpPr>
+                  <a:stCxn id="6" idx="3"/>
+                </p:cNvCxnSpPr>
+                <p:nvPr/>
+              </p:nvCxnSpPr>
+              <p:spPr>
+                <a:xfrm>
+                  <a:off x="6693260" y="1981428"/>
+                  <a:ext cx="1094906" cy="0"/>
+                </a:xfrm>
+                <a:prstGeom prst="straightConnector1">
+                  <a:avLst/>
+                </a:prstGeom>
+                <a:ln w="19050">
+                  <a:tailEnd type="triangle"/>
+                </a:ln>
+              </p:spPr>
+              <p:style>
+                <a:lnRef idx="1">
+                  <a:schemeClr val="dk1"/>
+                </a:lnRef>
+                <a:fillRef idx="0">
+                  <a:schemeClr val="dk1"/>
+                </a:fillRef>
+                <a:effectRef idx="0">
+                  <a:schemeClr val="dk1"/>
+                </a:effectRef>
+                <a:fontRef idx="minor">
+                  <a:schemeClr val="tx1"/>
+                </a:fontRef>
+              </p:style>
+            </p:cxnSp>
+            <p:sp>
+              <p:nvSpPr>
+                <p:cNvPr id="16" name="CuadroTexto 15"/>
+                <p:cNvSpPr txBox="1"/>
+                <p:nvPr/>
+              </p:nvSpPr>
+              <p:spPr>
+                <a:xfrm>
+                  <a:off x="6693260" y="1722749"/>
+                  <a:ext cx="984757" cy="276999"/>
+                </a:xfrm>
+                <a:prstGeom prst="rect">
+                  <a:avLst/>
+                </a:prstGeom>
+                <a:noFill/>
+              </p:spPr>
+              <p:txBody>
+                <a:bodyPr wrap="none" rtlCol="0">
+                  <a:spAutoFit/>
+                </a:bodyPr>
+                <a:lstStyle/>
+                <a:p>
+                  <a:r>
+                    <a:rPr lang="es-ES" sz="1200" dirty="0" err="1" smtClean="0"/>
+                    <a:t>q_pox</a:t>
+                  </a:r>
+                  <a:r>
+                    <a:rPr lang="es-ES" sz="1200" dirty="0" smtClean="0"/>
+                    <a:t>, </a:t>
+                  </a:r>
+                  <a:r>
+                    <a:rPr lang="es-ES" sz="1200" dirty="0" err="1" smtClean="0"/>
+                    <a:t>q_gsr</a:t>
+                  </a:r>
+                  <a:endParaRPr lang="es-ES" sz="1200" dirty="0"/>
+                </a:p>
+              </p:txBody>
+            </p:sp>
+            <p:sp>
+              <p:nvSpPr>
+                <p:cNvPr id="17" name="CuadroTexto 16"/>
+                <p:cNvSpPr txBox="1"/>
+                <p:nvPr/>
+              </p:nvSpPr>
+              <p:spPr>
+                <a:xfrm>
+                  <a:off x="6907357" y="1953197"/>
+                  <a:ext cx="556563" cy="276999"/>
+                </a:xfrm>
+                <a:prstGeom prst="rect">
+                  <a:avLst/>
+                </a:prstGeom>
+                <a:noFill/>
+              </p:spPr>
+              <p:txBody>
+                <a:bodyPr wrap="none" rtlCol="0">
+                  <a:spAutoFit/>
+                </a:bodyPr>
+                <a:lstStyle/>
+                <a:p>
+                  <a:pPr algn="ctr"/>
+                  <a:r>
+                    <a:rPr lang="es-ES" sz="1200" dirty="0" err="1" smtClean="0"/>
+                    <a:t>q_ecg</a:t>
+                  </a:r>
+                  <a:endParaRPr lang="es-ES" sz="1200" dirty="0"/>
+                </a:p>
+              </p:txBody>
+            </p:sp>
+            <p:cxnSp>
+              <p:nvCxnSpPr>
+                <p:cNvPr id="18" name="Conector recto de flecha 17"/>
+                <p:cNvCxnSpPr/>
+                <p:nvPr/>
+              </p:nvCxnSpPr>
+              <p:spPr>
+                <a:xfrm flipH="1">
+                  <a:off x="6594832" y="3055038"/>
+                  <a:ext cx="3631734" cy="0"/>
+                </a:xfrm>
+                <a:prstGeom prst="straightConnector1">
+                  <a:avLst/>
+                </a:prstGeom>
+                <a:ln w="19050">
+                  <a:solidFill>
+                    <a:schemeClr val="tx1"/>
+                  </a:solidFill>
+                  <a:tailEnd type="triangle"/>
+                </a:ln>
+              </p:spPr>
+              <p:style>
+                <a:lnRef idx="1">
+                  <a:schemeClr val="accent1"/>
+                </a:lnRef>
+                <a:fillRef idx="0">
+                  <a:schemeClr val="accent1"/>
+                </a:fillRef>
+                <a:effectRef idx="0">
+                  <a:schemeClr val="accent1"/>
+                </a:effectRef>
+                <a:fontRef idx="minor">
+                  <a:schemeClr val="tx1"/>
+                </a:fontRef>
+              </p:style>
+            </p:cxnSp>
+            <p:sp>
+              <p:nvSpPr>
+                <p:cNvPr id="19" name="CuadroTexto 18"/>
+                <p:cNvSpPr txBox="1"/>
+                <p:nvPr/>
+              </p:nvSpPr>
+              <p:spPr>
+                <a:xfrm>
+                  <a:off x="6843592" y="2494559"/>
+                  <a:ext cx="479618" cy="276999"/>
+                </a:xfrm>
+                <a:prstGeom prst="rect">
+                  <a:avLst/>
+                </a:prstGeom>
+                <a:noFill/>
+              </p:spPr>
+              <p:txBody>
+                <a:bodyPr wrap="square" rtlCol="0">
+                  <a:spAutoFit/>
+                </a:bodyPr>
+                <a:lstStyle/>
+                <a:p>
+                  <a:r>
+                    <a:rPr lang="es-ES" sz="1200" dirty="0" smtClean="0">
+                      <a:solidFill>
+                        <a:schemeClr val="bg1">
+                          <a:lumMod val="50000"/>
+                        </a:schemeClr>
+                      </a:solidFill>
+                    </a:rPr>
+                    <a:t>t_0</a:t>
+                  </a:r>
+                  <a:endParaRPr lang="es-ES" sz="1200" dirty="0">
+                    <a:solidFill>
+                      <a:schemeClr val="bg1">
+                        <a:lumMod val="50000"/>
+                      </a:schemeClr>
+                    </a:solidFill>
+                  </a:endParaRPr>
+                </a:p>
+              </p:txBody>
+            </p:sp>
+            <p:sp>
+              <p:nvSpPr>
+                <p:cNvPr id="20" name="CuadroTexto 19"/>
+                <p:cNvSpPr txBox="1"/>
+                <p:nvPr/>
+              </p:nvSpPr>
+              <p:spPr>
+                <a:xfrm>
+                  <a:off x="6614686" y="3053384"/>
+                  <a:ext cx="3611880" cy="276999"/>
+                </a:xfrm>
+                <a:prstGeom prst="rect">
+                  <a:avLst/>
+                </a:prstGeom>
+                <a:noFill/>
+              </p:spPr>
+              <p:txBody>
+                <a:bodyPr wrap="square" rtlCol="0">
+                  <a:spAutoFit/>
+                </a:bodyPr>
+                <a:lstStyle/>
+                <a:p>
+                  <a:r>
+                    <a:rPr lang="es-ES" sz="1200" dirty="0" smtClean="0"/>
+                    <a:t>T_GSR:</a:t>
+                  </a:r>
+                  <a:r>
+                    <a:rPr lang="es-ES" sz="1200" dirty="0" smtClean="0">
+                      <a:solidFill>
+                        <a:schemeClr val="bg1">
+                          <a:lumMod val="50000"/>
+                        </a:schemeClr>
+                      </a:solidFill>
+                    </a:rPr>
+                    <a:t> t_0</a:t>
+                  </a:r>
+                  <a:r>
+                    <a:rPr lang="es-ES" sz="1200" dirty="0" smtClean="0"/>
+                    <a:t>, Índice, Periodo</a:t>
+                  </a:r>
+                  <a:r>
+                    <a:rPr lang="es-ES" sz="1200" dirty="0" smtClean="0"/>
+                    <a:t>, </a:t>
+                  </a:r>
+                  <a:r>
+                    <a:rPr lang="es-ES" sz="1200" dirty="0" err="1" smtClean="0"/>
+                    <a:t>generar_buffer_gsr</a:t>
+                  </a:r>
+                  <a:r>
+                    <a:rPr lang="es-ES" sz="1200" dirty="0" smtClean="0"/>
+                    <a:t>,  </a:t>
+                  </a:r>
+                  <a:r>
+                    <a:rPr lang="es-ES" sz="1200" dirty="0" err="1" smtClean="0"/>
+                    <a:t>q_gsr</a:t>
+                  </a:r>
+                  <a:endParaRPr lang="es-ES" sz="1200" dirty="0"/>
+                </a:p>
+              </p:txBody>
+            </p:sp>
+            <p:cxnSp>
+              <p:nvCxnSpPr>
+                <p:cNvPr id="21" name="Conector recto de flecha 20"/>
+                <p:cNvCxnSpPr/>
+                <p:nvPr/>
+              </p:nvCxnSpPr>
+              <p:spPr>
+                <a:xfrm flipH="1">
+                  <a:off x="6604760" y="3315484"/>
+                  <a:ext cx="3621806" cy="0"/>
+                </a:xfrm>
+                <a:prstGeom prst="straightConnector1">
+                  <a:avLst/>
+                </a:prstGeom>
+                <a:ln w="19050">
+                  <a:solidFill>
+                    <a:schemeClr val="tx1"/>
+                  </a:solidFill>
+                  <a:tailEnd type="triangle"/>
+                </a:ln>
+              </p:spPr>
+              <p:style>
+                <a:lnRef idx="1">
+                  <a:schemeClr val="accent1"/>
+                </a:lnRef>
+                <a:fillRef idx="0">
+                  <a:schemeClr val="accent1"/>
+                </a:fillRef>
+                <a:effectRef idx="0">
+                  <a:schemeClr val="accent1"/>
+                </a:effectRef>
+                <a:fontRef idx="minor">
+                  <a:schemeClr val="tx1"/>
+                </a:fontRef>
+              </p:style>
+            </p:cxnSp>
+            <p:cxnSp>
+              <p:nvCxnSpPr>
+                <p:cNvPr id="22" name="Conector recto de flecha 21"/>
+                <p:cNvCxnSpPr>
+                  <a:endCxn id="12" idx="1"/>
+                </p:cNvCxnSpPr>
+                <p:nvPr/>
+              </p:nvCxnSpPr>
+              <p:spPr>
+                <a:xfrm flipV="1">
+                  <a:off x="1491014" y="3185995"/>
+                  <a:ext cx="3718961" cy="5888"/>
+                </a:xfrm>
+                <a:prstGeom prst="straightConnector1">
+                  <a:avLst/>
+                </a:prstGeom>
+                <a:ln w="19050">
+                  <a:solidFill>
+                    <a:schemeClr val="tx1"/>
+                  </a:solidFill>
+                  <a:tailEnd type="triangle"/>
+                </a:ln>
+              </p:spPr>
+              <p:style>
+                <a:lnRef idx="1">
+                  <a:schemeClr val="accent1"/>
+                </a:lnRef>
+                <a:fillRef idx="0">
+                  <a:schemeClr val="accent1"/>
+                </a:fillRef>
+                <a:effectRef idx="0">
+                  <a:schemeClr val="accent1"/>
+                </a:effectRef>
+                <a:fontRef idx="minor">
+                  <a:schemeClr val="tx1"/>
+                </a:fontRef>
+              </p:style>
+            </p:cxnSp>
+            <p:sp>
+              <p:nvSpPr>
+                <p:cNvPr id="23" name="CuadroTexto 22"/>
+                <p:cNvSpPr txBox="1"/>
+                <p:nvPr/>
+              </p:nvSpPr>
+              <p:spPr>
+                <a:xfrm>
+                  <a:off x="1491014" y="2902669"/>
+                  <a:ext cx="3633354" cy="276999"/>
+                </a:xfrm>
+                <a:prstGeom prst="rect">
+                  <a:avLst/>
+                </a:prstGeom>
+                <a:noFill/>
+              </p:spPr>
+              <p:txBody>
+                <a:bodyPr wrap="square" rtlCol="0">
+                  <a:spAutoFit/>
+                </a:bodyPr>
+                <a:lstStyle/>
+                <a:p>
+                  <a:r>
+                    <a:rPr lang="es-ES" sz="1200" dirty="0" smtClean="0"/>
+                    <a:t>T_ECG:</a:t>
+                  </a:r>
+                  <a:r>
+                    <a:rPr lang="es-ES" sz="1200" dirty="0" smtClean="0">
+                      <a:solidFill>
+                        <a:schemeClr val="bg1">
+                          <a:lumMod val="50000"/>
+                        </a:schemeClr>
+                      </a:solidFill>
+                    </a:rPr>
+                    <a:t> </a:t>
+                  </a:r>
+                  <a:r>
+                    <a:rPr lang="es-ES" sz="1200" dirty="0">
+                      <a:solidFill>
+                        <a:schemeClr val="bg1">
+                          <a:lumMod val="50000"/>
+                        </a:schemeClr>
+                      </a:solidFill>
+                    </a:rPr>
+                    <a:t>t_0</a:t>
+                  </a:r>
+                  <a:r>
+                    <a:rPr lang="es-ES" sz="1200" dirty="0"/>
+                    <a:t>, Índice, Periodo, </a:t>
+                  </a:r>
+                  <a:r>
+                    <a:rPr lang="es-ES" sz="1200" dirty="0" err="1" smtClean="0"/>
+                    <a:t>generar_buffer_ecg</a:t>
+                  </a:r>
+                  <a:r>
+                    <a:rPr lang="es-ES" sz="1200" dirty="0" smtClean="0"/>
+                    <a:t>,  </a:t>
+                  </a:r>
+                  <a:r>
+                    <a:rPr lang="es-ES" sz="1200" dirty="0" err="1" smtClean="0"/>
+                    <a:t>q_ecg</a:t>
+                  </a:r>
+                  <a:endParaRPr lang="es-ES" sz="1200" dirty="0"/>
+                </a:p>
+              </p:txBody>
+            </p:sp>
+            <p:sp>
+              <p:nvSpPr>
+                <p:cNvPr id="24" name="Rectángulo redondeado 23"/>
+                <p:cNvSpPr/>
+                <p:nvPr/>
+              </p:nvSpPr>
+              <p:spPr>
+                <a:xfrm>
+                  <a:off x="5212093" y="4332647"/>
+                  <a:ext cx="1384856" cy="395696"/>
+                </a:xfrm>
+                <a:prstGeom prst="roundRect">
+                  <a:avLst/>
+                </a:prstGeom>
+                <a:solidFill>
+                  <a:schemeClr val="accent6">
+                    <a:lumMod val="40000"/>
+                    <a:lumOff val="60000"/>
+                  </a:schemeClr>
+                </a:solidFill>
+                <a:ln w="19050"/>
+              </p:spPr>
+              <p:style>
+                <a:lnRef idx="2">
+                  <a:schemeClr val="dk1"/>
+                </a:lnRef>
+                <a:fillRef idx="1">
+                  <a:schemeClr val="lt1"/>
+                </a:fillRef>
+                <a:effectRef idx="0">
+                  <a:schemeClr val="dk1"/>
+                </a:effectRef>
+                <a:fontRef idx="minor">
+                  <a:schemeClr val="dk1"/>
+                </a:fontRef>
+              </p:style>
+              <p:txBody>
+                <a:bodyPr rtlCol="0" anchor="ctr"/>
+                <a:lstStyle/>
+                <a:p>
+                  <a:pPr algn="ctr"/>
+                  <a:r>
+                    <a:rPr lang="es-ES" sz="1100" dirty="0" smtClean="0"/>
+                    <a:t>Inicialización de las Tareas</a:t>
+                  </a:r>
+                  <a:endParaRPr lang="es-ES" sz="1100" dirty="0"/>
+                </a:p>
+              </p:txBody>
+            </p:sp>
+          </p:grpSp>
           <p:sp>
             <p:nvSpPr>
-              <p:cNvPr id="6" name="Rectángulo redondeado 5"/>
+              <p:cNvPr id="31" name="Rectángulo redondeado 30"/>
               <p:cNvSpPr/>
               <p:nvPr/>
             </p:nvSpPr>
             <p:spPr>
               <a:xfrm>
-                <a:off x="2643915" y="1706701"/>
+                <a:off x="5212621" y="3632990"/>
+                <a:ext cx="1384856" cy="528687"/>
+              </a:xfrm>
+              <a:prstGeom prst="roundRect">
+                <a:avLst/>
+              </a:prstGeom>
+              <a:solidFill>
+                <a:schemeClr val="accent1">
+                  <a:lumMod val="20000"/>
+                  <a:lumOff val="80000"/>
+                </a:schemeClr>
+              </a:solidFill>
+              <a:ln w="19050"/>
+            </p:spPr>
+            <p:style>
+              <a:lnRef idx="2">
+                <a:schemeClr val="dk1"/>
+              </a:lnRef>
+              <a:fillRef idx="1">
+                <a:schemeClr val="lt1"/>
+              </a:fillRef>
+              <a:effectRef idx="0">
+                <a:schemeClr val="dk1"/>
+              </a:effectRef>
+              <a:fontRef idx="minor">
+                <a:schemeClr val="dk1"/>
+              </a:fontRef>
+            </p:style>
+            <p:txBody>
+              <a:bodyPr rtlCol="0" anchor="ctr"/>
+              <a:lstStyle/>
+              <a:p>
+                <a:pPr algn="ctr"/>
+                <a:r>
+                  <a:rPr lang="es-ES" sz="1100" dirty="0" smtClean="0"/>
+                  <a:t>Creación de las 3 </a:t>
+                </a:r>
+                <a:r>
+                  <a:rPr lang="es-ES" sz="1100" dirty="0" smtClean="0"/>
+                  <a:t>Tareas</a:t>
+                </a:r>
+                <a:br>
+                  <a:rPr lang="es-ES" sz="1100" dirty="0" smtClean="0"/>
+                </a:br>
+                <a:r>
+                  <a:rPr lang="es-ES" sz="1100" dirty="0" smtClean="0"/>
+                  <a:t>(Subida de datos) </a:t>
+                </a:r>
+                <a:endParaRPr lang="es-ES" sz="1100" dirty="0"/>
+              </a:p>
+            </p:txBody>
+          </p:sp>
+          <p:cxnSp>
+            <p:nvCxnSpPr>
+              <p:cNvPr id="35" name="Conector recto de flecha 34"/>
+              <p:cNvCxnSpPr/>
+              <p:nvPr/>
+            </p:nvCxnSpPr>
+            <p:spPr>
+              <a:xfrm flipH="1">
+                <a:off x="6594832" y="3776664"/>
+                <a:ext cx="2114193" cy="0"/>
+              </a:xfrm>
+              <a:prstGeom prst="straightConnector1">
+                <a:avLst/>
+              </a:prstGeom>
+              <a:ln w="19050">
+                <a:solidFill>
+                  <a:schemeClr val="tx1"/>
+                </a:solidFill>
+                <a:tailEnd type="triangle"/>
+              </a:ln>
+            </p:spPr>
+            <p:style>
+              <a:lnRef idx="1">
+                <a:schemeClr val="dk1"/>
+              </a:lnRef>
+              <a:fillRef idx="0">
+                <a:schemeClr val="dk1"/>
+              </a:fillRef>
+              <a:effectRef idx="0">
+                <a:schemeClr val="dk1"/>
+              </a:effectRef>
+              <a:fontRef idx="minor">
+                <a:schemeClr val="tx1"/>
+              </a:fontRef>
+            </p:style>
+          </p:cxnSp>
+          <p:cxnSp>
+            <p:nvCxnSpPr>
+              <p:cNvPr id="36" name="Conector recto de flecha 35"/>
+              <p:cNvCxnSpPr/>
+              <p:nvPr/>
+            </p:nvCxnSpPr>
+            <p:spPr>
+              <a:xfrm flipH="1">
+                <a:off x="6601713" y="4005264"/>
+                <a:ext cx="2107312" cy="0"/>
+              </a:xfrm>
+              <a:prstGeom prst="straightConnector1">
+                <a:avLst/>
+              </a:prstGeom>
+              <a:ln w="19050">
+                <a:solidFill>
+                  <a:schemeClr val="tx1"/>
+                </a:solidFill>
+                <a:tailEnd type="triangle"/>
+              </a:ln>
+            </p:spPr>
+            <p:style>
+              <a:lnRef idx="1">
+                <a:schemeClr val="dk1"/>
+              </a:lnRef>
+              <a:fillRef idx="0">
+                <a:schemeClr val="dk1"/>
+              </a:fillRef>
+              <a:effectRef idx="0">
+                <a:schemeClr val="dk1"/>
+              </a:effectRef>
+              <a:fontRef idx="minor">
+                <a:schemeClr val="tx1"/>
+              </a:fontRef>
+            </p:style>
+          </p:cxnSp>
+          <p:cxnSp>
+            <p:nvCxnSpPr>
+              <p:cNvPr id="40" name="Conector recto de flecha 39"/>
+              <p:cNvCxnSpPr>
+                <a:endCxn id="31" idx="1"/>
+              </p:cNvCxnSpPr>
+              <p:nvPr/>
+            </p:nvCxnSpPr>
+            <p:spPr>
+              <a:xfrm>
+                <a:off x="2956008" y="3897334"/>
+                <a:ext cx="2256613" cy="0"/>
+              </a:xfrm>
+              <a:prstGeom prst="straightConnector1">
+                <a:avLst/>
+              </a:prstGeom>
+              <a:ln w="19050">
+                <a:solidFill>
+                  <a:schemeClr val="tx1"/>
+                </a:solidFill>
+                <a:tailEnd type="triangle"/>
+              </a:ln>
+            </p:spPr>
+            <p:style>
+              <a:lnRef idx="1">
+                <a:schemeClr val="dk1"/>
+              </a:lnRef>
+              <a:fillRef idx="0">
+                <a:schemeClr val="dk1"/>
+              </a:fillRef>
+              <a:effectRef idx="0">
+                <a:schemeClr val="dk1"/>
+              </a:effectRef>
+              <a:fontRef idx="minor">
+                <a:schemeClr val="tx1"/>
+              </a:fontRef>
+            </p:style>
+          </p:cxnSp>
+          <p:sp>
+            <p:nvSpPr>
+              <p:cNvPr id="41" name="CuadroTexto 40"/>
+              <p:cNvSpPr txBox="1"/>
+              <p:nvPr/>
+            </p:nvSpPr>
+            <p:spPr>
+              <a:xfrm>
+                <a:off x="2986559" y="3650404"/>
+                <a:ext cx="2168360" cy="276999"/>
+              </a:xfrm>
+              <a:prstGeom prst="rect">
+                <a:avLst/>
+              </a:prstGeom>
+              <a:noFill/>
+            </p:spPr>
+            <p:txBody>
+              <a:bodyPr wrap="square" rtlCol="0">
+                <a:spAutoFit/>
+              </a:bodyPr>
+              <a:lstStyle/>
+              <a:p>
+                <a:r>
+                  <a:rPr lang="es-ES" sz="1200" dirty="0" err="1" smtClean="0"/>
+                  <a:t>Envio_ECG</a:t>
+                </a:r>
+                <a:r>
+                  <a:rPr lang="es-ES" sz="1200" dirty="0" smtClean="0"/>
+                  <a:t>: </a:t>
+                </a:r>
+                <a:r>
+                  <a:rPr lang="es-ES" sz="1200" dirty="0" err="1" smtClean="0"/>
+                  <a:t>insertar_ecg</a:t>
+                </a:r>
+                <a:r>
+                  <a:rPr lang="es-ES" sz="1200" dirty="0"/>
+                  <a:t>,</a:t>
+                </a:r>
+                <a:r>
+                  <a:rPr lang="es-ES" sz="1200" dirty="0" smtClean="0"/>
+                  <a:t> </a:t>
+                </a:r>
+                <a:r>
+                  <a:rPr lang="es-ES" sz="1200" dirty="0" err="1" smtClean="0"/>
+                  <a:t>q_ecg</a:t>
+                </a:r>
+                <a:endParaRPr lang="es-ES" sz="1200" dirty="0"/>
+              </a:p>
+            </p:txBody>
+          </p:sp>
+          <p:cxnSp>
+            <p:nvCxnSpPr>
+              <p:cNvPr id="47" name="Conector recto de flecha 46"/>
+              <p:cNvCxnSpPr>
+                <a:stCxn id="31" idx="2"/>
+                <a:endCxn id="24" idx="0"/>
+              </p:cNvCxnSpPr>
+              <p:nvPr/>
+            </p:nvCxnSpPr>
+            <p:spPr>
+              <a:xfrm flipH="1">
+                <a:off x="5904521" y="4161677"/>
+                <a:ext cx="528" cy="170970"/>
+              </a:xfrm>
+              <a:prstGeom prst="straightConnector1">
+                <a:avLst/>
+              </a:prstGeom>
+              <a:ln w="19050">
+                <a:tailEnd type="triangle"/>
+              </a:ln>
+            </p:spPr>
+            <p:style>
+              <a:lnRef idx="1">
+                <a:schemeClr val="dk1"/>
+              </a:lnRef>
+              <a:fillRef idx="0">
+                <a:schemeClr val="dk1"/>
+              </a:fillRef>
+              <a:effectRef idx="0">
+                <a:schemeClr val="dk1"/>
+              </a:effectRef>
+              <a:fontRef idx="minor">
+                <a:schemeClr val="tx1"/>
+              </a:fontRef>
+            </p:style>
+          </p:cxnSp>
+        </p:grpSp>
+        <p:sp>
+          <p:nvSpPr>
+            <p:cNvPr id="53" name="CuadroTexto 52"/>
+            <p:cNvSpPr txBox="1"/>
+            <p:nvPr/>
+          </p:nvSpPr>
+          <p:spPr>
+            <a:xfrm>
+              <a:off x="6586111" y="2961532"/>
+              <a:ext cx="2168360" cy="276999"/>
+            </a:xfrm>
+            <a:prstGeom prst="rect">
+              <a:avLst/>
+            </a:prstGeom>
+            <a:noFill/>
+          </p:spPr>
+          <p:txBody>
+            <a:bodyPr wrap="square" rtlCol="0">
+              <a:spAutoFit/>
+            </a:bodyPr>
+            <a:lstStyle/>
+            <a:p>
+              <a:r>
+                <a:rPr lang="es-ES" sz="1200" dirty="0" err="1" smtClean="0"/>
+                <a:t>Envio_ECG</a:t>
+              </a:r>
+              <a:r>
+                <a:rPr lang="es-ES" sz="1200" dirty="0" smtClean="0"/>
+                <a:t>: </a:t>
+              </a:r>
+              <a:r>
+                <a:rPr lang="es-ES" sz="1200" dirty="0" err="1" smtClean="0"/>
+                <a:t>insertar_pox</a:t>
+              </a:r>
+              <a:r>
+                <a:rPr lang="es-ES" sz="1200" dirty="0" smtClean="0"/>
+                <a:t>, </a:t>
+              </a:r>
+              <a:r>
+                <a:rPr lang="es-ES" sz="1200" dirty="0" err="1" smtClean="0"/>
+                <a:t>q_pox</a:t>
+              </a:r>
+              <a:endParaRPr lang="es-ES" sz="1200" dirty="0"/>
+            </a:p>
+          </p:txBody>
+        </p:sp>
+        <p:sp>
+          <p:nvSpPr>
+            <p:cNvPr id="55" name="CuadroTexto 54"/>
+            <p:cNvSpPr txBox="1"/>
+            <p:nvPr/>
+          </p:nvSpPr>
+          <p:spPr>
+            <a:xfrm>
+              <a:off x="6585837" y="3200576"/>
+              <a:ext cx="2168360" cy="276999"/>
+            </a:xfrm>
+            <a:prstGeom prst="rect">
+              <a:avLst/>
+            </a:prstGeom>
+            <a:noFill/>
+          </p:spPr>
+          <p:txBody>
+            <a:bodyPr wrap="square" rtlCol="0">
+              <a:spAutoFit/>
+            </a:bodyPr>
+            <a:lstStyle/>
+            <a:p>
+              <a:r>
+                <a:rPr lang="es-ES" sz="1200" dirty="0" err="1" smtClean="0"/>
+                <a:t>Envio_GSR</a:t>
+              </a:r>
+              <a:r>
+                <a:rPr lang="es-ES" sz="1200" dirty="0" smtClean="0"/>
+                <a:t>: </a:t>
+              </a:r>
+              <a:r>
+                <a:rPr lang="es-ES" sz="1200" dirty="0" err="1" smtClean="0"/>
+                <a:t>insertar_gsr</a:t>
+              </a:r>
+              <a:r>
+                <a:rPr lang="es-ES" sz="1200" dirty="0" smtClean="0"/>
+                <a:t>, </a:t>
+              </a:r>
+              <a:r>
+                <a:rPr lang="es-ES" sz="1200" dirty="0" err="1" smtClean="0"/>
+                <a:t>q_gsr</a:t>
+              </a:r>
+              <a:endParaRPr lang="es-ES" sz="1200" dirty="0"/>
+            </a:p>
+          </p:txBody>
+        </p:sp>
+      </p:grpSp>
+    </p:spTree>
+    <p:extLst>
+      <p:ext uri="{BB962C8B-B14F-4D97-AF65-F5344CB8AC3E}">
+        <p14:creationId xmlns:p14="http://schemas.microsoft.com/office/powerpoint/2010/main" val="231621833"/>
+      </p:ext>
+    </p:extLst>
+  </p:cSld>
+  <p:clrMapOvr>
+    <a:masterClrMapping/>
+  </p:clrMapOvr>
+</p:sld>
+</file>
+
+<file path=ppt/slides/slide13.xml><?xml version="1.0" encoding="utf-8"?>
+<p:sld xmlns:a="http://schemas.openxmlformats.org/drawingml/2006/main" xmlns:r="http://schemas.openxmlformats.org/officeDocument/2006/relationships" xmlns:p="http://schemas.openxmlformats.org/presentationml/2006/main">
+  <p:cSld>
+    <p:spTree>
+      <p:nvGrpSpPr>
+        <p:cNvPr id="1" name=""/>
+        <p:cNvGrpSpPr/>
+        <p:nvPr/>
+      </p:nvGrpSpPr>
+      <p:grpSpPr>
+        <a:xfrm>
+          <a:off x="0" y="0"/>
+          <a:ext cx="0" cy="0"/>
+          <a:chOff x="0" y="0"/>
+          <a:chExt cx="0" cy="0"/>
+        </a:xfrm>
+      </p:grpSpPr>
+      <p:grpSp>
+        <p:nvGrpSpPr>
+          <p:cNvPr id="19" name="Grupo 18"/>
+          <p:cNvGrpSpPr/>
+          <p:nvPr/>
+        </p:nvGrpSpPr>
+        <p:grpSpPr>
+          <a:xfrm>
+            <a:off x="149917" y="98540"/>
+            <a:ext cx="3812483" cy="3369874"/>
+            <a:chOff x="2672400" y="844774"/>
+            <a:chExt cx="3812483" cy="3369874"/>
+          </a:xfrm>
+        </p:grpSpPr>
+        <p:sp>
+          <p:nvSpPr>
+            <p:cNvPr id="4" name="Rectángulo redondeado 3"/>
+            <p:cNvSpPr/>
+            <p:nvPr/>
+          </p:nvSpPr>
+          <p:spPr>
+            <a:xfrm>
+              <a:off x="2672400" y="844774"/>
+              <a:ext cx="3812483" cy="3369874"/>
+            </a:xfrm>
+            <a:prstGeom prst="roundRect">
+              <a:avLst>
+                <a:gd name="adj" fmla="val 4191"/>
+              </a:avLst>
+            </a:prstGeom>
+            <a:solidFill>
+              <a:schemeClr val="accent6">
+                <a:lumMod val="40000"/>
+                <a:lumOff val="60000"/>
+              </a:schemeClr>
+            </a:solidFill>
+            <a:ln w="19050"/>
+          </p:spPr>
+          <p:style>
+            <a:lnRef idx="2">
+              <a:schemeClr val="dk1"/>
+            </a:lnRef>
+            <a:fillRef idx="1">
+              <a:schemeClr val="lt1"/>
+            </a:fillRef>
+            <a:effectRef idx="0">
+              <a:schemeClr val="dk1"/>
+            </a:effectRef>
+            <a:fontRef idx="minor">
+              <a:schemeClr val="dk1"/>
+            </a:fontRef>
+          </p:style>
+          <p:txBody>
+            <a:bodyPr rtlCol="0" anchor="ctr"/>
+            <a:lstStyle/>
+            <a:p>
+              <a:pPr algn="ctr"/>
+              <a:endParaRPr lang="es-ES" sz="1100" dirty="0"/>
+            </a:p>
+          </p:txBody>
+        </p:sp>
+        <p:grpSp>
+          <p:nvGrpSpPr>
+            <p:cNvPr id="18" name="Grupo 17"/>
+            <p:cNvGrpSpPr/>
+            <p:nvPr/>
+          </p:nvGrpSpPr>
+          <p:grpSpPr>
+            <a:xfrm>
+              <a:off x="3013338" y="1623209"/>
+              <a:ext cx="3130604" cy="2292533"/>
+              <a:chOff x="3013337" y="1463259"/>
+              <a:chExt cx="3130604" cy="2292533"/>
+            </a:xfrm>
+          </p:grpSpPr>
+          <p:grpSp>
+            <p:nvGrpSpPr>
+              <p:cNvPr id="12" name="Grupo 11"/>
+              <p:cNvGrpSpPr/>
+              <p:nvPr/>
+            </p:nvGrpSpPr>
+            <p:grpSpPr>
+              <a:xfrm>
+                <a:off x="3013339" y="1463259"/>
+                <a:ext cx="3130602" cy="681148"/>
+                <a:chOff x="3013340" y="1230265"/>
+                <a:chExt cx="3130602" cy="681148"/>
+              </a:xfrm>
+            </p:grpSpPr>
+            <p:sp>
+              <p:nvSpPr>
+                <p:cNvPr id="5" name="Rectángulo redondeado 4"/>
+                <p:cNvSpPr/>
+                <p:nvPr/>
+              </p:nvSpPr>
+              <p:spPr>
+                <a:xfrm>
+                  <a:off x="3013340" y="1230265"/>
+                  <a:ext cx="3130602" cy="404681"/>
+                </a:xfrm>
+                <a:prstGeom prst="roundRect">
+                  <a:avLst/>
+                </a:prstGeom>
+                <a:solidFill>
+                  <a:schemeClr val="accent1">
+                    <a:lumMod val="20000"/>
+                    <a:lumOff val="80000"/>
+                  </a:schemeClr>
+                </a:solidFill>
+                <a:ln w="19050"/>
+              </p:spPr>
+              <p:style>
+                <a:lnRef idx="2">
+                  <a:schemeClr val="dk1"/>
+                </a:lnRef>
+                <a:fillRef idx="1">
+                  <a:schemeClr val="lt1"/>
+                </a:fillRef>
+                <a:effectRef idx="0">
+                  <a:schemeClr val="dk1"/>
+                </a:effectRef>
+                <a:fontRef idx="minor">
+                  <a:schemeClr val="dk1"/>
+                </a:fontRef>
+              </p:style>
+              <p:txBody>
+                <a:bodyPr rtlCol="0" anchor="ctr"/>
+                <a:lstStyle/>
+                <a:p>
+                  <a:pPr algn="ctr"/>
+                  <a:r>
+                    <a:rPr lang="es-ES" sz="1400" dirty="0" err="1" smtClean="0"/>
+                    <a:t>coger_datos_pox</a:t>
+                  </a:r>
+                  <a:r>
+                    <a:rPr lang="es-ES" sz="1400" dirty="0" smtClean="0"/>
+                    <a:t>()</a:t>
+                  </a:r>
+                  <a:endParaRPr lang="es-ES" sz="1400" dirty="0"/>
+                </a:p>
+              </p:txBody>
+            </p:sp>
+            <p:sp>
+              <p:nvSpPr>
+                <p:cNvPr id="9" name="Rectángulo 8"/>
+                <p:cNvSpPr/>
+                <p:nvPr/>
+              </p:nvSpPr>
+              <p:spPr>
+                <a:xfrm>
+                  <a:off x="3978858" y="1634946"/>
+                  <a:ext cx="1199565" cy="276467"/>
+                </a:xfrm>
+                <a:prstGeom prst="rect">
+                  <a:avLst/>
+                </a:prstGeom>
+                <a:solidFill>
+                  <a:schemeClr val="bg1"/>
+                </a:solidFill>
+                <a:ln w="19050">
+                  <a:solidFill>
+                    <a:schemeClr val="tx1"/>
+                  </a:solidFill>
+                </a:ln>
+              </p:spPr>
+              <p:style>
+                <a:lnRef idx="2">
+                  <a:schemeClr val="accent6"/>
+                </a:lnRef>
+                <a:fillRef idx="1">
+                  <a:schemeClr val="lt1"/>
+                </a:fillRef>
+                <a:effectRef idx="0">
+                  <a:schemeClr val="accent6"/>
+                </a:effectRef>
+                <a:fontRef idx="minor">
+                  <a:schemeClr val="dk1"/>
+                </a:fontRef>
+              </p:style>
+              <p:txBody>
+                <a:bodyPr rtlCol="0" anchor="ctr"/>
+                <a:lstStyle/>
+                <a:p>
+                  <a:pPr algn="ctr"/>
+                  <a:r>
+                    <a:rPr lang="es-ES" sz="1100" dirty="0" err="1"/>
+                    <a:t>r</a:t>
+                  </a:r>
+                  <a:r>
+                    <a:rPr lang="es-ES" sz="1100" dirty="0" err="1" smtClean="0"/>
+                    <a:t>eturn</a:t>
+                  </a:r>
+                  <a:r>
+                    <a:rPr lang="es-ES" sz="1100" dirty="0" smtClean="0"/>
+                    <a:t> (red, ir)</a:t>
+                  </a:r>
+                  <a:endParaRPr lang="es-ES" sz="1100" dirty="0"/>
+                </a:p>
+              </p:txBody>
+            </p:sp>
+          </p:grpSp>
+          <p:grpSp>
+            <p:nvGrpSpPr>
+              <p:cNvPr id="13" name="Grupo 12"/>
+              <p:cNvGrpSpPr/>
+              <p:nvPr/>
+            </p:nvGrpSpPr>
+            <p:grpSpPr>
+              <a:xfrm>
+                <a:off x="3013339" y="2272621"/>
+                <a:ext cx="3130602" cy="677013"/>
+                <a:chOff x="3013340" y="2327370"/>
+                <a:chExt cx="3130602" cy="677013"/>
+              </a:xfrm>
+            </p:grpSpPr>
+            <p:sp>
+              <p:nvSpPr>
+                <p:cNvPr id="6" name="Rectángulo redondeado 5"/>
+                <p:cNvSpPr/>
+                <p:nvPr/>
+              </p:nvSpPr>
+              <p:spPr>
+                <a:xfrm>
+                  <a:off x="3013340" y="2327370"/>
+                  <a:ext cx="3130602" cy="404681"/>
+                </a:xfrm>
+                <a:prstGeom prst="roundRect">
+                  <a:avLst/>
+                </a:prstGeom>
+                <a:solidFill>
+                  <a:schemeClr val="accent1">
+                    <a:lumMod val="20000"/>
+                    <a:lumOff val="80000"/>
+                  </a:schemeClr>
+                </a:solidFill>
+                <a:ln w="19050"/>
+              </p:spPr>
+              <p:style>
+                <a:lnRef idx="2">
+                  <a:schemeClr val="dk1"/>
+                </a:lnRef>
+                <a:fillRef idx="1">
+                  <a:schemeClr val="lt1"/>
+                </a:fillRef>
+                <a:effectRef idx="0">
+                  <a:schemeClr val="dk1"/>
+                </a:effectRef>
+                <a:fontRef idx="minor">
+                  <a:schemeClr val="dk1"/>
+                </a:fontRef>
+              </p:style>
+              <p:txBody>
+                <a:bodyPr rtlCol="0" anchor="ctr"/>
+                <a:lstStyle/>
+                <a:p>
+                  <a:pPr algn="ctr"/>
+                  <a:r>
+                    <a:rPr lang="es-ES" sz="1400" dirty="0" err="1" smtClean="0"/>
+                    <a:t>coger_datos_gsr</a:t>
+                  </a:r>
+                  <a:r>
+                    <a:rPr lang="es-ES" sz="1400" dirty="0" smtClean="0"/>
+                    <a:t>()</a:t>
+                  </a:r>
+                  <a:endParaRPr lang="es-ES" sz="1400" dirty="0"/>
+                </a:p>
+              </p:txBody>
+            </p:sp>
+            <p:sp>
+              <p:nvSpPr>
+                <p:cNvPr id="10" name="Rectángulo 9"/>
+                <p:cNvSpPr/>
+                <p:nvPr/>
+              </p:nvSpPr>
+              <p:spPr>
+                <a:xfrm>
+                  <a:off x="3978857" y="2727916"/>
+                  <a:ext cx="1199565" cy="276467"/>
+                </a:xfrm>
+                <a:prstGeom prst="rect">
+                  <a:avLst/>
+                </a:prstGeom>
+                <a:solidFill>
+                  <a:schemeClr val="bg1"/>
+                </a:solidFill>
+                <a:ln w="19050">
+                  <a:solidFill>
+                    <a:schemeClr val="tx1"/>
+                  </a:solidFill>
+                </a:ln>
+              </p:spPr>
+              <p:style>
+                <a:lnRef idx="2">
+                  <a:schemeClr val="accent6"/>
+                </a:lnRef>
+                <a:fillRef idx="1">
+                  <a:schemeClr val="lt1"/>
+                </a:fillRef>
+                <a:effectRef idx="0">
+                  <a:schemeClr val="accent6"/>
+                </a:effectRef>
+                <a:fontRef idx="minor">
+                  <a:schemeClr val="dk1"/>
+                </a:fontRef>
+              </p:style>
+              <p:txBody>
+                <a:bodyPr rtlCol="0" anchor="ctr"/>
+                <a:lstStyle/>
+                <a:p>
+                  <a:pPr algn="ctr"/>
+                  <a:r>
+                    <a:rPr lang="es-ES" sz="1100" dirty="0" err="1"/>
+                    <a:t>r</a:t>
+                  </a:r>
+                  <a:r>
+                    <a:rPr lang="es-ES" sz="1100" dirty="0" err="1" smtClean="0"/>
+                    <a:t>eturn</a:t>
+                  </a:r>
+                  <a:r>
+                    <a:rPr lang="es-ES" sz="1100" dirty="0" smtClean="0"/>
+                    <a:t> (</a:t>
+                  </a:r>
+                  <a:r>
+                    <a:rPr lang="es-ES" sz="1100" dirty="0" err="1" smtClean="0"/>
+                    <a:t>GSR_val</a:t>
+                  </a:r>
+                  <a:r>
+                    <a:rPr lang="es-ES" sz="1100" dirty="0" smtClean="0"/>
+                    <a:t>)</a:t>
+                  </a:r>
+                  <a:endParaRPr lang="es-ES" sz="1100" dirty="0"/>
+                </a:p>
+              </p:txBody>
+            </p:sp>
+          </p:grpSp>
+          <p:grpSp>
+            <p:nvGrpSpPr>
+              <p:cNvPr id="14" name="Grupo 13"/>
+              <p:cNvGrpSpPr/>
+              <p:nvPr/>
+            </p:nvGrpSpPr>
+            <p:grpSpPr>
+              <a:xfrm>
+                <a:off x="3013337" y="3075752"/>
+                <a:ext cx="3130602" cy="680040"/>
+                <a:chOff x="3013340" y="3424475"/>
+                <a:chExt cx="3130602" cy="680040"/>
+              </a:xfrm>
+            </p:grpSpPr>
+            <p:sp>
+              <p:nvSpPr>
+                <p:cNvPr id="7" name="Rectángulo redondeado 6"/>
+                <p:cNvSpPr/>
+                <p:nvPr/>
+              </p:nvSpPr>
+              <p:spPr>
+                <a:xfrm>
+                  <a:off x="3013340" y="3424475"/>
+                  <a:ext cx="3130602" cy="404681"/>
+                </a:xfrm>
+                <a:prstGeom prst="roundRect">
+                  <a:avLst/>
+                </a:prstGeom>
+                <a:solidFill>
+                  <a:schemeClr val="accent1">
+                    <a:lumMod val="20000"/>
+                    <a:lumOff val="80000"/>
+                  </a:schemeClr>
+                </a:solidFill>
+                <a:ln w="19050"/>
+              </p:spPr>
+              <p:style>
+                <a:lnRef idx="2">
+                  <a:schemeClr val="dk1"/>
+                </a:lnRef>
+                <a:fillRef idx="1">
+                  <a:schemeClr val="lt1"/>
+                </a:fillRef>
+                <a:effectRef idx="0">
+                  <a:schemeClr val="dk1"/>
+                </a:effectRef>
+                <a:fontRef idx="minor">
+                  <a:schemeClr val="dk1"/>
+                </a:fontRef>
+              </p:style>
+              <p:txBody>
+                <a:bodyPr rtlCol="0" anchor="ctr"/>
+                <a:lstStyle/>
+                <a:p>
+                  <a:pPr algn="ctr"/>
+                  <a:r>
+                    <a:rPr lang="es-ES" sz="1400" dirty="0" err="1" smtClean="0"/>
+                    <a:t>coger_datos_ecg</a:t>
+                  </a:r>
+                  <a:r>
+                    <a:rPr lang="es-ES" sz="1400" dirty="0" smtClean="0"/>
+                    <a:t>()</a:t>
+                  </a:r>
+                  <a:endParaRPr lang="es-ES" sz="1400" dirty="0"/>
+                </a:p>
+              </p:txBody>
+            </p:sp>
+            <p:sp>
+              <p:nvSpPr>
+                <p:cNvPr id="11" name="Rectángulo 10"/>
+                <p:cNvSpPr/>
+                <p:nvPr/>
+              </p:nvSpPr>
+              <p:spPr>
+                <a:xfrm>
+                  <a:off x="3978857" y="3828048"/>
+                  <a:ext cx="1199565" cy="276467"/>
+                </a:xfrm>
+                <a:prstGeom prst="rect">
+                  <a:avLst/>
+                </a:prstGeom>
+                <a:solidFill>
+                  <a:schemeClr val="bg1"/>
+                </a:solidFill>
+                <a:ln w="19050">
+                  <a:solidFill>
+                    <a:schemeClr val="tx1"/>
+                  </a:solidFill>
+                </a:ln>
+              </p:spPr>
+              <p:style>
+                <a:lnRef idx="2">
+                  <a:schemeClr val="accent6"/>
+                </a:lnRef>
+                <a:fillRef idx="1">
+                  <a:schemeClr val="lt1"/>
+                </a:fillRef>
+                <a:effectRef idx="0">
+                  <a:schemeClr val="accent6"/>
+                </a:effectRef>
+                <a:fontRef idx="minor">
+                  <a:schemeClr val="dk1"/>
+                </a:fontRef>
+              </p:style>
+              <p:txBody>
+                <a:bodyPr rtlCol="0" anchor="ctr"/>
+                <a:lstStyle/>
+                <a:p>
+                  <a:pPr algn="ctr"/>
+                  <a:r>
+                    <a:rPr lang="es-ES" sz="1100" dirty="0" err="1" smtClean="0"/>
+                    <a:t>return</a:t>
+                  </a:r>
+                  <a:r>
+                    <a:rPr lang="es-ES" sz="1100" dirty="0" smtClean="0"/>
+                    <a:t> (</a:t>
+                  </a:r>
+                  <a:r>
+                    <a:rPr lang="es-ES" sz="1100" dirty="0" err="1" smtClean="0"/>
+                    <a:t>v_resis</a:t>
+                  </a:r>
+                  <a:r>
+                    <a:rPr lang="es-ES" sz="1100" dirty="0" smtClean="0"/>
+                    <a:t>)</a:t>
+                  </a:r>
+                  <a:endParaRPr lang="es-ES" sz="1100" dirty="0"/>
+                </a:p>
+              </p:txBody>
+            </p:sp>
+          </p:grpSp>
+        </p:grpSp>
+        <p:cxnSp>
+          <p:nvCxnSpPr>
+            <p:cNvPr id="16" name="Conector recto 15"/>
+            <p:cNvCxnSpPr/>
+            <p:nvPr/>
+          </p:nvCxnSpPr>
+          <p:spPr>
+            <a:xfrm>
+              <a:off x="2672400" y="1324303"/>
+              <a:ext cx="3812483" cy="0"/>
+            </a:xfrm>
+            <a:prstGeom prst="line">
+              <a:avLst/>
+            </a:prstGeom>
+            <a:ln w="19050"/>
+          </p:spPr>
+          <p:style>
+            <a:lnRef idx="1">
+              <a:schemeClr val="dk1"/>
+            </a:lnRef>
+            <a:fillRef idx="0">
+              <a:schemeClr val="dk1"/>
+            </a:fillRef>
+            <a:effectRef idx="0">
+              <a:schemeClr val="dk1"/>
+            </a:effectRef>
+            <a:fontRef idx="minor">
+              <a:schemeClr val="tx1"/>
+            </a:fontRef>
+          </p:style>
+        </p:cxnSp>
+        <p:sp>
+          <p:nvSpPr>
+            <p:cNvPr id="17" name="CuadroTexto 16"/>
+            <p:cNvSpPr txBox="1"/>
+            <p:nvPr/>
+          </p:nvSpPr>
+          <p:spPr>
+            <a:xfrm>
+              <a:off x="3578142" y="899873"/>
+              <a:ext cx="2000997" cy="369332"/>
+            </a:xfrm>
+            <a:prstGeom prst="rect">
+              <a:avLst/>
+            </a:prstGeom>
+            <a:noFill/>
+          </p:spPr>
+          <p:txBody>
+            <a:bodyPr wrap="none" rtlCol="0">
+              <a:spAutoFit/>
+            </a:bodyPr>
+            <a:lstStyle/>
+            <a:p>
+              <a:r>
+                <a:rPr lang="es-ES" dirty="0"/>
+                <a:t>o</a:t>
+              </a:r>
+              <a:r>
+                <a:rPr lang="es-ES" dirty="0" smtClean="0"/>
+                <a:t>btener_valores.py</a:t>
+              </a:r>
+              <a:endParaRPr lang="es-ES" dirty="0"/>
+            </a:p>
+          </p:txBody>
+        </p:sp>
+      </p:grpSp>
+      <p:grpSp>
+        <p:nvGrpSpPr>
+          <p:cNvPr id="36" name="Grupo 35"/>
+          <p:cNvGrpSpPr/>
+          <p:nvPr/>
+        </p:nvGrpSpPr>
+        <p:grpSpPr>
+          <a:xfrm>
+            <a:off x="4303338" y="224665"/>
+            <a:ext cx="4599271" cy="3369874"/>
+            <a:chOff x="4303338" y="224665"/>
+            <a:chExt cx="4599271" cy="3369874"/>
+          </a:xfrm>
+        </p:grpSpPr>
+        <p:sp>
+          <p:nvSpPr>
+            <p:cNvPr id="21" name="Rectángulo redondeado 20"/>
+            <p:cNvSpPr/>
+            <p:nvPr/>
+          </p:nvSpPr>
+          <p:spPr>
+            <a:xfrm>
+              <a:off x="4303338" y="224665"/>
+              <a:ext cx="4599271" cy="3369874"/>
+            </a:xfrm>
+            <a:prstGeom prst="roundRect">
+              <a:avLst>
+                <a:gd name="adj" fmla="val 4191"/>
+              </a:avLst>
+            </a:prstGeom>
+            <a:solidFill>
+              <a:schemeClr val="accent6">
+                <a:lumMod val="40000"/>
+                <a:lumOff val="60000"/>
+              </a:schemeClr>
+            </a:solidFill>
+            <a:ln w="19050"/>
+          </p:spPr>
+          <p:style>
+            <a:lnRef idx="2">
+              <a:schemeClr val="dk1"/>
+            </a:lnRef>
+            <a:fillRef idx="1">
+              <a:schemeClr val="lt1"/>
+            </a:fillRef>
+            <a:effectRef idx="0">
+              <a:schemeClr val="dk1"/>
+            </a:effectRef>
+            <a:fontRef idx="minor">
+              <a:schemeClr val="dk1"/>
+            </a:fontRef>
+          </p:style>
+          <p:txBody>
+            <a:bodyPr rtlCol="0" anchor="ctr"/>
+            <a:lstStyle/>
+            <a:p>
+              <a:pPr algn="ctr"/>
+              <a:endParaRPr lang="es-ES" sz="1100" dirty="0"/>
+            </a:p>
+          </p:txBody>
+        </p:sp>
+        <p:grpSp>
+          <p:nvGrpSpPr>
+            <p:cNvPr id="22" name="Grupo 21"/>
+            <p:cNvGrpSpPr/>
+            <p:nvPr/>
+          </p:nvGrpSpPr>
+          <p:grpSpPr>
+            <a:xfrm>
+              <a:off x="4399964" y="1004951"/>
+              <a:ext cx="4382814" cy="2292533"/>
+              <a:chOff x="2401613" y="1463259"/>
+              <a:chExt cx="4382814" cy="2292533"/>
+            </a:xfrm>
+          </p:grpSpPr>
+          <p:grpSp>
+            <p:nvGrpSpPr>
+              <p:cNvPr id="25" name="Grupo 24"/>
+              <p:cNvGrpSpPr/>
+              <p:nvPr/>
+            </p:nvGrpSpPr>
+            <p:grpSpPr>
+              <a:xfrm>
+                <a:off x="2401613" y="1463259"/>
+                <a:ext cx="4382814" cy="683610"/>
+                <a:chOff x="2401614" y="1230265"/>
+                <a:chExt cx="4382814" cy="683610"/>
+              </a:xfrm>
+            </p:grpSpPr>
+            <p:sp>
+              <p:nvSpPr>
+                <p:cNvPr id="32" name="Rectángulo redondeado 31"/>
+                <p:cNvSpPr/>
+                <p:nvPr/>
+              </p:nvSpPr>
+              <p:spPr>
+                <a:xfrm>
+                  <a:off x="2401614" y="1230265"/>
+                  <a:ext cx="4382814" cy="404681"/>
+                </a:xfrm>
+                <a:prstGeom prst="roundRect">
+                  <a:avLst/>
+                </a:prstGeom>
+                <a:solidFill>
+                  <a:schemeClr val="accent1">
+                    <a:lumMod val="20000"/>
+                    <a:lumOff val="80000"/>
+                  </a:schemeClr>
+                </a:solidFill>
+                <a:ln w="19050"/>
+              </p:spPr>
+              <p:style>
+                <a:lnRef idx="2">
+                  <a:schemeClr val="dk1"/>
+                </a:lnRef>
+                <a:fillRef idx="1">
+                  <a:schemeClr val="lt1"/>
+                </a:fillRef>
+                <a:effectRef idx="0">
+                  <a:schemeClr val="dk1"/>
+                </a:effectRef>
+                <a:fontRef idx="minor">
+                  <a:schemeClr val="dk1"/>
+                </a:fontRef>
+              </p:style>
+              <p:txBody>
+                <a:bodyPr rtlCol="0" anchor="ctr"/>
+                <a:lstStyle/>
+                <a:p>
+                  <a:pPr algn="ctr"/>
+                  <a:r>
+                    <a:rPr lang="es-ES" sz="1400" dirty="0" err="1"/>
+                    <a:t>i</a:t>
+                  </a:r>
+                  <a:r>
+                    <a:rPr lang="es-ES" sz="1400" dirty="0" err="1" smtClean="0"/>
+                    <a:t>nsertar_pox</a:t>
+                  </a:r>
+                  <a:r>
+                    <a:rPr lang="es-ES" sz="1400" dirty="0" smtClean="0"/>
+                    <a:t>(</a:t>
+                  </a:r>
+                  <a:r>
+                    <a:rPr lang="es-ES" sz="1400" i="1" dirty="0" smtClean="0"/>
+                    <a:t>cola</a:t>
+                  </a:r>
+                  <a:r>
+                    <a:rPr lang="es-ES" sz="1400" dirty="0" smtClean="0"/>
+                    <a:t>)</a:t>
+                  </a:r>
+                  <a:endParaRPr lang="es-ES" sz="1400" dirty="0"/>
+                </a:p>
+              </p:txBody>
+            </p:sp>
+            <p:sp>
+              <p:nvSpPr>
+                <p:cNvPr id="33" name="Rectángulo 32"/>
+                <p:cNvSpPr/>
+                <p:nvPr/>
+              </p:nvSpPr>
+              <p:spPr>
+                <a:xfrm>
+                  <a:off x="2507064" y="1637408"/>
+                  <a:ext cx="4171914" cy="276467"/>
+                </a:xfrm>
+                <a:prstGeom prst="rect">
+                  <a:avLst/>
+                </a:prstGeom>
+                <a:solidFill>
+                  <a:schemeClr val="bg1"/>
+                </a:solidFill>
+                <a:ln w="19050">
+                  <a:solidFill>
+                    <a:schemeClr val="tx1"/>
+                  </a:solidFill>
+                </a:ln>
+              </p:spPr>
+              <p:style>
+                <a:lnRef idx="2">
+                  <a:schemeClr val="accent6"/>
+                </a:lnRef>
+                <a:fillRef idx="1">
+                  <a:schemeClr val="lt1"/>
+                </a:fillRef>
+                <a:effectRef idx="0">
+                  <a:schemeClr val="accent6"/>
+                </a:effectRef>
+                <a:fontRef idx="minor">
+                  <a:schemeClr val="dk1"/>
+                </a:fontRef>
+              </p:style>
+              <p:txBody>
+                <a:bodyPr rtlCol="0" anchor="ctr"/>
+                <a:lstStyle/>
+                <a:p>
+                  <a:pPr algn="ctr"/>
+                  <a:r>
+                    <a:rPr lang="es-ES" sz="1100" dirty="0" smtClean="0"/>
+                    <a:t>INSERT INTO </a:t>
+                  </a:r>
+                  <a:r>
+                    <a:rPr lang="es-ES" sz="1100" dirty="0" err="1" smtClean="0"/>
+                    <a:t>pox</a:t>
+                  </a:r>
+                  <a:r>
+                    <a:rPr lang="es-ES" sz="1100" dirty="0" smtClean="0"/>
+                    <a:t> (</a:t>
+                  </a:r>
+                  <a:r>
+                    <a:rPr lang="es-ES" sz="1100" dirty="0" err="1" smtClean="0"/>
+                    <a:t>acq_time</a:t>
+                  </a:r>
+                  <a:r>
+                    <a:rPr lang="es-ES" sz="1100" dirty="0" smtClean="0"/>
+                    <a:t>, </a:t>
+                  </a:r>
+                  <a:r>
+                    <a:rPr lang="es-ES" sz="1100" dirty="0" err="1" smtClean="0"/>
+                    <a:t>red_val</a:t>
+                  </a:r>
+                  <a:r>
+                    <a:rPr lang="es-ES" sz="1100" dirty="0" smtClean="0"/>
+                    <a:t>, </a:t>
+                  </a:r>
+                  <a:r>
+                    <a:rPr lang="es-ES" sz="1100" dirty="0" err="1" smtClean="0"/>
+                    <a:t>ir_val</a:t>
+                  </a:r>
+                  <a:r>
+                    <a:rPr lang="es-ES" sz="1100" dirty="0" smtClean="0"/>
+                    <a:t>) VALUES (%,%,%)  , </a:t>
+                  </a:r>
+                  <a:r>
+                    <a:rPr lang="es-ES" sz="1100" i="1" dirty="0" smtClean="0"/>
+                    <a:t>cola</a:t>
+                  </a:r>
+                  <a:endParaRPr lang="es-ES" sz="1100" dirty="0"/>
+                </a:p>
+              </p:txBody>
+            </p:sp>
+          </p:grpSp>
+          <p:grpSp>
+            <p:nvGrpSpPr>
+              <p:cNvPr id="26" name="Grupo 25"/>
+              <p:cNvGrpSpPr/>
+              <p:nvPr/>
+            </p:nvGrpSpPr>
+            <p:grpSpPr>
+              <a:xfrm>
+                <a:off x="2401613" y="2272621"/>
+                <a:ext cx="4382814" cy="677013"/>
+                <a:chOff x="2401614" y="2327370"/>
+                <a:chExt cx="4382814" cy="677013"/>
+              </a:xfrm>
+            </p:grpSpPr>
+            <p:sp>
+              <p:nvSpPr>
+                <p:cNvPr id="30" name="Rectángulo redondeado 29"/>
+                <p:cNvSpPr/>
+                <p:nvPr/>
+              </p:nvSpPr>
+              <p:spPr>
+                <a:xfrm>
+                  <a:off x="2401614" y="2327370"/>
+                  <a:ext cx="4382814" cy="404681"/>
+                </a:xfrm>
+                <a:prstGeom prst="roundRect">
+                  <a:avLst/>
+                </a:prstGeom>
+                <a:solidFill>
+                  <a:schemeClr val="accent1">
+                    <a:lumMod val="20000"/>
+                    <a:lumOff val="80000"/>
+                  </a:schemeClr>
+                </a:solidFill>
+                <a:ln w="19050"/>
+              </p:spPr>
+              <p:style>
+                <a:lnRef idx="2">
+                  <a:schemeClr val="dk1"/>
+                </a:lnRef>
+                <a:fillRef idx="1">
+                  <a:schemeClr val="lt1"/>
+                </a:fillRef>
+                <a:effectRef idx="0">
+                  <a:schemeClr val="dk1"/>
+                </a:effectRef>
+                <a:fontRef idx="minor">
+                  <a:schemeClr val="dk1"/>
+                </a:fontRef>
+              </p:style>
+              <p:txBody>
+                <a:bodyPr rtlCol="0" anchor="ctr"/>
+                <a:lstStyle/>
+                <a:p>
+                  <a:pPr algn="ctr"/>
+                  <a:r>
+                    <a:rPr lang="es-ES" sz="1400" dirty="0" err="1" smtClean="0"/>
+                    <a:t>insertar_gsr</a:t>
+                  </a:r>
+                  <a:r>
+                    <a:rPr lang="es-ES" sz="1400" dirty="0" smtClean="0"/>
+                    <a:t>(</a:t>
+                  </a:r>
+                  <a:r>
+                    <a:rPr lang="es-ES" sz="1400" i="1" dirty="0" smtClean="0"/>
+                    <a:t>cola</a:t>
+                  </a:r>
+                  <a:r>
+                    <a:rPr lang="es-ES" sz="1400" dirty="0" smtClean="0"/>
+                    <a:t>)</a:t>
+                  </a:r>
+                  <a:endParaRPr lang="es-ES" sz="1400" dirty="0"/>
+                </a:p>
+              </p:txBody>
+            </p:sp>
+            <p:sp>
+              <p:nvSpPr>
+                <p:cNvPr id="31" name="Rectángulo 30"/>
+                <p:cNvSpPr/>
+                <p:nvPr/>
+              </p:nvSpPr>
+              <p:spPr>
+                <a:xfrm>
+                  <a:off x="2507065" y="2727916"/>
+                  <a:ext cx="4171914" cy="276467"/>
+                </a:xfrm>
+                <a:prstGeom prst="rect">
+                  <a:avLst/>
+                </a:prstGeom>
+                <a:solidFill>
+                  <a:schemeClr val="bg1"/>
+                </a:solidFill>
+                <a:ln w="19050">
+                  <a:solidFill>
+                    <a:schemeClr val="tx1"/>
+                  </a:solidFill>
+                </a:ln>
+              </p:spPr>
+              <p:style>
+                <a:lnRef idx="2">
+                  <a:schemeClr val="accent6"/>
+                </a:lnRef>
+                <a:fillRef idx="1">
+                  <a:schemeClr val="lt1"/>
+                </a:fillRef>
+                <a:effectRef idx="0">
+                  <a:schemeClr val="accent6"/>
+                </a:effectRef>
+                <a:fontRef idx="minor">
+                  <a:schemeClr val="dk1"/>
+                </a:fontRef>
+              </p:style>
+              <p:txBody>
+                <a:bodyPr rtlCol="0" anchor="ctr"/>
+                <a:lstStyle/>
+                <a:p>
+                  <a:pPr algn="ctr"/>
+                  <a:r>
+                    <a:rPr lang="es-ES" sz="1100" dirty="0"/>
+                    <a:t>INSERT INTO </a:t>
+                  </a:r>
+                  <a:r>
+                    <a:rPr lang="es-ES" sz="1100" dirty="0" err="1" smtClean="0"/>
+                    <a:t>gsr</a:t>
+                  </a:r>
+                  <a:r>
+                    <a:rPr lang="es-ES" sz="1100" dirty="0" smtClean="0"/>
+                    <a:t> </a:t>
+                  </a:r>
+                  <a:r>
+                    <a:rPr lang="es-ES" sz="1100" dirty="0"/>
+                    <a:t>(</a:t>
+                  </a:r>
+                  <a:r>
+                    <a:rPr lang="es-ES" sz="1100" dirty="0" err="1"/>
+                    <a:t>acq_time</a:t>
+                  </a:r>
+                  <a:r>
+                    <a:rPr lang="es-ES" sz="1100" dirty="0"/>
+                    <a:t>, </a:t>
+                  </a:r>
+                  <a:r>
+                    <a:rPr lang="es-ES" sz="1100" dirty="0" err="1" smtClean="0"/>
+                    <a:t>gsr_val</a:t>
+                  </a:r>
+                  <a:r>
+                    <a:rPr lang="es-ES" sz="1100" dirty="0"/>
+                    <a:t>) VALUES (%,%)  , </a:t>
+                  </a:r>
+                  <a:r>
+                    <a:rPr lang="es-ES" sz="1100" i="1" dirty="0"/>
+                    <a:t>cola</a:t>
+                  </a:r>
+                  <a:endParaRPr lang="es-ES" sz="1100" dirty="0"/>
+                </a:p>
+              </p:txBody>
+            </p:sp>
+          </p:grpSp>
+          <p:grpSp>
+            <p:nvGrpSpPr>
+              <p:cNvPr id="27" name="Grupo 26"/>
+              <p:cNvGrpSpPr/>
+              <p:nvPr/>
+            </p:nvGrpSpPr>
+            <p:grpSpPr>
+              <a:xfrm>
+                <a:off x="2401613" y="3075752"/>
+                <a:ext cx="4382814" cy="680040"/>
+                <a:chOff x="2401616" y="3424475"/>
+                <a:chExt cx="4382814" cy="680040"/>
+              </a:xfrm>
+            </p:grpSpPr>
+            <p:sp>
+              <p:nvSpPr>
+                <p:cNvPr id="28" name="Rectángulo redondeado 27"/>
+                <p:cNvSpPr/>
+                <p:nvPr/>
+              </p:nvSpPr>
+              <p:spPr>
+                <a:xfrm>
+                  <a:off x="2401616" y="3424475"/>
+                  <a:ext cx="4382814" cy="404681"/>
+                </a:xfrm>
+                <a:prstGeom prst="roundRect">
+                  <a:avLst/>
+                </a:prstGeom>
+                <a:solidFill>
+                  <a:schemeClr val="accent1">
+                    <a:lumMod val="20000"/>
+                    <a:lumOff val="80000"/>
+                  </a:schemeClr>
+                </a:solidFill>
+                <a:ln w="19050"/>
+              </p:spPr>
+              <p:style>
+                <a:lnRef idx="2">
+                  <a:schemeClr val="dk1"/>
+                </a:lnRef>
+                <a:fillRef idx="1">
+                  <a:schemeClr val="lt1"/>
+                </a:fillRef>
+                <a:effectRef idx="0">
+                  <a:schemeClr val="dk1"/>
+                </a:effectRef>
+                <a:fontRef idx="minor">
+                  <a:schemeClr val="dk1"/>
+                </a:fontRef>
+              </p:style>
+              <p:txBody>
+                <a:bodyPr rtlCol="0" anchor="ctr"/>
+                <a:lstStyle/>
+                <a:p>
+                  <a:pPr algn="ctr"/>
+                  <a:r>
+                    <a:rPr lang="es-ES" sz="1400" dirty="0" err="1"/>
+                    <a:t>i</a:t>
+                  </a:r>
+                  <a:r>
+                    <a:rPr lang="es-ES" sz="1400" dirty="0" err="1" smtClean="0"/>
+                    <a:t>nsertar_ecg</a:t>
+                  </a:r>
+                  <a:r>
+                    <a:rPr lang="es-ES" sz="1400" i="1" dirty="0" smtClean="0"/>
+                    <a:t>(cola)</a:t>
+                  </a:r>
+                  <a:endParaRPr lang="es-ES" sz="1400" i="1" dirty="0"/>
+                </a:p>
+              </p:txBody>
+            </p:sp>
+            <p:sp>
+              <p:nvSpPr>
+                <p:cNvPr id="29" name="Rectángulo 28"/>
+                <p:cNvSpPr/>
+                <p:nvPr/>
+              </p:nvSpPr>
+              <p:spPr>
+                <a:xfrm>
+                  <a:off x="2507067" y="3828048"/>
+                  <a:ext cx="4171914" cy="276467"/>
+                </a:xfrm>
+                <a:prstGeom prst="rect">
+                  <a:avLst/>
+                </a:prstGeom>
+                <a:solidFill>
+                  <a:schemeClr val="bg1"/>
+                </a:solidFill>
+                <a:ln w="19050">
+                  <a:solidFill>
+                    <a:schemeClr val="tx1"/>
+                  </a:solidFill>
+                </a:ln>
+              </p:spPr>
+              <p:style>
+                <a:lnRef idx="2">
+                  <a:schemeClr val="accent6"/>
+                </a:lnRef>
+                <a:fillRef idx="1">
+                  <a:schemeClr val="lt1"/>
+                </a:fillRef>
+                <a:effectRef idx="0">
+                  <a:schemeClr val="accent6"/>
+                </a:effectRef>
+                <a:fontRef idx="minor">
+                  <a:schemeClr val="dk1"/>
+                </a:fontRef>
+              </p:style>
+              <p:txBody>
+                <a:bodyPr rtlCol="0" anchor="ctr"/>
+                <a:lstStyle/>
+                <a:p>
+                  <a:pPr algn="ctr"/>
+                  <a:r>
+                    <a:rPr lang="es-ES" sz="1100" dirty="0"/>
+                    <a:t>INSERT INTO </a:t>
+                  </a:r>
+                  <a:r>
+                    <a:rPr lang="es-ES" sz="1100" dirty="0" err="1"/>
+                    <a:t>ecg</a:t>
+                  </a:r>
+                  <a:r>
+                    <a:rPr lang="es-ES" sz="1100" dirty="0"/>
+                    <a:t> (</a:t>
+                  </a:r>
+                  <a:r>
+                    <a:rPr lang="es-ES" sz="1100" dirty="0" err="1"/>
+                    <a:t>acq_time</a:t>
+                  </a:r>
+                  <a:r>
+                    <a:rPr lang="es-ES" sz="1100" dirty="0"/>
+                    <a:t>, </a:t>
+                  </a:r>
+                  <a:r>
+                    <a:rPr lang="es-ES" sz="1100" dirty="0" err="1"/>
+                    <a:t>ecg_val</a:t>
+                  </a:r>
+                  <a:r>
+                    <a:rPr lang="es-ES" sz="1100" dirty="0"/>
+                    <a:t>) VALUES (%,%)  , </a:t>
+                  </a:r>
+                  <a:r>
+                    <a:rPr lang="es-ES" sz="1100" i="1" dirty="0"/>
+                    <a:t>cola</a:t>
+                  </a:r>
+                  <a:endParaRPr lang="es-ES" sz="1100" dirty="0"/>
+                </a:p>
+              </p:txBody>
+            </p:sp>
+          </p:grpSp>
+        </p:grpSp>
+        <p:sp>
+          <p:nvSpPr>
+            <p:cNvPr id="24" name="CuadroTexto 23"/>
+            <p:cNvSpPr txBox="1"/>
+            <p:nvPr/>
+          </p:nvSpPr>
+          <p:spPr>
+            <a:xfrm>
+              <a:off x="5590873" y="279764"/>
+              <a:ext cx="1849032" cy="369332"/>
+            </a:xfrm>
+            <a:prstGeom prst="rect">
+              <a:avLst/>
+            </a:prstGeom>
+            <a:noFill/>
+          </p:spPr>
+          <p:txBody>
+            <a:bodyPr wrap="none" rtlCol="0">
+              <a:spAutoFit/>
+            </a:bodyPr>
+            <a:lstStyle/>
+            <a:p>
+              <a:r>
+                <a:rPr lang="es-ES" dirty="0" smtClean="0"/>
+                <a:t>Connect_bbdd.py</a:t>
+              </a:r>
+              <a:endParaRPr lang="es-ES" dirty="0"/>
+            </a:p>
+          </p:txBody>
+        </p:sp>
+        <p:cxnSp>
+          <p:nvCxnSpPr>
+            <p:cNvPr id="23" name="Conector recto 22"/>
+            <p:cNvCxnSpPr/>
+            <p:nvPr/>
+          </p:nvCxnSpPr>
+          <p:spPr>
+            <a:xfrm>
+              <a:off x="4303338" y="649096"/>
+              <a:ext cx="4599271" cy="0"/>
+            </a:xfrm>
+            <a:prstGeom prst="line">
+              <a:avLst/>
+            </a:prstGeom>
+            <a:ln w="19050"/>
+          </p:spPr>
+          <p:style>
+            <a:lnRef idx="1">
+              <a:schemeClr val="dk1"/>
+            </a:lnRef>
+            <a:fillRef idx="0">
+              <a:schemeClr val="dk1"/>
+            </a:fillRef>
+            <a:effectRef idx="0">
+              <a:schemeClr val="dk1"/>
+            </a:effectRef>
+            <a:fontRef idx="minor">
+              <a:schemeClr val="tx1"/>
+            </a:fontRef>
+          </p:style>
+        </p:cxnSp>
+      </p:grpSp>
+      <p:grpSp>
+        <p:nvGrpSpPr>
+          <p:cNvPr id="100" name="Grupo 99"/>
+          <p:cNvGrpSpPr/>
+          <p:nvPr/>
+        </p:nvGrpSpPr>
+        <p:grpSpPr>
+          <a:xfrm>
+            <a:off x="5141164" y="3950393"/>
+            <a:ext cx="4126661" cy="2821879"/>
+            <a:chOff x="5141164" y="3950393"/>
+            <a:chExt cx="4126661" cy="2821879"/>
+          </a:xfrm>
+        </p:grpSpPr>
+        <p:grpSp>
+          <p:nvGrpSpPr>
+            <p:cNvPr id="37" name="Grupo 36"/>
+            <p:cNvGrpSpPr/>
+            <p:nvPr/>
+          </p:nvGrpSpPr>
+          <p:grpSpPr>
+            <a:xfrm>
+              <a:off x="5717937" y="3950393"/>
+              <a:ext cx="2828897" cy="2821879"/>
+              <a:chOff x="7219274" y="1178101"/>
+              <a:chExt cx="2828897" cy="2821879"/>
+            </a:xfrm>
+          </p:grpSpPr>
+          <p:sp>
+            <p:nvSpPr>
+              <p:cNvPr id="39" name="Rectángulo redondeado 38"/>
+              <p:cNvSpPr/>
+              <p:nvPr/>
+            </p:nvSpPr>
+            <p:spPr>
+              <a:xfrm>
+                <a:off x="7841281" y="1682677"/>
                 <a:ext cx="1581712" cy="261779"/>
               </a:xfrm>
               <a:prstGeom prst="roundRect">
@@ -6457,7 +11138,7 @@
                 <a:pPr algn="ctr"/>
                 <a:r>
                   <a:rPr lang="es-ES" sz="1100" dirty="0" smtClean="0"/>
-                  <a:t>Tomar el tiempo actual</a:t>
+                  <a:t>Conectarse con la BBDD</a:t>
                 </a:r>
                 <a:endParaRPr lang="es-ES" sz="1100" dirty="0"/>
               </a:p>
@@ -6465,17 +11146,17 @@
           </p:sp>
           <p:cxnSp>
             <p:nvCxnSpPr>
-              <p:cNvPr id="7" name="Conector recto de flecha 6"/>
+              <p:cNvPr id="40" name="Conector recto de flecha 39"/>
               <p:cNvCxnSpPr>
-                <a:stCxn id="6" idx="2"/>
-                <a:endCxn id="11" idx="0"/>
+                <a:stCxn id="39" idx="2"/>
+                <a:endCxn id="42" idx="0"/>
               </p:cNvCxnSpPr>
               <p:nvPr/>
             </p:nvCxnSpPr>
             <p:spPr>
-              <a:xfrm flipH="1">
-                <a:off x="3434770" y="1968480"/>
-                <a:ext cx="1" cy="239188"/>
+              <a:xfrm>
+                <a:off x="8632137" y="1944456"/>
+                <a:ext cx="1586" cy="247091"/>
               </a:xfrm>
               <a:prstGeom prst="straightConnector1">
                 <a:avLst/>
@@ -6501,16 +11182,16 @@
           </p:cxnSp>
           <p:cxnSp>
             <p:nvCxnSpPr>
-              <p:cNvPr id="8" name="Conector recto de flecha 7"/>
+              <p:cNvPr id="41" name="Conector recto de flecha 40"/>
               <p:cNvCxnSpPr>
-                <a:stCxn id="26" idx="2"/>
-                <a:endCxn id="6" idx="0"/>
+                <a:stCxn id="50" idx="2"/>
+                <a:endCxn id="39" idx="0"/>
               </p:cNvCxnSpPr>
               <p:nvPr/>
             </p:nvCxnSpPr>
             <p:spPr>
               <a:xfrm>
-                <a:off x="3434771" y="1463904"/>
+                <a:off x="8632137" y="1439880"/>
                 <a:ext cx="0" cy="242797"/>
               </a:xfrm>
               <a:prstGeom prst="straightConnector1">
@@ -6537,14 +11218,14 @@
           </p:cxnSp>
           <p:sp>
             <p:nvSpPr>
-              <p:cNvPr id="11" name="Rectángulo redondeado 10"/>
+              <p:cNvPr id="42" name="Rectángulo redondeado 41"/>
               <p:cNvSpPr/>
               <p:nvPr/>
             </p:nvSpPr>
             <p:spPr>
               <a:xfrm>
-                <a:off x="2221248" y="2207668"/>
-                <a:ext cx="2427044" cy="261779"/>
+                <a:off x="7219274" y="2191547"/>
+                <a:ext cx="2828897" cy="261779"/>
               </a:xfrm>
               <a:prstGeom prst="roundRect">
                 <a:avLst/>
@@ -6578,11 +11259,7 @@
                 <a:pPr algn="ctr"/>
                 <a:r>
                   <a:rPr lang="es-ES" sz="1100" dirty="0" smtClean="0"/>
-                  <a:t>Llamar a función </a:t>
-                </a:r>
-                <a:r>
-                  <a:rPr lang="es-ES" sz="1100" i="1" dirty="0" err="1" smtClean="0"/>
-                  <a:t>coger_datos_pox</a:t>
+                  <a:t>Guardar 100 datos en una variable intermedia</a:t>
                 </a:r>
                 <a:endParaRPr lang="es-ES" sz="1100" dirty="0"/>
               </a:p>
@@ -6590,14 +11267,14 @@
           </p:sp>
           <p:sp>
             <p:nvSpPr>
-              <p:cNvPr id="12" name="Rectángulo redondeado 11"/>
+              <p:cNvPr id="43" name="Rectángulo redondeado 42"/>
               <p:cNvSpPr/>
               <p:nvPr/>
             </p:nvSpPr>
             <p:spPr>
               <a:xfrm>
-                <a:off x="2221248" y="2708635"/>
-                <a:ext cx="2427044" cy="365372"/>
+                <a:off x="7870823" y="2742249"/>
+                <a:ext cx="1522628" cy="245344"/>
               </a:xfrm>
               <a:prstGeom prst="roundRect">
                 <a:avLst/>
@@ -6631,7 +11308,7 @@
                 <a:pPr algn="ctr"/>
                 <a:r>
                   <a:rPr lang="es-ES" sz="1100" dirty="0" smtClean="0"/>
-                  <a:t>Guardar los tres valores en una estructura</a:t>
+                  <a:t>Hacer la INSERT INTO</a:t>
                 </a:r>
                 <a:endParaRPr lang="es-ES" sz="1100" dirty="0"/>
               </a:p>
@@ -6639,52 +11316,17 @@
           </p:sp>
           <p:cxnSp>
             <p:nvCxnSpPr>
-              <p:cNvPr id="13" name="Conector recto de flecha 12"/>
+              <p:cNvPr id="44" name="Conector recto de flecha 43"/>
               <p:cNvCxnSpPr>
-                <a:stCxn id="11" idx="2"/>
-                <a:endCxn id="12" idx="0"/>
+                <a:stCxn id="42" idx="2"/>
+                <a:endCxn id="43" idx="0"/>
               </p:cNvCxnSpPr>
               <p:nvPr/>
             </p:nvCxnSpPr>
             <p:spPr>
-              <a:xfrm>
-                <a:off x="3434770" y="2469447"/>
-                <a:ext cx="0" cy="239188"/>
-              </a:xfrm>
-              <a:prstGeom prst="straightConnector1">
-                <a:avLst/>
-              </a:prstGeom>
-              <a:ln w="19050">
-                <a:tailEnd type="triangle"/>
-              </a:ln>
-            </p:spPr>
-            <p:style>
-              <a:lnRef idx="1">
-                <a:schemeClr val="dk1"/>
-              </a:lnRef>
-              <a:fillRef idx="0">
-                <a:schemeClr val="dk1"/>
-              </a:fillRef>
-              <a:effectRef idx="0">
-                <a:schemeClr val="dk1"/>
-              </a:effectRef>
-              <a:fontRef idx="minor">
-                <a:schemeClr val="tx1"/>
-              </a:fontRef>
-            </p:style>
-          </p:cxnSp>
-          <p:cxnSp>
-            <p:nvCxnSpPr>
-              <p:cNvPr id="15" name="Conector recto de flecha 14"/>
-              <p:cNvCxnSpPr>
-                <a:stCxn id="12" idx="3"/>
-              </p:cNvCxnSpPr>
-              <p:nvPr/>
-            </p:nvCxnSpPr>
-            <p:spPr>
-              <a:xfrm>
-                <a:off x="4648292" y="2891321"/>
-                <a:ext cx="1301829" cy="0"/>
+              <a:xfrm flipH="1">
+                <a:off x="8632137" y="2453326"/>
+                <a:ext cx="1586" cy="288923"/>
               </a:xfrm>
               <a:prstGeom prst="straightConnector1">
                 <a:avLst/>
@@ -6710,47 +11352,13 @@
           </p:cxnSp>
           <p:sp>
             <p:nvSpPr>
-              <p:cNvPr id="17" name="CuadroTexto 16"/>
-              <p:cNvSpPr txBox="1"/>
-              <p:nvPr/>
-            </p:nvSpPr>
-            <p:spPr>
-              <a:xfrm>
-                <a:off x="4632859" y="2627319"/>
-                <a:ext cx="1301829" cy="276999"/>
-              </a:xfrm>
-              <a:prstGeom prst="rect">
-                <a:avLst/>
-              </a:prstGeom>
-              <a:noFill/>
-            </p:spPr>
-            <p:txBody>
-              <a:bodyPr wrap="square" rtlCol="0">
-                <a:spAutoFit/>
-              </a:bodyPr>
-              <a:lstStyle/>
-              <a:p>
-                <a:r>
-                  <a:rPr lang="es-ES" sz="1200" dirty="0" err="1" smtClean="0"/>
-                  <a:t>datos_sensores</a:t>
-                </a:r>
-                <a:r>
-                  <a:rPr lang="es-ES" sz="1200" dirty="0" smtClean="0"/>
-                  <a:t>()</a:t>
-                </a:r>
-                <a:endParaRPr lang="es-ES" sz="1200" dirty="0"/>
-              </a:p>
-            </p:txBody>
-          </p:sp>
-          <p:sp>
-            <p:nvSpPr>
-              <p:cNvPr id="19" name="Rectángulo redondeado 18"/>
+              <p:cNvPr id="47" name="Rectángulo redondeado 46"/>
               <p:cNvSpPr/>
               <p:nvPr/>
             </p:nvSpPr>
             <p:spPr>
               <a:xfrm>
-                <a:off x="2827009" y="3762225"/>
+                <a:off x="8030725" y="3738201"/>
                 <a:ext cx="1215521" cy="261779"/>
               </a:xfrm>
               <a:prstGeom prst="roundRect">
@@ -6791,82 +11399,15 @@
               </a:p>
             </p:txBody>
           </p:sp>
-          <p:cxnSp>
-            <p:nvCxnSpPr>
-              <p:cNvPr id="23" name="Conector recto de flecha 22"/>
-              <p:cNvCxnSpPr/>
-              <p:nvPr/>
-            </p:nvCxnSpPr>
-            <p:spPr>
-              <a:xfrm>
-                <a:off x="1054894" y="3413828"/>
-                <a:ext cx="1159810" cy="0"/>
-              </a:xfrm>
-              <a:prstGeom prst="straightConnector1">
-                <a:avLst/>
-              </a:prstGeom>
-              <a:ln w="19050">
-                <a:tailEnd type="triangle"/>
-              </a:ln>
-            </p:spPr>
-            <p:style>
-              <a:lnRef idx="1">
-                <a:schemeClr val="dk1"/>
-              </a:lnRef>
-              <a:fillRef idx="0">
-                <a:schemeClr val="dk1"/>
-              </a:fillRef>
-              <a:effectRef idx="0">
-                <a:schemeClr val="dk1"/>
-              </a:effectRef>
-              <a:fontRef idx="minor">
-                <a:schemeClr val="tx1"/>
-              </a:fontRef>
-            </p:style>
-          </p:cxnSp>
           <p:sp>
             <p:nvSpPr>
-              <p:cNvPr id="25" name="CuadroTexto 24"/>
-              <p:cNvSpPr txBox="1"/>
-              <p:nvPr/>
-            </p:nvSpPr>
-            <p:spPr>
-              <a:xfrm>
-                <a:off x="1249581" y="3385195"/>
-                <a:ext cx="660950" cy="276999"/>
-              </a:xfrm>
-              <a:prstGeom prst="rect">
-                <a:avLst/>
-              </a:prstGeom>
-              <a:noFill/>
-            </p:spPr>
-            <p:txBody>
-              <a:bodyPr wrap="none" rtlCol="0">
-                <a:spAutoFit/>
-              </a:bodyPr>
-              <a:lstStyle/>
-              <a:p>
-                <a:r>
-                  <a:rPr lang="es-ES" sz="1200" dirty="0" err="1" smtClean="0"/>
-                  <a:t>q_pox</a:t>
-                </a:r>
-                <a:r>
-                  <a:rPr lang="es-ES" sz="1200" dirty="0" smtClean="0"/>
-                  <a:t>()</a:t>
-                </a:r>
-                <a:endParaRPr lang="es-ES" sz="1200" dirty="0"/>
-              </a:p>
-            </p:txBody>
-          </p:sp>
-          <p:sp>
-            <p:nvSpPr>
-              <p:cNvPr id="26" name="Rectángulo redondeado 25"/>
+              <p:cNvPr id="50" name="Rectángulo redondeado 49"/>
               <p:cNvSpPr/>
               <p:nvPr/>
             </p:nvSpPr>
             <p:spPr>
               <a:xfrm>
-                <a:off x="2735462" y="1202125"/>
+                <a:off x="7932828" y="1178101"/>
                 <a:ext cx="1398617" cy="261779"/>
               </a:xfrm>
               <a:prstGeom prst="roundRect">
@@ -6909,14 +11450,14 @@
           </p:sp>
           <p:sp>
             <p:nvSpPr>
-              <p:cNvPr id="43" name="Rectángulo redondeado 42"/>
+              <p:cNvPr id="51" name="Rectángulo redondeado 50"/>
               <p:cNvSpPr/>
               <p:nvPr/>
             </p:nvSpPr>
             <p:spPr>
               <a:xfrm>
-                <a:off x="2212667" y="3235430"/>
-                <a:ext cx="2427044" cy="365372"/>
+                <a:off x="7932828" y="3262216"/>
+                <a:ext cx="1404715" cy="264702"/>
               </a:xfrm>
               <a:prstGeom prst="roundRect">
                 <a:avLst/>
@@ -6950,191 +11491,7 @@
                 <a:pPr algn="ctr"/>
                 <a:r>
                   <a:rPr lang="es-ES" sz="1100" dirty="0" smtClean="0"/>
-                  <a:t>Introducir la estructura en la </a:t>
-                </a:r>
-                <a:r>
-                  <a:rPr lang="es-ES" sz="1100" i="1" dirty="0" smtClean="0"/>
-                  <a:t>QUEUE</a:t>
-                </a:r>
-                <a:endParaRPr lang="es-ES" sz="1100" dirty="0"/>
-              </a:p>
-            </p:txBody>
-          </p:sp>
-          <p:sp>
-            <p:nvSpPr>
-              <p:cNvPr id="45" name="CuadroTexto 44"/>
-              <p:cNvSpPr txBox="1"/>
-              <p:nvPr/>
-            </p:nvSpPr>
-            <p:spPr>
-              <a:xfrm>
-                <a:off x="4696389" y="3186423"/>
-                <a:ext cx="657133" cy="276999"/>
-              </a:xfrm>
-              <a:prstGeom prst="rect">
-                <a:avLst/>
-              </a:prstGeom>
-              <a:noFill/>
-            </p:spPr>
-            <p:txBody>
-              <a:bodyPr wrap="square" rtlCol="0">
-                <a:spAutoFit/>
-              </a:bodyPr>
-              <a:lstStyle/>
-              <a:p>
-                <a:r>
-                  <a:rPr lang="es-ES" sz="1200" dirty="0" err="1" smtClean="0"/>
-                  <a:t>q_pox</a:t>
-                </a:r>
-                <a:r>
-                  <a:rPr lang="es-ES" sz="1200" dirty="0" smtClean="0"/>
-                  <a:t>()</a:t>
-                </a:r>
-                <a:endParaRPr lang="es-ES" sz="1200" dirty="0"/>
-              </a:p>
-            </p:txBody>
-          </p:sp>
-          <p:cxnSp>
-            <p:nvCxnSpPr>
-              <p:cNvPr id="50" name="Conector recto de flecha 49"/>
-              <p:cNvCxnSpPr/>
-              <p:nvPr/>
-            </p:nvCxnSpPr>
-            <p:spPr>
-              <a:xfrm>
-                <a:off x="4639711" y="3446586"/>
-                <a:ext cx="770489" cy="0"/>
-              </a:xfrm>
-              <a:prstGeom prst="straightConnector1">
-                <a:avLst/>
-              </a:prstGeom>
-              <a:ln w="19050">
-                <a:tailEnd type="triangle"/>
-              </a:ln>
-            </p:spPr>
-            <p:style>
-              <a:lnRef idx="1">
-                <a:schemeClr val="dk1"/>
-              </a:lnRef>
-              <a:fillRef idx="0">
-                <a:schemeClr val="dk1"/>
-              </a:fillRef>
-              <a:effectRef idx="0">
-                <a:schemeClr val="dk1"/>
-              </a:effectRef>
-              <a:fontRef idx="minor">
-                <a:schemeClr val="tx1"/>
-              </a:fontRef>
-            </p:style>
-          </p:cxnSp>
-        </p:grpSp>
-      </p:grpSp>
-      <p:grpSp>
-        <p:nvGrpSpPr>
-          <p:cNvPr id="56" name="Grupo 55"/>
-          <p:cNvGrpSpPr/>
-          <p:nvPr/>
-        </p:nvGrpSpPr>
-        <p:grpSpPr>
-          <a:xfrm>
-            <a:off x="6222015" y="1178101"/>
-            <a:ext cx="4925472" cy="2821879"/>
-            <a:chOff x="1024649" y="1202125"/>
-            <a:chExt cx="4925472" cy="2821879"/>
-          </a:xfrm>
-        </p:grpSpPr>
-        <p:sp>
-          <p:nvSpPr>
-            <p:cNvPr id="57" name="CuadroTexto 56"/>
-            <p:cNvSpPr txBox="1"/>
-            <p:nvPr/>
-          </p:nvSpPr>
-          <p:spPr>
-            <a:xfrm>
-              <a:off x="1024649" y="3169587"/>
-              <a:ext cx="1188018" cy="276999"/>
-            </a:xfrm>
-            <a:prstGeom prst="rect">
-              <a:avLst/>
-            </a:prstGeom>
-            <a:noFill/>
-          </p:spPr>
-          <p:txBody>
-            <a:bodyPr wrap="none" rtlCol="0">
-              <a:spAutoFit/>
-            </a:bodyPr>
-            <a:lstStyle/>
-            <a:p>
-              <a:r>
-                <a:rPr lang="es-ES" sz="1200" dirty="0" err="1" smtClean="0"/>
-                <a:t>datos_senores</a:t>
-              </a:r>
-              <a:r>
-                <a:rPr lang="es-ES" sz="1200" dirty="0" smtClean="0"/>
-                <a:t>()</a:t>
-              </a:r>
-              <a:endParaRPr lang="es-ES" sz="1200" dirty="0"/>
-            </a:p>
-          </p:txBody>
-        </p:sp>
-        <p:grpSp>
-          <p:nvGrpSpPr>
-            <p:cNvPr id="58" name="Grupo 57"/>
-            <p:cNvGrpSpPr/>
-            <p:nvPr/>
-          </p:nvGrpSpPr>
-          <p:grpSpPr>
-            <a:xfrm>
-              <a:off x="1054894" y="1202125"/>
-              <a:ext cx="4895227" cy="2821879"/>
-              <a:chOff x="1054894" y="1202125"/>
-              <a:chExt cx="4895227" cy="2821879"/>
-            </a:xfrm>
-          </p:grpSpPr>
-          <p:sp>
-            <p:nvSpPr>
-              <p:cNvPr id="59" name="Rectángulo redondeado 58"/>
-              <p:cNvSpPr/>
-              <p:nvPr/>
-            </p:nvSpPr>
-            <p:spPr>
-              <a:xfrm>
-                <a:off x="2643915" y="1706701"/>
-                <a:ext cx="1581712" cy="261779"/>
-              </a:xfrm>
-              <a:prstGeom prst="roundRect">
-                <a:avLst/>
-              </a:prstGeom>
-              <a:solidFill>
-                <a:schemeClr val="accent1">
-                  <a:lumMod val="20000"/>
-                  <a:lumOff val="80000"/>
-                </a:schemeClr>
-              </a:solidFill>
-              <a:ln w="19050"/>
-            </p:spPr>
-            <p:style>
-              <a:lnRef idx="2">
-                <a:schemeClr val="dk1"/>
-              </a:lnRef>
-              <a:fillRef idx="1">
-                <a:schemeClr val="lt1"/>
-              </a:fillRef>
-              <a:effectRef idx="0">
-                <a:schemeClr val="dk1"/>
-              </a:effectRef>
-              <a:fontRef idx="minor">
-                <a:schemeClr val="dk1"/>
-              </a:fontRef>
-            </p:style>
-            <p:txBody>
-              <a:bodyPr rtlCol="0" anchor="ctr"/>
-              <a:lstStyle/>
-              <a:p>
-                <a:pPr algn="ctr"/>
-                <a:r>
-                  <a:rPr lang="es-ES" sz="1100" dirty="0" smtClean="0"/>
-                  <a:t>Tomar el tiempo actual</a:t>
+                  <a:t>Finalizar la conexión</a:t>
                 </a:r>
                 <a:endParaRPr lang="es-ES" sz="1100" dirty="0"/>
               </a:p>
@@ -7142,17 +11499,17 @@
           </p:sp>
           <p:cxnSp>
             <p:nvCxnSpPr>
-              <p:cNvPr id="60" name="Conector recto de flecha 59"/>
+              <p:cNvPr id="54" name="Conector recto de flecha 53"/>
               <p:cNvCxnSpPr>
-                <a:stCxn id="59" idx="2"/>
-                <a:endCxn id="62" idx="0"/>
+                <a:stCxn id="43" idx="2"/>
+                <a:endCxn id="51" idx="0"/>
               </p:cNvCxnSpPr>
               <p:nvPr/>
             </p:nvCxnSpPr>
             <p:spPr>
-              <a:xfrm flipH="1">
-                <a:off x="3434770" y="1968480"/>
-                <a:ext cx="1" cy="239188"/>
+              <a:xfrm>
+                <a:off x="8632137" y="2987593"/>
+                <a:ext cx="3049" cy="274623"/>
               </a:xfrm>
               <a:prstGeom prst="straightConnector1">
                 <a:avLst/>
@@ -7178,509 +11535,17 @@
           </p:cxnSp>
           <p:cxnSp>
             <p:nvCxnSpPr>
-              <p:cNvPr id="61" name="Conector recto de flecha 60"/>
+              <p:cNvPr id="55" name="Conector recto de flecha 54"/>
               <p:cNvCxnSpPr>
-                <a:stCxn id="70" idx="2"/>
-                <a:endCxn id="59" idx="0"/>
+                <a:stCxn id="51" idx="2"/>
+                <a:endCxn id="47" idx="0"/>
               </p:cNvCxnSpPr>
               <p:nvPr/>
             </p:nvCxnSpPr>
             <p:spPr>
               <a:xfrm>
-                <a:off x="3434771" y="1463904"/>
-                <a:ext cx="0" cy="242797"/>
-              </a:xfrm>
-              <a:prstGeom prst="straightConnector1">
-                <a:avLst/>
-              </a:prstGeom>
-              <a:ln w="19050">
-                <a:tailEnd type="triangle"/>
-              </a:ln>
-            </p:spPr>
-            <p:style>
-              <a:lnRef idx="1">
-                <a:schemeClr val="dk1"/>
-              </a:lnRef>
-              <a:fillRef idx="0">
-                <a:schemeClr val="dk1"/>
-              </a:fillRef>
-              <a:effectRef idx="0">
-                <a:schemeClr val="dk1"/>
-              </a:effectRef>
-              <a:fontRef idx="minor">
-                <a:schemeClr val="tx1"/>
-              </a:fontRef>
-            </p:style>
-          </p:cxnSp>
-          <p:sp>
-            <p:nvSpPr>
-              <p:cNvPr id="62" name="Rectángulo redondeado 61"/>
-              <p:cNvSpPr/>
-              <p:nvPr/>
-            </p:nvSpPr>
-            <p:spPr>
-              <a:xfrm>
-                <a:off x="2221248" y="2207668"/>
-                <a:ext cx="2427044" cy="261779"/>
-              </a:xfrm>
-              <a:prstGeom prst="roundRect">
-                <a:avLst/>
-              </a:prstGeom>
-              <a:solidFill>
-                <a:schemeClr val="accent1">
-                  <a:lumMod val="20000"/>
-                  <a:lumOff val="80000"/>
-                </a:schemeClr>
-              </a:solidFill>
-              <a:ln w="19050"/>
-            </p:spPr>
-            <p:style>
-              <a:lnRef idx="2">
-                <a:schemeClr val="dk1"/>
-              </a:lnRef>
-              <a:fillRef idx="1">
-                <a:schemeClr val="lt1"/>
-              </a:fillRef>
-              <a:effectRef idx="0">
-                <a:schemeClr val="dk1"/>
-              </a:effectRef>
-              <a:fontRef idx="minor">
-                <a:schemeClr val="dk1"/>
-              </a:fontRef>
-            </p:style>
-            <p:txBody>
-              <a:bodyPr rtlCol="0" anchor="ctr"/>
-              <a:lstStyle/>
-              <a:p>
-                <a:pPr algn="ctr"/>
-                <a:r>
-                  <a:rPr lang="es-ES" sz="1100" dirty="0" smtClean="0"/>
-                  <a:t>Llamar a función </a:t>
-                </a:r>
-                <a:r>
-                  <a:rPr lang="es-ES" sz="1100" i="1" dirty="0" err="1" smtClean="0"/>
-                  <a:t>coger_datos_gsr</a:t>
-                </a:r>
-                <a:endParaRPr lang="es-ES" sz="1100" dirty="0"/>
-              </a:p>
-            </p:txBody>
-          </p:sp>
-          <p:sp>
-            <p:nvSpPr>
-              <p:cNvPr id="63" name="Rectángulo redondeado 62"/>
-              <p:cNvSpPr/>
-              <p:nvPr/>
-            </p:nvSpPr>
-            <p:spPr>
-              <a:xfrm>
-                <a:off x="2221248" y="2708635"/>
-                <a:ext cx="2427044" cy="365372"/>
-              </a:xfrm>
-              <a:prstGeom prst="roundRect">
-                <a:avLst/>
-              </a:prstGeom>
-              <a:solidFill>
-                <a:schemeClr val="accent1">
-                  <a:lumMod val="20000"/>
-                  <a:lumOff val="80000"/>
-                </a:schemeClr>
-              </a:solidFill>
-              <a:ln w="19050"/>
-            </p:spPr>
-            <p:style>
-              <a:lnRef idx="2">
-                <a:schemeClr val="dk1"/>
-              </a:lnRef>
-              <a:fillRef idx="1">
-                <a:schemeClr val="lt1"/>
-              </a:fillRef>
-              <a:effectRef idx="0">
-                <a:schemeClr val="dk1"/>
-              </a:effectRef>
-              <a:fontRef idx="minor">
-                <a:schemeClr val="dk1"/>
-              </a:fontRef>
-            </p:style>
-            <p:txBody>
-              <a:bodyPr rtlCol="0" anchor="ctr"/>
-              <a:lstStyle/>
-              <a:p>
-                <a:pPr algn="ctr"/>
-                <a:r>
-                  <a:rPr lang="es-ES" sz="1100" dirty="0" smtClean="0"/>
-                  <a:t>Guardar los tres valores en una estructura</a:t>
-                </a:r>
-                <a:endParaRPr lang="es-ES" sz="1100" dirty="0"/>
-              </a:p>
-            </p:txBody>
-          </p:sp>
-          <p:cxnSp>
-            <p:nvCxnSpPr>
-              <p:cNvPr id="64" name="Conector recto de flecha 63"/>
-              <p:cNvCxnSpPr>
-                <a:stCxn id="62" idx="2"/>
-                <a:endCxn id="63" idx="0"/>
-              </p:cNvCxnSpPr>
-              <p:nvPr/>
-            </p:nvCxnSpPr>
-            <p:spPr>
-              <a:xfrm>
-                <a:off x="3434770" y="2469447"/>
-                <a:ext cx="0" cy="239188"/>
-              </a:xfrm>
-              <a:prstGeom prst="straightConnector1">
-                <a:avLst/>
-              </a:prstGeom>
-              <a:ln w="19050">
-                <a:tailEnd type="triangle"/>
-              </a:ln>
-            </p:spPr>
-            <p:style>
-              <a:lnRef idx="1">
-                <a:schemeClr val="dk1"/>
-              </a:lnRef>
-              <a:fillRef idx="0">
-                <a:schemeClr val="dk1"/>
-              </a:fillRef>
-              <a:effectRef idx="0">
-                <a:schemeClr val="dk1"/>
-              </a:effectRef>
-              <a:fontRef idx="minor">
-                <a:schemeClr val="tx1"/>
-              </a:fontRef>
-            </p:style>
-          </p:cxnSp>
-          <p:cxnSp>
-            <p:nvCxnSpPr>
-              <p:cNvPr id="65" name="Conector recto de flecha 64"/>
-              <p:cNvCxnSpPr>
-                <a:stCxn id="63" idx="3"/>
-              </p:cNvCxnSpPr>
-              <p:nvPr/>
-            </p:nvCxnSpPr>
-            <p:spPr>
-              <a:xfrm>
-                <a:off x="4648292" y="2891321"/>
-                <a:ext cx="1301829" cy="0"/>
-              </a:xfrm>
-              <a:prstGeom prst="straightConnector1">
-                <a:avLst/>
-              </a:prstGeom>
-              <a:ln w="19050">
-                <a:tailEnd type="triangle"/>
-              </a:ln>
-            </p:spPr>
-            <p:style>
-              <a:lnRef idx="1">
-                <a:schemeClr val="dk1"/>
-              </a:lnRef>
-              <a:fillRef idx="0">
-                <a:schemeClr val="dk1"/>
-              </a:fillRef>
-              <a:effectRef idx="0">
-                <a:schemeClr val="dk1"/>
-              </a:effectRef>
-              <a:fontRef idx="minor">
-                <a:schemeClr val="tx1"/>
-              </a:fontRef>
-            </p:style>
-          </p:cxnSp>
-          <p:sp>
-            <p:nvSpPr>
-              <p:cNvPr id="66" name="CuadroTexto 65"/>
-              <p:cNvSpPr txBox="1"/>
-              <p:nvPr/>
-            </p:nvSpPr>
-            <p:spPr>
-              <a:xfrm>
-                <a:off x="4632859" y="2627319"/>
-                <a:ext cx="1301829" cy="276999"/>
-              </a:xfrm>
-              <a:prstGeom prst="rect">
-                <a:avLst/>
-              </a:prstGeom>
-              <a:noFill/>
-            </p:spPr>
-            <p:txBody>
-              <a:bodyPr wrap="square" rtlCol="0">
-                <a:spAutoFit/>
-              </a:bodyPr>
-              <a:lstStyle/>
-              <a:p>
-                <a:r>
-                  <a:rPr lang="es-ES" sz="1200" dirty="0" err="1" smtClean="0"/>
-                  <a:t>datos_sensores</a:t>
-                </a:r>
-                <a:r>
-                  <a:rPr lang="es-ES" sz="1200" dirty="0" smtClean="0"/>
-                  <a:t>()</a:t>
-                </a:r>
-                <a:endParaRPr lang="es-ES" sz="1200" dirty="0"/>
-              </a:p>
-            </p:txBody>
-          </p:sp>
-          <p:sp>
-            <p:nvSpPr>
-              <p:cNvPr id="67" name="Rectángulo redondeado 66"/>
-              <p:cNvSpPr/>
-              <p:nvPr/>
-            </p:nvSpPr>
-            <p:spPr>
-              <a:xfrm>
-                <a:off x="2827009" y="3762225"/>
-                <a:ext cx="1215521" cy="261779"/>
-              </a:xfrm>
-              <a:prstGeom prst="roundRect">
-                <a:avLst/>
-              </a:prstGeom>
-              <a:solidFill>
-                <a:schemeClr val="accent6">
-                  <a:lumMod val="40000"/>
-                  <a:lumOff val="60000"/>
-                </a:schemeClr>
-              </a:solidFill>
-              <a:ln w="19050"/>
-            </p:spPr>
-            <p:style>
-              <a:lnRef idx="2">
-                <a:schemeClr val="dk1"/>
-              </a:lnRef>
-              <a:fillRef idx="1">
-                <a:schemeClr val="lt1"/>
-              </a:fillRef>
-              <a:effectRef idx="0">
-                <a:schemeClr val="dk1"/>
-              </a:effectRef>
-              <a:fontRef idx="minor">
-                <a:schemeClr val="dk1"/>
-              </a:fontRef>
-            </p:style>
-            <p:txBody>
-              <a:bodyPr rtlCol="0" anchor="ctr"/>
-              <a:lstStyle/>
-              <a:p>
-                <a:pPr algn="ctr"/>
-                <a:r>
-                  <a:rPr lang="es-ES" sz="1100" dirty="0" smtClean="0"/>
-                  <a:t>Fin de la función</a:t>
-                </a:r>
-                <a:endParaRPr lang="es-ES" sz="1100" dirty="0"/>
-              </a:p>
-            </p:txBody>
-          </p:sp>
-          <p:cxnSp>
-            <p:nvCxnSpPr>
-              <p:cNvPr id="68" name="Conector recto de flecha 67"/>
-              <p:cNvCxnSpPr/>
-              <p:nvPr/>
-            </p:nvCxnSpPr>
-            <p:spPr>
-              <a:xfrm>
-                <a:off x="1054894" y="3413828"/>
-                <a:ext cx="1159810" cy="0"/>
-              </a:xfrm>
-              <a:prstGeom prst="straightConnector1">
-                <a:avLst/>
-              </a:prstGeom>
-              <a:ln w="19050">
-                <a:tailEnd type="triangle"/>
-              </a:ln>
-            </p:spPr>
-            <p:style>
-              <a:lnRef idx="1">
-                <a:schemeClr val="dk1"/>
-              </a:lnRef>
-              <a:fillRef idx="0">
-                <a:schemeClr val="dk1"/>
-              </a:fillRef>
-              <a:effectRef idx="0">
-                <a:schemeClr val="dk1"/>
-              </a:effectRef>
-              <a:fontRef idx="minor">
-                <a:schemeClr val="tx1"/>
-              </a:fontRef>
-            </p:style>
-          </p:cxnSp>
-          <p:sp>
-            <p:nvSpPr>
-              <p:cNvPr id="69" name="CuadroTexto 68"/>
-              <p:cNvSpPr txBox="1"/>
-              <p:nvPr/>
-            </p:nvSpPr>
-            <p:spPr>
-              <a:xfrm>
-                <a:off x="1249581" y="3385195"/>
-                <a:ext cx="620683" cy="276999"/>
-              </a:xfrm>
-              <a:prstGeom prst="rect">
-                <a:avLst/>
-              </a:prstGeom>
-              <a:noFill/>
-            </p:spPr>
-            <p:txBody>
-              <a:bodyPr wrap="none" rtlCol="0">
-                <a:spAutoFit/>
-              </a:bodyPr>
-              <a:lstStyle/>
-              <a:p>
-                <a:r>
-                  <a:rPr lang="es-ES" sz="1200" dirty="0" err="1" smtClean="0"/>
-                  <a:t>q_gsr</a:t>
-                </a:r>
-                <a:r>
-                  <a:rPr lang="es-ES" sz="1200" dirty="0" smtClean="0"/>
-                  <a:t>()</a:t>
-                </a:r>
-                <a:endParaRPr lang="es-ES" sz="1200" dirty="0"/>
-              </a:p>
-            </p:txBody>
-          </p:sp>
-          <p:sp>
-            <p:nvSpPr>
-              <p:cNvPr id="70" name="Rectángulo redondeado 69"/>
-              <p:cNvSpPr/>
-              <p:nvPr/>
-            </p:nvSpPr>
-            <p:spPr>
-              <a:xfrm>
-                <a:off x="2735462" y="1202125"/>
-                <a:ext cx="1398617" cy="261779"/>
-              </a:xfrm>
-              <a:prstGeom prst="roundRect">
-                <a:avLst/>
-              </a:prstGeom>
-              <a:solidFill>
-                <a:schemeClr val="accent6">
-                  <a:lumMod val="40000"/>
-                  <a:lumOff val="60000"/>
-                </a:schemeClr>
-              </a:solidFill>
-              <a:ln w="19050"/>
-            </p:spPr>
-            <p:style>
-              <a:lnRef idx="2">
-                <a:schemeClr val="dk1"/>
-              </a:lnRef>
-              <a:fillRef idx="1">
-                <a:schemeClr val="lt1"/>
-              </a:fillRef>
-              <a:effectRef idx="0">
-                <a:schemeClr val="dk1"/>
-              </a:effectRef>
-              <a:fontRef idx="minor">
-                <a:schemeClr val="dk1"/>
-              </a:fontRef>
-            </p:style>
-            <p:txBody>
-              <a:bodyPr rtlCol="0" anchor="ctr"/>
-              <a:lstStyle/>
-              <a:p>
-                <a:pPr algn="ctr"/>
-                <a:r>
-                  <a:rPr lang="es-ES" sz="1100" dirty="0" smtClean="0"/>
-                  <a:t>Llamada a la función</a:t>
-                </a:r>
-                <a:endParaRPr lang="es-ES" sz="1100" dirty="0"/>
-              </a:p>
-            </p:txBody>
-          </p:sp>
-          <p:sp>
-            <p:nvSpPr>
-              <p:cNvPr id="71" name="Rectángulo redondeado 70"/>
-              <p:cNvSpPr/>
-              <p:nvPr/>
-            </p:nvSpPr>
-            <p:spPr>
-              <a:xfrm>
-                <a:off x="2212667" y="3235430"/>
-                <a:ext cx="2427044" cy="365372"/>
-              </a:xfrm>
-              <a:prstGeom prst="roundRect">
-                <a:avLst/>
-              </a:prstGeom>
-              <a:solidFill>
-                <a:schemeClr val="accent1">
-                  <a:lumMod val="20000"/>
-                  <a:lumOff val="80000"/>
-                </a:schemeClr>
-              </a:solidFill>
-              <a:ln w="19050"/>
-            </p:spPr>
-            <p:style>
-              <a:lnRef idx="2">
-                <a:schemeClr val="dk1"/>
-              </a:lnRef>
-              <a:fillRef idx="1">
-                <a:schemeClr val="lt1"/>
-              </a:fillRef>
-              <a:effectRef idx="0">
-                <a:schemeClr val="dk1"/>
-              </a:effectRef>
-              <a:fontRef idx="minor">
-                <a:schemeClr val="dk1"/>
-              </a:fontRef>
-            </p:style>
-            <p:txBody>
-              <a:bodyPr rtlCol="0" anchor="ctr"/>
-              <a:lstStyle/>
-              <a:p>
-                <a:pPr algn="ctr"/>
-                <a:r>
-                  <a:rPr lang="es-ES" sz="1100" dirty="0" smtClean="0"/>
-                  <a:t>Introducir la estructura en la </a:t>
-                </a:r>
-                <a:r>
-                  <a:rPr lang="es-ES" sz="1100" i="1" dirty="0" smtClean="0"/>
-                  <a:t>QUEUE</a:t>
-                </a:r>
-                <a:endParaRPr lang="es-ES" sz="1100" dirty="0"/>
-              </a:p>
-            </p:txBody>
-          </p:sp>
-          <p:sp>
-            <p:nvSpPr>
-              <p:cNvPr id="72" name="CuadroTexto 71"/>
-              <p:cNvSpPr txBox="1"/>
-              <p:nvPr/>
-            </p:nvSpPr>
-            <p:spPr>
-              <a:xfrm>
-                <a:off x="4696389" y="3186423"/>
-                <a:ext cx="657133" cy="276999"/>
-              </a:xfrm>
-              <a:prstGeom prst="rect">
-                <a:avLst/>
-              </a:prstGeom>
-              <a:noFill/>
-            </p:spPr>
-            <p:txBody>
-              <a:bodyPr wrap="square" rtlCol="0">
-                <a:spAutoFit/>
-              </a:bodyPr>
-              <a:lstStyle/>
-              <a:p>
-                <a:r>
-                  <a:rPr lang="es-ES" sz="1200" dirty="0" err="1" smtClean="0"/>
-                  <a:t>q_gsr</a:t>
-                </a:r>
-                <a:r>
-                  <a:rPr lang="es-ES" sz="1200" dirty="0" smtClean="0"/>
-                  <a:t>()</a:t>
-                </a:r>
-                <a:endParaRPr lang="es-ES" sz="1200" dirty="0"/>
-              </a:p>
-            </p:txBody>
-          </p:sp>
-          <p:cxnSp>
-            <p:nvCxnSpPr>
-              <p:cNvPr id="73" name="Conector recto de flecha 72"/>
-              <p:cNvCxnSpPr/>
-              <p:nvPr/>
-            </p:nvCxnSpPr>
-            <p:spPr>
-              <a:xfrm>
-                <a:off x="4639711" y="3446586"/>
-                <a:ext cx="770489" cy="0"/>
+                <a:off x="8635186" y="3526918"/>
+                <a:ext cx="3300" cy="211283"/>
               </a:xfrm>
               <a:prstGeom prst="straightConnector1">
                 <a:avLst/>
@@ -7705,31 +11570,116 @@
             </p:style>
           </p:cxnSp>
         </p:grpSp>
-      </p:grpSp>
-      <p:grpSp>
-        <p:nvGrpSpPr>
-          <p:cNvPr id="74" name="Grupo 73"/>
-          <p:cNvGrpSpPr/>
-          <p:nvPr/>
-        </p:nvGrpSpPr>
-        <p:grpSpPr>
-          <a:xfrm>
-            <a:off x="3434769" y="3932073"/>
-            <a:ext cx="4925472" cy="2821879"/>
-            <a:chOff x="1024649" y="1202125"/>
-            <a:chExt cx="4925472" cy="2821879"/>
-          </a:xfrm>
-        </p:grpSpPr>
+        <p:cxnSp>
+          <p:nvCxnSpPr>
+            <p:cNvPr id="65" name="Conector recto de flecha 64"/>
+            <p:cNvCxnSpPr>
+              <a:endCxn id="42" idx="1"/>
+            </p:cNvCxnSpPr>
+            <p:nvPr/>
+          </p:nvCxnSpPr>
+          <p:spPr>
+            <a:xfrm>
+              <a:off x="5172075" y="5094728"/>
+              <a:ext cx="545862" cy="1"/>
+            </a:xfrm>
+            <a:prstGeom prst="straightConnector1">
+              <a:avLst/>
+            </a:prstGeom>
+            <a:ln w="19050">
+              <a:tailEnd type="triangle"/>
+            </a:ln>
+          </p:spPr>
+          <p:style>
+            <a:lnRef idx="1">
+              <a:schemeClr val="dk1"/>
+            </a:lnRef>
+            <a:fillRef idx="0">
+              <a:schemeClr val="dk1"/>
+            </a:fillRef>
+            <a:effectRef idx="0">
+              <a:schemeClr val="dk1"/>
+            </a:effectRef>
+            <a:fontRef idx="minor">
+              <a:schemeClr val="tx1"/>
+            </a:fontRef>
+          </p:style>
+        </p:cxnSp>
         <p:sp>
           <p:nvSpPr>
-            <p:cNvPr id="75" name="CuadroTexto 74"/>
+            <p:cNvPr id="66" name="CuadroTexto 65"/>
             <p:cNvSpPr txBox="1"/>
             <p:nvPr/>
           </p:nvSpPr>
           <p:spPr>
             <a:xfrm>
-              <a:off x="1024649" y="3169587"/>
-              <a:ext cx="1188018" cy="276999"/>
+              <a:off x="5141164" y="4844810"/>
+              <a:ext cx="532838" cy="276999"/>
+            </a:xfrm>
+            <a:prstGeom prst="rect">
+              <a:avLst/>
+            </a:prstGeom>
+            <a:noFill/>
+          </p:spPr>
+          <p:txBody>
+            <a:bodyPr wrap="none" rtlCol="0">
+              <a:spAutoFit/>
+            </a:bodyPr>
+            <a:lstStyle/>
+            <a:p>
+              <a:r>
+                <a:rPr lang="es-ES" sz="1200" dirty="0" smtClean="0"/>
+                <a:t>cola()</a:t>
+              </a:r>
+              <a:endParaRPr lang="es-ES" sz="1200" dirty="0"/>
+            </a:p>
+          </p:txBody>
+        </p:sp>
+        <p:cxnSp>
+          <p:nvCxnSpPr>
+            <p:cNvPr id="68" name="Conector recto de flecha 67"/>
+            <p:cNvCxnSpPr>
+              <a:stCxn id="42" idx="3"/>
+            </p:cNvCxnSpPr>
+            <p:nvPr/>
+          </p:nvCxnSpPr>
+          <p:spPr>
+            <a:xfrm>
+              <a:off x="8546834" y="5094729"/>
+              <a:ext cx="720991" cy="0"/>
+            </a:xfrm>
+            <a:prstGeom prst="straightConnector1">
+              <a:avLst/>
+            </a:prstGeom>
+            <a:ln w="19050">
+              <a:tailEnd type="triangle"/>
+            </a:ln>
+          </p:spPr>
+          <p:style>
+            <a:lnRef idx="1">
+              <a:schemeClr val="dk1"/>
+            </a:lnRef>
+            <a:fillRef idx="0">
+              <a:schemeClr val="dk1"/>
+            </a:fillRef>
+            <a:effectRef idx="0">
+              <a:schemeClr val="dk1"/>
+            </a:effectRef>
+            <a:fontRef idx="minor">
+              <a:schemeClr val="tx1"/>
+            </a:fontRef>
+          </p:style>
+        </p:cxnSp>
+        <p:sp>
+          <p:nvSpPr>
+            <p:cNvPr id="70" name="CuadroTexto 69"/>
+            <p:cNvSpPr txBox="1"/>
+            <p:nvPr/>
+          </p:nvSpPr>
+          <p:spPr>
+            <a:xfrm>
+              <a:off x="8589291" y="4845678"/>
+              <a:ext cx="579005" cy="276999"/>
             </a:xfrm>
             <a:prstGeom prst="rect">
               <a:avLst/>
@@ -7744,7 +11694,7 @@
             <a:p>
               <a:r>
                 <a:rPr lang="es-ES" sz="1200" dirty="0" err="1" smtClean="0"/>
-                <a:t>datos_senores</a:t>
+                <a:t>linea</a:t>
               </a:r>
               <a:r>
                 <a:rPr lang="es-ES" sz="1200" dirty="0" smtClean="0"/>
@@ -7754,639 +11704,80 @@
             </a:p>
           </p:txBody>
         </p:sp>
-        <p:grpSp>
-          <p:nvGrpSpPr>
-            <p:cNvPr id="76" name="Grupo 75"/>
-            <p:cNvGrpSpPr/>
+        <p:cxnSp>
+          <p:nvCxnSpPr>
+            <p:cNvPr id="73" name="Conector recto de flecha 72"/>
+            <p:cNvCxnSpPr>
+              <a:endCxn id="43" idx="1"/>
+            </p:cNvCxnSpPr>
             <p:nvPr/>
-          </p:nvGrpSpPr>
-          <p:grpSpPr>
+          </p:nvCxnSpPr>
+          <p:spPr>
+            <a:xfrm flipV="1">
+              <a:off x="5794678" y="5637213"/>
+              <a:ext cx="574808" cy="1587"/>
+            </a:xfrm>
+            <a:prstGeom prst="straightConnector1">
+              <a:avLst/>
+            </a:prstGeom>
+            <a:ln w="19050">
+              <a:tailEnd type="triangle"/>
+            </a:ln>
+          </p:spPr>
+          <p:style>
+            <a:lnRef idx="1">
+              <a:schemeClr val="dk1"/>
+            </a:lnRef>
+            <a:fillRef idx="0">
+              <a:schemeClr val="dk1"/>
+            </a:fillRef>
+            <a:effectRef idx="0">
+              <a:schemeClr val="dk1"/>
+            </a:effectRef>
+            <a:fontRef idx="minor">
+              <a:schemeClr val="tx1"/>
+            </a:fontRef>
+          </p:style>
+        </p:cxnSp>
+        <p:sp>
+          <p:nvSpPr>
+            <p:cNvPr id="74" name="CuadroTexto 73"/>
+            <p:cNvSpPr txBox="1"/>
+            <p:nvPr/>
+          </p:nvSpPr>
+          <p:spPr>
             <a:xfrm>
-              <a:off x="1054894" y="1202125"/>
-              <a:ext cx="4895227" cy="2821879"/>
-              <a:chOff x="1054894" y="1202125"/>
-              <a:chExt cx="4895227" cy="2821879"/>
+              <a:off x="5786616" y="5376041"/>
+              <a:ext cx="579005" cy="276999"/>
             </a:xfrm>
-          </p:grpSpPr>
-          <p:sp>
-            <p:nvSpPr>
-              <p:cNvPr id="77" name="Rectángulo redondeado 76"/>
-              <p:cNvSpPr/>
-              <p:nvPr/>
-            </p:nvSpPr>
-            <p:spPr>
-              <a:xfrm>
-                <a:off x="2643915" y="1706701"/>
-                <a:ext cx="1581712" cy="261779"/>
-              </a:xfrm>
-              <a:prstGeom prst="roundRect">
-                <a:avLst/>
-              </a:prstGeom>
-              <a:solidFill>
-                <a:schemeClr val="accent1">
-                  <a:lumMod val="20000"/>
-                  <a:lumOff val="80000"/>
-                </a:schemeClr>
-              </a:solidFill>
-              <a:ln w="19050"/>
-            </p:spPr>
-            <p:style>
-              <a:lnRef idx="2">
-                <a:schemeClr val="dk1"/>
-              </a:lnRef>
-              <a:fillRef idx="1">
-                <a:schemeClr val="lt1"/>
-              </a:fillRef>
-              <a:effectRef idx="0">
-                <a:schemeClr val="dk1"/>
-              </a:effectRef>
-              <a:fontRef idx="minor">
-                <a:schemeClr val="dk1"/>
-              </a:fontRef>
-            </p:style>
-            <p:txBody>
-              <a:bodyPr rtlCol="0" anchor="ctr"/>
-              <a:lstStyle/>
-              <a:p>
-                <a:pPr algn="ctr"/>
-                <a:r>
-                  <a:rPr lang="es-ES" sz="1100" dirty="0" smtClean="0"/>
-                  <a:t>Tomar el tiempo actual</a:t>
-                </a:r>
-                <a:endParaRPr lang="es-ES" sz="1100" dirty="0"/>
-              </a:p>
-            </p:txBody>
-          </p:sp>
-          <p:cxnSp>
-            <p:nvCxnSpPr>
-              <p:cNvPr id="78" name="Conector recto de flecha 77"/>
-              <p:cNvCxnSpPr>
-                <a:stCxn id="77" idx="2"/>
-                <a:endCxn id="80" idx="0"/>
-              </p:cNvCxnSpPr>
-              <p:nvPr/>
-            </p:nvCxnSpPr>
-            <p:spPr>
-              <a:xfrm flipH="1">
-                <a:off x="3434770" y="1968480"/>
-                <a:ext cx="1" cy="239188"/>
-              </a:xfrm>
-              <a:prstGeom prst="straightConnector1">
-                <a:avLst/>
-              </a:prstGeom>
-              <a:ln w="19050">
-                <a:tailEnd type="triangle"/>
-              </a:ln>
-            </p:spPr>
-            <p:style>
-              <a:lnRef idx="1">
-                <a:schemeClr val="dk1"/>
-              </a:lnRef>
-              <a:fillRef idx="0">
-                <a:schemeClr val="dk1"/>
-              </a:fillRef>
-              <a:effectRef idx="0">
-                <a:schemeClr val="dk1"/>
-              </a:effectRef>
-              <a:fontRef idx="minor">
-                <a:schemeClr val="tx1"/>
-              </a:fontRef>
-            </p:style>
-          </p:cxnSp>
-          <p:cxnSp>
-            <p:nvCxnSpPr>
-              <p:cNvPr id="79" name="Conector recto de flecha 78"/>
-              <p:cNvCxnSpPr>
-                <a:stCxn id="88" idx="2"/>
-                <a:endCxn id="77" idx="0"/>
-              </p:cNvCxnSpPr>
-              <p:nvPr/>
-            </p:nvCxnSpPr>
-            <p:spPr>
-              <a:xfrm>
-                <a:off x="3434771" y="1463904"/>
-                <a:ext cx="0" cy="242797"/>
-              </a:xfrm>
-              <a:prstGeom prst="straightConnector1">
-                <a:avLst/>
-              </a:prstGeom>
-              <a:ln w="19050">
-                <a:tailEnd type="triangle"/>
-              </a:ln>
-            </p:spPr>
-            <p:style>
-              <a:lnRef idx="1">
-                <a:schemeClr val="dk1"/>
-              </a:lnRef>
-              <a:fillRef idx="0">
-                <a:schemeClr val="dk1"/>
-              </a:fillRef>
-              <a:effectRef idx="0">
-                <a:schemeClr val="dk1"/>
-              </a:effectRef>
-              <a:fontRef idx="minor">
-                <a:schemeClr val="tx1"/>
-              </a:fontRef>
-            </p:style>
-          </p:cxnSp>
-          <p:sp>
-            <p:nvSpPr>
-              <p:cNvPr id="80" name="Rectángulo redondeado 79"/>
-              <p:cNvSpPr/>
-              <p:nvPr/>
-            </p:nvSpPr>
-            <p:spPr>
-              <a:xfrm>
-                <a:off x="2221248" y="2207668"/>
-                <a:ext cx="2427044" cy="261779"/>
-              </a:xfrm>
-              <a:prstGeom prst="roundRect">
-                <a:avLst/>
-              </a:prstGeom>
-              <a:solidFill>
-                <a:schemeClr val="accent1">
-                  <a:lumMod val="20000"/>
-                  <a:lumOff val="80000"/>
-                </a:schemeClr>
-              </a:solidFill>
-              <a:ln w="19050"/>
-            </p:spPr>
-            <p:style>
-              <a:lnRef idx="2">
-                <a:schemeClr val="dk1"/>
-              </a:lnRef>
-              <a:fillRef idx="1">
-                <a:schemeClr val="lt1"/>
-              </a:fillRef>
-              <a:effectRef idx="0">
-                <a:schemeClr val="dk1"/>
-              </a:effectRef>
-              <a:fontRef idx="minor">
-                <a:schemeClr val="dk1"/>
-              </a:fontRef>
-            </p:style>
-            <p:txBody>
-              <a:bodyPr rtlCol="0" anchor="ctr"/>
-              <a:lstStyle/>
-              <a:p>
-                <a:pPr algn="ctr"/>
-                <a:r>
-                  <a:rPr lang="es-ES" sz="1100" dirty="0" smtClean="0"/>
-                  <a:t>Llamar a función </a:t>
-                </a:r>
-                <a:r>
-                  <a:rPr lang="es-ES" sz="1100" i="1" dirty="0" err="1" smtClean="0"/>
-                  <a:t>coger_datos_ecg</a:t>
-                </a:r>
-                <a:endParaRPr lang="es-ES" sz="1100" dirty="0"/>
-              </a:p>
-            </p:txBody>
-          </p:sp>
-          <p:sp>
-            <p:nvSpPr>
-              <p:cNvPr id="81" name="Rectángulo redondeado 80"/>
-              <p:cNvSpPr/>
-              <p:nvPr/>
-            </p:nvSpPr>
-            <p:spPr>
-              <a:xfrm>
-                <a:off x="2221248" y="2708635"/>
-                <a:ext cx="2427044" cy="365372"/>
-              </a:xfrm>
-              <a:prstGeom prst="roundRect">
-                <a:avLst/>
-              </a:prstGeom>
-              <a:solidFill>
-                <a:schemeClr val="accent1">
-                  <a:lumMod val="20000"/>
-                  <a:lumOff val="80000"/>
-                </a:schemeClr>
-              </a:solidFill>
-              <a:ln w="19050"/>
-            </p:spPr>
-            <p:style>
-              <a:lnRef idx="2">
-                <a:schemeClr val="dk1"/>
-              </a:lnRef>
-              <a:fillRef idx="1">
-                <a:schemeClr val="lt1"/>
-              </a:fillRef>
-              <a:effectRef idx="0">
-                <a:schemeClr val="dk1"/>
-              </a:effectRef>
-              <a:fontRef idx="minor">
-                <a:schemeClr val="dk1"/>
-              </a:fontRef>
-            </p:style>
-            <p:txBody>
-              <a:bodyPr rtlCol="0" anchor="ctr"/>
-              <a:lstStyle/>
-              <a:p>
-                <a:pPr algn="ctr"/>
-                <a:r>
-                  <a:rPr lang="es-ES" sz="1100" dirty="0" smtClean="0"/>
-                  <a:t>Guardar los tres valores en una estructura</a:t>
-                </a:r>
-                <a:endParaRPr lang="es-ES" sz="1100" dirty="0"/>
-              </a:p>
-            </p:txBody>
-          </p:sp>
-          <p:cxnSp>
-            <p:nvCxnSpPr>
-              <p:cNvPr id="82" name="Conector recto de flecha 81"/>
-              <p:cNvCxnSpPr>
-                <a:stCxn id="80" idx="2"/>
-                <a:endCxn id="81" idx="0"/>
-              </p:cNvCxnSpPr>
-              <p:nvPr/>
-            </p:nvCxnSpPr>
-            <p:spPr>
-              <a:xfrm>
-                <a:off x="3434770" y="2469447"/>
-                <a:ext cx="0" cy="239188"/>
-              </a:xfrm>
-              <a:prstGeom prst="straightConnector1">
-                <a:avLst/>
-              </a:prstGeom>
-              <a:ln w="19050">
-                <a:tailEnd type="triangle"/>
-              </a:ln>
-            </p:spPr>
-            <p:style>
-              <a:lnRef idx="1">
-                <a:schemeClr val="dk1"/>
-              </a:lnRef>
-              <a:fillRef idx="0">
-                <a:schemeClr val="dk1"/>
-              </a:fillRef>
-              <a:effectRef idx="0">
-                <a:schemeClr val="dk1"/>
-              </a:effectRef>
-              <a:fontRef idx="minor">
-                <a:schemeClr val="tx1"/>
-              </a:fontRef>
-            </p:style>
-          </p:cxnSp>
-          <p:cxnSp>
-            <p:nvCxnSpPr>
-              <p:cNvPr id="83" name="Conector recto de flecha 82"/>
-              <p:cNvCxnSpPr>
-                <a:stCxn id="81" idx="3"/>
-              </p:cNvCxnSpPr>
-              <p:nvPr/>
-            </p:nvCxnSpPr>
-            <p:spPr>
-              <a:xfrm>
-                <a:off x="4648292" y="2891321"/>
-                <a:ext cx="1301829" cy="0"/>
-              </a:xfrm>
-              <a:prstGeom prst="straightConnector1">
-                <a:avLst/>
-              </a:prstGeom>
-              <a:ln w="19050">
-                <a:tailEnd type="triangle"/>
-              </a:ln>
-            </p:spPr>
-            <p:style>
-              <a:lnRef idx="1">
-                <a:schemeClr val="dk1"/>
-              </a:lnRef>
-              <a:fillRef idx="0">
-                <a:schemeClr val="dk1"/>
-              </a:fillRef>
-              <a:effectRef idx="0">
-                <a:schemeClr val="dk1"/>
-              </a:effectRef>
-              <a:fontRef idx="minor">
-                <a:schemeClr val="tx1"/>
-              </a:fontRef>
-            </p:style>
-          </p:cxnSp>
-          <p:sp>
-            <p:nvSpPr>
-              <p:cNvPr id="84" name="CuadroTexto 83"/>
-              <p:cNvSpPr txBox="1"/>
-              <p:nvPr/>
-            </p:nvSpPr>
-            <p:spPr>
-              <a:xfrm>
-                <a:off x="4632859" y="2627319"/>
-                <a:ext cx="1301829" cy="276999"/>
-              </a:xfrm>
-              <a:prstGeom prst="rect">
-                <a:avLst/>
-              </a:prstGeom>
-              <a:noFill/>
-            </p:spPr>
-            <p:txBody>
-              <a:bodyPr wrap="square" rtlCol="0">
-                <a:spAutoFit/>
-              </a:bodyPr>
-              <a:lstStyle/>
-              <a:p>
-                <a:r>
-                  <a:rPr lang="es-ES" sz="1200" dirty="0" err="1" smtClean="0"/>
-                  <a:t>datos_sensores</a:t>
-                </a:r>
-                <a:r>
-                  <a:rPr lang="es-ES" sz="1200" dirty="0" smtClean="0"/>
-                  <a:t>()</a:t>
-                </a:r>
-                <a:endParaRPr lang="es-ES" sz="1200" dirty="0"/>
-              </a:p>
-            </p:txBody>
-          </p:sp>
-          <p:sp>
-            <p:nvSpPr>
-              <p:cNvPr id="85" name="Rectángulo redondeado 84"/>
-              <p:cNvSpPr/>
-              <p:nvPr/>
-            </p:nvSpPr>
-            <p:spPr>
-              <a:xfrm>
-                <a:off x="2827009" y="3762225"/>
-                <a:ext cx="1215521" cy="261779"/>
-              </a:xfrm>
-              <a:prstGeom prst="roundRect">
-                <a:avLst/>
-              </a:prstGeom>
-              <a:solidFill>
-                <a:schemeClr val="accent6">
-                  <a:lumMod val="40000"/>
-                  <a:lumOff val="60000"/>
-                </a:schemeClr>
-              </a:solidFill>
-              <a:ln w="19050"/>
-            </p:spPr>
-            <p:style>
-              <a:lnRef idx="2">
-                <a:schemeClr val="dk1"/>
-              </a:lnRef>
-              <a:fillRef idx="1">
-                <a:schemeClr val="lt1"/>
-              </a:fillRef>
-              <a:effectRef idx="0">
-                <a:schemeClr val="dk1"/>
-              </a:effectRef>
-              <a:fontRef idx="minor">
-                <a:schemeClr val="dk1"/>
-              </a:fontRef>
-            </p:style>
-            <p:txBody>
-              <a:bodyPr rtlCol="0" anchor="ctr"/>
-              <a:lstStyle/>
-              <a:p>
-                <a:pPr algn="ctr"/>
-                <a:r>
-                  <a:rPr lang="es-ES" sz="1100" dirty="0" smtClean="0"/>
-                  <a:t>Fin de la función</a:t>
-                </a:r>
-                <a:endParaRPr lang="es-ES" sz="1100" dirty="0"/>
-              </a:p>
-            </p:txBody>
-          </p:sp>
-          <p:cxnSp>
-            <p:nvCxnSpPr>
-              <p:cNvPr id="86" name="Conector recto de flecha 85"/>
-              <p:cNvCxnSpPr/>
-              <p:nvPr/>
-            </p:nvCxnSpPr>
-            <p:spPr>
-              <a:xfrm>
-                <a:off x="1054894" y="3413828"/>
-                <a:ext cx="1159810" cy="0"/>
-              </a:xfrm>
-              <a:prstGeom prst="straightConnector1">
-                <a:avLst/>
-              </a:prstGeom>
-              <a:ln w="19050">
-                <a:tailEnd type="triangle"/>
-              </a:ln>
-            </p:spPr>
-            <p:style>
-              <a:lnRef idx="1">
-                <a:schemeClr val="dk1"/>
-              </a:lnRef>
-              <a:fillRef idx="0">
-                <a:schemeClr val="dk1"/>
-              </a:fillRef>
-              <a:effectRef idx="0">
-                <a:schemeClr val="dk1"/>
-              </a:effectRef>
-              <a:fontRef idx="minor">
-                <a:schemeClr val="tx1"/>
-              </a:fontRef>
-            </p:style>
-          </p:cxnSp>
-          <p:sp>
-            <p:nvSpPr>
-              <p:cNvPr id="87" name="CuadroTexto 86"/>
-              <p:cNvSpPr txBox="1"/>
-              <p:nvPr/>
-            </p:nvSpPr>
-            <p:spPr>
-              <a:xfrm>
-                <a:off x="1249581" y="3385195"/>
-                <a:ext cx="649537" cy="276999"/>
-              </a:xfrm>
-              <a:prstGeom prst="rect">
-                <a:avLst/>
-              </a:prstGeom>
-              <a:noFill/>
-            </p:spPr>
-            <p:txBody>
-              <a:bodyPr wrap="none" rtlCol="0">
-                <a:spAutoFit/>
-              </a:bodyPr>
-              <a:lstStyle/>
-              <a:p>
-                <a:r>
-                  <a:rPr lang="es-ES" sz="1200" dirty="0" err="1" smtClean="0"/>
-                  <a:t>q_ecg</a:t>
-                </a:r>
-                <a:r>
-                  <a:rPr lang="es-ES" sz="1200" dirty="0" smtClean="0"/>
-                  <a:t>()</a:t>
-                </a:r>
-                <a:endParaRPr lang="es-ES" sz="1200" dirty="0"/>
-              </a:p>
-            </p:txBody>
-          </p:sp>
-          <p:sp>
-            <p:nvSpPr>
-              <p:cNvPr id="88" name="Rectángulo redondeado 87"/>
-              <p:cNvSpPr/>
-              <p:nvPr/>
-            </p:nvSpPr>
-            <p:spPr>
-              <a:xfrm>
-                <a:off x="2735462" y="1202125"/>
-                <a:ext cx="1398617" cy="261779"/>
-              </a:xfrm>
-              <a:prstGeom prst="roundRect">
-                <a:avLst/>
-              </a:prstGeom>
-              <a:solidFill>
-                <a:schemeClr val="accent6">
-                  <a:lumMod val="40000"/>
-                  <a:lumOff val="60000"/>
-                </a:schemeClr>
-              </a:solidFill>
-              <a:ln w="19050"/>
-            </p:spPr>
-            <p:style>
-              <a:lnRef idx="2">
-                <a:schemeClr val="dk1"/>
-              </a:lnRef>
-              <a:fillRef idx="1">
-                <a:schemeClr val="lt1"/>
-              </a:fillRef>
-              <a:effectRef idx="0">
-                <a:schemeClr val="dk1"/>
-              </a:effectRef>
-              <a:fontRef idx="minor">
-                <a:schemeClr val="dk1"/>
-              </a:fontRef>
-            </p:style>
-            <p:txBody>
-              <a:bodyPr rtlCol="0" anchor="ctr"/>
-              <a:lstStyle/>
-              <a:p>
-                <a:pPr algn="ctr"/>
-                <a:r>
-                  <a:rPr lang="es-ES" sz="1100" dirty="0" smtClean="0"/>
-                  <a:t>Llamada a la función</a:t>
-                </a:r>
-                <a:endParaRPr lang="es-ES" sz="1100" dirty="0"/>
-              </a:p>
-            </p:txBody>
-          </p:sp>
-          <p:sp>
-            <p:nvSpPr>
-              <p:cNvPr id="89" name="Rectángulo redondeado 88"/>
-              <p:cNvSpPr/>
-              <p:nvPr/>
-            </p:nvSpPr>
-            <p:spPr>
-              <a:xfrm>
-                <a:off x="2212667" y="3235430"/>
-                <a:ext cx="2427044" cy="365372"/>
-              </a:xfrm>
-              <a:prstGeom prst="roundRect">
-                <a:avLst/>
-              </a:prstGeom>
-              <a:solidFill>
-                <a:schemeClr val="accent1">
-                  <a:lumMod val="20000"/>
-                  <a:lumOff val="80000"/>
-                </a:schemeClr>
-              </a:solidFill>
-              <a:ln w="19050"/>
-            </p:spPr>
-            <p:style>
-              <a:lnRef idx="2">
-                <a:schemeClr val="dk1"/>
-              </a:lnRef>
-              <a:fillRef idx="1">
-                <a:schemeClr val="lt1"/>
-              </a:fillRef>
-              <a:effectRef idx="0">
-                <a:schemeClr val="dk1"/>
-              </a:effectRef>
-              <a:fontRef idx="minor">
-                <a:schemeClr val="dk1"/>
-              </a:fontRef>
-            </p:style>
-            <p:txBody>
-              <a:bodyPr rtlCol="0" anchor="ctr"/>
-              <a:lstStyle/>
-              <a:p>
-                <a:pPr algn="ctr"/>
-                <a:r>
-                  <a:rPr lang="es-ES" sz="1100" dirty="0" smtClean="0"/>
-                  <a:t>Introducir la estructura en la </a:t>
-                </a:r>
-                <a:r>
-                  <a:rPr lang="es-ES" sz="1100" i="1" dirty="0" smtClean="0"/>
-                  <a:t>QUEUE</a:t>
-                </a:r>
-                <a:endParaRPr lang="es-ES" sz="1100" dirty="0"/>
-              </a:p>
-            </p:txBody>
-          </p:sp>
-          <p:sp>
-            <p:nvSpPr>
-              <p:cNvPr id="90" name="CuadroTexto 89"/>
-              <p:cNvSpPr txBox="1"/>
-              <p:nvPr/>
-            </p:nvSpPr>
-            <p:spPr>
-              <a:xfrm>
-                <a:off x="4696389" y="3186423"/>
-                <a:ext cx="657133" cy="276999"/>
-              </a:xfrm>
-              <a:prstGeom prst="rect">
-                <a:avLst/>
-              </a:prstGeom>
-              <a:noFill/>
-            </p:spPr>
-            <p:txBody>
-              <a:bodyPr wrap="square" rtlCol="0">
-                <a:spAutoFit/>
-              </a:bodyPr>
-              <a:lstStyle/>
-              <a:p>
-                <a:r>
-                  <a:rPr lang="es-ES" sz="1200" dirty="0" err="1" smtClean="0"/>
-                  <a:t>q_ecg</a:t>
-                </a:r>
-                <a:r>
-                  <a:rPr lang="es-ES" sz="1200" dirty="0" smtClean="0"/>
-                  <a:t>()</a:t>
-                </a:r>
-                <a:endParaRPr lang="es-ES" sz="1200" dirty="0"/>
-              </a:p>
-            </p:txBody>
-          </p:sp>
-          <p:cxnSp>
-            <p:nvCxnSpPr>
-              <p:cNvPr id="91" name="Conector recto de flecha 90"/>
-              <p:cNvCxnSpPr/>
-              <p:nvPr/>
-            </p:nvCxnSpPr>
-            <p:spPr>
-              <a:xfrm>
-                <a:off x="4639711" y="3446586"/>
-                <a:ext cx="770489" cy="0"/>
-              </a:xfrm>
-              <a:prstGeom prst="straightConnector1">
-                <a:avLst/>
-              </a:prstGeom>
-              <a:ln w="19050">
-                <a:tailEnd type="triangle"/>
-              </a:ln>
-            </p:spPr>
-            <p:style>
-              <a:lnRef idx="1">
-                <a:schemeClr val="dk1"/>
-              </a:lnRef>
-              <a:fillRef idx="0">
-                <a:schemeClr val="dk1"/>
-              </a:fillRef>
-              <a:effectRef idx="0">
-                <a:schemeClr val="dk1"/>
-              </a:effectRef>
-              <a:fontRef idx="minor">
-                <a:schemeClr val="tx1"/>
-              </a:fontRef>
-            </p:style>
-          </p:cxnSp>
-        </p:grpSp>
+            <a:prstGeom prst="rect">
+              <a:avLst/>
+            </a:prstGeom>
+            <a:noFill/>
+          </p:spPr>
+          <p:txBody>
+            <a:bodyPr wrap="none" rtlCol="0">
+              <a:spAutoFit/>
+            </a:bodyPr>
+            <a:lstStyle/>
+            <a:p>
+              <a:r>
+                <a:rPr lang="es-ES" sz="1200" dirty="0" err="1" smtClean="0"/>
+                <a:t>linea</a:t>
+              </a:r>
+              <a:r>
+                <a:rPr lang="es-ES" sz="1200" dirty="0" smtClean="0"/>
+                <a:t>()</a:t>
+              </a:r>
+              <a:endParaRPr lang="es-ES" sz="1200" dirty="0"/>
+            </a:p>
+          </p:txBody>
+        </p:sp>
       </p:grpSp>
     </p:spTree>
     <p:extLst>
       <p:ext uri="{BB962C8B-B14F-4D97-AF65-F5344CB8AC3E}">
-        <p14:creationId xmlns:p14="http://schemas.microsoft.com/office/powerpoint/2010/main" val="3243159812"/>
+        <p14:creationId xmlns:p14="http://schemas.microsoft.com/office/powerpoint/2010/main" val="2180316691"/>
       </p:ext>
     </p:extLst>
   </p:cSld>
@@ -26866,8 +30257,8 @@
               <a:chExt cx="2453429" cy="2435345"/>
             </a:xfrm>
           </p:grpSpPr>
-          <mc:AlternateContent xmlns:mc="http://schemas.openxmlformats.org/markup-compatibility/2006">
-            <mc:Choice xmlns:a14="http://schemas.microsoft.com/office/drawing/2010/main" Requires="a14">
+          <mc:AlternateContent xmlns:mc="http://schemas.openxmlformats.org/markup-compatibility/2006" xmlns:a14="http://schemas.microsoft.com/office/drawing/2010/main">
+            <mc:Choice Requires="a14">
               <p:sp>
                 <p:nvSpPr>
                   <p:cNvPr id="204" name="CuadroTexto 203"/>
@@ -26900,6 +30291,7 @@
                   </a:bodyPr>
                   <a:lstStyle/>
                   <a:p>
+                    <a:pPr/>
                     <a14:m>
                       <m:oMathPara xmlns:m="http://schemas.openxmlformats.org/officeDocument/2006/math">
                         <m:oMathParaPr>
@@ -27070,7 +30462,7 @@
                 </p:txBody>
               </p:sp>
             </mc:Choice>
-            <mc:Fallback>
+            <mc:Fallback xmlns="">
               <p:sp>
                 <p:nvSpPr>
                   <p:cNvPr id="204" name="CuadroTexto 203"/>
@@ -27114,8 +30506,8 @@
               </p:sp>
             </mc:Fallback>
           </mc:AlternateContent>
-          <mc:AlternateContent xmlns:mc="http://schemas.openxmlformats.org/markup-compatibility/2006">
-            <mc:Choice xmlns:a14="http://schemas.microsoft.com/office/drawing/2010/main" Requires="a14">
+          <mc:AlternateContent xmlns:mc="http://schemas.openxmlformats.org/markup-compatibility/2006" xmlns:a14="http://schemas.microsoft.com/office/drawing/2010/main">
+            <mc:Choice Requires="a14">
               <p:sp>
                 <p:nvSpPr>
                   <p:cNvPr id="205" name="CuadroTexto 204"/>
@@ -27138,6 +30530,7 @@
                   </a:bodyPr>
                   <a:lstStyle/>
                   <a:p>
+                    <a:pPr/>
                     <a14:m>
                       <m:oMathPara xmlns:m="http://schemas.openxmlformats.org/officeDocument/2006/math">
                         <m:oMathParaPr>
@@ -27308,7 +30701,7 @@
                 </p:txBody>
               </p:sp>
             </mc:Choice>
-            <mc:Fallback>
+            <mc:Fallback xmlns="">
               <p:sp>
                 <p:nvSpPr>
                   <p:cNvPr id="205" name="CuadroTexto 204"/>
@@ -27347,8 +30740,8 @@
               </p:sp>
             </mc:Fallback>
           </mc:AlternateContent>
-          <mc:AlternateContent xmlns:mc="http://schemas.openxmlformats.org/markup-compatibility/2006">
-            <mc:Choice xmlns:a14="http://schemas.microsoft.com/office/drawing/2010/main" Requires="a14">
+          <mc:AlternateContent xmlns:mc="http://schemas.openxmlformats.org/markup-compatibility/2006" xmlns:a14="http://schemas.microsoft.com/office/drawing/2010/main">
+            <mc:Choice Requires="a14">
               <p:sp>
                 <p:nvSpPr>
                   <p:cNvPr id="206" name="CuadroTexto 205"/>
@@ -27536,7 +30929,7 @@
                 </p:txBody>
               </p:sp>
             </mc:Choice>
-            <mc:Fallback>
+            <mc:Fallback xmlns="">
               <p:sp>
                 <p:nvSpPr>
                   <p:cNvPr id="206" name="CuadroTexto 205"/>
@@ -27667,8 +31060,8 @@
               <a:chExt cx="2429942" cy="2233901"/>
             </a:xfrm>
           </p:grpSpPr>
-          <mc:AlternateContent xmlns:mc="http://schemas.openxmlformats.org/markup-compatibility/2006">
-            <mc:Choice xmlns:a14="http://schemas.microsoft.com/office/drawing/2010/main" Requires="a14">
+          <mc:AlternateContent xmlns:mc="http://schemas.openxmlformats.org/markup-compatibility/2006" xmlns:a14="http://schemas.microsoft.com/office/drawing/2010/main">
+            <mc:Choice Requires="a14">
               <p:sp>
                 <p:nvSpPr>
                   <p:cNvPr id="185" name="CuadroTexto 184"/>
@@ -27691,6 +31084,7 @@
                   </a:bodyPr>
                   <a:lstStyle/>
                   <a:p>
+                    <a:pPr/>
                     <a14:m>
                       <m:oMathPara xmlns:m="http://schemas.openxmlformats.org/officeDocument/2006/math">
                         <m:oMathParaPr>
@@ -27730,7 +31124,7 @@
                 </p:txBody>
               </p:sp>
             </mc:Choice>
-            <mc:Fallback>
+            <mc:Fallback xmlns="">
               <p:sp>
                 <p:nvSpPr>
                   <p:cNvPr id="185" name="CuadroTexto 184"/>
@@ -28332,8 +31726,8 @@
                 </a:p>
               </p:txBody>
             </p:sp>
-            <mc:AlternateContent xmlns:mc="http://schemas.openxmlformats.org/markup-compatibility/2006">
-              <mc:Choice xmlns:a14="http://schemas.microsoft.com/office/drawing/2010/main" Requires="a14">
+            <mc:AlternateContent xmlns:mc="http://schemas.openxmlformats.org/markup-compatibility/2006" xmlns:a14="http://schemas.microsoft.com/office/drawing/2010/main">
+              <mc:Choice Requires="a14">
                 <p:sp>
                   <p:nvSpPr>
                     <p:cNvPr id="201" name="CuadroTexto 200"/>
@@ -28356,6 +31750,7 @@
                     </a:bodyPr>
                     <a:lstStyle/>
                     <a:p>
+                      <a:pPr/>
                       <a14:m>
                         <m:oMathPara xmlns:m="http://schemas.openxmlformats.org/officeDocument/2006/math">
                           <m:oMathParaPr>
@@ -28395,7 +31790,7 @@
                   </p:txBody>
                 </p:sp>
               </mc:Choice>
-              <mc:Fallback>
+              <mc:Fallback xmlns="">
                 <p:sp>
                   <p:nvSpPr>
                     <p:cNvPr id="201" name="CuadroTexto 200"/>
@@ -28434,8 +31829,8 @@
                 </p:sp>
               </mc:Fallback>
             </mc:AlternateContent>
-            <mc:AlternateContent xmlns:mc="http://schemas.openxmlformats.org/markup-compatibility/2006">
-              <mc:Choice xmlns:a14="http://schemas.microsoft.com/office/drawing/2010/main" Requires="a14">
+            <mc:AlternateContent xmlns:mc="http://schemas.openxmlformats.org/markup-compatibility/2006" xmlns:a14="http://schemas.microsoft.com/office/drawing/2010/main">
+              <mc:Choice Requires="a14">
                 <p:sp>
                   <p:nvSpPr>
                     <p:cNvPr id="202" name="CuadroTexto 201"/>
@@ -28458,6 +31853,7 @@
                     </a:bodyPr>
                     <a:lstStyle/>
                     <a:p>
+                      <a:pPr/>
                       <a14:m>
                         <m:oMathPara xmlns:m="http://schemas.openxmlformats.org/officeDocument/2006/math">
                           <m:oMathParaPr>
@@ -28497,7 +31893,7 @@
                   </p:txBody>
                 </p:sp>
               </mc:Choice>
-              <mc:Fallback>
+              <mc:Fallback xmlns="">
                 <p:sp>
                   <p:nvSpPr>
                     <p:cNvPr id="202" name="CuadroTexto 201"/>
@@ -28536,8 +31932,8 @@
                 </p:sp>
               </mc:Fallback>
             </mc:AlternateContent>
-            <mc:AlternateContent xmlns:mc="http://schemas.openxmlformats.org/markup-compatibility/2006">
-              <mc:Choice xmlns:a14="http://schemas.microsoft.com/office/drawing/2010/main" Requires="a14">
+            <mc:AlternateContent xmlns:mc="http://schemas.openxmlformats.org/markup-compatibility/2006" xmlns:a14="http://schemas.microsoft.com/office/drawing/2010/main">
+              <mc:Choice Requires="a14">
                 <p:sp>
                   <p:nvSpPr>
                     <p:cNvPr id="203" name="CuadroTexto 202"/>
@@ -28560,6 +31956,7 @@
                     </a:bodyPr>
                     <a:lstStyle/>
                     <a:p>
+                      <a:pPr/>
                       <a14:m>
                         <m:oMathPara xmlns:m="http://schemas.openxmlformats.org/officeDocument/2006/math">
                           <m:oMathParaPr>
@@ -28599,7 +31996,7 @@
                   </p:txBody>
                 </p:sp>
               </mc:Choice>
-              <mc:Fallback>
+              <mc:Fallback xmlns="">
                 <p:sp>
                   <p:nvSpPr>
                     <p:cNvPr id="203" name="CuadroTexto 202"/>

--- a/Words y Excel/Imagenes.pptx
+++ b/Words y Excel/Imagenes.pptx
@@ -22,6 +22,8 @@
     <p:sldId id="270" r:id="rId16"/>
     <p:sldId id="271" r:id="rId17"/>
     <p:sldId id="272" r:id="rId18"/>
+    <p:sldId id="273" r:id="rId19"/>
+    <p:sldId id="275" r:id="rId20"/>
   </p:sldIdLst>
   <p:sldSz cx="12192000" cy="6858000"/>
   <p:notesSz cx="6858000" cy="9144000"/>
@@ -259,7 +261,7 @@
           <a:p>
             <a:fld id="{87B90760-3AE8-4264-A437-D8036A2785FF}" type="datetimeFigureOut">
               <a:rPr lang="es-ES" smtClean="0"/>
-              <a:t>21/12/2022</a:t>
+              <a:t>09/01/2023</a:t>
             </a:fld>
             <a:endParaRPr lang="es-ES"/>
           </a:p>
@@ -429,7 +431,7 @@
           <a:p>
             <a:fld id="{87B90760-3AE8-4264-A437-D8036A2785FF}" type="datetimeFigureOut">
               <a:rPr lang="es-ES" smtClean="0"/>
-              <a:t>21/12/2022</a:t>
+              <a:t>09/01/2023</a:t>
             </a:fld>
             <a:endParaRPr lang="es-ES"/>
           </a:p>
@@ -609,7 +611,7 @@
           <a:p>
             <a:fld id="{87B90760-3AE8-4264-A437-D8036A2785FF}" type="datetimeFigureOut">
               <a:rPr lang="es-ES" smtClean="0"/>
-              <a:t>21/12/2022</a:t>
+              <a:t>09/01/2023</a:t>
             </a:fld>
             <a:endParaRPr lang="es-ES"/>
           </a:p>
@@ -779,7 +781,7 @@
           <a:p>
             <a:fld id="{87B90760-3AE8-4264-A437-D8036A2785FF}" type="datetimeFigureOut">
               <a:rPr lang="es-ES" smtClean="0"/>
-              <a:t>21/12/2022</a:t>
+              <a:t>09/01/2023</a:t>
             </a:fld>
             <a:endParaRPr lang="es-ES"/>
           </a:p>
@@ -1025,7 +1027,7 @@
           <a:p>
             <a:fld id="{87B90760-3AE8-4264-A437-D8036A2785FF}" type="datetimeFigureOut">
               <a:rPr lang="es-ES" smtClean="0"/>
-              <a:t>21/12/2022</a:t>
+              <a:t>09/01/2023</a:t>
             </a:fld>
             <a:endParaRPr lang="es-ES"/>
           </a:p>
@@ -1257,7 +1259,7 @@
           <a:p>
             <a:fld id="{87B90760-3AE8-4264-A437-D8036A2785FF}" type="datetimeFigureOut">
               <a:rPr lang="es-ES" smtClean="0"/>
-              <a:t>21/12/2022</a:t>
+              <a:t>09/01/2023</a:t>
             </a:fld>
             <a:endParaRPr lang="es-ES"/>
           </a:p>
@@ -1624,7 +1626,7 @@
           <a:p>
             <a:fld id="{87B90760-3AE8-4264-A437-D8036A2785FF}" type="datetimeFigureOut">
               <a:rPr lang="es-ES" smtClean="0"/>
-              <a:t>21/12/2022</a:t>
+              <a:t>09/01/2023</a:t>
             </a:fld>
             <a:endParaRPr lang="es-ES"/>
           </a:p>
@@ -1742,7 +1744,7 @@
           <a:p>
             <a:fld id="{87B90760-3AE8-4264-A437-D8036A2785FF}" type="datetimeFigureOut">
               <a:rPr lang="es-ES" smtClean="0"/>
-              <a:t>21/12/2022</a:t>
+              <a:t>09/01/2023</a:t>
             </a:fld>
             <a:endParaRPr lang="es-ES"/>
           </a:p>
@@ -1837,7 +1839,7 @@
           <a:p>
             <a:fld id="{87B90760-3AE8-4264-A437-D8036A2785FF}" type="datetimeFigureOut">
               <a:rPr lang="es-ES" smtClean="0"/>
-              <a:t>21/12/2022</a:t>
+              <a:t>09/01/2023</a:t>
             </a:fld>
             <a:endParaRPr lang="es-ES"/>
           </a:p>
@@ -2114,7 +2116,7 @@
           <a:p>
             <a:fld id="{87B90760-3AE8-4264-A437-D8036A2785FF}" type="datetimeFigureOut">
               <a:rPr lang="es-ES" smtClean="0"/>
-              <a:t>21/12/2022</a:t>
+              <a:t>09/01/2023</a:t>
             </a:fld>
             <a:endParaRPr lang="es-ES"/>
           </a:p>
@@ -2367,7 +2369,7 @@
           <a:p>
             <a:fld id="{87B90760-3AE8-4264-A437-D8036A2785FF}" type="datetimeFigureOut">
               <a:rPr lang="es-ES" smtClean="0"/>
-              <a:t>21/12/2022</a:t>
+              <a:t>09/01/2023</a:t>
             </a:fld>
             <a:endParaRPr lang="es-ES"/>
           </a:p>
@@ -2580,7 +2582,7 @@
           <a:p>
             <a:fld id="{87B90760-3AE8-4264-A437-D8036A2785FF}" type="datetimeFigureOut">
               <a:rPr lang="es-ES" smtClean="0"/>
-              <a:t>21/12/2022</a:t>
+              <a:t>09/01/2023</a:t>
             </a:fld>
             <a:endParaRPr lang="es-ES"/>
           </a:p>
@@ -21772,8 +21774,8 @@
             </a:prstGeom>
           </p:spPr>
         </p:pic>
-        <mc:AlternateContent xmlns:mc="http://schemas.openxmlformats.org/markup-compatibility/2006">
-          <mc:Choice xmlns:a14="http://schemas.microsoft.com/office/drawing/2010/main" Requires="a14">
+        <mc:AlternateContent xmlns:mc="http://schemas.openxmlformats.org/markup-compatibility/2006" xmlns:a14="http://schemas.microsoft.com/office/drawing/2010/main">
+          <mc:Choice Requires="a14">
             <p:sp>
               <p:nvSpPr>
                 <p:cNvPr id="6" name="CuadroTexto 5"/>
@@ -21815,6 +21817,7 @@
                 </a:bodyPr>
                 <a:lstStyle/>
                 <a:p>
+                  <a:pPr/>
                   <a14:m>
                     <m:oMathPara xmlns:m="http://schemas.openxmlformats.org/officeDocument/2006/math">
                       <m:oMathParaPr>
@@ -21965,7 +21968,7 @@
               </p:txBody>
             </p:sp>
           </mc:Choice>
-          <mc:Fallback>
+          <mc:Fallback xmlns="">
             <p:sp>
               <p:nvSpPr>
                 <p:cNvPr id="6" name="CuadroTexto 5"/>
@@ -22010,6 +22013,3077 @@
     <p:extLst>
       <p:ext uri="{BB962C8B-B14F-4D97-AF65-F5344CB8AC3E}">
         <p14:creationId xmlns:p14="http://schemas.microsoft.com/office/powerpoint/2010/main" val="3160853377"/>
+      </p:ext>
+    </p:extLst>
+  </p:cSld>
+  <p:clrMapOvr>
+    <a:masterClrMapping/>
+  </p:clrMapOvr>
+</p:sld>
+</file>
+
+<file path=ppt/slides/slide18.xml><?xml version="1.0" encoding="utf-8"?>
+<p:sld xmlns:a="http://schemas.openxmlformats.org/drawingml/2006/main" xmlns:r="http://schemas.openxmlformats.org/officeDocument/2006/relationships" xmlns:p="http://schemas.openxmlformats.org/presentationml/2006/main">
+  <p:cSld>
+    <p:spTree>
+      <p:nvGrpSpPr>
+        <p:cNvPr id="1" name=""/>
+        <p:cNvGrpSpPr/>
+        <p:nvPr/>
+      </p:nvGrpSpPr>
+      <p:grpSpPr>
+        <a:xfrm>
+          <a:off x="0" y="0"/>
+          <a:ext cx="0" cy="0"/>
+          <a:chOff x="0" y="0"/>
+          <a:chExt cx="0" cy="0"/>
+        </a:xfrm>
+      </p:grpSpPr>
+      <p:grpSp>
+        <p:nvGrpSpPr>
+          <p:cNvPr id="173" name="Grupo 172"/>
+          <p:cNvGrpSpPr/>
+          <p:nvPr/>
+        </p:nvGrpSpPr>
+        <p:grpSpPr>
+          <a:xfrm>
+            <a:off x="1154655" y="348941"/>
+            <a:ext cx="9349035" cy="2965618"/>
+            <a:chOff x="1154655" y="348941"/>
+            <a:chExt cx="9349035" cy="2965618"/>
+          </a:xfrm>
+        </p:grpSpPr>
+        <p:grpSp>
+          <p:nvGrpSpPr>
+            <p:cNvPr id="171" name="Grupo 170"/>
+            <p:cNvGrpSpPr/>
+            <p:nvPr/>
+          </p:nvGrpSpPr>
+          <p:grpSpPr>
+            <a:xfrm>
+              <a:off x="3776087" y="1972244"/>
+              <a:ext cx="4219986" cy="1342315"/>
+              <a:chOff x="3650959" y="1794251"/>
+              <a:chExt cx="4219986" cy="1342315"/>
+            </a:xfrm>
+          </p:grpSpPr>
+          <p:grpSp>
+            <p:nvGrpSpPr>
+              <p:cNvPr id="8" name="Grupo 7"/>
+              <p:cNvGrpSpPr/>
+              <p:nvPr/>
+            </p:nvGrpSpPr>
+            <p:grpSpPr>
+              <a:xfrm>
+                <a:off x="6417019" y="1794251"/>
+                <a:ext cx="1453926" cy="1342315"/>
+                <a:chOff x="5429475" y="666974"/>
+                <a:chExt cx="1453926" cy="1342315"/>
+              </a:xfrm>
+            </p:grpSpPr>
+            <p:sp>
+              <p:nvSpPr>
+                <p:cNvPr id="9" name="Rectángulo 8"/>
+                <p:cNvSpPr/>
+                <p:nvPr/>
+              </p:nvSpPr>
+              <p:spPr>
+                <a:xfrm>
+                  <a:off x="5429475" y="666975"/>
+                  <a:ext cx="1453926" cy="1326925"/>
+                </a:xfrm>
+                <a:prstGeom prst="rect">
+                  <a:avLst/>
+                </a:prstGeom>
+                <a:solidFill>
+                  <a:schemeClr val="accent1">
+                    <a:lumMod val="40000"/>
+                    <a:lumOff val="60000"/>
+                  </a:schemeClr>
+                </a:solidFill>
+                <a:ln w="19050">
+                  <a:solidFill>
+                    <a:schemeClr val="tx1"/>
+                  </a:solidFill>
+                </a:ln>
+              </p:spPr>
+              <p:style>
+                <a:lnRef idx="2">
+                  <a:schemeClr val="accent1">
+                    <a:shade val="50000"/>
+                  </a:schemeClr>
+                </a:lnRef>
+                <a:fillRef idx="1">
+                  <a:schemeClr val="accent1"/>
+                </a:fillRef>
+                <a:effectRef idx="0">
+                  <a:schemeClr val="accent1"/>
+                </a:effectRef>
+                <a:fontRef idx="minor">
+                  <a:schemeClr val="lt1"/>
+                </a:fontRef>
+              </p:style>
+              <p:txBody>
+                <a:bodyPr rtlCol="0" anchor="ctr"/>
+                <a:lstStyle/>
+                <a:p>
+                  <a:pPr algn="ctr"/>
+                  <a:endParaRPr lang="es-ES" sz="1100"/>
+                </a:p>
+              </p:txBody>
+            </p:sp>
+            <p:sp>
+              <p:nvSpPr>
+                <p:cNvPr id="10" name="CuadroTexto 9"/>
+                <p:cNvSpPr txBox="1"/>
+                <p:nvPr/>
+              </p:nvSpPr>
+              <p:spPr>
+                <a:xfrm>
+                  <a:off x="5429475" y="666974"/>
+                  <a:ext cx="1453926" cy="261610"/>
+                </a:xfrm>
+                <a:prstGeom prst="rect">
+                  <a:avLst/>
+                </a:prstGeom>
+                <a:noFill/>
+                <a:ln w="19050">
+                  <a:solidFill>
+                    <a:schemeClr val="tx1"/>
+                  </a:solidFill>
+                </a:ln>
+              </p:spPr>
+              <p:txBody>
+                <a:bodyPr wrap="square" rtlCol="0">
+                  <a:spAutoFit/>
+                </a:bodyPr>
+                <a:lstStyle/>
+                <a:p>
+                  <a:pPr algn="ctr"/>
+                  <a:r>
+                    <a:rPr lang="es-ES" sz="1100" dirty="0" smtClean="0"/>
+                    <a:t>&lt;&lt; Periódica &gt;&gt;</a:t>
+                  </a:r>
+                  <a:endParaRPr lang="es-ES" sz="1100" dirty="0"/>
+                </a:p>
+              </p:txBody>
+            </p:sp>
+            <p:sp>
+              <p:nvSpPr>
+                <p:cNvPr id="11" name="CuadroTexto 10"/>
+                <p:cNvSpPr txBox="1"/>
+                <p:nvPr/>
+              </p:nvSpPr>
+              <p:spPr>
+                <a:xfrm>
+                  <a:off x="5429475" y="1732290"/>
+                  <a:ext cx="1453926" cy="276999"/>
+                </a:xfrm>
+                <a:prstGeom prst="rect">
+                  <a:avLst/>
+                </a:prstGeom>
+                <a:noFill/>
+                <a:ln w="19050">
+                  <a:solidFill>
+                    <a:schemeClr val="tx1"/>
+                  </a:solidFill>
+                </a:ln>
+              </p:spPr>
+              <p:txBody>
+                <a:bodyPr wrap="square" rtlCol="0">
+                  <a:spAutoFit/>
+                </a:bodyPr>
+                <a:lstStyle/>
+                <a:p>
+                  <a:pPr algn="ctr"/>
+                  <a:r>
+                    <a:rPr lang="es-ES" sz="1200" dirty="0" err="1" smtClean="0"/>
+                    <a:t>TareaGSR</a:t>
+                  </a:r>
+                  <a:endParaRPr lang="es-ES" sz="1200" dirty="0"/>
+                </a:p>
+              </p:txBody>
+            </p:sp>
+          </p:grpSp>
+          <p:grpSp>
+            <p:nvGrpSpPr>
+              <p:cNvPr id="30" name="Grupo 29"/>
+              <p:cNvGrpSpPr/>
+              <p:nvPr/>
+            </p:nvGrpSpPr>
+            <p:grpSpPr>
+              <a:xfrm>
+                <a:off x="3650959" y="1969244"/>
+                <a:ext cx="1453926" cy="976940"/>
+                <a:chOff x="3410175" y="666974"/>
+                <a:chExt cx="1453926" cy="976940"/>
+              </a:xfrm>
+              <a:solidFill>
+                <a:schemeClr val="bg1">
+                  <a:lumMod val="95000"/>
+                </a:schemeClr>
+              </a:solidFill>
+            </p:grpSpPr>
+            <p:sp>
+              <p:nvSpPr>
+                <p:cNvPr id="31" name="Rectángulo 30"/>
+                <p:cNvSpPr/>
+                <p:nvPr/>
+              </p:nvSpPr>
+              <p:spPr>
+                <a:xfrm>
+                  <a:off x="3410175" y="666976"/>
+                  <a:ext cx="1453926" cy="976938"/>
+                </a:xfrm>
+                <a:prstGeom prst="rect">
+                  <a:avLst/>
+                </a:prstGeom>
+                <a:grpFill/>
+                <a:ln w="19050">
+                  <a:solidFill>
+                    <a:schemeClr val="tx1"/>
+                  </a:solidFill>
+                </a:ln>
+              </p:spPr>
+              <p:style>
+                <a:lnRef idx="2">
+                  <a:schemeClr val="accent1">
+                    <a:shade val="50000"/>
+                  </a:schemeClr>
+                </a:lnRef>
+                <a:fillRef idx="1">
+                  <a:schemeClr val="accent1"/>
+                </a:fillRef>
+                <a:effectRef idx="0">
+                  <a:schemeClr val="accent1"/>
+                </a:effectRef>
+                <a:fontRef idx="minor">
+                  <a:schemeClr val="lt1"/>
+                </a:fontRef>
+              </p:style>
+              <p:txBody>
+                <a:bodyPr rtlCol="0" anchor="ctr"/>
+                <a:lstStyle/>
+                <a:p>
+                  <a:pPr algn="ctr"/>
+                  <a:endParaRPr lang="es-ES" sz="1100"/>
+                </a:p>
+              </p:txBody>
+            </p:sp>
+            <p:sp>
+              <p:nvSpPr>
+                <p:cNvPr id="32" name="CuadroTexto 31"/>
+                <p:cNvSpPr txBox="1"/>
+                <p:nvPr/>
+              </p:nvSpPr>
+              <p:spPr>
+                <a:xfrm>
+                  <a:off x="3410175" y="666974"/>
+                  <a:ext cx="1453926" cy="261610"/>
+                </a:xfrm>
+                <a:prstGeom prst="rect">
+                  <a:avLst/>
+                </a:prstGeom>
+                <a:grpFill/>
+                <a:ln w="19050">
+                  <a:solidFill>
+                    <a:schemeClr val="tx1"/>
+                  </a:solidFill>
+                </a:ln>
+              </p:spPr>
+              <p:txBody>
+                <a:bodyPr wrap="square" rtlCol="0">
+                  <a:spAutoFit/>
+                </a:bodyPr>
+                <a:lstStyle/>
+                <a:p>
+                  <a:pPr algn="ctr"/>
+                  <a:r>
+                    <a:rPr lang="es-ES" sz="1100" dirty="0" smtClean="0"/>
+                    <a:t>&lt;&lt; Pasivo &gt;&gt;</a:t>
+                  </a:r>
+                  <a:endParaRPr lang="es-ES" sz="1100" dirty="0"/>
+                </a:p>
+              </p:txBody>
+            </p:sp>
+            <p:sp>
+              <p:nvSpPr>
+                <p:cNvPr id="33" name="CuadroTexto 32"/>
+                <p:cNvSpPr txBox="1"/>
+                <p:nvPr/>
+              </p:nvSpPr>
+              <p:spPr>
+                <a:xfrm>
+                  <a:off x="3410175" y="1381770"/>
+                  <a:ext cx="1453926" cy="261610"/>
+                </a:xfrm>
+                <a:prstGeom prst="rect">
+                  <a:avLst/>
+                </a:prstGeom>
+                <a:grpFill/>
+                <a:ln w="19050">
+                  <a:solidFill>
+                    <a:schemeClr val="tx1"/>
+                  </a:solidFill>
+                </a:ln>
+              </p:spPr>
+              <p:txBody>
+                <a:bodyPr wrap="square" rtlCol="0">
+                  <a:spAutoFit/>
+                </a:bodyPr>
+                <a:lstStyle/>
+                <a:p>
+                  <a:pPr algn="ctr"/>
+                  <a:r>
+                    <a:rPr lang="es-ES" sz="1100" dirty="0" smtClean="0"/>
+                    <a:t>ADC GSR</a:t>
+                  </a:r>
+                  <a:endParaRPr lang="es-ES" sz="1100" dirty="0"/>
+                </a:p>
+              </p:txBody>
+            </p:sp>
+          </p:grpSp>
+          <p:sp>
+            <p:nvSpPr>
+              <p:cNvPr id="34" name="Rectángulo 33"/>
+              <p:cNvSpPr/>
+              <p:nvPr/>
+            </p:nvSpPr>
+            <p:spPr>
+              <a:xfrm>
+                <a:off x="4979948" y="2345423"/>
+                <a:ext cx="123825" cy="223837"/>
+              </a:xfrm>
+              <a:prstGeom prst="rect">
+                <a:avLst/>
+              </a:prstGeom>
+              <a:solidFill>
+                <a:schemeClr val="bg1">
+                  <a:lumMod val="95000"/>
+                </a:schemeClr>
+              </a:solidFill>
+              <a:ln w="19050">
+                <a:solidFill>
+                  <a:schemeClr val="tx1"/>
+                </a:solidFill>
+              </a:ln>
+            </p:spPr>
+            <p:style>
+              <a:lnRef idx="2">
+                <a:schemeClr val="accent1">
+                  <a:shade val="50000"/>
+                </a:schemeClr>
+              </a:lnRef>
+              <a:fillRef idx="1">
+                <a:schemeClr val="accent1"/>
+              </a:fillRef>
+              <a:effectRef idx="0">
+                <a:schemeClr val="accent1"/>
+              </a:effectRef>
+              <a:fontRef idx="minor">
+                <a:schemeClr val="lt1"/>
+              </a:fontRef>
+            </p:style>
+            <p:txBody>
+              <a:bodyPr rtlCol="0" anchor="ctr"/>
+              <a:lstStyle/>
+              <a:p>
+                <a:pPr algn="ctr"/>
+                <a:endParaRPr lang="es-ES"/>
+              </a:p>
+            </p:txBody>
+          </p:sp>
+          <p:sp>
+            <p:nvSpPr>
+              <p:cNvPr id="35" name="Rectángulo 34"/>
+              <p:cNvSpPr/>
+              <p:nvPr/>
+            </p:nvSpPr>
+            <p:spPr>
+              <a:xfrm>
+                <a:off x="6418132" y="2345422"/>
+                <a:ext cx="123825" cy="223837"/>
+              </a:xfrm>
+              <a:prstGeom prst="rect">
+                <a:avLst/>
+              </a:prstGeom>
+              <a:noFill/>
+              <a:ln w="19050">
+                <a:solidFill>
+                  <a:schemeClr val="tx1"/>
+                </a:solidFill>
+              </a:ln>
+            </p:spPr>
+            <p:style>
+              <a:lnRef idx="2">
+                <a:schemeClr val="accent1">
+                  <a:shade val="50000"/>
+                </a:schemeClr>
+              </a:lnRef>
+              <a:fillRef idx="1">
+                <a:schemeClr val="accent1"/>
+              </a:fillRef>
+              <a:effectRef idx="0">
+                <a:schemeClr val="accent1"/>
+              </a:effectRef>
+              <a:fontRef idx="minor">
+                <a:schemeClr val="lt1"/>
+              </a:fontRef>
+            </p:style>
+            <p:txBody>
+              <a:bodyPr rtlCol="0" anchor="ctr"/>
+              <a:lstStyle/>
+              <a:p>
+                <a:pPr algn="ctr"/>
+                <a:endParaRPr lang="es-ES"/>
+              </a:p>
+            </p:txBody>
+          </p:sp>
+          <p:sp>
+            <p:nvSpPr>
+              <p:cNvPr id="36" name="Elipse 35"/>
+              <p:cNvSpPr/>
+              <p:nvPr/>
+            </p:nvSpPr>
+            <p:spPr>
+              <a:xfrm>
+                <a:off x="5622884" y="2366853"/>
+                <a:ext cx="180974" cy="180974"/>
+              </a:xfrm>
+              <a:prstGeom prst="ellipse">
+                <a:avLst/>
+              </a:prstGeom>
+              <a:noFill/>
+              <a:ln w="19050">
+                <a:solidFill>
+                  <a:schemeClr val="tx1"/>
+                </a:solidFill>
+              </a:ln>
+            </p:spPr>
+            <p:style>
+              <a:lnRef idx="2">
+                <a:schemeClr val="accent1">
+                  <a:shade val="50000"/>
+                </a:schemeClr>
+              </a:lnRef>
+              <a:fillRef idx="1">
+                <a:schemeClr val="accent1"/>
+              </a:fillRef>
+              <a:effectRef idx="0">
+                <a:schemeClr val="accent1"/>
+              </a:effectRef>
+              <a:fontRef idx="minor">
+                <a:schemeClr val="lt1"/>
+              </a:fontRef>
+            </p:style>
+            <p:txBody>
+              <a:bodyPr rtlCol="0" anchor="ctr"/>
+              <a:lstStyle/>
+              <a:p>
+                <a:pPr algn="ctr"/>
+                <a:endParaRPr lang="es-ES"/>
+              </a:p>
+            </p:txBody>
+          </p:sp>
+          <p:cxnSp>
+            <p:nvCxnSpPr>
+              <p:cNvPr id="37" name="Conector recto 36"/>
+              <p:cNvCxnSpPr>
+                <a:stCxn id="34" idx="3"/>
+                <a:endCxn id="36" idx="2"/>
+              </p:cNvCxnSpPr>
+              <p:nvPr/>
+            </p:nvCxnSpPr>
+            <p:spPr>
+              <a:xfrm flipV="1">
+                <a:off x="5103773" y="2457340"/>
+                <a:ext cx="519111" cy="2"/>
+              </a:xfrm>
+              <a:prstGeom prst="line">
+                <a:avLst/>
+              </a:prstGeom>
+              <a:ln w="19050">
+                <a:solidFill>
+                  <a:schemeClr val="tx1"/>
+                </a:solidFill>
+              </a:ln>
+            </p:spPr>
+            <p:style>
+              <a:lnRef idx="1">
+                <a:schemeClr val="dk1"/>
+              </a:lnRef>
+              <a:fillRef idx="0">
+                <a:schemeClr val="dk1"/>
+              </a:fillRef>
+              <a:effectRef idx="0">
+                <a:schemeClr val="dk1"/>
+              </a:effectRef>
+              <a:fontRef idx="minor">
+                <a:schemeClr val="tx1"/>
+              </a:fontRef>
+            </p:style>
+          </p:cxnSp>
+          <p:sp>
+            <p:nvSpPr>
+              <p:cNvPr id="38" name="Arco 37"/>
+              <p:cNvSpPr/>
+              <p:nvPr/>
+            </p:nvSpPr>
+            <p:spPr>
+              <a:xfrm>
+                <a:off x="5582392" y="2310893"/>
+                <a:ext cx="292893" cy="292893"/>
+              </a:xfrm>
+              <a:prstGeom prst="arc">
+                <a:avLst>
+                  <a:gd name="adj1" fmla="val 16200000"/>
+                  <a:gd name="adj2" fmla="val 5282845"/>
+                </a:avLst>
+              </a:prstGeom>
+              <a:ln w="19050">
+                <a:solidFill>
+                  <a:schemeClr val="tx1"/>
+                </a:solidFill>
+              </a:ln>
+            </p:spPr>
+            <p:style>
+              <a:lnRef idx="1">
+                <a:schemeClr val="accent1"/>
+              </a:lnRef>
+              <a:fillRef idx="0">
+                <a:schemeClr val="accent1"/>
+              </a:fillRef>
+              <a:effectRef idx="0">
+                <a:schemeClr val="accent1"/>
+              </a:effectRef>
+              <a:fontRef idx="minor">
+                <a:schemeClr val="tx1"/>
+              </a:fontRef>
+            </p:style>
+            <p:txBody>
+              <a:bodyPr rtlCol="0" anchor="ctr"/>
+              <a:lstStyle/>
+              <a:p>
+                <a:pPr algn="ctr"/>
+                <a:endParaRPr lang="es-ES"/>
+              </a:p>
+            </p:txBody>
+          </p:sp>
+          <p:cxnSp>
+            <p:nvCxnSpPr>
+              <p:cNvPr id="39" name="Conector recto 38"/>
+              <p:cNvCxnSpPr>
+                <a:stCxn id="35" idx="1"/>
+              </p:cNvCxnSpPr>
+              <p:nvPr/>
+            </p:nvCxnSpPr>
+            <p:spPr>
+              <a:xfrm flipH="1" flipV="1">
+                <a:off x="5874729" y="2457339"/>
+                <a:ext cx="543403" cy="2"/>
+              </a:xfrm>
+              <a:prstGeom prst="line">
+                <a:avLst/>
+              </a:prstGeom>
+              <a:ln w="19050"/>
+            </p:spPr>
+            <p:style>
+              <a:lnRef idx="1">
+                <a:schemeClr val="dk1"/>
+              </a:lnRef>
+              <a:fillRef idx="0">
+                <a:schemeClr val="dk1"/>
+              </a:fillRef>
+              <a:effectRef idx="0">
+                <a:schemeClr val="dk1"/>
+              </a:effectRef>
+              <a:fontRef idx="minor">
+                <a:schemeClr val="tx1"/>
+              </a:fontRef>
+            </p:style>
+          </p:cxnSp>
+          <p:sp>
+            <p:nvSpPr>
+              <p:cNvPr id="118" name="Rectángulo 117"/>
+              <p:cNvSpPr/>
+              <p:nvPr/>
+            </p:nvSpPr>
+            <p:spPr>
+              <a:xfrm>
+                <a:off x="5246208" y="2050842"/>
+                <a:ext cx="1087157" cy="261610"/>
+              </a:xfrm>
+              <a:prstGeom prst="rect">
+                <a:avLst/>
+              </a:prstGeom>
+            </p:spPr>
+            <p:txBody>
+              <a:bodyPr wrap="none">
+                <a:spAutoFit/>
+              </a:bodyPr>
+              <a:lstStyle/>
+              <a:p>
+                <a:r>
+                  <a:rPr lang="es-ES" sz="1050" dirty="0" err="1"/>
+                  <a:t>TareaGSR_code</a:t>
+                </a:r>
+                <a:endParaRPr lang="es-ES" sz="1050" dirty="0"/>
+              </a:p>
+            </p:txBody>
+          </p:sp>
+        </p:grpSp>
+        <p:grpSp>
+          <p:nvGrpSpPr>
+            <p:cNvPr id="170" name="Grupo 169"/>
+            <p:cNvGrpSpPr/>
+            <p:nvPr/>
+          </p:nvGrpSpPr>
+          <p:grpSpPr>
+            <a:xfrm>
+              <a:off x="1154655" y="348941"/>
+              <a:ext cx="9349035" cy="1342315"/>
+              <a:chOff x="1154655" y="348941"/>
+              <a:chExt cx="9349035" cy="1342315"/>
+            </a:xfrm>
+          </p:grpSpPr>
+          <p:grpSp>
+            <p:nvGrpSpPr>
+              <p:cNvPr id="4" name="Grupo 3"/>
+              <p:cNvGrpSpPr/>
+              <p:nvPr/>
+            </p:nvGrpSpPr>
+            <p:grpSpPr>
+              <a:xfrm>
+                <a:off x="3920715" y="348941"/>
+                <a:ext cx="1453926" cy="1342315"/>
+                <a:chOff x="3410175" y="666974"/>
+                <a:chExt cx="1453926" cy="1342315"/>
+              </a:xfrm>
+            </p:grpSpPr>
+            <p:sp>
+              <p:nvSpPr>
+                <p:cNvPr id="5" name="Rectángulo 4"/>
+                <p:cNvSpPr/>
+                <p:nvPr/>
+              </p:nvSpPr>
+              <p:spPr>
+                <a:xfrm>
+                  <a:off x="3410175" y="666975"/>
+                  <a:ext cx="1453926" cy="1326925"/>
+                </a:xfrm>
+                <a:prstGeom prst="rect">
+                  <a:avLst/>
+                </a:prstGeom>
+                <a:solidFill>
+                  <a:schemeClr val="accent1">
+                    <a:lumMod val="40000"/>
+                    <a:lumOff val="60000"/>
+                  </a:schemeClr>
+                </a:solidFill>
+                <a:ln w="19050">
+                  <a:solidFill>
+                    <a:schemeClr val="tx1"/>
+                  </a:solidFill>
+                </a:ln>
+              </p:spPr>
+              <p:style>
+                <a:lnRef idx="2">
+                  <a:schemeClr val="accent1">
+                    <a:shade val="50000"/>
+                  </a:schemeClr>
+                </a:lnRef>
+                <a:fillRef idx="1">
+                  <a:schemeClr val="accent1"/>
+                </a:fillRef>
+                <a:effectRef idx="0">
+                  <a:schemeClr val="accent1"/>
+                </a:effectRef>
+                <a:fontRef idx="minor">
+                  <a:schemeClr val="lt1"/>
+                </a:fontRef>
+              </p:style>
+              <p:txBody>
+                <a:bodyPr rtlCol="0" anchor="ctr"/>
+                <a:lstStyle/>
+                <a:p>
+                  <a:pPr algn="ctr"/>
+                  <a:endParaRPr lang="es-ES" sz="1100"/>
+                </a:p>
+              </p:txBody>
+            </p:sp>
+            <p:sp>
+              <p:nvSpPr>
+                <p:cNvPr id="6" name="CuadroTexto 5"/>
+                <p:cNvSpPr txBox="1"/>
+                <p:nvPr/>
+              </p:nvSpPr>
+              <p:spPr>
+                <a:xfrm>
+                  <a:off x="3410175" y="666974"/>
+                  <a:ext cx="1453926" cy="261610"/>
+                </a:xfrm>
+                <a:prstGeom prst="rect">
+                  <a:avLst/>
+                </a:prstGeom>
+                <a:noFill/>
+                <a:ln w="19050">
+                  <a:solidFill>
+                    <a:schemeClr val="tx1"/>
+                  </a:solidFill>
+                </a:ln>
+              </p:spPr>
+              <p:txBody>
+                <a:bodyPr wrap="square" rtlCol="0">
+                  <a:spAutoFit/>
+                </a:bodyPr>
+                <a:lstStyle/>
+                <a:p>
+                  <a:pPr algn="ctr"/>
+                  <a:r>
+                    <a:rPr lang="es-ES" sz="1100" dirty="0" smtClean="0"/>
+                    <a:t>&lt;&lt; Periódica &gt;&gt;</a:t>
+                  </a:r>
+                  <a:endParaRPr lang="es-ES" sz="1100" dirty="0"/>
+                </a:p>
+              </p:txBody>
+            </p:sp>
+            <p:sp>
+              <p:nvSpPr>
+                <p:cNvPr id="7" name="CuadroTexto 6"/>
+                <p:cNvSpPr txBox="1"/>
+                <p:nvPr/>
+              </p:nvSpPr>
+              <p:spPr>
+                <a:xfrm>
+                  <a:off x="3410175" y="1732290"/>
+                  <a:ext cx="1453926" cy="276999"/>
+                </a:xfrm>
+                <a:prstGeom prst="rect">
+                  <a:avLst/>
+                </a:prstGeom>
+                <a:noFill/>
+                <a:ln w="19050">
+                  <a:solidFill>
+                    <a:schemeClr val="tx1"/>
+                  </a:solidFill>
+                </a:ln>
+              </p:spPr>
+              <p:txBody>
+                <a:bodyPr wrap="square" rtlCol="0">
+                  <a:spAutoFit/>
+                </a:bodyPr>
+                <a:lstStyle/>
+                <a:p>
+                  <a:pPr algn="ctr"/>
+                  <a:r>
+                    <a:rPr lang="es-ES" sz="1200" dirty="0" err="1" smtClean="0"/>
+                    <a:t>TareaPOX</a:t>
+                  </a:r>
+                  <a:endParaRPr lang="es-ES" sz="1200" dirty="0"/>
+                </a:p>
+              </p:txBody>
+            </p:sp>
+          </p:grpSp>
+          <p:grpSp>
+            <p:nvGrpSpPr>
+              <p:cNvPr id="12" name="Grupo 11"/>
+              <p:cNvGrpSpPr/>
+              <p:nvPr/>
+            </p:nvGrpSpPr>
+            <p:grpSpPr>
+              <a:xfrm>
+                <a:off x="9049764" y="348941"/>
+                <a:ext cx="1453926" cy="1342315"/>
+                <a:chOff x="7448775" y="666974"/>
+                <a:chExt cx="1453926" cy="1342315"/>
+              </a:xfrm>
+            </p:grpSpPr>
+            <p:sp>
+              <p:nvSpPr>
+                <p:cNvPr id="13" name="Rectángulo 12"/>
+                <p:cNvSpPr/>
+                <p:nvPr/>
+              </p:nvSpPr>
+              <p:spPr>
+                <a:xfrm>
+                  <a:off x="7448775" y="666975"/>
+                  <a:ext cx="1453926" cy="1326925"/>
+                </a:xfrm>
+                <a:prstGeom prst="rect">
+                  <a:avLst/>
+                </a:prstGeom>
+                <a:solidFill>
+                  <a:schemeClr val="accent1">
+                    <a:lumMod val="40000"/>
+                    <a:lumOff val="60000"/>
+                  </a:schemeClr>
+                </a:solidFill>
+                <a:ln w="19050">
+                  <a:solidFill>
+                    <a:schemeClr val="tx1"/>
+                  </a:solidFill>
+                </a:ln>
+              </p:spPr>
+              <p:style>
+                <a:lnRef idx="2">
+                  <a:schemeClr val="accent1">
+                    <a:shade val="50000"/>
+                  </a:schemeClr>
+                </a:lnRef>
+                <a:fillRef idx="1">
+                  <a:schemeClr val="accent1"/>
+                </a:fillRef>
+                <a:effectRef idx="0">
+                  <a:schemeClr val="accent1"/>
+                </a:effectRef>
+                <a:fontRef idx="minor">
+                  <a:schemeClr val="lt1"/>
+                </a:fontRef>
+              </p:style>
+              <p:txBody>
+                <a:bodyPr rtlCol="0" anchor="ctr"/>
+                <a:lstStyle/>
+                <a:p>
+                  <a:pPr algn="ctr"/>
+                  <a:endParaRPr lang="es-ES" sz="1100"/>
+                </a:p>
+              </p:txBody>
+            </p:sp>
+            <p:sp>
+              <p:nvSpPr>
+                <p:cNvPr id="14" name="CuadroTexto 13"/>
+                <p:cNvSpPr txBox="1"/>
+                <p:nvPr/>
+              </p:nvSpPr>
+              <p:spPr>
+                <a:xfrm>
+                  <a:off x="7448775" y="666974"/>
+                  <a:ext cx="1453926" cy="261610"/>
+                </a:xfrm>
+                <a:prstGeom prst="rect">
+                  <a:avLst/>
+                </a:prstGeom>
+                <a:noFill/>
+                <a:ln w="19050">
+                  <a:solidFill>
+                    <a:schemeClr val="tx1"/>
+                  </a:solidFill>
+                </a:ln>
+              </p:spPr>
+              <p:txBody>
+                <a:bodyPr wrap="square" rtlCol="0">
+                  <a:spAutoFit/>
+                </a:bodyPr>
+                <a:lstStyle/>
+                <a:p>
+                  <a:pPr algn="ctr"/>
+                  <a:r>
+                    <a:rPr lang="es-ES" sz="1100" dirty="0" smtClean="0"/>
+                    <a:t>&lt;&lt; Periódica &gt;&gt;</a:t>
+                  </a:r>
+                  <a:endParaRPr lang="es-ES" sz="1100" dirty="0"/>
+                </a:p>
+              </p:txBody>
+            </p:sp>
+            <p:sp>
+              <p:nvSpPr>
+                <p:cNvPr id="15" name="CuadroTexto 14"/>
+                <p:cNvSpPr txBox="1"/>
+                <p:nvPr/>
+              </p:nvSpPr>
+              <p:spPr>
+                <a:xfrm>
+                  <a:off x="7448775" y="1732290"/>
+                  <a:ext cx="1453926" cy="276999"/>
+                </a:xfrm>
+                <a:prstGeom prst="rect">
+                  <a:avLst/>
+                </a:prstGeom>
+                <a:noFill/>
+                <a:ln w="19050">
+                  <a:solidFill>
+                    <a:schemeClr val="tx1"/>
+                  </a:solidFill>
+                </a:ln>
+              </p:spPr>
+              <p:txBody>
+                <a:bodyPr wrap="square" rtlCol="0">
+                  <a:spAutoFit/>
+                </a:bodyPr>
+                <a:lstStyle/>
+                <a:p>
+                  <a:pPr algn="ctr"/>
+                  <a:r>
+                    <a:rPr lang="es-ES" sz="1200" dirty="0" err="1" smtClean="0"/>
+                    <a:t>TareaECG</a:t>
+                  </a:r>
+                  <a:endParaRPr lang="es-ES" sz="1200" dirty="0"/>
+                </a:p>
+              </p:txBody>
+            </p:sp>
+          </p:grpSp>
+          <p:grpSp>
+            <p:nvGrpSpPr>
+              <p:cNvPr id="16" name="Grupo 15"/>
+              <p:cNvGrpSpPr/>
+              <p:nvPr/>
+            </p:nvGrpSpPr>
+            <p:grpSpPr>
+              <a:xfrm>
+                <a:off x="1154655" y="523934"/>
+                <a:ext cx="1453926" cy="987164"/>
+                <a:chOff x="3410175" y="666974"/>
+                <a:chExt cx="1453926" cy="987164"/>
+              </a:xfrm>
+              <a:solidFill>
+                <a:schemeClr val="bg1">
+                  <a:lumMod val="95000"/>
+                </a:schemeClr>
+              </a:solidFill>
+            </p:grpSpPr>
+            <p:sp>
+              <p:nvSpPr>
+                <p:cNvPr id="17" name="Rectángulo 16"/>
+                <p:cNvSpPr/>
+                <p:nvPr/>
+              </p:nvSpPr>
+              <p:spPr>
+                <a:xfrm>
+                  <a:off x="3410175" y="666976"/>
+                  <a:ext cx="1453926" cy="976938"/>
+                </a:xfrm>
+                <a:prstGeom prst="rect">
+                  <a:avLst/>
+                </a:prstGeom>
+                <a:grpFill/>
+                <a:ln w="19050">
+                  <a:solidFill>
+                    <a:schemeClr val="tx1"/>
+                  </a:solidFill>
+                </a:ln>
+              </p:spPr>
+              <p:style>
+                <a:lnRef idx="2">
+                  <a:schemeClr val="accent1">
+                    <a:shade val="50000"/>
+                  </a:schemeClr>
+                </a:lnRef>
+                <a:fillRef idx="1">
+                  <a:schemeClr val="accent1"/>
+                </a:fillRef>
+                <a:effectRef idx="0">
+                  <a:schemeClr val="accent1"/>
+                </a:effectRef>
+                <a:fontRef idx="minor">
+                  <a:schemeClr val="lt1"/>
+                </a:fontRef>
+              </p:style>
+              <p:txBody>
+                <a:bodyPr rtlCol="0" anchor="ctr"/>
+                <a:lstStyle/>
+                <a:p>
+                  <a:pPr algn="ctr"/>
+                  <a:endParaRPr lang="es-ES" sz="1100"/>
+                </a:p>
+              </p:txBody>
+            </p:sp>
+            <p:sp>
+              <p:nvSpPr>
+                <p:cNvPr id="18" name="CuadroTexto 17"/>
+                <p:cNvSpPr txBox="1"/>
+                <p:nvPr/>
+              </p:nvSpPr>
+              <p:spPr>
+                <a:xfrm>
+                  <a:off x="3410175" y="666974"/>
+                  <a:ext cx="1453926" cy="261610"/>
+                </a:xfrm>
+                <a:prstGeom prst="rect">
+                  <a:avLst/>
+                </a:prstGeom>
+                <a:grpFill/>
+                <a:ln w="19050">
+                  <a:solidFill>
+                    <a:schemeClr val="tx1"/>
+                  </a:solidFill>
+                </a:ln>
+              </p:spPr>
+              <p:txBody>
+                <a:bodyPr wrap="square" rtlCol="0">
+                  <a:spAutoFit/>
+                </a:bodyPr>
+                <a:lstStyle/>
+                <a:p>
+                  <a:pPr algn="ctr"/>
+                  <a:r>
+                    <a:rPr lang="es-ES" sz="1100" dirty="0" smtClean="0"/>
+                    <a:t>&lt;&lt; Pasivo &gt;&gt;</a:t>
+                  </a:r>
+                  <a:endParaRPr lang="es-ES" sz="1100" dirty="0"/>
+                </a:p>
+              </p:txBody>
+            </p:sp>
+            <p:sp>
+              <p:nvSpPr>
+                <p:cNvPr id="19" name="CuadroTexto 18"/>
+                <p:cNvSpPr txBox="1"/>
+                <p:nvPr/>
+              </p:nvSpPr>
+              <p:spPr>
+                <a:xfrm>
+                  <a:off x="3410175" y="1392528"/>
+                  <a:ext cx="1453926" cy="261610"/>
+                </a:xfrm>
+                <a:prstGeom prst="rect">
+                  <a:avLst/>
+                </a:prstGeom>
+                <a:grpFill/>
+                <a:ln w="19050">
+                  <a:solidFill>
+                    <a:schemeClr val="tx1"/>
+                  </a:solidFill>
+                </a:ln>
+              </p:spPr>
+              <p:txBody>
+                <a:bodyPr wrap="square" rtlCol="0">
+                  <a:spAutoFit/>
+                </a:bodyPr>
+                <a:lstStyle/>
+                <a:p>
+                  <a:pPr algn="ctr"/>
+                  <a:r>
+                    <a:rPr lang="es-ES" sz="1100" dirty="0" smtClean="0"/>
+                    <a:t>Sensor MAX 30102</a:t>
+                  </a:r>
+                  <a:endParaRPr lang="es-ES" sz="1100" dirty="0"/>
+                </a:p>
+              </p:txBody>
+            </p:sp>
+          </p:grpSp>
+          <p:sp>
+            <p:nvSpPr>
+              <p:cNvPr id="20" name="Rectángulo 19"/>
+              <p:cNvSpPr/>
+              <p:nvPr/>
+            </p:nvSpPr>
+            <p:spPr>
+              <a:xfrm>
+                <a:off x="2483644" y="900113"/>
+                <a:ext cx="123825" cy="223837"/>
+              </a:xfrm>
+              <a:prstGeom prst="rect">
+                <a:avLst/>
+              </a:prstGeom>
+              <a:solidFill>
+                <a:schemeClr val="bg1">
+                  <a:lumMod val="95000"/>
+                </a:schemeClr>
+              </a:solidFill>
+              <a:ln w="19050">
+                <a:solidFill>
+                  <a:schemeClr val="tx1"/>
+                </a:solidFill>
+              </a:ln>
+            </p:spPr>
+            <p:style>
+              <a:lnRef idx="2">
+                <a:schemeClr val="accent1">
+                  <a:shade val="50000"/>
+                </a:schemeClr>
+              </a:lnRef>
+              <a:fillRef idx="1">
+                <a:schemeClr val="accent1"/>
+              </a:fillRef>
+              <a:effectRef idx="0">
+                <a:schemeClr val="accent1"/>
+              </a:effectRef>
+              <a:fontRef idx="minor">
+                <a:schemeClr val="lt1"/>
+              </a:fontRef>
+            </p:style>
+            <p:txBody>
+              <a:bodyPr rtlCol="0" anchor="ctr"/>
+              <a:lstStyle/>
+              <a:p>
+                <a:pPr algn="ctr"/>
+                <a:endParaRPr lang="es-ES"/>
+              </a:p>
+            </p:txBody>
+          </p:sp>
+          <p:sp>
+            <p:nvSpPr>
+              <p:cNvPr id="21" name="Rectángulo 20"/>
+              <p:cNvSpPr/>
+              <p:nvPr/>
+            </p:nvSpPr>
+            <p:spPr>
+              <a:xfrm>
+                <a:off x="3921828" y="900112"/>
+                <a:ext cx="123825" cy="223837"/>
+              </a:xfrm>
+              <a:prstGeom prst="rect">
+                <a:avLst/>
+              </a:prstGeom>
+              <a:noFill/>
+              <a:ln w="19050">
+                <a:solidFill>
+                  <a:schemeClr val="tx1"/>
+                </a:solidFill>
+              </a:ln>
+            </p:spPr>
+            <p:style>
+              <a:lnRef idx="2">
+                <a:schemeClr val="accent1">
+                  <a:shade val="50000"/>
+                </a:schemeClr>
+              </a:lnRef>
+              <a:fillRef idx="1">
+                <a:schemeClr val="accent1"/>
+              </a:fillRef>
+              <a:effectRef idx="0">
+                <a:schemeClr val="accent1"/>
+              </a:effectRef>
+              <a:fontRef idx="minor">
+                <a:schemeClr val="lt1"/>
+              </a:fontRef>
+            </p:style>
+            <p:txBody>
+              <a:bodyPr rtlCol="0" anchor="ctr"/>
+              <a:lstStyle/>
+              <a:p>
+                <a:pPr algn="ctr"/>
+                <a:endParaRPr lang="es-ES"/>
+              </a:p>
+            </p:txBody>
+          </p:sp>
+          <p:sp>
+            <p:nvSpPr>
+              <p:cNvPr id="22" name="Elipse 21"/>
+              <p:cNvSpPr/>
+              <p:nvPr/>
+            </p:nvSpPr>
+            <p:spPr>
+              <a:xfrm>
+                <a:off x="3126580" y="921543"/>
+                <a:ext cx="180974" cy="180974"/>
+              </a:xfrm>
+              <a:prstGeom prst="ellipse">
+                <a:avLst/>
+              </a:prstGeom>
+              <a:noFill/>
+              <a:ln w="19050">
+                <a:solidFill>
+                  <a:schemeClr val="tx1"/>
+                </a:solidFill>
+              </a:ln>
+            </p:spPr>
+            <p:style>
+              <a:lnRef idx="2">
+                <a:schemeClr val="accent1">
+                  <a:shade val="50000"/>
+                </a:schemeClr>
+              </a:lnRef>
+              <a:fillRef idx="1">
+                <a:schemeClr val="accent1"/>
+              </a:fillRef>
+              <a:effectRef idx="0">
+                <a:schemeClr val="accent1"/>
+              </a:effectRef>
+              <a:fontRef idx="minor">
+                <a:schemeClr val="lt1"/>
+              </a:fontRef>
+            </p:style>
+            <p:txBody>
+              <a:bodyPr rtlCol="0" anchor="ctr"/>
+              <a:lstStyle/>
+              <a:p>
+                <a:pPr algn="ctr"/>
+                <a:endParaRPr lang="es-ES"/>
+              </a:p>
+            </p:txBody>
+          </p:sp>
+          <p:cxnSp>
+            <p:nvCxnSpPr>
+              <p:cNvPr id="23" name="Conector recto 22"/>
+              <p:cNvCxnSpPr>
+                <a:stCxn id="20" idx="3"/>
+                <a:endCxn id="22" idx="2"/>
+              </p:cNvCxnSpPr>
+              <p:nvPr/>
+            </p:nvCxnSpPr>
+            <p:spPr>
+              <a:xfrm flipV="1">
+                <a:off x="2607469" y="1012030"/>
+                <a:ext cx="519111" cy="2"/>
+              </a:xfrm>
+              <a:prstGeom prst="line">
+                <a:avLst/>
+              </a:prstGeom>
+              <a:ln w="19050">
+                <a:solidFill>
+                  <a:schemeClr val="tx1"/>
+                </a:solidFill>
+              </a:ln>
+            </p:spPr>
+            <p:style>
+              <a:lnRef idx="1">
+                <a:schemeClr val="dk1"/>
+              </a:lnRef>
+              <a:fillRef idx="0">
+                <a:schemeClr val="dk1"/>
+              </a:fillRef>
+              <a:effectRef idx="0">
+                <a:schemeClr val="dk1"/>
+              </a:effectRef>
+              <a:fontRef idx="minor">
+                <a:schemeClr val="tx1"/>
+              </a:fontRef>
+            </p:style>
+          </p:cxnSp>
+          <p:sp>
+            <p:nvSpPr>
+              <p:cNvPr id="24" name="Arco 23"/>
+              <p:cNvSpPr/>
+              <p:nvPr/>
+            </p:nvSpPr>
+            <p:spPr>
+              <a:xfrm>
+                <a:off x="3086088" y="865583"/>
+                <a:ext cx="292893" cy="292893"/>
+              </a:xfrm>
+              <a:prstGeom prst="arc">
+                <a:avLst>
+                  <a:gd name="adj1" fmla="val 16200000"/>
+                  <a:gd name="adj2" fmla="val 5282845"/>
+                </a:avLst>
+              </a:prstGeom>
+              <a:ln w="19050">
+                <a:solidFill>
+                  <a:schemeClr val="tx1"/>
+                </a:solidFill>
+              </a:ln>
+            </p:spPr>
+            <p:style>
+              <a:lnRef idx="1">
+                <a:schemeClr val="accent1"/>
+              </a:lnRef>
+              <a:fillRef idx="0">
+                <a:schemeClr val="accent1"/>
+              </a:fillRef>
+              <a:effectRef idx="0">
+                <a:schemeClr val="accent1"/>
+              </a:effectRef>
+              <a:fontRef idx="minor">
+                <a:schemeClr val="tx1"/>
+              </a:fontRef>
+            </p:style>
+            <p:txBody>
+              <a:bodyPr rtlCol="0" anchor="ctr"/>
+              <a:lstStyle/>
+              <a:p>
+                <a:pPr algn="ctr"/>
+                <a:endParaRPr lang="es-ES"/>
+              </a:p>
+            </p:txBody>
+          </p:sp>
+          <p:cxnSp>
+            <p:nvCxnSpPr>
+              <p:cNvPr id="25" name="Conector recto 24"/>
+              <p:cNvCxnSpPr>
+                <a:stCxn id="21" idx="1"/>
+              </p:cNvCxnSpPr>
+              <p:nvPr/>
+            </p:nvCxnSpPr>
+            <p:spPr>
+              <a:xfrm flipH="1" flipV="1">
+                <a:off x="3378425" y="1012029"/>
+                <a:ext cx="543403" cy="2"/>
+              </a:xfrm>
+              <a:prstGeom prst="line">
+                <a:avLst/>
+              </a:prstGeom>
+              <a:ln w="19050"/>
+            </p:spPr>
+            <p:style>
+              <a:lnRef idx="1">
+                <a:schemeClr val="dk1"/>
+              </a:lnRef>
+              <a:fillRef idx="0">
+                <a:schemeClr val="dk1"/>
+              </a:fillRef>
+              <a:effectRef idx="0">
+                <a:schemeClr val="dk1"/>
+              </a:effectRef>
+              <a:fontRef idx="minor">
+                <a:schemeClr val="tx1"/>
+              </a:fontRef>
+            </p:style>
+          </p:cxnSp>
+          <p:grpSp>
+            <p:nvGrpSpPr>
+              <p:cNvPr id="40" name="Grupo 39"/>
+              <p:cNvGrpSpPr/>
+              <p:nvPr/>
+            </p:nvGrpSpPr>
+            <p:grpSpPr>
+              <a:xfrm>
+                <a:off x="6283704" y="564134"/>
+                <a:ext cx="1453926" cy="976940"/>
+                <a:chOff x="3410175" y="666974"/>
+                <a:chExt cx="1453926" cy="976940"/>
+              </a:xfrm>
+              <a:solidFill>
+                <a:schemeClr val="bg1">
+                  <a:lumMod val="95000"/>
+                </a:schemeClr>
+              </a:solidFill>
+            </p:grpSpPr>
+            <p:sp>
+              <p:nvSpPr>
+                <p:cNvPr id="41" name="Rectángulo 40"/>
+                <p:cNvSpPr/>
+                <p:nvPr/>
+              </p:nvSpPr>
+              <p:spPr>
+                <a:xfrm>
+                  <a:off x="3410175" y="666976"/>
+                  <a:ext cx="1453926" cy="976938"/>
+                </a:xfrm>
+                <a:prstGeom prst="rect">
+                  <a:avLst/>
+                </a:prstGeom>
+                <a:grpFill/>
+                <a:ln w="19050">
+                  <a:solidFill>
+                    <a:schemeClr val="tx1"/>
+                  </a:solidFill>
+                </a:ln>
+              </p:spPr>
+              <p:style>
+                <a:lnRef idx="2">
+                  <a:schemeClr val="accent1">
+                    <a:shade val="50000"/>
+                  </a:schemeClr>
+                </a:lnRef>
+                <a:fillRef idx="1">
+                  <a:schemeClr val="accent1"/>
+                </a:fillRef>
+                <a:effectRef idx="0">
+                  <a:schemeClr val="accent1"/>
+                </a:effectRef>
+                <a:fontRef idx="minor">
+                  <a:schemeClr val="lt1"/>
+                </a:fontRef>
+              </p:style>
+              <p:txBody>
+                <a:bodyPr rtlCol="0" anchor="ctr"/>
+                <a:lstStyle/>
+                <a:p>
+                  <a:pPr algn="ctr"/>
+                  <a:endParaRPr lang="es-ES" sz="1100"/>
+                </a:p>
+              </p:txBody>
+            </p:sp>
+            <p:sp>
+              <p:nvSpPr>
+                <p:cNvPr id="42" name="CuadroTexto 41"/>
+                <p:cNvSpPr txBox="1"/>
+                <p:nvPr/>
+              </p:nvSpPr>
+              <p:spPr>
+                <a:xfrm>
+                  <a:off x="3410175" y="666974"/>
+                  <a:ext cx="1453926" cy="261610"/>
+                </a:xfrm>
+                <a:prstGeom prst="rect">
+                  <a:avLst/>
+                </a:prstGeom>
+                <a:grpFill/>
+                <a:ln w="19050">
+                  <a:solidFill>
+                    <a:schemeClr val="tx1"/>
+                  </a:solidFill>
+                </a:ln>
+              </p:spPr>
+              <p:txBody>
+                <a:bodyPr wrap="square" rtlCol="0">
+                  <a:spAutoFit/>
+                </a:bodyPr>
+                <a:lstStyle/>
+                <a:p>
+                  <a:pPr algn="ctr"/>
+                  <a:r>
+                    <a:rPr lang="es-ES" sz="1100" dirty="0" smtClean="0"/>
+                    <a:t>&lt;&lt; Pasivo &gt;&gt;</a:t>
+                  </a:r>
+                  <a:endParaRPr lang="es-ES" sz="1100" dirty="0"/>
+                </a:p>
+              </p:txBody>
+            </p:sp>
+            <p:sp>
+              <p:nvSpPr>
+                <p:cNvPr id="43" name="CuadroTexto 42"/>
+                <p:cNvSpPr txBox="1"/>
+                <p:nvPr/>
+              </p:nvSpPr>
+              <p:spPr>
+                <a:xfrm>
+                  <a:off x="3410175" y="1381770"/>
+                  <a:ext cx="1453926" cy="261610"/>
+                </a:xfrm>
+                <a:prstGeom prst="rect">
+                  <a:avLst/>
+                </a:prstGeom>
+                <a:grpFill/>
+                <a:ln w="19050">
+                  <a:solidFill>
+                    <a:schemeClr val="tx1"/>
+                  </a:solidFill>
+                </a:ln>
+              </p:spPr>
+              <p:txBody>
+                <a:bodyPr wrap="square" rtlCol="0">
+                  <a:spAutoFit/>
+                </a:bodyPr>
+                <a:lstStyle/>
+                <a:p>
+                  <a:pPr algn="ctr"/>
+                  <a:r>
+                    <a:rPr lang="es-ES" sz="1100" dirty="0" smtClean="0"/>
+                    <a:t>ADC ECG</a:t>
+                  </a:r>
+                  <a:endParaRPr lang="es-ES" sz="1100" dirty="0"/>
+                </a:p>
+              </p:txBody>
+            </p:sp>
+          </p:grpSp>
+          <p:sp>
+            <p:nvSpPr>
+              <p:cNvPr id="44" name="Rectángulo 43"/>
+              <p:cNvSpPr/>
+              <p:nvPr/>
+            </p:nvSpPr>
+            <p:spPr>
+              <a:xfrm>
+                <a:off x="7612693" y="940313"/>
+                <a:ext cx="123825" cy="223837"/>
+              </a:xfrm>
+              <a:prstGeom prst="rect">
+                <a:avLst/>
+              </a:prstGeom>
+              <a:solidFill>
+                <a:schemeClr val="bg1">
+                  <a:lumMod val="95000"/>
+                </a:schemeClr>
+              </a:solidFill>
+              <a:ln w="19050">
+                <a:solidFill>
+                  <a:schemeClr val="tx1"/>
+                </a:solidFill>
+              </a:ln>
+            </p:spPr>
+            <p:style>
+              <a:lnRef idx="2">
+                <a:schemeClr val="accent1">
+                  <a:shade val="50000"/>
+                </a:schemeClr>
+              </a:lnRef>
+              <a:fillRef idx="1">
+                <a:schemeClr val="accent1"/>
+              </a:fillRef>
+              <a:effectRef idx="0">
+                <a:schemeClr val="accent1"/>
+              </a:effectRef>
+              <a:fontRef idx="minor">
+                <a:schemeClr val="lt1"/>
+              </a:fontRef>
+            </p:style>
+            <p:txBody>
+              <a:bodyPr rtlCol="0" anchor="ctr"/>
+              <a:lstStyle/>
+              <a:p>
+                <a:pPr algn="ctr"/>
+                <a:endParaRPr lang="es-ES"/>
+              </a:p>
+            </p:txBody>
+          </p:sp>
+          <p:sp>
+            <p:nvSpPr>
+              <p:cNvPr id="45" name="Rectángulo 44"/>
+              <p:cNvSpPr/>
+              <p:nvPr/>
+            </p:nvSpPr>
+            <p:spPr>
+              <a:xfrm>
+                <a:off x="9050877" y="940312"/>
+                <a:ext cx="123825" cy="223837"/>
+              </a:xfrm>
+              <a:prstGeom prst="rect">
+                <a:avLst/>
+              </a:prstGeom>
+              <a:noFill/>
+              <a:ln w="19050">
+                <a:solidFill>
+                  <a:schemeClr val="tx1"/>
+                </a:solidFill>
+              </a:ln>
+            </p:spPr>
+            <p:style>
+              <a:lnRef idx="2">
+                <a:schemeClr val="accent1">
+                  <a:shade val="50000"/>
+                </a:schemeClr>
+              </a:lnRef>
+              <a:fillRef idx="1">
+                <a:schemeClr val="accent1"/>
+              </a:fillRef>
+              <a:effectRef idx="0">
+                <a:schemeClr val="accent1"/>
+              </a:effectRef>
+              <a:fontRef idx="minor">
+                <a:schemeClr val="lt1"/>
+              </a:fontRef>
+            </p:style>
+            <p:txBody>
+              <a:bodyPr rtlCol="0" anchor="ctr"/>
+              <a:lstStyle/>
+              <a:p>
+                <a:pPr algn="ctr"/>
+                <a:endParaRPr lang="es-ES"/>
+              </a:p>
+            </p:txBody>
+          </p:sp>
+          <p:sp>
+            <p:nvSpPr>
+              <p:cNvPr id="46" name="Elipse 45"/>
+              <p:cNvSpPr/>
+              <p:nvPr/>
+            </p:nvSpPr>
+            <p:spPr>
+              <a:xfrm>
+                <a:off x="8255629" y="961743"/>
+                <a:ext cx="180974" cy="180974"/>
+              </a:xfrm>
+              <a:prstGeom prst="ellipse">
+                <a:avLst/>
+              </a:prstGeom>
+              <a:noFill/>
+              <a:ln w="19050">
+                <a:solidFill>
+                  <a:schemeClr val="tx1"/>
+                </a:solidFill>
+              </a:ln>
+            </p:spPr>
+            <p:style>
+              <a:lnRef idx="2">
+                <a:schemeClr val="accent1">
+                  <a:shade val="50000"/>
+                </a:schemeClr>
+              </a:lnRef>
+              <a:fillRef idx="1">
+                <a:schemeClr val="accent1"/>
+              </a:fillRef>
+              <a:effectRef idx="0">
+                <a:schemeClr val="accent1"/>
+              </a:effectRef>
+              <a:fontRef idx="minor">
+                <a:schemeClr val="lt1"/>
+              </a:fontRef>
+            </p:style>
+            <p:txBody>
+              <a:bodyPr rtlCol="0" anchor="ctr"/>
+              <a:lstStyle/>
+              <a:p>
+                <a:pPr algn="ctr"/>
+                <a:endParaRPr lang="es-ES"/>
+              </a:p>
+            </p:txBody>
+          </p:sp>
+          <p:cxnSp>
+            <p:nvCxnSpPr>
+              <p:cNvPr id="47" name="Conector recto 46"/>
+              <p:cNvCxnSpPr>
+                <a:stCxn id="44" idx="3"/>
+                <a:endCxn id="46" idx="2"/>
+              </p:cNvCxnSpPr>
+              <p:nvPr/>
+            </p:nvCxnSpPr>
+            <p:spPr>
+              <a:xfrm flipV="1">
+                <a:off x="7736518" y="1052230"/>
+                <a:ext cx="519111" cy="2"/>
+              </a:xfrm>
+              <a:prstGeom prst="line">
+                <a:avLst/>
+              </a:prstGeom>
+              <a:ln w="19050">
+                <a:solidFill>
+                  <a:schemeClr val="tx1"/>
+                </a:solidFill>
+              </a:ln>
+            </p:spPr>
+            <p:style>
+              <a:lnRef idx="1">
+                <a:schemeClr val="dk1"/>
+              </a:lnRef>
+              <a:fillRef idx="0">
+                <a:schemeClr val="dk1"/>
+              </a:fillRef>
+              <a:effectRef idx="0">
+                <a:schemeClr val="dk1"/>
+              </a:effectRef>
+              <a:fontRef idx="minor">
+                <a:schemeClr val="tx1"/>
+              </a:fontRef>
+            </p:style>
+          </p:cxnSp>
+          <p:sp>
+            <p:nvSpPr>
+              <p:cNvPr id="48" name="Arco 47"/>
+              <p:cNvSpPr/>
+              <p:nvPr/>
+            </p:nvSpPr>
+            <p:spPr>
+              <a:xfrm>
+                <a:off x="8215137" y="905783"/>
+                <a:ext cx="292893" cy="292893"/>
+              </a:xfrm>
+              <a:prstGeom prst="arc">
+                <a:avLst>
+                  <a:gd name="adj1" fmla="val 16200000"/>
+                  <a:gd name="adj2" fmla="val 5282845"/>
+                </a:avLst>
+              </a:prstGeom>
+              <a:ln w="19050">
+                <a:solidFill>
+                  <a:schemeClr val="tx1"/>
+                </a:solidFill>
+              </a:ln>
+            </p:spPr>
+            <p:style>
+              <a:lnRef idx="1">
+                <a:schemeClr val="accent1"/>
+              </a:lnRef>
+              <a:fillRef idx="0">
+                <a:schemeClr val="accent1"/>
+              </a:fillRef>
+              <a:effectRef idx="0">
+                <a:schemeClr val="accent1"/>
+              </a:effectRef>
+              <a:fontRef idx="minor">
+                <a:schemeClr val="tx1"/>
+              </a:fontRef>
+            </p:style>
+            <p:txBody>
+              <a:bodyPr rtlCol="0" anchor="ctr"/>
+              <a:lstStyle/>
+              <a:p>
+                <a:pPr algn="ctr"/>
+                <a:endParaRPr lang="es-ES"/>
+              </a:p>
+            </p:txBody>
+          </p:sp>
+          <p:cxnSp>
+            <p:nvCxnSpPr>
+              <p:cNvPr id="49" name="Conector recto 48"/>
+              <p:cNvCxnSpPr>
+                <a:stCxn id="45" idx="1"/>
+              </p:cNvCxnSpPr>
+              <p:nvPr/>
+            </p:nvCxnSpPr>
+            <p:spPr>
+              <a:xfrm flipH="1" flipV="1">
+                <a:off x="8507474" y="1052229"/>
+                <a:ext cx="543403" cy="2"/>
+              </a:xfrm>
+              <a:prstGeom prst="line">
+                <a:avLst/>
+              </a:prstGeom>
+              <a:ln w="19050"/>
+            </p:spPr>
+            <p:style>
+              <a:lnRef idx="1">
+                <a:schemeClr val="dk1"/>
+              </a:lnRef>
+              <a:fillRef idx="0">
+                <a:schemeClr val="dk1"/>
+              </a:fillRef>
+              <a:effectRef idx="0">
+                <a:schemeClr val="dk1"/>
+              </a:effectRef>
+              <a:fontRef idx="minor">
+                <a:schemeClr val="tx1"/>
+              </a:fontRef>
+            </p:style>
+          </p:cxnSp>
+          <p:sp>
+            <p:nvSpPr>
+              <p:cNvPr id="119" name="Rectángulo 118"/>
+              <p:cNvSpPr/>
+              <p:nvPr/>
+            </p:nvSpPr>
+            <p:spPr>
+              <a:xfrm>
+                <a:off x="2749903" y="614086"/>
+                <a:ext cx="1055097" cy="253916"/>
+              </a:xfrm>
+              <a:prstGeom prst="rect">
+                <a:avLst/>
+              </a:prstGeom>
+            </p:spPr>
+            <p:txBody>
+              <a:bodyPr wrap="none">
+                <a:spAutoFit/>
+              </a:bodyPr>
+              <a:lstStyle/>
+              <a:p>
+                <a:r>
+                  <a:rPr lang="es-ES" sz="1050" dirty="0" err="1" smtClean="0"/>
+                  <a:t>TareaPOX_code</a:t>
+                </a:r>
+                <a:endParaRPr lang="es-ES" sz="1050" dirty="0"/>
+              </a:p>
+            </p:txBody>
+          </p:sp>
+          <p:sp>
+            <p:nvSpPr>
+              <p:cNvPr id="120" name="Rectángulo 119"/>
+              <p:cNvSpPr/>
+              <p:nvPr/>
+            </p:nvSpPr>
+            <p:spPr>
+              <a:xfrm>
+                <a:off x="7870945" y="563387"/>
+                <a:ext cx="1048685" cy="253916"/>
+              </a:xfrm>
+              <a:prstGeom prst="rect">
+                <a:avLst/>
+              </a:prstGeom>
+            </p:spPr>
+            <p:txBody>
+              <a:bodyPr wrap="none">
+                <a:spAutoFit/>
+              </a:bodyPr>
+              <a:lstStyle/>
+              <a:p>
+                <a:r>
+                  <a:rPr lang="es-ES" sz="1050" dirty="0" err="1" smtClean="0"/>
+                  <a:t>TareaECG_code</a:t>
+                </a:r>
+                <a:endParaRPr lang="es-ES" sz="1050" dirty="0"/>
+              </a:p>
+            </p:txBody>
+          </p:sp>
+        </p:grpSp>
+      </p:grpSp>
+    </p:spTree>
+    <p:extLst>
+      <p:ext uri="{BB962C8B-B14F-4D97-AF65-F5344CB8AC3E}">
+        <p14:creationId xmlns:p14="http://schemas.microsoft.com/office/powerpoint/2010/main" val="2758757888"/>
+      </p:ext>
+    </p:extLst>
+  </p:cSld>
+  <p:clrMapOvr>
+    <a:masterClrMapping/>
+  </p:clrMapOvr>
+</p:sld>
+</file>
+
+<file path=ppt/slides/slide19.xml><?xml version="1.0" encoding="utf-8"?>
+<p:sld xmlns:a="http://schemas.openxmlformats.org/drawingml/2006/main" xmlns:r="http://schemas.openxmlformats.org/officeDocument/2006/relationships" xmlns:p="http://schemas.openxmlformats.org/presentationml/2006/main">
+  <p:cSld>
+    <p:spTree>
+      <p:nvGrpSpPr>
+        <p:cNvPr id="1" name=""/>
+        <p:cNvGrpSpPr/>
+        <p:nvPr/>
+      </p:nvGrpSpPr>
+      <p:grpSpPr>
+        <a:xfrm>
+          <a:off x="0" y="0"/>
+          <a:ext cx="0" cy="0"/>
+          <a:chOff x="0" y="0"/>
+          <a:chExt cx="0" cy="0"/>
+        </a:xfrm>
+      </p:grpSpPr>
+      <p:grpSp>
+        <p:nvGrpSpPr>
+          <p:cNvPr id="8" name="Grupo 7"/>
+          <p:cNvGrpSpPr/>
+          <p:nvPr/>
+        </p:nvGrpSpPr>
+        <p:grpSpPr>
+          <a:xfrm>
+            <a:off x="698076" y="1854423"/>
+            <a:ext cx="2469232" cy="2864258"/>
+            <a:chOff x="4352941" y="1911573"/>
+            <a:chExt cx="2469232" cy="2864258"/>
+          </a:xfrm>
+        </p:grpSpPr>
+        <p:sp>
+          <p:nvSpPr>
+            <p:cNvPr id="41" name="Rectángulo redondeado 40"/>
+            <p:cNvSpPr/>
+            <p:nvPr/>
+          </p:nvSpPr>
+          <p:spPr>
+            <a:xfrm>
+              <a:off x="4784002" y="2416149"/>
+              <a:ext cx="1581712" cy="261779"/>
+            </a:xfrm>
+            <a:prstGeom prst="roundRect">
+              <a:avLst/>
+            </a:prstGeom>
+            <a:solidFill>
+              <a:schemeClr val="accent1">
+                <a:lumMod val="20000"/>
+                <a:lumOff val="80000"/>
+              </a:schemeClr>
+            </a:solidFill>
+            <a:ln w="19050"/>
+          </p:spPr>
+          <p:style>
+            <a:lnRef idx="2">
+              <a:schemeClr val="dk1"/>
+            </a:lnRef>
+            <a:fillRef idx="1">
+              <a:schemeClr val="lt1"/>
+            </a:fillRef>
+            <a:effectRef idx="0">
+              <a:schemeClr val="dk1"/>
+            </a:effectRef>
+            <a:fontRef idx="minor">
+              <a:schemeClr val="dk1"/>
+            </a:fontRef>
+          </p:style>
+          <p:txBody>
+            <a:bodyPr rtlCol="0" anchor="ctr"/>
+            <a:lstStyle/>
+            <a:p>
+              <a:pPr algn="ctr"/>
+              <a:r>
+                <a:rPr lang="es-ES" sz="1100" dirty="0" smtClean="0"/>
+                <a:t>Conexión Wifi</a:t>
+              </a:r>
+              <a:endParaRPr lang="es-ES" sz="1100" dirty="0"/>
+            </a:p>
+          </p:txBody>
+        </p:sp>
+        <p:cxnSp>
+          <p:nvCxnSpPr>
+            <p:cNvPr id="12" name="Conector recto de flecha 11"/>
+            <p:cNvCxnSpPr>
+              <a:stCxn id="41" idx="2"/>
+              <a:endCxn id="66" idx="0"/>
+            </p:cNvCxnSpPr>
+            <p:nvPr/>
+          </p:nvCxnSpPr>
+          <p:spPr>
+            <a:xfrm>
+              <a:off x="5574858" y="2677928"/>
+              <a:ext cx="5143" cy="261779"/>
+            </a:xfrm>
+            <a:prstGeom prst="straightConnector1">
+              <a:avLst/>
+            </a:prstGeom>
+            <a:ln w="19050">
+              <a:tailEnd type="triangle"/>
+            </a:ln>
+          </p:spPr>
+          <p:style>
+            <a:lnRef idx="1">
+              <a:schemeClr val="dk1"/>
+            </a:lnRef>
+            <a:fillRef idx="0">
+              <a:schemeClr val="dk1"/>
+            </a:fillRef>
+            <a:effectRef idx="0">
+              <a:schemeClr val="dk1"/>
+            </a:effectRef>
+            <a:fontRef idx="minor">
+              <a:schemeClr val="tx1"/>
+            </a:fontRef>
+          </p:style>
+        </p:cxnSp>
+        <p:cxnSp>
+          <p:nvCxnSpPr>
+            <p:cNvPr id="28" name="Conector recto de flecha 27"/>
+            <p:cNvCxnSpPr>
+              <a:stCxn id="112" idx="2"/>
+              <a:endCxn id="41" idx="0"/>
+            </p:cNvCxnSpPr>
+            <p:nvPr/>
+          </p:nvCxnSpPr>
+          <p:spPr>
+            <a:xfrm>
+              <a:off x="5574858" y="2173352"/>
+              <a:ext cx="0" cy="242797"/>
+            </a:xfrm>
+            <a:prstGeom prst="straightConnector1">
+              <a:avLst/>
+            </a:prstGeom>
+            <a:ln w="19050">
+              <a:tailEnd type="triangle"/>
+            </a:ln>
+          </p:spPr>
+          <p:style>
+            <a:lnRef idx="1">
+              <a:schemeClr val="dk1"/>
+            </a:lnRef>
+            <a:fillRef idx="0">
+              <a:schemeClr val="dk1"/>
+            </a:fillRef>
+            <a:effectRef idx="0">
+              <a:schemeClr val="dk1"/>
+            </a:effectRef>
+            <a:fontRef idx="minor">
+              <a:schemeClr val="tx1"/>
+            </a:fontRef>
+          </p:style>
+        </p:cxnSp>
+        <p:cxnSp>
+          <p:nvCxnSpPr>
+            <p:cNvPr id="59" name="Conector recto de flecha 58"/>
+            <p:cNvCxnSpPr>
+              <a:stCxn id="66" idx="2"/>
+              <a:endCxn id="73" idx="0"/>
+            </p:cNvCxnSpPr>
+            <p:nvPr/>
+          </p:nvCxnSpPr>
+          <p:spPr>
+            <a:xfrm flipH="1">
+              <a:off x="5582570" y="3185838"/>
+              <a:ext cx="1" cy="277427"/>
+            </a:xfrm>
+            <a:prstGeom prst="straightConnector1">
+              <a:avLst/>
+            </a:prstGeom>
+            <a:ln w="19050">
+              <a:tailEnd type="triangle"/>
+            </a:ln>
+          </p:spPr>
+          <p:style>
+            <a:lnRef idx="1">
+              <a:schemeClr val="dk1"/>
+            </a:lnRef>
+            <a:fillRef idx="0">
+              <a:schemeClr val="dk1"/>
+            </a:fillRef>
+            <a:effectRef idx="0">
+              <a:schemeClr val="dk1"/>
+            </a:effectRef>
+            <a:fontRef idx="minor">
+              <a:schemeClr val="tx1"/>
+            </a:fontRef>
+          </p:style>
+        </p:cxnSp>
+        <p:sp>
+          <p:nvSpPr>
+            <p:cNvPr id="66" name="Rectángulo redondeado 65"/>
+            <p:cNvSpPr/>
+            <p:nvPr/>
+          </p:nvSpPr>
+          <p:spPr>
+            <a:xfrm>
+              <a:off x="4670643" y="2924059"/>
+              <a:ext cx="1823855" cy="261779"/>
+            </a:xfrm>
+            <a:prstGeom prst="roundRect">
+              <a:avLst/>
+            </a:prstGeom>
+            <a:solidFill>
+              <a:schemeClr val="accent1">
+                <a:lumMod val="20000"/>
+                <a:lumOff val="80000"/>
+              </a:schemeClr>
+            </a:solidFill>
+            <a:ln w="19050"/>
+          </p:spPr>
+          <p:style>
+            <a:lnRef idx="2">
+              <a:schemeClr val="dk1"/>
+            </a:lnRef>
+            <a:fillRef idx="1">
+              <a:schemeClr val="lt1"/>
+            </a:fillRef>
+            <a:effectRef idx="0">
+              <a:schemeClr val="dk1"/>
+            </a:effectRef>
+            <a:fontRef idx="minor">
+              <a:schemeClr val="dk1"/>
+            </a:fontRef>
+          </p:style>
+          <p:txBody>
+            <a:bodyPr rtlCol="0" anchor="ctr"/>
+            <a:lstStyle/>
+            <a:p>
+              <a:pPr algn="ctr"/>
+              <a:r>
+                <a:rPr lang="es-ES" sz="1100" dirty="0" smtClean="0"/>
+                <a:t>Conexión a servidor MQTT</a:t>
+              </a:r>
+              <a:endParaRPr lang="es-ES" sz="1100" dirty="0"/>
+            </a:p>
+          </p:txBody>
+        </p:sp>
+        <p:sp>
+          <p:nvSpPr>
+            <p:cNvPr id="73" name="Rectángulo redondeado 72"/>
+            <p:cNvSpPr/>
+            <p:nvPr/>
+          </p:nvSpPr>
+          <p:spPr>
+            <a:xfrm>
+              <a:off x="4621011" y="3463265"/>
+              <a:ext cx="1923117" cy="261779"/>
+            </a:xfrm>
+            <a:prstGeom prst="roundRect">
+              <a:avLst/>
+            </a:prstGeom>
+            <a:solidFill>
+              <a:schemeClr val="accent1">
+                <a:lumMod val="20000"/>
+                <a:lumOff val="80000"/>
+              </a:schemeClr>
+            </a:solidFill>
+            <a:ln w="19050"/>
+          </p:spPr>
+          <p:style>
+            <a:lnRef idx="2">
+              <a:schemeClr val="dk1"/>
+            </a:lnRef>
+            <a:fillRef idx="1">
+              <a:schemeClr val="lt1"/>
+            </a:fillRef>
+            <a:effectRef idx="0">
+              <a:schemeClr val="dk1"/>
+            </a:effectRef>
+            <a:fontRef idx="minor">
+              <a:schemeClr val="dk1"/>
+            </a:fontRef>
+          </p:style>
+          <p:txBody>
+            <a:bodyPr rtlCol="0" anchor="ctr"/>
+            <a:lstStyle/>
+            <a:p>
+              <a:pPr algn="ctr"/>
+              <a:r>
+                <a:rPr lang="es-ES" sz="1100" dirty="0" smtClean="0"/>
+                <a:t>Configuración Hora (Internet)</a:t>
+              </a:r>
+              <a:endParaRPr lang="es-ES" sz="1100" dirty="0"/>
+            </a:p>
+          </p:txBody>
+        </p:sp>
+        <p:sp>
+          <p:nvSpPr>
+            <p:cNvPr id="74" name="Rectángulo redondeado 73"/>
+            <p:cNvSpPr/>
+            <p:nvPr/>
+          </p:nvSpPr>
+          <p:spPr>
+            <a:xfrm>
+              <a:off x="4371622" y="4004733"/>
+              <a:ext cx="2427044" cy="261779"/>
+            </a:xfrm>
+            <a:prstGeom prst="roundRect">
+              <a:avLst/>
+            </a:prstGeom>
+            <a:solidFill>
+              <a:schemeClr val="accent1">
+                <a:lumMod val="20000"/>
+                <a:lumOff val="80000"/>
+              </a:schemeClr>
+            </a:solidFill>
+            <a:ln w="19050"/>
+          </p:spPr>
+          <p:style>
+            <a:lnRef idx="2">
+              <a:schemeClr val="dk1"/>
+            </a:lnRef>
+            <a:fillRef idx="1">
+              <a:schemeClr val="lt1"/>
+            </a:fillRef>
+            <a:effectRef idx="0">
+              <a:schemeClr val="dk1"/>
+            </a:effectRef>
+            <a:fontRef idx="minor">
+              <a:schemeClr val="dk1"/>
+            </a:fontRef>
+          </p:style>
+          <p:txBody>
+            <a:bodyPr rtlCol="0" anchor="ctr"/>
+            <a:lstStyle/>
+            <a:p>
+              <a:pPr algn="ctr"/>
+              <a:r>
+                <a:rPr lang="es-ES" sz="1100" dirty="0" smtClean="0"/>
+                <a:t>Configuración Sensor MAX30102</a:t>
+              </a:r>
+              <a:endParaRPr lang="es-ES" sz="1100" dirty="0"/>
+            </a:p>
+          </p:txBody>
+        </p:sp>
+        <p:cxnSp>
+          <p:nvCxnSpPr>
+            <p:cNvPr id="78" name="Conector recto de flecha 77"/>
+            <p:cNvCxnSpPr>
+              <a:stCxn id="73" idx="2"/>
+              <a:endCxn id="74" idx="0"/>
+            </p:cNvCxnSpPr>
+            <p:nvPr/>
+          </p:nvCxnSpPr>
+          <p:spPr>
+            <a:xfrm>
+              <a:off x="5582570" y="3725044"/>
+              <a:ext cx="2574" cy="279689"/>
+            </a:xfrm>
+            <a:prstGeom prst="straightConnector1">
+              <a:avLst/>
+            </a:prstGeom>
+            <a:ln w="19050">
+              <a:tailEnd type="triangle"/>
+            </a:ln>
+          </p:spPr>
+          <p:style>
+            <a:lnRef idx="1">
+              <a:schemeClr val="dk1"/>
+            </a:lnRef>
+            <a:fillRef idx="0">
+              <a:schemeClr val="dk1"/>
+            </a:fillRef>
+            <a:effectRef idx="0">
+              <a:schemeClr val="dk1"/>
+            </a:effectRef>
+            <a:fontRef idx="minor">
+              <a:schemeClr val="tx1"/>
+            </a:fontRef>
+          </p:style>
+        </p:cxnSp>
+        <p:sp>
+          <p:nvSpPr>
+            <p:cNvPr id="97" name="Rectángulo redondeado 96"/>
+            <p:cNvSpPr/>
+            <p:nvPr/>
+          </p:nvSpPr>
+          <p:spPr>
+            <a:xfrm>
+              <a:off x="4352941" y="4514052"/>
+              <a:ext cx="2469232" cy="261779"/>
+            </a:xfrm>
+            <a:prstGeom prst="roundRect">
+              <a:avLst/>
+            </a:prstGeom>
+            <a:solidFill>
+              <a:schemeClr val="accent6">
+                <a:lumMod val="40000"/>
+                <a:lumOff val="60000"/>
+              </a:schemeClr>
+            </a:solidFill>
+            <a:ln w="19050"/>
+          </p:spPr>
+          <p:style>
+            <a:lnRef idx="2">
+              <a:schemeClr val="dk1"/>
+            </a:lnRef>
+            <a:fillRef idx="1">
+              <a:schemeClr val="lt1"/>
+            </a:fillRef>
+            <a:effectRef idx="0">
+              <a:schemeClr val="dk1"/>
+            </a:effectRef>
+            <a:fontRef idx="minor">
+              <a:schemeClr val="dk1"/>
+            </a:fontRef>
+          </p:style>
+          <p:txBody>
+            <a:bodyPr rtlCol="0" anchor="ctr"/>
+            <a:lstStyle/>
+            <a:p>
+              <a:pPr algn="ctr"/>
+              <a:r>
+                <a:rPr lang="es-ES" sz="1100" dirty="0" err="1" smtClean="0"/>
+                <a:t>Incio</a:t>
+              </a:r>
+              <a:r>
+                <a:rPr lang="es-ES" sz="1100" dirty="0" smtClean="0"/>
+                <a:t> Tarea POX, Tarea GSR, Tarea ECG</a:t>
+              </a:r>
+              <a:endParaRPr lang="es-ES" sz="1100" dirty="0"/>
+            </a:p>
+          </p:txBody>
+        </p:sp>
+        <p:cxnSp>
+          <p:nvCxnSpPr>
+            <p:cNvPr id="100" name="Conector recto de flecha 99"/>
+            <p:cNvCxnSpPr>
+              <a:stCxn id="74" idx="2"/>
+              <a:endCxn id="97" idx="0"/>
+            </p:cNvCxnSpPr>
+            <p:nvPr/>
+          </p:nvCxnSpPr>
+          <p:spPr>
+            <a:xfrm>
+              <a:off x="5585144" y="4266512"/>
+              <a:ext cx="2413" cy="247540"/>
+            </a:xfrm>
+            <a:prstGeom prst="straightConnector1">
+              <a:avLst/>
+            </a:prstGeom>
+            <a:ln w="19050">
+              <a:tailEnd type="triangle"/>
+            </a:ln>
+          </p:spPr>
+          <p:style>
+            <a:lnRef idx="1">
+              <a:schemeClr val="dk1"/>
+            </a:lnRef>
+            <a:fillRef idx="0">
+              <a:schemeClr val="dk1"/>
+            </a:fillRef>
+            <a:effectRef idx="0">
+              <a:schemeClr val="dk1"/>
+            </a:effectRef>
+            <a:fontRef idx="minor">
+              <a:schemeClr val="tx1"/>
+            </a:fontRef>
+          </p:style>
+        </p:cxnSp>
+        <p:sp>
+          <p:nvSpPr>
+            <p:cNvPr id="112" name="Rectángulo redondeado 111"/>
+            <p:cNvSpPr/>
+            <p:nvPr/>
+          </p:nvSpPr>
+          <p:spPr>
+            <a:xfrm>
+              <a:off x="4875549" y="1911573"/>
+              <a:ext cx="1398617" cy="261779"/>
+            </a:xfrm>
+            <a:prstGeom prst="roundRect">
+              <a:avLst/>
+            </a:prstGeom>
+            <a:solidFill>
+              <a:schemeClr val="accent6">
+                <a:lumMod val="40000"/>
+                <a:lumOff val="60000"/>
+              </a:schemeClr>
+            </a:solidFill>
+            <a:ln w="19050"/>
+          </p:spPr>
+          <p:style>
+            <a:lnRef idx="2">
+              <a:schemeClr val="dk1"/>
+            </a:lnRef>
+            <a:fillRef idx="1">
+              <a:schemeClr val="lt1"/>
+            </a:fillRef>
+            <a:effectRef idx="0">
+              <a:schemeClr val="dk1"/>
+            </a:effectRef>
+            <a:fontRef idx="minor">
+              <a:schemeClr val="dk1"/>
+            </a:fontRef>
+          </p:style>
+          <p:txBody>
+            <a:bodyPr rtlCol="0" anchor="ctr"/>
+            <a:lstStyle/>
+            <a:p>
+              <a:pPr algn="ctr"/>
+              <a:r>
+                <a:rPr lang="es-ES" sz="1100" dirty="0" smtClean="0"/>
+                <a:t>Inicio de Programa</a:t>
+              </a:r>
+              <a:endParaRPr lang="es-ES" sz="1100" dirty="0"/>
+            </a:p>
+          </p:txBody>
+        </p:sp>
+      </p:grpSp>
+      <p:sp>
+        <p:nvSpPr>
+          <p:cNvPr id="236" name="CuadroTexto 235"/>
+          <p:cNvSpPr txBox="1"/>
+          <p:nvPr/>
+        </p:nvSpPr>
+        <p:spPr>
+          <a:xfrm>
+            <a:off x="788276" y="628232"/>
+            <a:ext cx="1144416" cy="646331"/>
+          </a:xfrm>
+          <a:prstGeom prst="rect">
+            <a:avLst/>
+          </a:prstGeom>
+          <a:noFill/>
+        </p:spPr>
+        <p:txBody>
+          <a:bodyPr wrap="none" rtlCol="0">
+            <a:spAutoFit/>
+          </a:bodyPr>
+          <a:lstStyle/>
+          <a:p>
+            <a:r>
+              <a:rPr lang="es-ES" dirty="0" smtClean="0"/>
+              <a:t>Programa </a:t>
+            </a:r>
+            <a:r>
+              <a:rPr lang="es-ES" dirty="0" smtClean="0"/>
+              <a:t/>
+            </a:r>
+            <a:br>
+              <a:rPr lang="es-ES" dirty="0" smtClean="0"/>
+            </a:br>
+            <a:r>
+              <a:rPr lang="es-ES" dirty="0" smtClean="0"/>
+              <a:t>ESP32</a:t>
+            </a:r>
+            <a:endParaRPr lang="es-ES" dirty="0"/>
+          </a:p>
+        </p:txBody>
+      </p:sp>
+      <p:cxnSp>
+        <p:nvCxnSpPr>
+          <p:cNvPr id="10" name="Conector recto 9"/>
+          <p:cNvCxnSpPr/>
+          <p:nvPr/>
+        </p:nvCxnSpPr>
+        <p:spPr>
+          <a:xfrm>
+            <a:off x="4191000" y="628232"/>
+            <a:ext cx="0" cy="6153568"/>
+          </a:xfrm>
+          <a:prstGeom prst="line">
+            <a:avLst/>
+          </a:prstGeom>
+        </p:spPr>
+        <p:style>
+          <a:lnRef idx="1">
+            <a:schemeClr val="accent1"/>
+          </a:lnRef>
+          <a:fillRef idx="0">
+            <a:schemeClr val="accent1"/>
+          </a:fillRef>
+          <a:effectRef idx="0">
+            <a:schemeClr val="accent1"/>
+          </a:effectRef>
+          <a:fontRef idx="minor">
+            <a:schemeClr val="tx1"/>
+          </a:fontRef>
+        </p:style>
+      </p:cxnSp>
+      <p:grpSp>
+        <p:nvGrpSpPr>
+          <p:cNvPr id="40" name="Grupo 39"/>
+          <p:cNvGrpSpPr/>
+          <p:nvPr/>
+        </p:nvGrpSpPr>
+        <p:grpSpPr>
+          <a:xfrm>
+            <a:off x="6182710" y="826803"/>
+            <a:ext cx="2851220" cy="3382559"/>
+            <a:chOff x="5220685" y="1078948"/>
+            <a:chExt cx="2851220" cy="3382559"/>
+          </a:xfrm>
+        </p:grpSpPr>
+        <p:sp>
+          <p:nvSpPr>
+            <p:cNvPr id="145" name="Rectángulo redondeado 144"/>
+            <p:cNvSpPr/>
+            <p:nvPr/>
+          </p:nvSpPr>
+          <p:spPr>
+            <a:xfrm>
+              <a:off x="6067528" y="1583524"/>
+              <a:ext cx="1581712" cy="261779"/>
+            </a:xfrm>
+            <a:prstGeom prst="roundRect">
+              <a:avLst/>
+            </a:prstGeom>
+            <a:solidFill>
+              <a:schemeClr val="accent1">
+                <a:lumMod val="20000"/>
+                <a:lumOff val="80000"/>
+              </a:schemeClr>
+            </a:solidFill>
+            <a:ln w="19050"/>
+          </p:spPr>
+          <p:style>
+            <a:lnRef idx="2">
+              <a:schemeClr val="dk1"/>
+            </a:lnRef>
+            <a:fillRef idx="1">
+              <a:schemeClr val="lt1"/>
+            </a:fillRef>
+            <a:effectRef idx="0">
+              <a:schemeClr val="dk1"/>
+            </a:effectRef>
+            <a:fontRef idx="minor">
+              <a:schemeClr val="dk1"/>
+            </a:fontRef>
+          </p:style>
+          <p:txBody>
+            <a:bodyPr rtlCol="0" anchor="ctr"/>
+            <a:lstStyle/>
+            <a:p>
+              <a:pPr algn="ctr"/>
+              <a:r>
+                <a:rPr lang="es-ES" sz="1100" dirty="0" smtClean="0"/>
+                <a:t>Tomar el tiempo actual</a:t>
+              </a:r>
+              <a:endParaRPr lang="es-ES" sz="1100" dirty="0"/>
+            </a:p>
+          </p:txBody>
+        </p:sp>
+        <p:cxnSp>
+          <p:nvCxnSpPr>
+            <p:cNvPr id="146" name="Conector recto de flecha 145"/>
+            <p:cNvCxnSpPr>
+              <a:stCxn id="145" idx="2"/>
+              <a:endCxn id="150" idx="0"/>
+            </p:cNvCxnSpPr>
+            <p:nvPr/>
+          </p:nvCxnSpPr>
+          <p:spPr>
+            <a:xfrm flipH="1">
+              <a:off x="6858383" y="1845303"/>
+              <a:ext cx="1" cy="239188"/>
+            </a:xfrm>
+            <a:prstGeom prst="straightConnector1">
+              <a:avLst/>
+            </a:prstGeom>
+            <a:ln w="19050">
+              <a:tailEnd type="triangle"/>
+            </a:ln>
+          </p:spPr>
+          <p:style>
+            <a:lnRef idx="1">
+              <a:schemeClr val="dk1"/>
+            </a:lnRef>
+            <a:fillRef idx="0">
+              <a:schemeClr val="dk1"/>
+            </a:fillRef>
+            <a:effectRef idx="0">
+              <a:schemeClr val="dk1"/>
+            </a:effectRef>
+            <a:fontRef idx="minor">
+              <a:schemeClr val="tx1"/>
+            </a:fontRef>
+          </p:style>
+        </p:cxnSp>
+        <p:cxnSp>
+          <p:nvCxnSpPr>
+            <p:cNvPr id="148" name="Conector recto de flecha 147"/>
+            <p:cNvCxnSpPr>
+              <a:stCxn id="160" idx="2"/>
+              <a:endCxn id="145" idx="0"/>
+            </p:cNvCxnSpPr>
+            <p:nvPr/>
+          </p:nvCxnSpPr>
+          <p:spPr>
+            <a:xfrm>
+              <a:off x="6858384" y="1340727"/>
+              <a:ext cx="0" cy="242797"/>
+            </a:xfrm>
+            <a:prstGeom prst="straightConnector1">
+              <a:avLst/>
+            </a:prstGeom>
+            <a:ln w="19050">
+              <a:tailEnd type="triangle"/>
+            </a:ln>
+          </p:spPr>
+          <p:style>
+            <a:lnRef idx="1">
+              <a:schemeClr val="dk1"/>
+            </a:lnRef>
+            <a:fillRef idx="0">
+              <a:schemeClr val="dk1"/>
+            </a:fillRef>
+            <a:effectRef idx="0">
+              <a:schemeClr val="dk1"/>
+            </a:effectRef>
+            <a:fontRef idx="minor">
+              <a:schemeClr val="tx1"/>
+            </a:fontRef>
+          </p:style>
+        </p:cxnSp>
+        <p:sp>
+          <p:nvSpPr>
+            <p:cNvPr id="150" name="Rectángulo redondeado 149"/>
+            <p:cNvSpPr/>
+            <p:nvPr/>
+          </p:nvSpPr>
+          <p:spPr>
+            <a:xfrm>
+              <a:off x="5644861" y="2084491"/>
+              <a:ext cx="2427044" cy="261779"/>
+            </a:xfrm>
+            <a:prstGeom prst="roundRect">
+              <a:avLst/>
+            </a:prstGeom>
+            <a:solidFill>
+              <a:schemeClr val="accent1">
+                <a:lumMod val="20000"/>
+                <a:lumOff val="80000"/>
+              </a:schemeClr>
+            </a:solidFill>
+            <a:ln w="19050"/>
+          </p:spPr>
+          <p:style>
+            <a:lnRef idx="2">
+              <a:schemeClr val="dk1"/>
+            </a:lnRef>
+            <a:fillRef idx="1">
+              <a:schemeClr val="lt1"/>
+            </a:fillRef>
+            <a:effectRef idx="0">
+              <a:schemeClr val="dk1"/>
+            </a:effectRef>
+            <a:fontRef idx="minor">
+              <a:schemeClr val="dk1"/>
+            </a:fontRef>
+          </p:style>
+          <p:txBody>
+            <a:bodyPr rtlCol="0" anchor="ctr"/>
+            <a:lstStyle/>
+            <a:p>
+              <a:pPr algn="ctr"/>
+              <a:r>
+                <a:rPr lang="es-ES" sz="1100" dirty="0" smtClean="0"/>
+                <a:t>Espera hasta el siguiente periodo</a:t>
+              </a:r>
+              <a:endParaRPr lang="es-ES" sz="1100" dirty="0"/>
+            </a:p>
+          </p:txBody>
+        </p:sp>
+        <p:sp>
+          <p:nvSpPr>
+            <p:cNvPr id="151" name="Rectángulo redondeado 150"/>
+            <p:cNvSpPr/>
+            <p:nvPr/>
+          </p:nvSpPr>
+          <p:spPr>
+            <a:xfrm>
+              <a:off x="6286355" y="2532240"/>
+              <a:ext cx="1156755" cy="261779"/>
+            </a:xfrm>
+            <a:prstGeom prst="roundRect">
+              <a:avLst/>
+            </a:prstGeom>
+            <a:solidFill>
+              <a:schemeClr val="accent1">
+                <a:lumMod val="20000"/>
+                <a:lumOff val="80000"/>
+              </a:schemeClr>
+            </a:solidFill>
+            <a:ln w="19050"/>
+          </p:spPr>
+          <p:style>
+            <a:lnRef idx="2">
+              <a:schemeClr val="dk1"/>
+            </a:lnRef>
+            <a:fillRef idx="1">
+              <a:schemeClr val="lt1"/>
+            </a:fillRef>
+            <a:effectRef idx="0">
+              <a:schemeClr val="dk1"/>
+            </a:effectRef>
+            <a:fontRef idx="minor">
+              <a:schemeClr val="dk1"/>
+            </a:fontRef>
+          </p:style>
+          <p:txBody>
+            <a:bodyPr rtlCol="0" anchor="ctr"/>
+            <a:lstStyle/>
+            <a:p>
+              <a:pPr algn="ctr"/>
+              <a:r>
+                <a:rPr lang="es-ES" sz="1100" dirty="0" smtClean="0"/>
+                <a:t>Toma de datos </a:t>
+              </a:r>
+              <a:endParaRPr lang="es-ES" sz="1100" dirty="0"/>
+            </a:p>
+          </p:txBody>
+        </p:sp>
+        <p:cxnSp>
+          <p:nvCxnSpPr>
+            <p:cNvPr id="153" name="Conector recto de flecha 152"/>
+            <p:cNvCxnSpPr>
+              <a:stCxn id="150" idx="2"/>
+              <a:endCxn id="151" idx="0"/>
+            </p:cNvCxnSpPr>
+            <p:nvPr/>
+          </p:nvCxnSpPr>
+          <p:spPr>
+            <a:xfrm>
+              <a:off x="6858383" y="2346270"/>
+              <a:ext cx="6350" cy="185970"/>
+            </a:xfrm>
+            <a:prstGeom prst="straightConnector1">
+              <a:avLst/>
+            </a:prstGeom>
+            <a:ln w="19050">
+              <a:tailEnd type="triangle"/>
+            </a:ln>
+          </p:spPr>
+          <p:style>
+            <a:lnRef idx="1">
+              <a:schemeClr val="dk1"/>
+            </a:lnRef>
+            <a:fillRef idx="0">
+              <a:schemeClr val="dk1"/>
+            </a:fillRef>
+            <a:effectRef idx="0">
+              <a:schemeClr val="dk1"/>
+            </a:effectRef>
+            <a:fontRef idx="minor">
+              <a:schemeClr val="tx1"/>
+            </a:fontRef>
+          </p:style>
+        </p:cxnSp>
+        <p:sp>
+          <p:nvSpPr>
+            <p:cNvPr id="160" name="Rectángulo redondeado 159"/>
+            <p:cNvSpPr/>
+            <p:nvPr/>
+          </p:nvSpPr>
+          <p:spPr>
+            <a:xfrm>
+              <a:off x="6159075" y="1078948"/>
+              <a:ext cx="1398617" cy="261779"/>
+            </a:xfrm>
+            <a:prstGeom prst="roundRect">
+              <a:avLst/>
+            </a:prstGeom>
+            <a:solidFill>
+              <a:schemeClr val="accent6">
+                <a:lumMod val="40000"/>
+                <a:lumOff val="60000"/>
+              </a:schemeClr>
+            </a:solidFill>
+            <a:ln w="19050"/>
+          </p:spPr>
+          <p:style>
+            <a:lnRef idx="2">
+              <a:schemeClr val="dk1"/>
+            </a:lnRef>
+            <a:fillRef idx="1">
+              <a:schemeClr val="lt1"/>
+            </a:fillRef>
+            <a:effectRef idx="0">
+              <a:schemeClr val="dk1"/>
+            </a:effectRef>
+            <a:fontRef idx="minor">
+              <a:schemeClr val="dk1"/>
+            </a:fontRef>
+          </p:style>
+          <p:txBody>
+            <a:bodyPr rtlCol="0" anchor="ctr"/>
+            <a:lstStyle/>
+            <a:p>
+              <a:pPr algn="ctr"/>
+              <a:r>
+                <a:rPr lang="es-ES" sz="1100" dirty="0" smtClean="0"/>
+                <a:t>Llamada a la función</a:t>
+              </a:r>
+              <a:endParaRPr lang="es-ES" sz="1100" dirty="0"/>
+            </a:p>
+          </p:txBody>
+        </p:sp>
+        <p:sp>
+          <p:nvSpPr>
+            <p:cNvPr id="161" name="Rectángulo redondeado 160"/>
+            <p:cNvSpPr/>
+            <p:nvPr/>
+          </p:nvSpPr>
+          <p:spPr>
+            <a:xfrm>
+              <a:off x="5684782" y="2999440"/>
+              <a:ext cx="2359902" cy="258495"/>
+            </a:xfrm>
+            <a:prstGeom prst="roundRect">
+              <a:avLst/>
+            </a:prstGeom>
+            <a:solidFill>
+              <a:schemeClr val="accent1">
+                <a:lumMod val="20000"/>
+                <a:lumOff val="80000"/>
+              </a:schemeClr>
+            </a:solidFill>
+            <a:ln w="19050"/>
+          </p:spPr>
+          <p:style>
+            <a:lnRef idx="2">
+              <a:schemeClr val="dk1"/>
+            </a:lnRef>
+            <a:fillRef idx="1">
+              <a:schemeClr val="lt1"/>
+            </a:fillRef>
+            <a:effectRef idx="0">
+              <a:schemeClr val="dk1"/>
+            </a:effectRef>
+            <a:fontRef idx="minor">
+              <a:schemeClr val="dk1"/>
+            </a:fontRef>
+          </p:style>
+          <p:txBody>
+            <a:bodyPr rtlCol="0" anchor="ctr"/>
+            <a:lstStyle/>
+            <a:p>
+              <a:pPr algn="ctr"/>
+              <a:r>
+                <a:rPr lang="es-ES" sz="1100" dirty="0" smtClean="0"/>
+                <a:t>Creación estructura de datos a enviar </a:t>
+              </a:r>
+              <a:endParaRPr lang="es-ES" sz="1100" dirty="0"/>
+            </a:p>
+          </p:txBody>
+        </p:sp>
+        <p:cxnSp>
+          <p:nvCxnSpPr>
+            <p:cNvPr id="164" name="Conector recto de flecha 163"/>
+            <p:cNvCxnSpPr>
+              <a:stCxn id="151" idx="2"/>
+              <a:endCxn id="161" idx="0"/>
+            </p:cNvCxnSpPr>
+            <p:nvPr/>
+          </p:nvCxnSpPr>
+          <p:spPr>
+            <a:xfrm>
+              <a:off x="6864733" y="2794019"/>
+              <a:ext cx="0" cy="205421"/>
+            </a:xfrm>
+            <a:prstGeom prst="straightConnector1">
+              <a:avLst/>
+            </a:prstGeom>
+            <a:ln w="19050">
+              <a:tailEnd type="triangle"/>
+            </a:ln>
+          </p:spPr>
+          <p:style>
+            <a:lnRef idx="1">
+              <a:schemeClr val="dk1"/>
+            </a:lnRef>
+            <a:fillRef idx="0">
+              <a:schemeClr val="dk1"/>
+            </a:fillRef>
+            <a:effectRef idx="0">
+              <a:schemeClr val="dk1"/>
+            </a:effectRef>
+            <a:fontRef idx="minor">
+              <a:schemeClr val="tx1"/>
+            </a:fontRef>
+          </p:style>
+        </p:cxnSp>
+        <p:cxnSp>
+          <p:nvCxnSpPr>
+            <p:cNvPr id="165" name="Conector recto de flecha 164"/>
+            <p:cNvCxnSpPr>
+              <a:stCxn id="161" idx="2"/>
+              <a:endCxn id="166" idx="0"/>
+            </p:cNvCxnSpPr>
+            <p:nvPr/>
+          </p:nvCxnSpPr>
+          <p:spPr>
+            <a:xfrm>
+              <a:off x="6864733" y="3257935"/>
+              <a:ext cx="0" cy="317833"/>
+            </a:xfrm>
+            <a:prstGeom prst="straightConnector1">
+              <a:avLst/>
+            </a:prstGeom>
+            <a:ln w="19050">
+              <a:tailEnd type="triangle"/>
+            </a:ln>
+          </p:spPr>
+          <p:style>
+            <a:lnRef idx="1">
+              <a:schemeClr val="dk1"/>
+            </a:lnRef>
+            <a:fillRef idx="0">
+              <a:schemeClr val="dk1"/>
+            </a:fillRef>
+            <a:effectRef idx="0">
+              <a:schemeClr val="dk1"/>
+            </a:effectRef>
+            <a:fontRef idx="minor">
+              <a:schemeClr val="tx1"/>
+            </a:fontRef>
+          </p:style>
+        </p:cxnSp>
+        <p:sp>
+          <p:nvSpPr>
+            <p:cNvPr id="166" name="Rectángulo redondeado 165"/>
+            <p:cNvSpPr/>
+            <p:nvPr/>
+          </p:nvSpPr>
+          <p:spPr>
+            <a:xfrm>
+              <a:off x="5684782" y="3575768"/>
+              <a:ext cx="2359902" cy="371815"/>
+            </a:xfrm>
+            <a:prstGeom prst="roundRect">
+              <a:avLst/>
+            </a:prstGeom>
+            <a:solidFill>
+              <a:schemeClr val="accent1">
+                <a:lumMod val="20000"/>
+                <a:lumOff val="80000"/>
+              </a:schemeClr>
+            </a:solidFill>
+            <a:ln w="19050"/>
+          </p:spPr>
+          <p:style>
+            <a:lnRef idx="2">
+              <a:schemeClr val="dk1"/>
+            </a:lnRef>
+            <a:fillRef idx="1">
+              <a:schemeClr val="lt1"/>
+            </a:fillRef>
+            <a:effectRef idx="0">
+              <a:schemeClr val="dk1"/>
+            </a:effectRef>
+            <a:fontRef idx="minor">
+              <a:schemeClr val="dk1"/>
+            </a:fontRef>
+          </p:style>
+          <p:txBody>
+            <a:bodyPr rtlCol="0" anchor="ctr"/>
+            <a:lstStyle/>
+            <a:p>
+              <a:pPr algn="ctr"/>
+              <a:r>
+                <a:rPr lang="es-ES" sz="1100" dirty="0" smtClean="0"/>
+                <a:t>¿Se ha llegado a la cantidad de tomas de datos ?</a:t>
+              </a:r>
+              <a:endParaRPr lang="es-ES" sz="1100" dirty="0"/>
+            </a:p>
+          </p:txBody>
+        </p:sp>
+        <p:cxnSp>
+          <p:nvCxnSpPr>
+            <p:cNvPr id="170" name="Conector recto de flecha 169"/>
+            <p:cNvCxnSpPr>
+              <a:stCxn id="166" idx="2"/>
+              <a:endCxn id="172" idx="0"/>
+            </p:cNvCxnSpPr>
+            <p:nvPr/>
+          </p:nvCxnSpPr>
+          <p:spPr>
+            <a:xfrm>
+              <a:off x="6864733" y="3947583"/>
+              <a:ext cx="3423" cy="255429"/>
+            </a:xfrm>
+            <a:prstGeom prst="straightConnector1">
+              <a:avLst/>
+            </a:prstGeom>
+            <a:ln w="19050">
+              <a:tailEnd type="triangle"/>
+            </a:ln>
+          </p:spPr>
+          <p:style>
+            <a:lnRef idx="1">
+              <a:schemeClr val="dk1"/>
+            </a:lnRef>
+            <a:fillRef idx="0">
+              <a:schemeClr val="dk1"/>
+            </a:fillRef>
+            <a:effectRef idx="0">
+              <a:schemeClr val="dk1"/>
+            </a:effectRef>
+            <a:fontRef idx="minor">
+              <a:schemeClr val="tx1"/>
+            </a:fontRef>
+          </p:style>
+        </p:cxnSp>
+        <p:sp>
+          <p:nvSpPr>
+            <p:cNvPr id="172" name="Rectángulo redondeado 171"/>
+            <p:cNvSpPr/>
+            <p:nvPr/>
+          </p:nvSpPr>
+          <p:spPr>
+            <a:xfrm>
+              <a:off x="6086578" y="4203012"/>
+              <a:ext cx="1563155" cy="258495"/>
+            </a:xfrm>
+            <a:prstGeom prst="roundRect">
+              <a:avLst/>
+            </a:prstGeom>
+            <a:solidFill>
+              <a:schemeClr val="accent1">
+                <a:lumMod val="20000"/>
+                <a:lumOff val="80000"/>
+              </a:schemeClr>
+            </a:solidFill>
+            <a:ln w="19050"/>
+          </p:spPr>
+          <p:style>
+            <a:lnRef idx="2">
+              <a:schemeClr val="dk1"/>
+            </a:lnRef>
+            <a:fillRef idx="1">
+              <a:schemeClr val="lt1"/>
+            </a:fillRef>
+            <a:effectRef idx="0">
+              <a:schemeClr val="dk1"/>
+            </a:effectRef>
+            <a:fontRef idx="minor">
+              <a:schemeClr val="dk1"/>
+            </a:fontRef>
+          </p:style>
+          <p:txBody>
+            <a:bodyPr rtlCol="0" anchor="ctr"/>
+            <a:lstStyle/>
+            <a:p>
+              <a:pPr algn="ctr"/>
+              <a:r>
+                <a:rPr lang="es-ES" sz="1100" dirty="0" smtClean="0"/>
+                <a:t>Envió de datos MQTT</a:t>
+              </a:r>
+              <a:endParaRPr lang="es-ES" sz="1100" dirty="0"/>
+            </a:p>
+          </p:txBody>
+        </p:sp>
+        <p:sp>
+          <p:nvSpPr>
+            <p:cNvPr id="249" name="CuadroTexto 248"/>
+            <p:cNvSpPr txBox="1"/>
+            <p:nvPr/>
+          </p:nvSpPr>
+          <p:spPr>
+            <a:xfrm>
+              <a:off x="6871254" y="3939845"/>
+              <a:ext cx="280846" cy="261610"/>
+            </a:xfrm>
+            <a:prstGeom prst="rect">
+              <a:avLst/>
+            </a:prstGeom>
+            <a:noFill/>
+          </p:spPr>
+          <p:txBody>
+            <a:bodyPr wrap="none" rtlCol="0">
+              <a:spAutoFit/>
+            </a:bodyPr>
+            <a:lstStyle/>
+            <a:p>
+              <a:r>
+                <a:rPr lang="es-ES" sz="1100" dirty="0" smtClean="0"/>
+                <a:t>Sí</a:t>
+              </a:r>
+              <a:endParaRPr lang="es-ES" sz="1100" dirty="0"/>
+            </a:p>
+          </p:txBody>
+        </p:sp>
+        <p:cxnSp>
+          <p:nvCxnSpPr>
+            <p:cNvPr id="251" name="Conector angular 250"/>
+            <p:cNvCxnSpPr>
+              <a:stCxn id="166" idx="1"/>
+              <a:endCxn id="150" idx="1"/>
+            </p:cNvCxnSpPr>
+            <p:nvPr/>
+          </p:nvCxnSpPr>
+          <p:spPr>
+            <a:xfrm rot="10800000">
+              <a:off x="5644862" y="2215382"/>
+              <a:ext cx="39921" cy="1546295"/>
+            </a:xfrm>
+            <a:prstGeom prst="bentConnector3">
+              <a:avLst>
+                <a:gd name="adj1" fmla="val 1531577"/>
+              </a:avLst>
+            </a:prstGeom>
+            <a:ln w="19050">
+              <a:tailEnd type="triangle"/>
+            </a:ln>
+          </p:spPr>
+          <p:style>
+            <a:lnRef idx="1">
+              <a:schemeClr val="dk1"/>
+            </a:lnRef>
+            <a:fillRef idx="0">
+              <a:schemeClr val="dk1"/>
+            </a:fillRef>
+            <a:effectRef idx="0">
+              <a:schemeClr val="dk1"/>
+            </a:effectRef>
+            <a:fontRef idx="minor">
+              <a:schemeClr val="tx1"/>
+            </a:fontRef>
+          </p:style>
+        </p:cxnSp>
+        <p:sp>
+          <p:nvSpPr>
+            <p:cNvPr id="181" name="CuadroTexto 180"/>
+            <p:cNvSpPr txBox="1"/>
+            <p:nvPr/>
+          </p:nvSpPr>
+          <p:spPr>
+            <a:xfrm>
+              <a:off x="5220685" y="3532426"/>
+              <a:ext cx="349776" cy="261610"/>
+            </a:xfrm>
+            <a:prstGeom prst="rect">
+              <a:avLst/>
+            </a:prstGeom>
+            <a:noFill/>
+          </p:spPr>
+          <p:txBody>
+            <a:bodyPr wrap="none" rtlCol="0">
+              <a:spAutoFit/>
+            </a:bodyPr>
+            <a:lstStyle/>
+            <a:p>
+              <a:r>
+                <a:rPr lang="es-ES" sz="1100" dirty="0" smtClean="0"/>
+                <a:t>No</a:t>
+              </a:r>
+              <a:endParaRPr lang="es-ES" sz="1100" dirty="0"/>
+            </a:p>
+          </p:txBody>
+        </p:sp>
+        <p:cxnSp>
+          <p:nvCxnSpPr>
+            <p:cNvPr id="255" name="Conector angular 254"/>
+            <p:cNvCxnSpPr>
+              <a:stCxn id="172" idx="1"/>
+              <a:endCxn id="150" idx="1"/>
+            </p:cNvCxnSpPr>
+            <p:nvPr/>
+          </p:nvCxnSpPr>
+          <p:spPr>
+            <a:xfrm rot="10800000">
+              <a:off x="5644862" y="2215382"/>
+              <a:ext cx="441717" cy="2116879"/>
+            </a:xfrm>
+            <a:prstGeom prst="bentConnector3">
+              <a:avLst>
+                <a:gd name="adj1" fmla="val 229382"/>
+              </a:avLst>
+            </a:prstGeom>
+            <a:ln w="19050">
+              <a:tailEnd type="triangle"/>
+            </a:ln>
+          </p:spPr>
+          <p:style>
+            <a:lnRef idx="1">
+              <a:schemeClr val="dk1"/>
+            </a:lnRef>
+            <a:fillRef idx="0">
+              <a:schemeClr val="dk1"/>
+            </a:fillRef>
+            <a:effectRef idx="0">
+              <a:schemeClr val="dk1"/>
+            </a:effectRef>
+            <a:fontRef idx="minor">
+              <a:schemeClr val="tx1"/>
+            </a:fontRef>
+          </p:style>
+        </p:cxnSp>
+      </p:grpSp>
+    </p:spTree>
+    <p:extLst>
+      <p:ext uri="{BB962C8B-B14F-4D97-AF65-F5344CB8AC3E}">
+        <p14:creationId xmlns:p14="http://schemas.microsoft.com/office/powerpoint/2010/main" val="1147806790"/>
       </p:ext>
     </p:extLst>
   </p:cSld>

--- a/Words y Excel/Imagenes.pptx
+++ b/Words y Excel/Imagenes.pptx
@@ -25,6 +25,10 @@
     <p:sldId id="273" r:id="rId19"/>
     <p:sldId id="275" r:id="rId20"/>
     <p:sldId id="276" r:id="rId21"/>
+    <p:sldId id="277" r:id="rId22"/>
+    <p:sldId id="278" r:id="rId23"/>
+    <p:sldId id="279" r:id="rId24"/>
+    <p:sldId id="280" r:id="rId25"/>
   </p:sldIdLst>
   <p:sldSz cx="12192000" cy="6858000"/>
   <p:notesSz cx="6858000" cy="9144000"/>
@@ -260,7 +264,7 @@
           <a:p>
             <a:fld id="{87B90760-3AE8-4264-A437-D8036A2785FF}" type="datetimeFigureOut">
               <a:rPr lang="es-ES" smtClean="0"/>
-              <a:t>10/01/2023</a:t>
+              <a:t>12/01/2023</a:t>
             </a:fld>
             <a:endParaRPr lang="es-ES"/>
           </a:p>
@@ -428,7 +432,7 @@
           <a:p>
             <a:fld id="{87B90760-3AE8-4264-A437-D8036A2785FF}" type="datetimeFigureOut">
               <a:rPr lang="es-ES" smtClean="0"/>
-              <a:t>10/01/2023</a:t>
+              <a:t>12/01/2023</a:t>
             </a:fld>
             <a:endParaRPr lang="es-ES"/>
           </a:p>
@@ -606,7 +610,7 @@
           <a:p>
             <a:fld id="{87B90760-3AE8-4264-A437-D8036A2785FF}" type="datetimeFigureOut">
               <a:rPr lang="es-ES" smtClean="0"/>
-              <a:t>10/01/2023</a:t>
+              <a:t>12/01/2023</a:t>
             </a:fld>
             <a:endParaRPr lang="es-ES"/>
           </a:p>
@@ -774,7 +778,7 @@
           <a:p>
             <a:fld id="{87B90760-3AE8-4264-A437-D8036A2785FF}" type="datetimeFigureOut">
               <a:rPr lang="es-ES" smtClean="0"/>
-              <a:t>10/01/2023</a:t>
+              <a:t>12/01/2023</a:t>
             </a:fld>
             <a:endParaRPr lang="es-ES"/>
           </a:p>
@@ -1019,7 +1023,7 @@
           <a:p>
             <a:fld id="{87B90760-3AE8-4264-A437-D8036A2785FF}" type="datetimeFigureOut">
               <a:rPr lang="es-ES" smtClean="0"/>
-              <a:t>10/01/2023</a:t>
+              <a:t>12/01/2023</a:t>
             </a:fld>
             <a:endParaRPr lang="es-ES"/>
           </a:p>
@@ -1248,7 +1252,7 @@
           <a:p>
             <a:fld id="{87B90760-3AE8-4264-A437-D8036A2785FF}" type="datetimeFigureOut">
               <a:rPr lang="es-ES" smtClean="0"/>
-              <a:t>10/01/2023</a:t>
+              <a:t>12/01/2023</a:t>
             </a:fld>
             <a:endParaRPr lang="es-ES"/>
           </a:p>
@@ -1612,7 +1616,7 @@
           <a:p>
             <a:fld id="{87B90760-3AE8-4264-A437-D8036A2785FF}" type="datetimeFigureOut">
               <a:rPr lang="es-ES" smtClean="0"/>
-              <a:t>10/01/2023</a:t>
+              <a:t>12/01/2023</a:t>
             </a:fld>
             <a:endParaRPr lang="es-ES"/>
           </a:p>
@@ -1729,7 +1733,7 @@
           <a:p>
             <a:fld id="{87B90760-3AE8-4264-A437-D8036A2785FF}" type="datetimeFigureOut">
               <a:rPr lang="es-ES" smtClean="0"/>
-              <a:t>10/01/2023</a:t>
+              <a:t>12/01/2023</a:t>
             </a:fld>
             <a:endParaRPr lang="es-ES"/>
           </a:p>
@@ -1824,7 +1828,7 @@
           <a:p>
             <a:fld id="{87B90760-3AE8-4264-A437-D8036A2785FF}" type="datetimeFigureOut">
               <a:rPr lang="es-ES" smtClean="0"/>
-              <a:t>10/01/2023</a:t>
+              <a:t>12/01/2023</a:t>
             </a:fld>
             <a:endParaRPr lang="es-ES"/>
           </a:p>
@@ -2099,7 +2103,7 @@
           <a:p>
             <a:fld id="{87B90760-3AE8-4264-A437-D8036A2785FF}" type="datetimeFigureOut">
               <a:rPr lang="es-ES" smtClean="0"/>
-              <a:t>10/01/2023</a:t>
+              <a:t>12/01/2023</a:t>
             </a:fld>
             <a:endParaRPr lang="es-ES"/>
           </a:p>
@@ -2351,7 +2355,7 @@
           <a:p>
             <a:fld id="{87B90760-3AE8-4264-A437-D8036A2785FF}" type="datetimeFigureOut">
               <a:rPr lang="es-ES" smtClean="0"/>
-              <a:t>10/01/2023</a:t>
+              <a:t>12/01/2023</a:t>
             </a:fld>
             <a:endParaRPr lang="es-ES"/>
           </a:p>
@@ -2562,7 +2566,7 @@
           <a:p>
             <a:fld id="{87B90760-3AE8-4264-A437-D8036A2785FF}" type="datetimeFigureOut">
               <a:rPr lang="es-ES" smtClean="0"/>
-              <a:t>10/01/2023</a:t>
+              <a:t>12/01/2023</a:t>
             </a:fld>
             <a:endParaRPr lang="es-ES"/>
           </a:p>
@@ -31513,6 +31517,2779 @@
 </p:sld>
 </file>
 
+<file path=ppt/slides/slide21.xml><?xml version="1.0" encoding="utf-8"?>
+<p:sld xmlns:a="http://schemas.openxmlformats.org/drawingml/2006/main" xmlns:r="http://schemas.openxmlformats.org/officeDocument/2006/relationships" xmlns:p="http://schemas.openxmlformats.org/presentationml/2006/main">
+  <p:cSld>
+    <p:spTree>
+      <p:nvGrpSpPr>
+        <p:cNvPr id="1" name=""/>
+        <p:cNvGrpSpPr/>
+        <p:nvPr/>
+      </p:nvGrpSpPr>
+      <p:grpSpPr>
+        <a:xfrm>
+          <a:off x="0" y="0"/>
+          <a:ext cx="0" cy="0"/>
+          <a:chOff x="0" y="0"/>
+          <a:chExt cx="0" cy="0"/>
+        </a:xfrm>
+      </p:grpSpPr>
+      <p:sp>
+        <p:nvSpPr>
+          <p:cNvPr id="4" name="CuadroTexto 3"/>
+          <p:cNvSpPr txBox="1"/>
+          <p:nvPr/>
+        </p:nvSpPr>
+        <p:spPr>
+          <a:xfrm>
+            <a:off x="336331" y="378372"/>
+            <a:ext cx="1497461" cy="369332"/>
+          </a:xfrm>
+          <a:prstGeom prst="rect">
+            <a:avLst/>
+          </a:prstGeom>
+          <a:noFill/>
+        </p:spPr>
+        <p:txBody>
+          <a:bodyPr wrap="none" rtlCol="0">
+            <a:spAutoFit/>
+          </a:bodyPr>
+          <a:lstStyle/>
+          <a:p>
+            <a:r>
+              <a:rPr lang="es-ES" dirty="0" smtClean="0"/>
+              <a:t>FiltroRuido.py</a:t>
+            </a:r>
+            <a:endParaRPr lang="es-ES" dirty="0"/>
+          </a:p>
+        </p:txBody>
+      </p:sp>
+      <p:grpSp>
+        <p:nvGrpSpPr>
+          <p:cNvPr id="54" name="Grupo 53"/>
+          <p:cNvGrpSpPr/>
+          <p:nvPr/>
+        </p:nvGrpSpPr>
+        <p:grpSpPr>
+          <a:xfrm>
+            <a:off x="499375" y="996931"/>
+            <a:ext cx="2949803" cy="3402824"/>
+            <a:chOff x="2953015" y="859771"/>
+            <a:chExt cx="2949803" cy="3402824"/>
+          </a:xfrm>
+        </p:grpSpPr>
+        <p:sp>
+          <p:nvSpPr>
+            <p:cNvPr id="11" name="Rectángulo redondeado 5">
+              <a:extLst>
+                <a:ext uri="{FF2B5EF4-FFF2-40B4-BE49-F238E27FC236}">
+                  <a16:creationId xmlns:a16="http://schemas.microsoft.com/office/drawing/2014/main" id="{FC6D6C23-079E-4C94-B81F-86A3E83BD0AF}"/>
+                </a:ext>
+              </a:extLst>
+            </p:cNvPr>
+            <p:cNvSpPr/>
+            <p:nvPr/>
+          </p:nvSpPr>
+          <p:spPr>
+            <a:xfrm>
+              <a:off x="3768412" y="1364347"/>
+              <a:ext cx="1581712" cy="261779"/>
+            </a:xfrm>
+            <a:prstGeom prst="roundRect">
+              <a:avLst/>
+            </a:prstGeom>
+            <a:solidFill>
+              <a:schemeClr val="accent1">
+                <a:lumMod val="20000"/>
+                <a:lumOff val="80000"/>
+              </a:schemeClr>
+            </a:solidFill>
+            <a:ln w="19050"/>
+          </p:spPr>
+          <p:style>
+            <a:lnRef idx="2">
+              <a:schemeClr val="dk1"/>
+            </a:lnRef>
+            <a:fillRef idx="1">
+              <a:schemeClr val="lt1"/>
+            </a:fillRef>
+            <a:effectRef idx="0">
+              <a:schemeClr val="dk1"/>
+            </a:effectRef>
+            <a:fontRef idx="minor">
+              <a:schemeClr val="dk1"/>
+            </a:fontRef>
+          </p:style>
+          <p:txBody>
+            <a:bodyPr rtlCol="0" anchor="ctr"/>
+            <a:lstStyle/>
+            <a:p>
+              <a:pPr algn="ctr"/>
+              <a:r>
+                <a:rPr lang="es-ES" sz="1100" dirty="0"/>
+                <a:t>Leer archivo </a:t>
+              </a:r>
+              <a:r>
+                <a:rPr lang="es-ES" sz="1100" i="1" dirty="0"/>
+                <a:t>CSV</a:t>
+              </a:r>
+              <a:endParaRPr lang="es-ES" sz="1100" dirty="0"/>
+            </a:p>
+          </p:txBody>
+        </p:sp>
+        <p:cxnSp>
+          <p:nvCxnSpPr>
+            <p:cNvPr id="12" name="Conector recto de flecha 11">
+              <a:extLst>
+                <a:ext uri="{FF2B5EF4-FFF2-40B4-BE49-F238E27FC236}">
+                  <a16:creationId xmlns:a16="http://schemas.microsoft.com/office/drawing/2014/main" id="{307E19FD-8BD7-4FA6-9C32-1B9FA82A7D85}"/>
+                </a:ext>
+              </a:extLst>
+            </p:cNvPr>
+            <p:cNvCxnSpPr>
+              <a:cxnSpLocks/>
+              <a:stCxn id="11" idx="2"/>
+              <a:endCxn id="14" idx="0"/>
+            </p:cNvCxnSpPr>
+            <p:nvPr/>
+          </p:nvCxnSpPr>
+          <p:spPr>
+            <a:xfrm flipH="1">
+              <a:off x="4559267" y="1626126"/>
+              <a:ext cx="1" cy="239188"/>
+            </a:xfrm>
+            <a:prstGeom prst="straightConnector1">
+              <a:avLst/>
+            </a:prstGeom>
+            <a:ln w="19050">
+              <a:tailEnd type="triangle"/>
+            </a:ln>
+          </p:spPr>
+          <p:style>
+            <a:lnRef idx="1">
+              <a:schemeClr val="dk1"/>
+            </a:lnRef>
+            <a:fillRef idx="0">
+              <a:schemeClr val="dk1"/>
+            </a:fillRef>
+            <a:effectRef idx="0">
+              <a:schemeClr val="dk1"/>
+            </a:effectRef>
+            <a:fontRef idx="minor">
+              <a:schemeClr val="tx1"/>
+            </a:fontRef>
+          </p:style>
+        </p:cxnSp>
+        <p:cxnSp>
+          <p:nvCxnSpPr>
+            <p:cNvPr id="13" name="Conector recto de flecha 12">
+              <a:extLst>
+                <a:ext uri="{FF2B5EF4-FFF2-40B4-BE49-F238E27FC236}">
+                  <a16:creationId xmlns:a16="http://schemas.microsoft.com/office/drawing/2014/main" id="{E36D5300-E98E-43E9-B5C4-E955BE14B9A1}"/>
+                </a:ext>
+              </a:extLst>
+            </p:cNvPr>
+            <p:cNvCxnSpPr>
+              <a:cxnSpLocks/>
+              <a:stCxn id="18" idx="2"/>
+              <a:endCxn id="11" idx="0"/>
+            </p:cNvCxnSpPr>
+            <p:nvPr/>
+          </p:nvCxnSpPr>
+          <p:spPr>
+            <a:xfrm>
+              <a:off x="4559268" y="1121550"/>
+              <a:ext cx="0" cy="242797"/>
+            </a:xfrm>
+            <a:prstGeom prst="straightConnector1">
+              <a:avLst/>
+            </a:prstGeom>
+            <a:ln w="19050">
+              <a:tailEnd type="triangle"/>
+            </a:ln>
+          </p:spPr>
+          <p:style>
+            <a:lnRef idx="1">
+              <a:schemeClr val="dk1"/>
+            </a:lnRef>
+            <a:fillRef idx="0">
+              <a:schemeClr val="dk1"/>
+            </a:fillRef>
+            <a:effectRef idx="0">
+              <a:schemeClr val="dk1"/>
+            </a:effectRef>
+            <a:fontRef idx="minor">
+              <a:schemeClr val="tx1"/>
+            </a:fontRef>
+          </p:style>
+        </p:cxnSp>
+        <p:sp>
+          <p:nvSpPr>
+            <p:cNvPr id="14" name="Rectángulo redondeado 13">
+              <a:extLst>
+                <a:ext uri="{FF2B5EF4-FFF2-40B4-BE49-F238E27FC236}">
+                  <a16:creationId xmlns:a16="http://schemas.microsoft.com/office/drawing/2014/main" id="{DD521B4B-DEB0-49C8-8EB4-A0D909B11EE2}"/>
+                </a:ext>
+              </a:extLst>
+            </p:cNvPr>
+            <p:cNvSpPr/>
+            <p:nvPr/>
+          </p:nvSpPr>
+          <p:spPr>
+            <a:xfrm>
+              <a:off x="3345745" y="1865314"/>
+              <a:ext cx="2427044" cy="261779"/>
+            </a:xfrm>
+            <a:prstGeom prst="roundRect">
+              <a:avLst/>
+            </a:prstGeom>
+            <a:solidFill>
+              <a:schemeClr val="accent1">
+                <a:lumMod val="20000"/>
+                <a:lumOff val="80000"/>
+              </a:schemeClr>
+            </a:solidFill>
+            <a:ln w="19050"/>
+          </p:spPr>
+          <p:style>
+            <a:lnRef idx="2">
+              <a:schemeClr val="dk1"/>
+            </a:lnRef>
+            <a:fillRef idx="1">
+              <a:schemeClr val="lt1"/>
+            </a:fillRef>
+            <a:effectRef idx="0">
+              <a:schemeClr val="dk1"/>
+            </a:effectRef>
+            <a:fontRef idx="minor">
+              <a:schemeClr val="dk1"/>
+            </a:fontRef>
+          </p:style>
+          <p:txBody>
+            <a:bodyPr rtlCol="0" anchor="ctr"/>
+            <a:lstStyle/>
+            <a:p>
+              <a:pPr algn="ctr"/>
+              <a:r>
+                <a:rPr lang="es-ES" sz="1100" dirty="0" smtClean="0"/>
+                <a:t>Convertir el Panda en </a:t>
+              </a:r>
+              <a:r>
+                <a:rPr lang="es-ES" sz="1100" dirty="0" err="1" smtClean="0"/>
+                <a:t>Numpy</a:t>
+              </a:r>
+              <a:endParaRPr lang="es-ES" sz="1100" dirty="0"/>
+            </a:p>
+          </p:txBody>
+        </p:sp>
+        <p:sp>
+          <p:nvSpPr>
+            <p:cNvPr id="15" name="Rectángulo redondeado 14">
+              <a:extLst>
+                <a:ext uri="{FF2B5EF4-FFF2-40B4-BE49-F238E27FC236}">
+                  <a16:creationId xmlns:a16="http://schemas.microsoft.com/office/drawing/2014/main" id="{B214F247-9EA4-44E1-AEB2-2B8C8B592739}"/>
+                </a:ext>
+              </a:extLst>
+            </p:cNvPr>
+            <p:cNvSpPr/>
+            <p:nvPr/>
+          </p:nvSpPr>
+          <p:spPr>
+            <a:xfrm>
+              <a:off x="3215716" y="2394490"/>
+              <a:ext cx="2687102" cy="260529"/>
+            </a:xfrm>
+            <a:prstGeom prst="roundRect">
+              <a:avLst/>
+            </a:prstGeom>
+            <a:solidFill>
+              <a:schemeClr val="accent1">
+                <a:lumMod val="20000"/>
+                <a:lumOff val="80000"/>
+              </a:schemeClr>
+            </a:solidFill>
+            <a:ln w="19050"/>
+          </p:spPr>
+          <p:style>
+            <a:lnRef idx="2">
+              <a:schemeClr val="dk1"/>
+            </a:lnRef>
+            <a:fillRef idx="1">
+              <a:schemeClr val="lt1"/>
+            </a:fillRef>
+            <a:effectRef idx="0">
+              <a:schemeClr val="dk1"/>
+            </a:effectRef>
+            <a:fontRef idx="minor">
+              <a:schemeClr val="dk1"/>
+            </a:fontRef>
+          </p:style>
+          <p:txBody>
+            <a:bodyPr rtlCol="0" anchor="ctr"/>
+            <a:lstStyle/>
+            <a:p>
+              <a:pPr algn="ctr"/>
+              <a:r>
+                <a:rPr lang="es-ES" sz="1100" dirty="0" smtClean="0"/>
+                <a:t>Filtrar la serie </a:t>
+              </a:r>
+              <a:r>
+                <a:rPr lang="es-ES" sz="1100" dirty="0" err="1" smtClean="0"/>
+                <a:t>Numpy</a:t>
+              </a:r>
+              <a:r>
+                <a:rPr lang="es-ES" sz="1100" dirty="0" smtClean="0"/>
+                <a:t>  </a:t>
+              </a:r>
+              <a:r>
+                <a:rPr lang="es-ES" sz="1100" i="1" dirty="0" smtClean="0"/>
+                <a:t>(</a:t>
+              </a:r>
+              <a:r>
+                <a:rPr lang="es-ES" sz="1100" i="1" dirty="0" err="1" smtClean="0"/>
+                <a:t>ButterWorth</a:t>
+              </a:r>
+              <a:r>
+                <a:rPr lang="es-ES" sz="1100" i="1" dirty="0" smtClean="0"/>
+                <a:t>)</a:t>
+              </a:r>
+              <a:endParaRPr lang="es-ES" sz="1100" i="1" dirty="0"/>
+            </a:p>
+          </p:txBody>
+        </p:sp>
+        <p:cxnSp>
+          <p:nvCxnSpPr>
+            <p:cNvPr id="16" name="Conector recto de flecha 15">
+              <a:extLst>
+                <a:ext uri="{FF2B5EF4-FFF2-40B4-BE49-F238E27FC236}">
+                  <a16:creationId xmlns:a16="http://schemas.microsoft.com/office/drawing/2014/main" id="{B417B286-62A3-4894-80EF-113375973E1B}"/>
+                </a:ext>
+              </a:extLst>
+            </p:cNvPr>
+            <p:cNvCxnSpPr>
+              <a:cxnSpLocks/>
+              <a:stCxn id="14" idx="2"/>
+              <a:endCxn id="15" idx="0"/>
+            </p:cNvCxnSpPr>
+            <p:nvPr/>
+          </p:nvCxnSpPr>
+          <p:spPr>
+            <a:xfrm>
+              <a:off x="4559267" y="2127093"/>
+              <a:ext cx="0" cy="267397"/>
+            </a:xfrm>
+            <a:prstGeom prst="straightConnector1">
+              <a:avLst/>
+            </a:prstGeom>
+            <a:ln w="19050">
+              <a:tailEnd type="triangle"/>
+            </a:ln>
+          </p:spPr>
+          <p:style>
+            <a:lnRef idx="1">
+              <a:schemeClr val="dk1"/>
+            </a:lnRef>
+            <a:fillRef idx="0">
+              <a:schemeClr val="dk1"/>
+            </a:fillRef>
+            <a:effectRef idx="0">
+              <a:schemeClr val="dk1"/>
+            </a:effectRef>
+            <a:fontRef idx="minor">
+              <a:schemeClr val="tx1"/>
+            </a:fontRef>
+          </p:style>
+        </p:cxnSp>
+        <p:sp>
+          <p:nvSpPr>
+            <p:cNvPr id="17" name="Rectángulo redondeado 18">
+              <a:extLst>
+                <a:ext uri="{FF2B5EF4-FFF2-40B4-BE49-F238E27FC236}">
+                  <a16:creationId xmlns:a16="http://schemas.microsoft.com/office/drawing/2014/main" id="{8E5DF590-F50B-41E6-902D-5E78D666E26E}"/>
+                </a:ext>
+              </a:extLst>
+            </p:cNvPr>
+            <p:cNvSpPr/>
+            <p:nvPr/>
+          </p:nvSpPr>
+          <p:spPr>
+            <a:xfrm>
+              <a:off x="3951506" y="4000816"/>
+              <a:ext cx="1215521" cy="261779"/>
+            </a:xfrm>
+            <a:prstGeom prst="roundRect">
+              <a:avLst/>
+            </a:prstGeom>
+            <a:solidFill>
+              <a:schemeClr val="accent6">
+                <a:lumMod val="40000"/>
+                <a:lumOff val="60000"/>
+              </a:schemeClr>
+            </a:solidFill>
+            <a:ln w="19050"/>
+          </p:spPr>
+          <p:style>
+            <a:lnRef idx="2">
+              <a:schemeClr val="dk1"/>
+            </a:lnRef>
+            <a:fillRef idx="1">
+              <a:schemeClr val="lt1"/>
+            </a:fillRef>
+            <a:effectRef idx="0">
+              <a:schemeClr val="dk1"/>
+            </a:effectRef>
+            <a:fontRef idx="minor">
+              <a:schemeClr val="dk1"/>
+            </a:fontRef>
+          </p:style>
+          <p:txBody>
+            <a:bodyPr rtlCol="0" anchor="ctr"/>
+            <a:lstStyle/>
+            <a:p>
+              <a:pPr algn="ctr"/>
+              <a:r>
+                <a:rPr lang="es-ES" sz="1100" dirty="0"/>
+                <a:t>Fin de la función</a:t>
+              </a:r>
+            </a:p>
+          </p:txBody>
+        </p:sp>
+        <p:sp>
+          <p:nvSpPr>
+            <p:cNvPr id="18" name="Rectángulo redondeado 25">
+              <a:extLst>
+                <a:ext uri="{FF2B5EF4-FFF2-40B4-BE49-F238E27FC236}">
+                  <a16:creationId xmlns:a16="http://schemas.microsoft.com/office/drawing/2014/main" id="{20A6C383-41C2-407E-A200-27D83AA9F55A}"/>
+                </a:ext>
+              </a:extLst>
+            </p:cNvPr>
+            <p:cNvSpPr/>
+            <p:nvPr/>
+          </p:nvSpPr>
+          <p:spPr>
+            <a:xfrm>
+              <a:off x="3859959" y="859771"/>
+              <a:ext cx="1398617" cy="261779"/>
+            </a:xfrm>
+            <a:prstGeom prst="roundRect">
+              <a:avLst/>
+            </a:prstGeom>
+            <a:solidFill>
+              <a:schemeClr val="accent6">
+                <a:lumMod val="40000"/>
+                <a:lumOff val="60000"/>
+              </a:schemeClr>
+            </a:solidFill>
+            <a:ln w="19050"/>
+          </p:spPr>
+          <p:style>
+            <a:lnRef idx="2">
+              <a:schemeClr val="dk1"/>
+            </a:lnRef>
+            <a:fillRef idx="1">
+              <a:schemeClr val="lt1"/>
+            </a:fillRef>
+            <a:effectRef idx="0">
+              <a:schemeClr val="dk1"/>
+            </a:effectRef>
+            <a:fontRef idx="minor">
+              <a:schemeClr val="dk1"/>
+            </a:fontRef>
+          </p:style>
+          <p:txBody>
+            <a:bodyPr rtlCol="0" anchor="ctr"/>
+            <a:lstStyle/>
+            <a:p>
+              <a:pPr algn="ctr"/>
+              <a:r>
+                <a:rPr lang="es-ES" sz="1100" dirty="0"/>
+                <a:t>Llamada a la función</a:t>
+              </a:r>
+            </a:p>
+          </p:txBody>
+        </p:sp>
+        <p:cxnSp>
+          <p:nvCxnSpPr>
+            <p:cNvPr id="20" name="Conector recto de flecha 19">
+              <a:extLst>
+                <a:ext uri="{FF2B5EF4-FFF2-40B4-BE49-F238E27FC236}">
+                  <a16:creationId xmlns:a16="http://schemas.microsoft.com/office/drawing/2014/main" id="{6527BD81-B885-406F-AE7C-EB51E6883B2F}"/>
+                </a:ext>
+              </a:extLst>
+            </p:cNvPr>
+            <p:cNvCxnSpPr>
+              <a:cxnSpLocks/>
+              <a:stCxn id="15" idx="2"/>
+              <a:endCxn id="36" idx="0"/>
+            </p:cNvCxnSpPr>
+            <p:nvPr/>
+          </p:nvCxnSpPr>
+          <p:spPr>
+            <a:xfrm>
+              <a:off x="4559267" y="2655019"/>
+              <a:ext cx="0" cy="230450"/>
+            </a:xfrm>
+            <a:prstGeom prst="straightConnector1">
+              <a:avLst/>
+            </a:prstGeom>
+            <a:ln w="19050">
+              <a:tailEnd type="triangle"/>
+            </a:ln>
+          </p:spPr>
+          <p:style>
+            <a:lnRef idx="1">
+              <a:schemeClr val="dk1"/>
+            </a:lnRef>
+            <a:fillRef idx="0">
+              <a:schemeClr val="dk1"/>
+            </a:fillRef>
+            <a:effectRef idx="0">
+              <a:schemeClr val="dk1"/>
+            </a:effectRef>
+            <a:fontRef idx="minor">
+              <a:schemeClr val="tx1"/>
+            </a:fontRef>
+          </p:style>
+        </p:cxnSp>
+        <p:sp>
+          <p:nvSpPr>
+            <p:cNvPr id="7" name="Rectángulo redondeado 42">
+              <a:extLst>
+                <a:ext uri="{FF2B5EF4-FFF2-40B4-BE49-F238E27FC236}">
+                  <a16:creationId xmlns:a16="http://schemas.microsoft.com/office/drawing/2014/main" id="{E99C4A46-A6ED-4256-BE7A-FB3263735CB7}"/>
+                </a:ext>
+              </a:extLst>
+            </p:cNvPr>
+            <p:cNvSpPr/>
+            <p:nvPr/>
+          </p:nvSpPr>
+          <p:spPr>
+            <a:xfrm>
+              <a:off x="3347023" y="3390721"/>
+              <a:ext cx="2427044" cy="365372"/>
+            </a:xfrm>
+            <a:prstGeom prst="roundRect">
+              <a:avLst/>
+            </a:prstGeom>
+            <a:solidFill>
+              <a:schemeClr val="accent1">
+                <a:lumMod val="20000"/>
+                <a:lumOff val="80000"/>
+              </a:schemeClr>
+            </a:solidFill>
+            <a:ln w="19050"/>
+          </p:spPr>
+          <p:style>
+            <a:lnRef idx="2">
+              <a:schemeClr val="dk1"/>
+            </a:lnRef>
+            <a:fillRef idx="1">
+              <a:schemeClr val="lt1"/>
+            </a:fillRef>
+            <a:effectRef idx="0">
+              <a:schemeClr val="dk1"/>
+            </a:effectRef>
+            <a:fontRef idx="minor">
+              <a:schemeClr val="dk1"/>
+            </a:fontRef>
+          </p:style>
+          <p:txBody>
+            <a:bodyPr rtlCol="0" anchor="ctr"/>
+            <a:lstStyle/>
+            <a:p>
+              <a:pPr algn="ctr"/>
+              <a:r>
+                <a:rPr lang="es-ES" sz="1100" dirty="0"/>
+                <a:t>Guardar </a:t>
+              </a:r>
+              <a:r>
+                <a:rPr lang="es-ES" sz="1100" dirty="0" smtClean="0"/>
+                <a:t>cada resultado en </a:t>
+              </a:r>
+              <a:r>
+                <a:rPr lang="es-ES" sz="1100" dirty="0"/>
+                <a:t>un nuevo archivo </a:t>
+              </a:r>
+              <a:r>
+                <a:rPr lang="es-ES" sz="1100" i="1" dirty="0"/>
+                <a:t>CSV</a:t>
+              </a:r>
+              <a:endParaRPr lang="es-ES" sz="1100" dirty="0"/>
+            </a:p>
+          </p:txBody>
+        </p:sp>
+        <p:cxnSp>
+          <p:nvCxnSpPr>
+            <p:cNvPr id="8" name="Conector recto de flecha 7">
+              <a:extLst>
+                <a:ext uri="{FF2B5EF4-FFF2-40B4-BE49-F238E27FC236}">
+                  <a16:creationId xmlns:a16="http://schemas.microsoft.com/office/drawing/2014/main" id="{EBC61CB4-4500-44FA-AA4D-71BA11440941}"/>
+                </a:ext>
+              </a:extLst>
+            </p:cNvPr>
+            <p:cNvCxnSpPr>
+              <a:cxnSpLocks/>
+              <a:stCxn id="7" idx="2"/>
+              <a:endCxn id="17" idx="0"/>
+            </p:cNvCxnSpPr>
+            <p:nvPr/>
+          </p:nvCxnSpPr>
+          <p:spPr>
+            <a:xfrm flipH="1">
+              <a:off x="4559267" y="3756093"/>
+              <a:ext cx="1278" cy="244723"/>
+            </a:xfrm>
+            <a:prstGeom prst="straightConnector1">
+              <a:avLst/>
+            </a:prstGeom>
+            <a:ln w="19050">
+              <a:tailEnd type="triangle"/>
+            </a:ln>
+          </p:spPr>
+          <p:style>
+            <a:lnRef idx="1">
+              <a:schemeClr val="dk1"/>
+            </a:lnRef>
+            <a:fillRef idx="0">
+              <a:schemeClr val="dk1"/>
+            </a:fillRef>
+            <a:effectRef idx="0">
+              <a:schemeClr val="dk1"/>
+            </a:effectRef>
+            <a:fontRef idx="minor">
+              <a:schemeClr val="tx1"/>
+            </a:fontRef>
+          </p:style>
+        </p:cxnSp>
+        <p:cxnSp>
+          <p:nvCxnSpPr>
+            <p:cNvPr id="9" name="Conector recto de flecha 8">
+              <a:extLst>
+                <a:ext uri="{FF2B5EF4-FFF2-40B4-BE49-F238E27FC236}">
+                  <a16:creationId xmlns:a16="http://schemas.microsoft.com/office/drawing/2014/main" id="{496CD177-531F-4F80-80C8-701CC4DC6A5B}"/>
+                </a:ext>
+              </a:extLst>
+            </p:cNvPr>
+            <p:cNvCxnSpPr>
+              <a:cxnSpLocks/>
+              <a:endCxn id="11" idx="1"/>
+            </p:cNvCxnSpPr>
+            <p:nvPr/>
+          </p:nvCxnSpPr>
+          <p:spPr>
+            <a:xfrm>
+              <a:off x="2995634" y="1495236"/>
+              <a:ext cx="772778" cy="1"/>
+            </a:xfrm>
+            <a:prstGeom prst="straightConnector1">
+              <a:avLst/>
+            </a:prstGeom>
+            <a:ln w="19050">
+              <a:tailEnd type="triangle"/>
+            </a:ln>
+          </p:spPr>
+          <p:style>
+            <a:lnRef idx="1">
+              <a:schemeClr val="dk1"/>
+            </a:lnRef>
+            <a:fillRef idx="0">
+              <a:schemeClr val="dk1"/>
+            </a:fillRef>
+            <a:effectRef idx="0">
+              <a:schemeClr val="dk1"/>
+            </a:effectRef>
+            <a:fontRef idx="minor">
+              <a:schemeClr val="tx1"/>
+            </a:fontRef>
+          </p:style>
+        </p:cxnSp>
+        <p:sp>
+          <p:nvSpPr>
+            <p:cNvPr id="10" name="CuadroTexto 9">
+              <a:extLst>
+                <a:ext uri="{FF2B5EF4-FFF2-40B4-BE49-F238E27FC236}">
+                  <a16:creationId xmlns:a16="http://schemas.microsoft.com/office/drawing/2014/main" id="{FB8CDAB0-4F09-4AC4-A02D-1FB9B90E9050}"/>
+                </a:ext>
+              </a:extLst>
+            </p:cNvPr>
+            <p:cNvSpPr txBox="1"/>
+            <p:nvPr/>
+          </p:nvSpPr>
+          <p:spPr>
+            <a:xfrm>
+              <a:off x="2953015" y="1244897"/>
+              <a:ext cx="772778" cy="276999"/>
+            </a:xfrm>
+            <a:prstGeom prst="rect">
+              <a:avLst/>
+            </a:prstGeom>
+            <a:noFill/>
+          </p:spPr>
+          <p:txBody>
+            <a:bodyPr wrap="square" rtlCol="0">
+              <a:spAutoFit/>
+            </a:bodyPr>
+            <a:lstStyle/>
+            <a:p>
+              <a:r>
+                <a:rPr lang="es-ES" sz="1200" dirty="0"/>
+                <a:t>Dirección</a:t>
+              </a:r>
+            </a:p>
+          </p:txBody>
+        </p:sp>
+        <p:sp>
+          <p:nvSpPr>
+            <p:cNvPr id="36" name="Rectángulo redondeado 35">
+              <a:extLst>
+                <a:ext uri="{FF2B5EF4-FFF2-40B4-BE49-F238E27FC236}">
+                  <a16:creationId xmlns:a16="http://schemas.microsoft.com/office/drawing/2014/main" id="{B214F247-9EA4-44E1-AEB2-2B8C8B592739}"/>
+                </a:ext>
+              </a:extLst>
+            </p:cNvPr>
+            <p:cNvSpPr/>
+            <p:nvPr/>
+          </p:nvSpPr>
+          <p:spPr>
+            <a:xfrm>
+              <a:off x="3215716" y="2885469"/>
+              <a:ext cx="2687102" cy="260529"/>
+            </a:xfrm>
+            <a:prstGeom prst="roundRect">
+              <a:avLst/>
+            </a:prstGeom>
+            <a:solidFill>
+              <a:schemeClr val="accent1">
+                <a:lumMod val="20000"/>
+                <a:lumOff val="80000"/>
+              </a:schemeClr>
+            </a:solidFill>
+            <a:ln w="19050"/>
+          </p:spPr>
+          <p:style>
+            <a:lnRef idx="2">
+              <a:schemeClr val="dk1"/>
+            </a:lnRef>
+            <a:fillRef idx="1">
+              <a:schemeClr val="lt1"/>
+            </a:fillRef>
+            <a:effectRef idx="0">
+              <a:schemeClr val="dk1"/>
+            </a:effectRef>
+            <a:fontRef idx="minor">
+              <a:schemeClr val="dk1"/>
+            </a:fontRef>
+          </p:style>
+          <p:txBody>
+            <a:bodyPr rtlCol="0" anchor="ctr"/>
+            <a:lstStyle/>
+            <a:p>
+              <a:pPr algn="ctr"/>
+              <a:r>
+                <a:rPr lang="es-ES" sz="1100" dirty="0" smtClean="0"/>
+                <a:t>Filtrar la serie </a:t>
+              </a:r>
+              <a:r>
+                <a:rPr lang="es-ES" sz="1100" dirty="0" err="1" smtClean="0"/>
+                <a:t>Numpy</a:t>
+              </a:r>
+              <a:r>
+                <a:rPr lang="es-ES" sz="1100" dirty="0" smtClean="0"/>
+                <a:t>  </a:t>
+              </a:r>
+              <a:r>
+                <a:rPr lang="es-ES" sz="1100" i="1" dirty="0" smtClean="0"/>
+                <a:t>(</a:t>
+              </a:r>
+              <a:r>
+                <a:rPr lang="es-ES" sz="1100" i="1" dirty="0" err="1" smtClean="0"/>
+                <a:t>MediaMovil</a:t>
+              </a:r>
+              <a:r>
+                <a:rPr lang="es-ES" sz="1100" i="1" dirty="0" smtClean="0"/>
+                <a:t>)</a:t>
+              </a:r>
+              <a:endParaRPr lang="es-ES" sz="1100" i="1" dirty="0"/>
+            </a:p>
+          </p:txBody>
+        </p:sp>
+        <p:cxnSp>
+          <p:nvCxnSpPr>
+            <p:cNvPr id="45" name="Conector recto de flecha 44">
+              <a:extLst>
+                <a:ext uri="{FF2B5EF4-FFF2-40B4-BE49-F238E27FC236}">
+                  <a16:creationId xmlns:a16="http://schemas.microsoft.com/office/drawing/2014/main" id="{6527BD81-B885-406F-AE7C-EB51E6883B2F}"/>
+                </a:ext>
+              </a:extLst>
+            </p:cNvPr>
+            <p:cNvCxnSpPr>
+              <a:cxnSpLocks/>
+              <a:stCxn id="36" idx="2"/>
+              <a:endCxn id="7" idx="0"/>
+            </p:cNvCxnSpPr>
+            <p:nvPr/>
+          </p:nvCxnSpPr>
+          <p:spPr>
+            <a:xfrm>
+              <a:off x="4559267" y="3145998"/>
+              <a:ext cx="1278" cy="244723"/>
+            </a:xfrm>
+            <a:prstGeom prst="straightConnector1">
+              <a:avLst/>
+            </a:prstGeom>
+            <a:ln w="19050">
+              <a:tailEnd type="triangle"/>
+            </a:ln>
+          </p:spPr>
+          <p:style>
+            <a:lnRef idx="1">
+              <a:schemeClr val="dk1"/>
+            </a:lnRef>
+            <a:fillRef idx="0">
+              <a:schemeClr val="dk1"/>
+            </a:fillRef>
+            <a:effectRef idx="0">
+              <a:schemeClr val="dk1"/>
+            </a:effectRef>
+            <a:fontRef idx="minor">
+              <a:schemeClr val="tx1"/>
+            </a:fontRef>
+          </p:style>
+        </p:cxnSp>
+      </p:grpSp>
+      <p:sp>
+        <p:nvSpPr>
+          <p:cNvPr id="55" name="CuadroTexto 54"/>
+          <p:cNvSpPr txBox="1"/>
+          <p:nvPr/>
+        </p:nvSpPr>
+        <p:spPr>
+          <a:xfrm>
+            <a:off x="4765456" y="388960"/>
+            <a:ext cx="1788951" cy="369332"/>
+          </a:xfrm>
+          <a:prstGeom prst="rect">
+            <a:avLst/>
+          </a:prstGeom>
+          <a:noFill/>
+        </p:spPr>
+        <p:txBody>
+          <a:bodyPr wrap="none" rtlCol="0">
+            <a:spAutoFit/>
+          </a:bodyPr>
+          <a:lstStyle/>
+          <a:p>
+            <a:r>
+              <a:rPr lang="es-ES" dirty="0" smtClean="0"/>
+              <a:t>MoverArchivo.py</a:t>
+            </a:r>
+            <a:endParaRPr lang="es-ES" dirty="0"/>
+          </a:p>
+        </p:txBody>
+      </p:sp>
+      <p:grpSp>
+        <p:nvGrpSpPr>
+          <p:cNvPr id="108" name="Grupo 107"/>
+          <p:cNvGrpSpPr/>
+          <p:nvPr/>
+        </p:nvGrpSpPr>
+        <p:grpSpPr>
+          <a:xfrm>
+            <a:off x="4049828" y="936587"/>
+            <a:ext cx="3561397" cy="3834965"/>
+            <a:chOff x="4049828" y="936587"/>
+            <a:chExt cx="3561397" cy="3834965"/>
+          </a:xfrm>
+        </p:grpSpPr>
+        <p:grpSp>
+          <p:nvGrpSpPr>
+            <p:cNvPr id="102" name="Grupo 101"/>
+            <p:cNvGrpSpPr/>
+            <p:nvPr/>
+          </p:nvGrpSpPr>
+          <p:grpSpPr>
+            <a:xfrm>
+              <a:off x="4049828" y="936587"/>
+              <a:ext cx="3561397" cy="3834965"/>
+              <a:chOff x="4049828" y="936587"/>
+              <a:chExt cx="3561397" cy="3834965"/>
+            </a:xfrm>
+          </p:grpSpPr>
+          <p:grpSp>
+            <p:nvGrpSpPr>
+              <p:cNvPr id="91" name="Grupo 90"/>
+              <p:cNvGrpSpPr/>
+              <p:nvPr/>
+            </p:nvGrpSpPr>
+            <p:grpSpPr>
+              <a:xfrm>
+                <a:off x="4924123" y="936587"/>
+                <a:ext cx="2687102" cy="3834965"/>
+                <a:chOff x="4924123" y="936587"/>
+                <a:chExt cx="2687102" cy="3834965"/>
+              </a:xfrm>
+            </p:grpSpPr>
+            <p:sp>
+              <p:nvSpPr>
+                <p:cNvPr id="57" name="Rectángulo redondeado 5">
+                  <a:extLst>
+                    <a:ext uri="{FF2B5EF4-FFF2-40B4-BE49-F238E27FC236}">
+                      <a16:creationId xmlns:a16="http://schemas.microsoft.com/office/drawing/2014/main" id="{FC6D6C23-079E-4C94-B81F-86A3E83BD0AF}"/>
+                    </a:ext>
+                  </a:extLst>
+                </p:cNvPr>
+                <p:cNvSpPr/>
+                <p:nvPr/>
+              </p:nvSpPr>
+              <p:spPr>
+                <a:xfrm>
+                  <a:off x="5476819" y="1441163"/>
+                  <a:ext cx="1581712" cy="397374"/>
+                </a:xfrm>
+                <a:prstGeom prst="roundRect">
+                  <a:avLst/>
+                </a:prstGeom>
+                <a:solidFill>
+                  <a:schemeClr val="accent1">
+                    <a:lumMod val="20000"/>
+                    <a:lumOff val="80000"/>
+                  </a:schemeClr>
+                </a:solidFill>
+                <a:ln w="19050"/>
+              </p:spPr>
+              <p:style>
+                <a:lnRef idx="2">
+                  <a:schemeClr val="dk1"/>
+                </a:lnRef>
+                <a:fillRef idx="1">
+                  <a:schemeClr val="lt1"/>
+                </a:fillRef>
+                <a:effectRef idx="0">
+                  <a:schemeClr val="dk1"/>
+                </a:effectRef>
+                <a:fontRef idx="minor">
+                  <a:schemeClr val="dk1"/>
+                </a:fontRef>
+              </p:style>
+              <p:txBody>
+                <a:bodyPr rtlCol="0" anchor="ctr"/>
+                <a:lstStyle/>
+                <a:p>
+                  <a:pPr algn="ctr"/>
+                  <a:r>
+                    <a:rPr lang="es-ES" sz="1100" dirty="0" smtClean="0"/>
+                    <a:t>Mover archivos </a:t>
+                  </a:r>
+                  <a:r>
+                    <a:rPr lang="es-ES" sz="1100" i="1" dirty="0" smtClean="0"/>
+                    <a:t>CSV a otro directorio</a:t>
+                  </a:r>
+                  <a:endParaRPr lang="es-ES" sz="1100" dirty="0"/>
+                </a:p>
+              </p:txBody>
+            </p:sp>
+            <p:cxnSp>
+              <p:nvCxnSpPr>
+                <p:cNvPr id="58" name="Conector recto de flecha 57">
+                  <a:extLst>
+                    <a:ext uri="{FF2B5EF4-FFF2-40B4-BE49-F238E27FC236}">
+                      <a16:creationId xmlns:a16="http://schemas.microsoft.com/office/drawing/2014/main" id="{307E19FD-8BD7-4FA6-9C32-1B9FA82A7D85}"/>
+                    </a:ext>
+                  </a:extLst>
+                </p:cNvPr>
+                <p:cNvCxnSpPr>
+                  <a:cxnSpLocks/>
+                  <a:stCxn id="57" idx="2"/>
+                  <a:endCxn id="60" idx="0"/>
+                </p:cNvCxnSpPr>
+                <p:nvPr/>
+              </p:nvCxnSpPr>
+              <p:spPr>
+                <a:xfrm>
+                  <a:off x="6267675" y="1838537"/>
+                  <a:ext cx="1277" cy="230450"/>
+                </a:xfrm>
+                <a:prstGeom prst="straightConnector1">
+                  <a:avLst/>
+                </a:prstGeom>
+                <a:ln w="19050">
+                  <a:tailEnd type="triangle"/>
+                </a:ln>
+              </p:spPr>
+              <p:style>
+                <a:lnRef idx="1">
+                  <a:schemeClr val="dk1"/>
+                </a:lnRef>
+                <a:fillRef idx="0">
+                  <a:schemeClr val="dk1"/>
+                </a:fillRef>
+                <a:effectRef idx="0">
+                  <a:schemeClr val="dk1"/>
+                </a:effectRef>
+                <a:fontRef idx="minor">
+                  <a:schemeClr val="tx1"/>
+                </a:fontRef>
+              </p:style>
+            </p:cxnSp>
+            <p:cxnSp>
+              <p:nvCxnSpPr>
+                <p:cNvPr id="59" name="Conector recto de flecha 58">
+                  <a:extLst>
+                    <a:ext uri="{FF2B5EF4-FFF2-40B4-BE49-F238E27FC236}">
+                      <a16:creationId xmlns:a16="http://schemas.microsoft.com/office/drawing/2014/main" id="{E36D5300-E98E-43E9-B5C4-E955BE14B9A1}"/>
+                    </a:ext>
+                  </a:extLst>
+                </p:cNvPr>
+                <p:cNvCxnSpPr>
+                  <a:cxnSpLocks/>
+                  <a:stCxn id="64" idx="2"/>
+                  <a:endCxn id="57" idx="0"/>
+                </p:cNvCxnSpPr>
+                <p:nvPr/>
+              </p:nvCxnSpPr>
+              <p:spPr>
+                <a:xfrm>
+                  <a:off x="6267675" y="1198366"/>
+                  <a:ext cx="0" cy="242797"/>
+                </a:xfrm>
+                <a:prstGeom prst="straightConnector1">
+                  <a:avLst/>
+                </a:prstGeom>
+                <a:ln w="19050">
+                  <a:tailEnd type="triangle"/>
+                </a:ln>
+              </p:spPr>
+              <p:style>
+                <a:lnRef idx="1">
+                  <a:schemeClr val="dk1"/>
+                </a:lnRef>
+                <a:fillRef idx="0">
+                  <a:schemeClr val="dk1"/>
+                </a:fillRef>
+                <a:effectRef idx="0">
+                  <a:schemeClr val="dk1"/>
+                </a:effectRef>
+                <a:fontRef idx="minor">
+                  <a:schemeClr val="tx1"/>
+                </a:fontRef>
+              </p:style>
+            </p:cxnSp>
+            <p:sp>
+              <p:nvSpPr>
+                <p:cNvPr id="60" name="Rectángulo redondeado 59">
+                  <a:extLst>
+                    <a:ext uri="{FF2B5EF4-FFF2-40B4-BE49-F238E27FC236}">
+                      <a16:creationId xmlns:a16="http://schemas.microsoft.com/office/drawing/2014/main" id="{DD521B4B-DEB0-49C8-8EB4-A0D909B11EE2}"/>
+                    </a:ext>
+                  </a:extLst>
+                </p:cNvPr>
+                <p:cNvSpPr/>
+                <p:nvPr/>
+              </p:nvSpPr>
+              <p:spPr>
+                <a:xfrm>
+                  <a:off x="5055430" y="2068987"/>
+                  <a:ext cx="2427044" cy="261779"/>
+                </a:xfrm>
+                <a:prstGeom prst="roundRect">
+                  <a:avLst/>
+                </a:prstGeom>
+                <a:solidFill>
+                  <a:schemeClr val="accent1">
+                    <a:lumMod val="20000"/>
+                    <a:lumOff val="80000"/>
+                  </a:schemeClr>
+                </a:solidFill>
+                <a:ln w="19050"/>
+              </p:spPr>
+              <p:style>
+                <a:lnRef idx="2">
+                  <a:schemeClr val="dk1"/>
+                </a:lnRef>
+                <a:fillRef idx="1">
+                  <a:schemeClr val="lt1"/>
+                </a:fillRef>
+                <a:effectRef idx="0">
+                  <a:schemeClr val="dk1"/>
+                </a:effectRef>
+                <a:fontRef idx="minor">
+                  <a:schemeClr val="dk1"/>
+                </a:fontRef>
+              </p:style>
+              <p:txBody>
+                <a:bodyPr rtlCol="0" anchor="ctr"/>
+                <a:lstStyle/>
+                <a:p>
+                  <a:pPr algn="ctr"/>
+                  <a:r>
+                    <a:rPr lang="es-ES" sz="1100" dirty="0" smtClean="0"/>
+                    <a:t>Llamar a función Decodificación POX</a:t>
+                  </a:r>
+                  <a:endParaRPr lang="es-ES" sz="1100" dirty="0"/>
+                </a:p>
+              </p:txBody>
+            </p:sp>
+            <p:sp>
+              <p:nvSpPr>
+                <p:cNvPr id="61" name="Rectángulo redondeado 60">
+                  <a:extLst>
+                    <a:ext uri="{FF2B5EF4-FFF2-40B4-BE49-F238E27FC236}">
+                      <a16:creationId xmlns:a16="http://schemas.microsoft.com/office/drawing/2014/main" id="{B214F247-9EA4-44E1-AEB2-2B8C8B592739}"/>
+                    </a:ext>
+                  </a:extLst>
+                </p:cNvPr>
+                <p:cNvSpPr/>
+                <p:nvPr/>
+              </p:nvSpPr>
+              <p:spPr>
+                <a:xfrm>
+                  <a:off x="4924123" y="3061856"/>
+                  <a:ext cx="2687102" cy="260529"/>
+                </a:xfrm>
+                <a:prstGeom prst="roundRect">
+                  <a:avLst/>
+                </a:prstGeom>
+                <a:solidFill>
+                  <a:schemeClr val="accent1">
+                    <a:lumMod val="20000"/>
+                    <a:lumOff val="80000"/>
+                  </a:schemeClr>
+                </a:solidFill>
+                <a:ln w="19050"/>
+              </p:spPr>
+              <p:style>
+                <a:lnRef idx="2">
+                  <a:schemeClr val="dk1"/>
+                </a:lnRef>
+                <a:fillRef idx="1">
+                  <a:schemeClr val="lt1"/>
+                </a:fillRef>
+                <a:effectRef idx="0">
+                  <a:schemeClr val="dk1"/>
+                </a:effectRef>
+                <a:fontRef idx="minor">
+                  <a:schemeClr val="dk1"/>
+                </a:fontRef>
+              </p:style>
+              <p:txBody>
+                <a:bodyPr rtlCol="0" anchor="ctr"/>
+                <a:lstStyle/>
+                <a:p>
+                  <a:pPr algn="ctr"/>
+                  <a:r>
+                    <a:rPr lang="es-ES" sz="1100" dirty="0" smtClean="0"/>
+                    <a:t>Llamar a función Filtrado GSR</a:t>
+                  </a:r>
+                  <a:endParaRPr lang="es-ES" sz="1100" dirty="0"/>
+                </a:p>
+              </p:txBody>
+            </p:sp>
+            <p:sp>
+              <p:nvSpPr>
+                <p:cNvPr id="63" name="Rectángulo redondeado 18">
+                  <a:extLst>
+                    <a:ext uri="{FF2B5EF4-FFF2-40B4-BE49-F238E27FC236}">
+                      <a16:creationId xmlns:a16="http://schemas.microsoft.com/office/drawing/2014/main" id="{8E5DF590-F50B-41E6-902D-5E78D666E26E}"/>
+                    </a:ext>
+                  </a:extLst>
+                </p:cNvPr>
+                <p:cNvSpPr/>
+                <p:nvPr/>
+              </p:nvSpPr>
+              <p:spPr>
+                <a:xfrm>
+                  <a:off x="5357032" y="4509773"/>
+                  <a:ext cx="1821282" cy="261779"/>
+                </a:xfrm>
+                <a:prstGeom prst="roundRect">
+                  <a:avLst/>
+                </a:prstGeom>
+                <a:solidFill>
+                  <a:schemeClr val="accent6">
+                    <a:lumMod val="40000"/>
+                    <a:lumOff val="60000"/>
+                  </a:schemeClr>
+                </a:solidFill>
+                <a:ln w="19050"/>
+              </p:spPr>
+              <p:style>
+                <a:lnRef idx="2">
+                  <a:schemeClr val="dk1"/>
+                </a:lnRef>
+                <a:fillRef idx="1">
+                  <a:schemeClr val="lt1"/>
+                </a:fillRef>
+                <a:effectRef idx="0">
+                  <a:schemeClr val="dk1"/>
+                </a:effectRef>
+                <a:fontRef idx="minor">
+                  <a:schemeClr val="dk1"/>
+                </a:fontRef>
+              </p:style>
+              <p:txBody>
+                <a:bodyPr rtlCol="0" anchor="ctr"/>
+                <a:lstStyle/>
+                <a:p>
+                  <a:pPr algn="ctr"/>
+                  <a:r>
+                    <a:rPr lang="es-ES" sz="1100" dirty="0" smtClean="0"/>
+                    <a:t>Espera al siguiente Periodo</a:t>
+                  </a:r>
+                  <a:endParaRPr lang="es-ES" sz="1100" dirty="0"/>
+                </a:p>
+              </p:txBody>
+            </p:sp>
+            <p:sp>
+              <p:nvSpPr>
+                <p:cNvPr id="64" name="Rectángulo redondeado 25">
+                  <a:extLst>
+                    <a:ext uri="{FF2B5EF4-FFF2-40B4-BE49-F238E27FC236}">
+                      <a16:creationId xmlns:a16="http://schemas.microsoft.com/office/drawing/2014/main" id="{20A6C383-41C2-407E-A200-27D83AA9F55A}"/>
+                    </a:ext>
+                  </a:extLst>
+                </p:cNvPr>
+                <p:cNvSpPr/>
+                <p:nvPr/>
+              </p:nvSpPr>
+              <p:spPr>
+                <a:xfrm>
+                  <a:off x="5568366" y="936587"/>
+                  <a:ext cx="1398617" cy="261779"/>
+                </a:xfrm>
+                <a:prstGeom prst="roundRect">
+                  <a:avLst/>
+                </a:prstGeom>
+                <a:solidFill>
+                  <a:schemeClr val="accent6">
+                    <a:lumMod val="40000"/>
+                    <a:lumOff val="60000"/>
+                  </a:schemeClr>
+                </a:solidFill>
+                <a:ln w="19050"/>
+              </p:spPr>
+              <p:style>
+                <a:lnRef idx="2">
+                  <a:schemeClr val="dk1"/>
+                </a:lnRef>
+                <a:fillRef idx="1">
+                  <a:schemeClr val="lt1"/>
+                </a:fillRef>
+                <a:effectRef idx="0">
+                  <a:schemeClr val="dk1"/>
+                </a:effectRef>
+                <a:fontRef idx="minor">
+                  <a:schemeClr val="dk1"/>
+                </a:fontRef>
+              </p:style>
+              <p:txBody>
+                <a:bodyPr rtlCol="0" anchor="ctr"/>
+                <a:lstStyle/>
+                <a:p>
+                  <a:pPr algn="ctr"/>
+                  <a:r>
+                    <a:rPr lang="es-ES" sz="1100" dirty="0"/>
+                    <a:t>Llamada a la </a:t>
+                  </a:r>
+                  <a:r>
+                    <a:rPr lang="es-ES" sz="1100" dirty="0" smtClean="0"/>
+                    <a:t>Tarea</a:t>
+                  </a:r>
+                  <a:endParaRPr lang="es-ES" sz="1100" dirty="0"/>
+                </a:p>
+              </p:txBody>
+            </p:sp>
+            <p:cxnSp>
+              <p:nvCxnSpPr>
+                <p:cNvPr id="65" name="Conector recto de flecha 64">
+                  <a:extLst>
+                    <a:ext uri="{FF2B5EF4-FFF2-40B4-BE49-F238E27FC236}">
+                      <a16:creationId xmlns:a16="http://schemas.microsoft.com/office/drawing/2014/main" id="{6527BD81-B885-406F-AE7C-EB51E6883B2F}"/>
+                    </a:ext>
+                  </a:extLst>
+                </p:cNvPr>
+                <p:cNvCxnSpPr>
+                  <a:cxnSpLocks/>
+                  <a:stCxn id="61" idx="2"/>
+                  <a:endCxn id="70" idx="0"/>
+                </p:cNvCxnSpPr>
+                <p:nvPr/>
+              </p:nvCxnSpPr>
+              <p:spPr>
+                <a:xfrm>
+                  <a:off x="6267674" y="3322385"/>
+                  <a:ext cx="0" cy="230450"/>
+                </a:xfrm>
+                <a:prstGeom prst="straightConnector1">
+                  <a:avLst/>
+                </a:prstGeom>
+                <a:ln w="19050">
+                  <a:tailEnd type="triangle"/>
+                </a:ln>
+              </p:spPr>
+              <p:style>
+                <a:lnRef idx="1">
+                  <a:schemeClr val="dk1"/>
+                </a:lnRef>
+                <a:fillRef idx="0">
+                  <a:schemeClr val="dk1"/>
+                </a:fillRef>
+                <a:effectRef idx="0">
+                  <a:schemeClr val="dk1"/>
+                </a:effectRef>
+                <a:fontRef idx="minor">
+                  <a:schemeClr val="tx1"/>
+                </a:fontRef>
+              </p:style>
+            </p:cxnSp>
+            <p:sp>
+              <p:nvSpPr>
+                <p:cNvPr id="66" name="Rectángulo redondeado 42">
+                  <a:extLst>
+                    <a:ext uri="{FF2B5EF4-FFF2-40B4-BE49-F238E27FC236}">
+                      <a16:creationId xmlns:a16="http://schemas.microsoft.com/office/drawing/2014/main" id="{E99C4A46-A6ED-4256-BE7A-FB3263735CB7}"/>
+                    </a:ext>
+                  </a:extLst>
+                </p:cNvPr>
+                <p:cNvSpPr/>
+                <p:nvPr/>
+              </p:nvSpPr>
+              <p:spPr>
+                <a:xfrm>
+                  <a:off x="5054151" y="4027146"/>
+                  <a:ext cx="2427044" cy="260065"/>
+                </a:xfrm>
+                <a:prstGeom prst="roundRect">
+                  <a:avLst/>
+                </a:prstGeom>
+                <a:solidFill>
+                  <a:schemeClr val="accent1">
+                    <a:lumMod val="20000"/>
+                    <a:lumOff val="80000"/>
+                  </a:schemeClr>
+                </a:solidFill>
+                <a:ln w="19050"/>
+              </p:spPr>
+              <p:style>
+                <a:lnRef idx="2">
+                  <a:schemeClr val="dk1"/>
+                </a:lnRef>
+                <a:fillRef idx="1">
+                  <a:schemeClr val="lt1"/>
+                </a:fillRef>
+                <a:effectRef idx="0">
+                  <a:schemeClr val="dk1"/>
+                </a:effectRef>
+                <a:fontRef idx="minor">
+                  <a:schemeClr val="dk1"/>
+                </a:fontRef>
+              </p:style>
+              <p:txBody>
+                <a:bodyPr rtlCol="0" anchor="ctr"/>
+                <a:lstStyle/>
+                <a:p>
+                  <a:pPr algn="ctr"/>
+                  <a:r>
+                    <a:rPr lang="es-ES" sz="1100" dirty="0" smtClean="0"/>
+                    <a:t>Eliminar los archivos </a:t>
+                  </a:r>
+                  <a:r>
+                    <a:rPr lang="es-ES" sz="1100" i="1" dirty="0" smtClean="0"/>
+                    <a:t>CSV</a:t>
+                  </a:r>
+                  <a:endParaRPr lang="es-ES" sz="1100" dirty="0"/>
+                </a:p>
+              </p:txBody>
+            </p:sp>
+            <p:cxnSp>
+              <p:nvCxnSpPr>
+                <p:cNvPr id="67" name="Conector recto de flecha 66">
+                  <a:extLst>
+                    <a:ext uri="{FF2B5EF4-FFF2-40B4-BE49-F238E27FC236}">
+                      <a16:creationId xmlns:a16="http://schemas.microsoft.com/office/drawing/2014/main" id="{EBC61CB4-4500-44FA-AA4D-71BA11440941}"/>
+                    </a:ext>
+                  </a:extLst>
+                </p:cNvPr>
+                <p:cNvCxnSpPr>
+                  <a:cxnSpLocks/>
+                  <a:stCxn id="66" idx="2"/>
+                  <a:endCxn id="63" idx="0"/>
+                </p:cNvCxnSpPr>
+                <p:nvPr/>
+              </p:nvCxnSpPr>
+              <p:spPr>
+                <a:xfrm>
+                  <a:off x="6267673" y="4287211"/>
+                  <a:ext cx="0" cy="222562"/>
+                </a:xfrm>
+                <a:prstGeom prst="straightConnector1">
+                  <a:avLst/>
+                </a:prstGeom>
+                <a:ln w="19050">
+                  <a:tailEnd type="triangle"/>
+                </a:ln>
+              </p:spPr>
+              <p:style>
+                <a:lnRef idx="1">
+                  <a:schemeClr val="dk1"/>
+                </a:lnRef>
+                <a:fillRef idx="0">
+                  <a:schemeClr val="dk1"/>
+                </a:fillRef>
+                <a:effectRef idx="0">
+                  <a:schemeClr val="dk1"/>
+                </a:effectRef>
+                <a:fontRef idx="minor">
+                  <a:schemeClr val="tx1"/>
+                </a:fontRef>
+              </p:style>
+            </p:cxnSp>
+            <p:sp>
+              <p:nvSpPr>
+                <p:cNvPr id="70" name="Rectángulo redondeado 69">
+                  <a:extLst>
+                    <a:ext uri="{FF2B5EF4-FFF2-40B4-BE49-F238E27FC236}">
+                      <a16:creationId xmlns:a16="http://schemas.microsoft.com/office/drawing/2014/main" id="{B214F247-9EA4-44E1-AEB2-2B8C8B592739}"/>
+                    </a:ext>
+                  </a:extLst>
+                </p:cNvPr>
+                <p:cNvSpPr/>
+                <p:nvPr/>
+              </p:nvSpPr>
+              <p:spPr>
+                <a:xfrm>
+                  <a:off x="4924123" y="3552835"/>
+                  <a:ext cx="2687102" cy="260529"/>
+                </a:xfrm>
+                <a:prstGeom prst="roundRect">
+                  <a:avLst/>
+                </a:prstGeom>
+                <a:solidFill>
+                  <a:schemeClr val="accent1">
+                    <a:lumMod val="20000"/>
+                    <a:lumOff val="80000"/>
+                  </a:schemeClr>
+                </a:solidFill>
+                <a:ln w="19050"/>
+              </p:spPr>
+              <p:style>
+                <a:lnRef idx="2">
+                  <a:schemeClr val="dk1"/>
+                </a:lnRef>
+                <a:fillRef idx="1">
+                  <a:schemeClr val="lt1"/>
+                </a:fillRef>
+                <a:effectRef idx="0">
+                  <a:schemeClr val="dk1"/>
+                </a:effectRef>
+                <a:fontRef idx="minor">
+                  <a:schemeClr val="dk1"/>
+                </a:fontRef>
+              </p:style>
+              <p:txBody>
+                <a:bodyPr rtlCol="0" anchor="ctr"/>
+                <a:lstStyle/>
+                <a:p>
+                  <a:pPr algn="ctr"/>
+                  <a:r>
+                    <a:rPr lang="es-ES" sz="1100" dirty="0" smtClean="0"/>
+                    <a:t>Subir los archivos </a:t>
+                  </a:r>
+                  <a:r>
+                    <a:rPr lang="es-ES" sz="1100" i="1" dirty="0" smtClean="0"/>
+                    <a:t>CSV a la base de datos</a:t>
+                  </a:r>
+                  <a:endParaRPr lang="es-ES" sz="1100" i="1" dirty="0"/>
+                </a:p>
+              </p:txBody>
+            </p:sp>
+            <p:cxnSp>
+              <p:nvCxnSpPr>
+                <p:cNvPr id="71" name="Conector recto de flecha 70">
+                  <a:extLst>
+                    <a:ext uri="{FF2B5EF4-FFF2-40B4-BE49-F238E27FC236}">
+                      <a16:creationId xmlns:a16="http://schemas.microsoft.com/office/drawing/2014/main" id="{6527BD81-B885-406F-AE7C-EB51E6883B2F}"/>
+                    </a:ext>
+                  </a:extLst>
+                </p:cNvPr>
+                <p:cNvCxnSpPr>
+                  <a:cxnSpLocks/>
+                  <a:stCxn id="70" idx="2"/>
+                  <a:endCxn id="66" idx="0"/>
+                </p:cNvCxnSpPr>
+                <p:nvPr/>
+              </p:nvCxnSpPr>
+              <p:spPr>
+                <a:xfrm flipH="1">
+                  <a:off x="6267673" y="3813364"/>
+                  <a:ext cx="1" cy="213782"/>
+                </a:xfrm>
+                <a:prstGeom prst="straightConnector1">
+                  <a:avLst/>
+                </a:prstGeom>
+                <a:ln w="19050">
+                  <a:tailEnd type="triangle"/>
+                </a:ln>
+              </p:spPr>
+              <p:style>
+                <a:lnRef idx="1">
+                  <a:schemeClr val="dk1"/>
+                </a:lnRef>
+                <a:fillRef idx="0">
+                  <a:schemeClr val="dk1"/>
+                </a:fillRef>
+                <a:effectRef idx="0">
+                  <a:schemeClr val="dk1"/>
+                </a:effectRef>
+                <a:fontRef idx="minor">
+                  <a:schemeClr val="tx1"/>
+                </a:fontRef>
+              </p:style>
+            </p:cxnSp>
+            <p:sp>
+              <p:nvSpPr>
+                <p:cNvPr id="76" name="Rectángulo redondeado 75">
+                  <a:extLst>
+                    <a:ext uri="{FF2B5EF4-FFF2-40B4-BE49-F238E27FC236}">
+                      <a16:creationId xmlns:a16="http://schemas.microsoft.com/office/drawing/2014/main" id="{DD521B4B-DEB0-49C8-8EB4-A0D909B11EE2}"/>
+                    </a:ext>
+                  </a:extLst>
+                </p:cNvPr>
+                <p:cNvSpPr/>
+                <p:nvPr/>
+              </p:nvSpPr>
+              <p:spPr>
+                <a:xfrm>
+                  <a:off x="5054151" y="2568588"/>
+                  <a:ext cx="2427044" cy="261779"/>
+                </a:xfrm>
+                <a:prstGeom prst="roundRect">
+                  <a:avLst/>
+                </a:prstGeom>
+                <a:solidFill>
+                  <a:schemeClr val="accent1">
+                    <a:lumMod val="20000"/>
+                    <a:lumOff val="80000"/>
+                  </a:schemeClr>
+                </a:solidFill>
+                <a:ln w="19050"/>
+              </p:spPr>
+              <p:style>
+                <a:lnRef idx="2">
+                  <a:schemeClr val="dk1"/>
+                </a:lnRef>
+                <a:fillRef idx="1">
+                  <a:schemeClr val="lt1"/>
+                </a:fillRef>
+                <a:effectRef idx="0">
+                  <a:schemeClr val="dk1"/>
+                </a:effectRef>
+                <a:fontRef idx="minor">
+                  <a:schemeClr val="dk1"/>
+                </a:fontRef>
+              </p:style>
+              <p:txBody>
+                <a:bodyPr rtlCol="0" anchor="ctr"/>
+                <a:lstStyle/>
+                <a:p>
+                  <a:pPr algn="ctr"/>
+                  <a:r>
+                    <a:rPr lang="es-ES" sz="1100" dirty="0" smtClean="0"/>
+                    <a:t>Llamar a función Decodificación ECG</a:t>
+                  </a:r>
+                  <a:endParaRPr lang="es-ES" sz="1100" dirty="0"/>
+                </a:p>
+              </p:txBody>
+            </p:sp>
+            <p:cxnSp>
+              <p:nvCxnSpPr>
+                <p:cNvPr id="77" name="Conector recto de flecha 76">
+                  <a:extLst>
+                    <a:ext uri="{FF2B5EF4-FFF2-40B4-BE49-F238E27FC236}">
+                      <a16:creationId xmlns:a16="http://schemas.microsoft.com/office/drawing/2014/main" id="{B417B286-62A3-4894-80EF-113375973E1B}"/>
+                    </a:ext>
+                  </a:extLst>
+                </p:cNvPr>
+                <p:cNvCxnSpPr>
+                  <a:cxnSpLocks/>
+                  <a:stCxn id="60" idx="2"/>
+                  <a:endCxn id="76" idx="0"/>
+                </p:cNvCxnSpPr>
+                <p:nvPr/>
+              </p:nvCxnSpPr>
+              <p:spPr>
+                <a:xfrm flipH="1">
+                  <a:off x="6267673" y="2330766"/>
+                  <a:ext cx="1279" cy="237822"/>
+                </a:xfrm>
+                <a:prstGeom prst="straightConnector1">
+                  <a:avLst/>
+                </a:prstGeom>
+                <a:ln w="19050">
+                  <a:tailEnd type="triangle"/>
+                </a:ln>
+              </p:spPr>
+              <p:style>
+                <a:lnRef idx="1">
+                  <a:schemeClr val="dk1"/>
+                </a:lnRef>
+                <a:fillRef idx="0">
+                  <a:schemeClr val="dk1"/>
+                </a:fillRef>
+                <a:effectRef idx="0">
+                  <a:schemeClr val="dk1"/>
+                </a:effectRef>
+                <a:fontRef idx="minor">
+                  <a:schemeClr val="tx1"/>
+                </a:fontRef>
+              </p:style>
+            </p:cxnSp>
+            <p:cxnSp>
+              <p:nvCxnSpPr>
+                <p:cNvPr id="80" name="Conector recto de flecha 79">
+                  <a:extLst>
+                    <a:ext uri="{FF2B5EF4-FFF2-40B4-BE49-F238E27FC236}">
+                      <a16:creationId xmlns:a16="http://schemas.microsoft.com/office/drawing/2014/main" id="{6527BD81-B885-406F-AE7C-EB51E6883B2F}"/>
+                    </a:ext>
+                  </a:extLst>
+                </p:cNvPr>
+                <p:cNvCxnSpPr>
+                  <a:cxnSpLocks/>
+                  <a:stCxn id="76" idx="2"/>
+                  <a:endCxn id="61" idx="0"/>
+                </p:cNvCxnSpPr>
+                <p:nvPr/>
+              </p:nvCxnSpPr>
+              <p:spPr>
+                <a:xfrm>
+                  <a:off x="6267673" y="2830367"/>
+                  <a:ext cx="1" cy="231489"/>
+                </a:xfrm>
+                <a:prstGeom prst="straightConnector1">
+                  <a:avLst/>
+                </a:prstGeom>
+                <a:ln w="19050">
+                  <a:tailEnd type="triangle"/>
+                </a:ln>
+              </p:spPr>
+              <p:style>
+                <a:lnRef idx="1">
+                  <a:schemeClr val="dk1"/>
+                </a:lnRef>
+                <a:fillRef idx="0">
+                  <a:schemeClr val="dk1"/>
+                </a:fillRef>
+                <a:effectRef idx="0">
+                  <a:schemeClr val="dk1"/>
+                </a:effectRef>
+                <a:fontRef idx="minor">
+                  <a:schemeClr val="tx1"/>
+                </a:fontRef>
+              </p:style>
+            </p:cxnSp>
+          </p:grpSp>
+          <p:sp>
+            <p:nvSpPr>
+              <p:cNvPr id="92" name="CuadroTexto 91">
+                <a:extLst>
+                  <a:ext uri="{FF2B5EF4-FFF2-40B4-BE49-F238E27FC236}">
+                    <a16:creationId xmlns:a16="http://schemas.microsoft.com/office/drawing/2014/main" id="{FB8CDAB0-4F09-4AC4-A02D-1FB9B90E9050}"/>
+                  </a:ext>
+                </a:extLst>
+              </p:cNvPr>
+              <p:cNvSpPr txBox="1"/>
+              <p:nvPr/>
+            </p:nvSpPr>
+            <p:spPr>
+              <a:xfrm>
+                <a:off x="4176828" y="1975520"/>
+                <a:ext cx="772778" cy="276999"/>
+              </a:xfrm>
+              <a:prstGeom prst="rect">
+                <a:avLst/>
+              </a:prstGeom>
+              <a:noFill/>
+            </p:spPr>
+            <p:txBody>
+              <a:bodyPr wrap="square" rtlCol="0">
+                <a:spAutoFit/>
+              </a:bodyPr>
+              <a:lstStyle/>
+              <a:p>
+                <a:r>
+                  <a:rPr lang="es-ES" sz="1200" dirty="0"/>
+                  <a:t>Dirección</a:t>
+                </a:r>
+              </a:p>
+            </p:txBody>
+          </p:sp>
+          <p:sp>
+            <p:nvSpPr>
+              <p:cNvPr id="94" name="CuadroTexto 93">
+                <a:extLst>
+                  <a:ext uri="{FF2B5EF4-FFF2-40B4-BE49-F238E27FC236}">
+                    <a16:creationId xmlns:a16="http://schemas.microsoft.com/office/drawing/2014/main" id="{FB8CDAB0-4F09-4AC4-A02D-1FB9B90E9050}"/>
+                  </a:ext>
+                </a:extLst>
+              </p:cNvPr>
+              <p:cNvSpPr txBox="1"/>
+              <p:nvPr/>
+            </p:nvSpPr>
+            <p:spPr>
+              <a:xfrm>
+                <a:off x="4176828" y="2457712"/>
+                <a:ext cx="772778" cy="276999"/>
+              </a:xfrm>
+              <a:prstGeom prst="rect">
+                <a:avLst/>
+              </a:prstGeom>
+              <a:noFill/>
+            </p:spPr>
+            <p:txBody>
+              <a:bodyPr wrap="square" rtlCol="0">
+                <a:spAutoFit/>
+              </a:bodyPr>
+              <a:lstStyle/>
+              <a:p>
+                <a:r>
+                  <a:rPr lang="es-ES" sz="1200" dirty="0"/>
+                  <a:t>Dirección</a:t>
+                </a:r>
+              </a:p>
+            </p:txBody>
+          </p:sp>
+          <p:sp>
+            <p:nvSpPr>
+              <p:cNvPr id="95" name="CuadroTexto 94">
+                <a:extLst>
+                  <a:ext uri="{FF2B5EF4-FFF2-40B4-BE49-F238E27FC236}">
+                    <a16:creationId xmlns:a16="http://schemas.microsoft.com/office/drawing/2014/main" id="{FB8CDAB0-4F09-4AC4-A02D-1FB9B90E9050}"/>
+                  </a:ext>
+                </a:extLst>
+              </p:cNvPr>
+              <p:cNvSpPr txBox="1"/>
+              <p:nvPr/>
+            </p:nvSpPr>
+            <p:spPr>
+              <a:xfrm>
+                <a:off x="4049828" y="2952461"/>
+                <a:ext cx="772778" cy="276999"/>
+              </a:xfrm>
+              <a:prstGeom prst="rect">
+                <a:avLst/>
+              </a:prstGeom>
+              <a:noFill/>
+            </p:spPr>
+            <p:txBody>
+              <a:bodyPr wrap="square" rtlCol="0">
+                <a:spAutoFit/>
+              </a:bodyPr>
+              <a:lstStyle/>
+              <a:p>
+                <a:r>
+                  <a:rPr lang="es-ES" sz="1200" dirty="0"/>
+                  <a:t>Dirección</a:t>
+                </a:r>
+              </a:p>
+            </p:txBody>
+          </p:sp>
+          <p:cxnSp>
+            <p:nvCxnSpPr>
+              <p:cNvPr id="96" name="Conector recto de flecha 95">
+                <a:extLst>
+                  <a:ext uri="{FF2B5EF4-FFF2-40B4-BE49-F238E27FC236}">
+                    <a16:creationId xmlns:a16="http://schemas.microsoft.com/office/drawing/2014/main" id="{E36D5300-E98E-43E9-B5C4-E955BE14B9A1}"/>
+                  </a:ext>
+                </a:extLst>
+              </p:cNvPr>
+              <p:cNvCxnSpPr>
+                <a:cxnSpLocks/>
+              </p:cNvCxnSpPr>
+              <p:nvPr/>
+            </p:nvCxnSpPr>
+            <p:spPr>
+              <a:xfrm>
+                <a:off x="4222750" y="2199876"/>
+                <a:ext cx="831401" cy="0"/>
+              </a:xfrm>
+              <a:prstGeom prst="straightConnector1">
+                <a:avLst/>
+              </a:prstGeom>
+              <a:ln w="19050">
+                <a:tailEnd type="triangle"/>
+              </a:ln>
+            </p:spPr>
+            <p:style>
+              <a:lnRef idx="1">
+                <a:schemeClr val="dk1"/>
+              </a:lnRef>
+              <a:fillRef idx="0">
+                <a:schemeClr val="dk1"/>
+              </a:fillRef>
+              <a:effectRef idx="0">
+                <a:schemeClr val="dk1"/>
+              </a:effectRef>
+              <a:fontRef idx="minor">
+                <a:schemeClr val="tx1"/>
+              </a:fontRef>
+            </p:style>
+          </p:cxnSp>
+          <p:cxnSp>
+            <p:nvCxnSpPr>
+              <p:cNvPr id="100" name="Conector recto de flecha 99">
+                <a:extLst>
+                  <a:ext uri="{FF2B5EF4-FFF2-40B4-BE49-F238E27FC236}">
+                    <a16:creationId xmlns:a16="http://schemas.microsoft.com/office/drawing/2014/main" id="{E36D5300-E98E-43E9-B5C4-E955BE14B9A1}"/>
+                  </a:ext>
+                </a:extLst>
+              </p:cNvPr>
+              <p:cNvCxnSpPr>
+                <a:cxnSpLocks/>
+              </p:cNvCxnSpPr>
+              <p:nvPr/>
+            </p:nvCxnSpPr>
+            <p:spPr>
+              <a:xfrm>
+                <a:off x="4222750" y="2692001"/>
+                <a:ext cx="831401" cy="0"/>
+              </a:xfrm>
+              <a:prstGeom prst="straightConnector1">
+                <a:avLst/>
+              </a:prstGeom>
+              <a:ln w="19050">
+                <a:tailEnd type="triangle"/>
+              </a:ln>
+            </p:spPr>
+            <p:style>
+              <a:lnRef idx="1">
+                <a:schemeClr val="dk1"/>
+              </a:lnRef>
+              <a:fillRef idx="0">
+                <a:schemeClr val="dk1"/>
+              </a:fillRef>
+              <a:effectRef idx="0">
+                <a:schemeClr val="dk1"/>
+              </a:effectRef>
+              <a:fontRef idx="minor">
+                <a:schemeClr val="tx1"/>
+              </a:fontRef>
+            </p:style>
+          </p:cxnSp>
+          <p:cxnSp>
+            <p:nvCxnSpPr>
+              <p:cNvPr id="101" name="Conector recto de flecha 100">
+                <a:extLst>
+                  <a:ext uri="{FF2B5EF4-FFF2-40B4-BE49-F238E27FC236}">
+                    <a16:creationId xmlns:a16="http://schemas.microsoft.com/office/drawing/2014/main" id="{E36D5300-E98E-43E9-B5C4-E955BE14B9A1}"/>
+                  </a:ext>
+                </a:extLst>
+              </p:cNvPr>
+              <p:cNvCxnSpPr>
+                <a:cxnSpLocks/>
+              </p:cNvCxnSpPr>
+              <p:nvPr/>
+            </p:nvCxnSpPr>
+            <p:spPr>
+              <a:xfrm>
+                <a:off x="4092722" y="3192120"/>
+                <a:ext cx="831401" cy="0"/>
+              </a:xfrm>
+              <a:prstGeom prst="straightConnector1">
+                <a:avLst/>
+              </a:prstGeom>
+              <a:ln w="19050">
+                <a:tailEnd type="triangle"/>
+              </a:ln>
+            </p:spPr>
+            <p:style>
+              <a:lnRef idx="1">
+                <a:schemeClr val="dk1"/>
+              </a:lnRef>
+              <a:fillRef idx="0">
+                <a:schemeClr val="dk1"/>
+              </a:fillRef>
+              <a:effectRef idx="0">
+                <a:schemeClr val="dk1"/>
+              </a:effectRef>
+              <a:fontRef idx="minor">
+                <a:schemeClr val="tx1"/>
+              </a:fontRef>
+            </p:style>
+          </p:cxnSp>
+        </p:grpSp>
+        <p:cxnSp>
+          <p:nvCxnSpPr>
+            <p:cNvPr id="106" name="Conector angular 105"/>
+            <p:cNvCxnSpPr>
+              <a:stCxn id="63" idx="3"/>
+              <a:endCxn id="57" idx="3"/>
+            </p:cNvCxnSpPr>
+            <p:nvPr/>
+          </p:nvCxnSpPr>
+          <p:spPr>
+            <a:xfrm flipH="1" flipV="1">
+              <a:off x="7058531" y="1639850"/>
+              <a:ext cx="119783" cy="3000813"/>
+            </a:xfrm>
+            <a:prstGeom prst="bentConnector3">
+              <a:avLst>
+                <a:gd name="adj1" fmla="val -638344"/>
+              </a:avLst>
+            </a:prstGeom>
+            <a:ln w="19050">
+              <a:solidFill>
+                <a:schemeClr val="tx1"/>
+              </a:solidFill>
+              <a:tailEnd type="triangle"/>
+            </a:ln>
+          </p:spPr>
+          <p:style>
+            <a:lnRef idx="1">
+              <a:schemeClr val="dk1"/>
+            </a:lnRef>
+            <a:fillRef idx="0">
+              <a:schemeClr val="dk1"/>
+            </a:fillRef>
+            <a:effectRef idx="0">
+              <a:schemeClr val="dk1"/>
+            </a:effectRef>
+            <a:fontRef idx="minor">
+              <a:schemeClr val="tx1"/>
+            </a:fontRef>
+          </p:style>
+        </p:cxnSp>
+      </p:grpSp>
+    </p:spTree>
+    <p:extLst>
+      <p:ext uri="{BB962C8B-B14F-4D97-AF65-F5344CB8AC3E}">
+        <p14:creationId xmlns:p14="http://schemas.microsoft.com/office/powerpoint/2010/main" val="3775744260"/>
+      </p:ext>
+    </p:extLst>
+  </p:cSld>
+  <p:clrMapOvr>
+    <a:masterClrMapping/>
+  </p:clrMapOvr>
+</p:sld>
+</file>
+
+<file path=ppt/slides/slide22.xml><?xml version="1.0" encoding="utf-8"?>
+<p:sld xmlns:a="http://schemas.openxmlformats.org/drawingml/2006/main" xmlns:r="http://schemas.openxmlformats.org/officeDocument/2006/relationships" xmlns:p="http://schemas.openxmlformats.org/presentationml/2006/main">
+  <p:cSld>
+    <p:spTree>
+      <p:nvGrpSpPr>
+        <p:cNvPr id="1" name=""/>
+        <p:cNvGrpSpPr/>
+        <p:nvPr/>
+      </p:nvGrpSpPr>
+      <p:grpSpPr>
+        <a:xfrm>
+          <a:off x="0" y="0"/>
+          <a:ext cx="0" cy="0"/>
+          <a:chOff x="0" y="0"/>
+          <a:chExt cx="0" cy="0"/>
+        </a:xfrm>
+      </p:grpSpPr>
+      <p:grpSp>
+        <p:nvGrpSpPr>
+          <p:cNvPr id="17" name="Grupo 16"/>
+          <p:cNvGrpSpPr/>
+          <p:nvPr/>
+        </p:nvGrpSpPr>
+        <p:grpSpPr>
+          <a:xfrm>
+            <a:off x="507682" y="341610"/>
+            <a:ext cx="10717532" cy="4104586"/>
+            <a:chOff x="977582" y="671810"/>
+            <a:chExt cx="10717532" cy="4104586"/>
+          </a:xfrm>
+        </p:grpSpPr>
+        <p:grpSp>
+          <p:nvGrpSpPr>
+            <p:cNvPr id="6" name="Grupo 5"/>
+            <p:cNvGrpSpPr/>
+            <p:nvPr/>
+          </p:nvGrpSpPr>
+          <p:grpSpPr>
+            <a:xfrm>
+              <a:off x="977583" y="671810"/>
+              <a:ext cx="10717531" cy="4104586"/>
+              <a:chOff x="977583" y="671810"/>
+              <a:chExt cx="10717531" cy="4104586"/>
+            </a:xfrm>
+          </p:grpSpPr>
+          <p:pic>
+            <p:nvPicPr>
+              <p:cNvPr id="4" name="Imagen 3"/>
+              <p:cNvPicPr>
+                <a:picLocks noChangeAspect="1"/>
+              </p:cNvPicPr>
+              <p:nvPr/>
+            </p:nvPicPr>
+            <p:blipFill>
+              <a:blip r:embed="rId2"/>
+              <a:stretch>
+                <a:fillRect/>
+              </a:stretch>
+            </p:blipFill>
+            <p:spPr>
+              <a:xfrm>
+                <a:off x="977583" y="671810"/>
+                <a:ext cx="10717531" cy="4104586"/>
+              </a:xfrm>
+              <a:prstGeom prst="rect">
+                <a:avLst/>
+              </a:prstGeom>
+            </p:spPr>
+          </p:pic>
+          <p:sp>
+            <p:nvSpPr>
+              <p:cNvPr id="5" name="Rectángulo 4"/>
+              <p:cNvSpPr/>
+              <p:nvPr/>
+            </p:nvSpPr>
+            <p:spPr>
+              <a:xfrm>
+                <a:off x="4694107" y="1068113"/>
+                <a:ext cx="1490793" cy="176487"/>
+              </a:xfrm>
+              <a:prstGeom prst="rect">
+                <a:avLst/>
+              </a:prstGeom>
+              <a:solidFill>
+                <a:srgbClr val="FFFFFF"/>
+              </a:solidFill>
+              <a:ln>
+                <a:solidFill>
+                  <a:srgbClr val="FFFFFF"/>
+                </a:solidFill>
+              </a:ln>
+            </p:spPr>
+            <p:style>
+              <a:lnRef idx="2">
+                <a:schemeClr val="accent1">
+                  <a:shade val="50000"/>
+                </a:schemeClr>
+              </a:lnRef>
+              <a:fillRef idx="1">
+                <a:schemeClr val="accent1"/>
+              </a:fillRef>
+              <a:effectRef idx="0">
+                <a:schemeClr val="accent1"/>
+              </a:effectRef>
+              <a:fontRef idx="minor">
+                <a:schemeClr val="lt1"/>
+              </a:fontRef>
+            </p:style>
+            <p:txBody>
+              <a:bodyPr rtlCol="0" anchor="ctr"/>
+              <a:lstStyle/>
+              <a:p>
+                <a:pPr algn="ctr"/>
+                <a:endParaRPr lang="es-ES"/>
+              </a:p>
+            </p:txBody>
+          </p:sp>
+        </p:grpSp>
+        <p:grpSp>
+          <p:nvGrpSpPr>
+            <p:cNvPr id="10" name="Grupo 9"/>
+            <p:cNvGrpSpPr/>
+            <p:nvPr/>
+          </p:nvGrpSpPr>
+          <p:grpSpPr>
+            <a:xfrm>
+              <a:off x="1723708" y="2974403"/>
+              <a:ext cx="9427796" cy="1343597"/>
+              <a:chOff x="1606234" y="1395710"/>
+              <a:chExt cx="4308792" cy="614065"/>
+            </a:xfrm>
+          </p:grpSpPr>
+          <p:pic>
+            <p:nvPicPr>
+              <p:cNvPr id="8" name="Imagen 7"/>
+              <p:cNvPicPr>
+                <a:picLocks noChangeAspect="1"/>
+              </p:cNvPicPr>
+              <p:nvPr/>
+            </p:nvPicPr>
+            <p:blipFill rotWithShape="1">
+              <a:blip r:embed="rId2"/>
+              <a:srcRect r="59797" b="85039"/>
+              <a:stretch/>
+            </p:blipFill>
+            <p:spPr>
+              <a:xfrm>
+                <a:off x="1606234" y="1395710"/>
+                <a:ext cx="4308792" cy="614065"/>
+              </a:xfrm>
+              <a:prstGeom prst="rect">
+                <a:avLst/>
+              </a:prstGeom>
+              <a:ln w="38100">
+                <a:solidFill>
+                  <a:srgbClr val="7F0000"/>
+                </a:solidFill>
+              </a:ln>
+            </p:spPr>
+          </p:pic>
+          <p:sp>
+            <p:nvSpPr>
+              <p:cNvPr id="9" name="Rectángulo 8"/>
+              <p:cNvSpPr/>
+              <p:nvPr/>
+            </p:nvSpPr>
+            <p:spPr>
+              <a:xfrm>
+                <a:off x="5325933" y="1792013"/>
+                <a:ext cx="535117" cy="176487"/>
+              </a:xfrm>
+              <a:prstGeom prst="rect">
+                <a:avLst/>
+              </a:prstGeom>
+              <a:solidFill>
+                <a:srgbClr val="FFFFFF"/>
+              </a:solidFill>
+              <a:ln>
+                <a:solidFill>
+                  <a:srgbClr val="FFFFFF"/>
+                </a:solidFill>
+              </a:ln>
+            </p:spPr>
+            <p:style>
+              <a:lnRef idx="2">
+                <a:schemeClr val="accent1">
+                  <a:shade val="50000"/>
+                </a:schemeClr>
+              </a:lnRef>
+              <a:fillRef idx="1">
+                <a:schemeClr val="accent1"/>
+              </a:fillRef>
+              <a:effectRef idx="0">
+                <a:schemeClr val="accent1"/>
+              </a:effectRef>
+              <a:fontRef idx="minor">
+                <a:schemeClr val="lt1"/>
+              </a:fontRef>
+            </p:style>
+            <p:txBody>
+              <a:bodyPr rtlCol="0" anchor="ctr"/>
+              <a:lstStyle/>
+              <a:p>
+                <a:pPr algn="ctr"/>
+                <a:endParaRPr lang="es-ES"/>
+              </a:p>
+            </p:txBody>
+          </p:sp>
+        </p:grpSp>
+        <p:sp>
+          <p:nvSpPr>
+            <p:cNvPr id="11" name="Rectángulo 10"/>
+            <p:cNvSpPr/>
+            <p:nvPr/>
+          </p:nvSpPr>
+          <p:spPr>
+            <a:xfrm>
+              <a:off x="977582" y="671810"/>
+              <a:ext cx="3810317" cy="661690"/>
+            </a:xfrm>
+            <a:prstGeom prst="rect">
+              <a:avLst/>
+            </a:prstGeom>
+            <a:noFill/>
+            <a:ln w="28575">
+              <a:solidFill>
+                <a:srgbClr val="7F0000"/>
+              </a:solidFill>
+            </a:ln>
+          </p:spPr>
+          <p:style>
+            <a:lnRef idx="2">
+              <a:schemeClr val="accent1">
+                <a:shade val="50000"/>
+              </a:schemeClr>
+            </a:lnRef>
+            <a:fillRef idx="1">
+              <a:schemeClr val="accent1"/>
+            </a:fillRef>
+            <a:effectRef idx="0">
+              <a:schemeClr val="accent1"/>
+            </a:effectRef>
+            <a:fontRef idx="minor">
+              <a:schemeClr val="lt1"/>
+            </a:fontRef>
+          </p:style>
+          <p:txBody>
+            <a:bodyPr rtlCol="0" anchor="ctr"/>
+            <a:lstStyle/>
+            <a:p>
+              <a:pPr algn="ctr"/>
+              <a:endParaRPr lang="es-ES"/>
+            </a:p>
+          </p:txBody>
+        </p:sp>
+        <p:cxnSp>
+          <p:nvCxnSpPr>
+            <p:cNvPr id="15" name="Conector angular 14"/>
+            <p:cNvCxnSpPr>
+              <a:stCxn id="11" idx="2"/>
+              <a:endCxn id="8" idx="0"/>
+            </p:cNvCxnSpPr>
+            <p:nvPr/>
+          </p:nvCxnSpPr>
+          <p:spPr>
+            <a:xfrm rot="16200000" flipH="1">
+              <a:off x="3839722" y="376518"/>
+              <a:ext cx="1640903" cy="3554865"/>
+            </a:xfrm>
+            <a:prstGeom prst="bentConnector3">
+              <a:avLst/>
+            </a:prstGeom>
+            <a:ln w="38100">
+              <a:solidFill>
+                <a:srgbClr val="7F0000"/>
+              </a:solidFill>
+              <a:tailEnd type="triangle"/>
+            </a:ln>
+          </p:spPr>
+          <p:style>
+            <a:lnRef idx="1">
+              <a:schemeClr val="accent1"/>
+            </a:lnRef>
+            <a:fillRef idx="0">
+              <a:schemeClr val="accent1"/>
+            </a:fillRef>
+            <a:effectRef idx="0">
+              <a:schemeClr val="accent1"/>
+            </a:effectRef>
+            <a:fontRef idx="minor">
+              <a:schemeClr val="tx1"/>
+            </a:fontRef>
+          </p:style>
+        </p:cxnSp>
+      </p:grpSp>
+    </p:spTree>
+    <p:extLst>
+      <p:ext uri="{BB962C8B-B14F-4D97-AF65-F5344CB8AC3E}">
+        <p14:creationId xmlns:p14="http://schemas.microsoft.com/office/powerpoint/2010/main" val="3162008286"/>
+      </p:ext>
+    </p:extLst>
+  </p:cSld>
+  <p:clrMapOvr>
+    <a:masterClrMapping/>
+  </p:clrMapOvr>
+</p:sld>
+</file>
+
+<file path=ppt/slides/slide23.xml><?xml version="1.0" encoding="utf-8"?>
+<p:sld xmlns:a="http://schemas.openxmlformats.org/drawingml/2006/main" xmlns:r="http://schemas.openxmlformats.org/officeDocument/2006/relationships" xmlns:p="http://schemas.openxmlformats.org/presentationml/2006/main">
+  <p:cSld>
+    <p:spTree>
+      <p:nvGrpSpPr>
+        <p:cNvPr id="1" name=""/>
+        <p:cNvGrpSpPr/>
+        <p:nvPr/>
+      </p:nvGrpSpPr>
+      <p:grpSpPr>
+        <a:xfrm>
+          <a:off x="0" y="0"/>
+          <a:ext cx="0" cy="0"/>
+          <a:chOff x="0" y="0"/>
+          <a:chExt cx="0" cy="0"/>
+        </a:xfrm>
+      </p:grpSpPr>
+      <p:pic>
+        <p:nvPicPr>
+          <p:cNvPr id="4" name="Imagen 3"/>
+          <p:cNvPicPr>
+            <a:picLocks noChangeAspect="1"/>
+          </p:cNvPicPr>
+          <p:nvPr/>
+        </p:nvPicPr>
+        <p:blipFill>
+          <a:blip r:embed="rId2"/>
+          <a:stretch>
+            <a:fillRect/>
+          </a:stretch>
+        </p:blipFill>
+        <p:spPr>
+          <a:xfrm>
+            <a:off x="1289781" y="450368"/>
+            <a:ext cx="8565420" cy="4810989"/>
+          </a:xfrm>
+          <a:prstGeom prst="rect">
+            <a:avLst/>
+          </a:prstGeom>
+        </p:spPr>
+      </p:pic>
+    </p:spTree>
+    <p:extLst>
+      <p:ext uri="{BB962C8B-B14F-4D97-AF65-F5344CB8AC3E}">
+        <p14:creationId xmlns:p14="http://schemas.microsoft.com/office/powerpoint/2010/main" val="3687626572"/>
+      </p:ext>
+    </p:extLst>
+  </p:cSld>
+  <p:clrMapOvr>
+    <a:masterClrMapping/>
+  </p:clrMapOvr>
+</p:sld>
+</file>
+
+<file path=ppt/slides/slide24.xml><?xml version="1.0" encoding="utf-8"?>
+<p:sld xmlns:a="http://schemas.openxmlformats.org/drawingml/2006/main" xmlns:r="http://schemas.openxmlformats.org/officeDocument/2006/relationships" xmlns:p="http://schemas.openxmlformats.org/presentationml/2006/main">
+  <p:cSld>
+    <p:spTree>
+      <p:nvGrpSpPr>
+        <p:cNvPr id="1" name=""/>
+        <p:cNvGrpSpPr/>
+        <p:nvPr/>
+      </p:nvGrpSpPr>
+      <p:grpSpPr>
+        <a:xfrm>
+          <a:off x="0" y="0"/>
+          <a:ext cx="0" cy="0"/>
+          <a:chOff x="0" y="0"/>
+          <a:chExt cx="0" cy="0"/>
+        </a:xfrm>
+      </p:grpSpPr>
+      <p:grpSp>
+        <p:nvGrpSpPr>
+          <p:cNvPr id="26" name="Grupo 25"/>
+          <p:cNvGrpSpPr/>
+          <p:nvPr/>
+        </p:nvGrpSpPr>
+        <p:grpSpPr>
+          <a:xfrm>
+            <a:off x="492800" y="464426"/>
+            <a:ext cx="10798558" cy="4475436"/>
+            <a:chOff x="492800" y="464426"/>
+            <a:chExt cx="10798558" cy="4475436"/>
+          </a:xfrm>
+        </p:grpSpPr>
+        <p:grpSp>
+          <p:nvGrpSpPr>
+            <p:cNvPr id="22" name="Grupo 21"/>
+            <p:cNvGrpSpPr/>
+            <p:nvPr/>
+          </p:nvGrpSpPr>
+          <p:grpSpPr>
+            <a:xfrm>
+              <a:off x="492800" y="464426"/>
+              <a:ext cx="10798558" cy="4475436"/>
+              <a:chOff x="492800" y="464426"/>
+              <a:chExt cx="10798558" cy="4475436"/>
+            </a:xfrm>
+          </p:grpSpPr>
+          <p:pic>
+            <p:nvPicPr>
+              <p:cNvPr id="4" name="Imagen 3"/>
+              <p:cNvPicPr>
+                <a:picLocks noChangeAspect="1"/>
+              </p:cNvPicPr>
+              <p:nvPr/>
+            </p:nvPicPr>
+            <p:blipFill>
+              <a:blip r:embed="rId2"/>
+              <a:stretch>
+                <a:fillRect/>
+              </a:stretch>
+            </p:blipFill>
+            <p:spPr>
+              <a:xfrm>
+                <a:off x="492800" y="522111"/>
+                <a:ext cx="10774290" cy="317382"/>
+              </a:xfrm>
+              <a:prstGeom prst="rect">
+                <a:avLst/>
+              </a:prstGeom>
+            </p:spPr>
+          </p:pic>
+          <p:sp>
+            <p:nvSpPr>
+              <p:cNvPr id="5" name="Rectángulo 4"/>
+              <p:cNvSpPr/>
+              <p:nvPr/>
+            </p:nvSpPr>
+            <p:spPr>
+              <a:xfrm>
+                <a:off x="5183133" y="464426"/>
+                <a:ext cx="463550" cy="419100"/>
+              </a:xfrm>
+              <a:prstGeom prst="rect">
+                <a:avLst/>
+              </a:prstGeom>
+              <a:noFill/>
+              <a:ln w="38100">
+                <a:solidFill>
+                  <a:srgbClr val="7F0000"/>
+                </a:solidFill>
+              </a:ln>
+            </p:spPr>
+            <p:style>
+              <a:lnRef idx="2">
+                <a:schemeClr val="accent1">
+                  <a:shade val="50000"/>
+                </a:schemeClr>
+              </a:lnRef>
+              <a:fillRef idx="1">
+                <a:schemeClr val="accent1"/>
+              </a:fillRef>
+              <a:effectRef idx="0">
+                <a:schemeClr val="accent1"/>
+              </a:effectRef>
+              <a:fontRef idx="minor">
+                <a:schemeClr val="lt1"/>
+              </a:fontRef>
+            </p:style>
+            <p:txBody>
+              <a:bodyPr rtlCol="0" anchor="ctr"/>
+              <a:lstStyle/>
+              <a:p>
+                <a:pPr algn="ctr"/>
+                <a:endParaRPr lang="es-ES"/>
+              </a:p>
+            </p:txBody>
+          </p:sp>
+          <p:pic>
+            <p:nvPicPr>
+              <p:cNvPr id="6" name="Imagen 5"/>
+              <p:cNvPicPr>
+                <a:picLocks noChangeAspect="1"/>
+              </p:cNvPicPr>
+              <p:nvPr/>
+            </p:nvPicPr>
+            <p:blipFill>
+              <a:blip r:embed="rId3"/>
+              <a:stretch>
+                <a:fillRect/>
+              </a:stretch>
+            </p:blipFill>
+            <p:spPr>
+              <a:xfrm>
+                <a:off x="492800" y="1971534"/>
+                <a:ext cx="4405020" cy="1997221"/>
+              </a:xfrm>
+              <a:prstGeom prst="rect">
+                <a:avLst/>
+              </a:prstGeom>
+            </p:spPr>
+          </p:pic>
+          <p:sp>
+            <p:nvSpPr>
+              <p:cNvPr id="7" name="Rectángulo 6"/>
+              <p:cNvSpPr/>
+              <p:nvPr/>
+            </p:nvSpPr>
+            <p:spPr>
+              <a:xfrm>
+                <a:off x="545349" y="2229065"/>
+                <a:ext cx="2137879" cy="824921"/>
+              </a:xfrm>
+              <a:prstGeom prst="rect">
+                <a:avLst/>
+              </a:prstGeom>
+              <a:noFill/>
+              <a:ln w="38100">
+                <a:solidFill>
+                  <a:srgbClr val="7F0000"/>
+                </a:solidFill>
+              </a:ln>
+            </p:spPr>
+            <p:style>
+              <a:lnRef idx="2">
+                <a:schemeClr val="accent1">
+                  <a:shade val="50000"/>
+                </a:schemeClr>
+              </a:lnRef>
+              <a:fillRef idx="1">
+                <a:schemeClr val="accent1"/>
+              </a:fillRef>
+              <a:effectRef idx="0">
+                <a:schemeClr val="accent1"/>
+              </a:effectRef>
+              <a:fontRef idx="minor">
+                <a:schemeClr val="lt1"/>
+              </a:fontRef>
+            </p:style>
+            <p:txBody>
+              <a:bodyPr rtlCol="0" anchor="ctr"/>
+              <a:lstStyle/>
+              <a:p>
+                <a:pPr algn="ctr"/>
+                <a:endParaRPr lang="es-ES"/>
+              </a:p>
+            </p:txBody>
+          </p:sp>
+          <p:cxnSp>
+            <p:nvCxnSpPr>
+              <p:cNvPr id="9" name="Conector angular 8"/>
+              <p:cNvCxnSpPr>
+                <a:stCxn id="5" idx="1"/>
+                <a:endCxn id="7" idx="0"/>
+              </p:cNvCxnSpPr>
+              <p:nvPr/>
+            </p:nvCxnSpPr>
+            <p:spPr>
+              <a:xfrm rot="10800000" flipV="1">
+                <a:off x="1614289" y="673975"/>
+                <a:ext cx="3568844" cy="1555089"/>
+              </a:xfrm>
+              <a:prstGeom prst="bentConnector2">
+                <a:avLst/>
+              </a:prstGeom>
+              <a:ln w="28575">
+                <a:solidFill>
+                  <a:srgbClr val="7F0000"/>
+                </a:solidFill>
+                <a:tailEnd type="triangle"/>
+              </a:ln>
+            </p:spPr>
+            <p:style>
+              <a:lnRef idx="1">
+                <a:schemeClr val="accent1"/>
+              </a:lnRef>
+              <a:fillRef idx="0">
+                <a:schemeClr val="accent1"/>
+              </a:fillRef>
+              <a:effectRef idx="0">
+                <a:schemeClr val="accent1"/>
+              </a:effectRef>
+              <a:fontRef idx="minor">
+                <a:schemeClr val="tx1"/>
+              </a:fontRef>
+            </p:style>
+          </p:cxnSp>
+          <p:pic>
+            <p:nvPicPr>
+              <p:cNvPr id="10" name="Imagen 9"/>
+              <p:cNvPicPr>
+                <a:picLocks noChangeAspect="1"/>
+              </p:cNvPicPr>
+              <p:nvPr/>
+            </p:nvPicPr>
+            <p:blipFill>
+              <a:blip r:embed="rId4"/>
+              <a:stretch>
+                <a:fillRect/>
+              </a:stretch>
+            </p:blipFill>
+            <p:spPr>
+              <a:xfrm>
+                <a:off x="5257299" y="1000428"/>
+                <a:ext cx="6034059" cy="3939434"/>
+              </a:xfrm>
+              <a:prstGeom prst="rect">
+                <a:avLst/>
+              </a:prstGeom>
+            </p:spPr>
+          </p:pic>
+          <p:sp>
+            <p:nvSpPr>
+              <p:cNvPr id="13" name="Rectángulo 12"/>
+              <p:cNvSpPr/>
+              <p:nvPr/>
+            </p:nvSpPr>
+            <p:spPr>
+              <a:xfrm>
+                <a:off x="6707981" y="4633913"/>
+                <a:ext cx="428625" cy="240506"/>
+              </a:xfrm>
+              <a:prstGeom prst="rect">
+                <a:avLst/>
+              </a:prstGeom>
+              <a:noFill/>
+              <a:ln w="38100">
+                <a:solidFill>
+                  <a:srgbClr val="7F0000"/>
+                </a:solidFill>
+              </a:ln>
+            </p:spPr>
+            <p:style>
+              <a:lnRef idx="2">
+                <a:schemeClr val="accent1">
+                  <a:shade val="50000"/>
+                </a:schemeClr>
+              </a:lnRef>
+              <a:fillRef idx="1">
+                <a:schemeClr val="accent1"/>
+              </a:fillRef>
+              <a:effectRef idx="0">
+                <a:schemeClr val="accent1"/>
+              </a:effectRef>
+              <a:fontRef idx="minor">
+                <a:schemeClr val="lt1"/>
+              </a:fontRef>
+            </p:style>
+            <p:txBody>
+              <a:bodyPr rtlCol="0" anchor="ctr"/>
+              <a:lstStyle/>
+              <a:p>
+                <a:pPr algn="ctr"/>
+                <a:endParaRPr lang="es-ES"/>
+              </a:p>
+            </p:txBody>
+          </p:sp>
+          <p:cxnSp>
+            <p:nvCxnSpPr>
+              <p:cNvPr id="18" name="Conector angular 17"/>
+              <p:cNvCxnSpPr>
+                <a:stCxn id="7" idx="3"/>
+                <a:endCxn id="13" idx="1"/>
+              </p:cNvCxnSpPr>
+              <p:nvPr/>
+            </p:nvCxnSpPr>
+            <p:spPr>
+              <a:xfrm>
+                <a:off x="2683228" y="2641526"/>
+                <a:ext cx="4024753" cy="2112640"/>
+              </a:xfrm>
+              <a:prstGeom prst="bentConnector3">
+                <a:avLst/>
+              </a:prstGeom>
+              <a:ln w="28575">
+                <a:solidFill>
+                  <a:srgbClr val="7F0000"/>
+                </a:solidFill>
+                <a:tailEnd type="triangle"/>
+              </a:ln>
+            </p:spPr>
+            <p:style>
+              <a:lnRef idx="1">
+                <a:schemeClr val="accent1"/>
+              </a:lnRef>
+              <a:fillRef idx="0">
+                <a:schemeClr val="accent1"/>
+              </a:fillRef>
+              <a:effectRef idx="0">
+                <a:schemeClr val="accent1"/>
+              </a:effectRef>
+              <a:fontRef idx="minor">
+                <a:schemeClr val="tx1"/>
+              </a:fontRef>
+            </p:style>
+          </p:cxnSp>
+        </p:grpSp>
+        <p:sp>
+          <p:nvSpPr>
+            <p:cNvPr id="23" name="CuadroTexto 22"/>
+            <p:cNvSpPr txBox="1"/>
+            <p:nvPr/>
+          </p:nvSpPr>
+          <p:spPr>
+            <a:xfrm>
+              <a:off x="4931042" y="747675"/>
+              <a:ext cx="301686" cy="369332"/>
+            </a:xfrm>
+            <a:prstGeom prst="rect">
+              <a:avLst/>
+            </a:prstGeom>
+            <a:noFill/>
+          </p:spPr>
+          <p:txBody>
+            <a:bodyPr wrap="none" rtlCol="0">
+              <a:spAutoFit/>
+            </a:bodyPr>
+            <a:lstStyle/>
+            <a:p>
+              <a:r>
+                <a:rPr lang="es-ES" dirty="0" smtClean="0">
+                  <a:solidFill>
+                    <a:srgbClr val="7F0000"/>
+                  </a:solidFill>
+                </a:rPr>
+                <a:t>1</a:t>
+              </a:r>
+              <a:endParaRPr lang="es-ES" dirty="0">
+                <a:solidFill>
+                  <a:srgbClr val="7F0000"/>
+                </a:solidFill>
+              </a:endParaRPr>
+            </a:p>
+          </p:txBody>
+        </p:sp>
+        <p:sp>
+          <p:nvSpPr>
+            <p:cNvPr id="24" name="CuadroTexto 23"/>
+            <p:cNvSpPr txBox="1"/>
+            <p:nvPr/>
+          </p:nvSpPr>
+          <p:spPr>
+            <a:xfrm>
+              <a:off x="575457" y="2272193"/>
+              <a:ext cx="301686" cy="369332"/>
+            </a:xfrm>
+            <a:prstGeom prst="rect">
+              <a:avLst/>
+            </a:prstGeom>
+            <a:noFill/>
+          </p:spPr>
+          <p:txBody>
+            <a:bodyPr wrap="none" rtlCol="0">
+              <a:spAutoFit/>
+            </a:bodyPr>
+            <a:lstStyle/>
+            <a:p>
+              <a:r>
+                <a:rPr lang="es-ES" dirty="0">
+                  <a:solidFill>
+                    <a:srgbClr val="7F0000"/>
+                  </a:solidFill>
+                </a:rPr>
+                <a:t>2</a:t>
+              </a:r>
+              <a:endParaRPr lang="es-ES" dirty="0">
+                <a:solidFill>
+                  <a:srgbClr val="7F0000"/>
+                </a:solidFill>
+              </a:endParaRPr>
+            </a:p>
+          </p:txBody>
+        </p:sp>
+        <p:sp>
+          <p:nvSpPr>
+            <p:cNvPr id="25" name="CuadroTexto 24"/>
+            <p:cNvSpPr txBox="1"/>
+            <p:nvPr/>
+          </p:nvSpPr>
+          <p:spPr>
+            <a:xfrm>
+              <a:off x="7138075" y="4351937"/>
+              <a:ext cx="301686" cy="369332"/>
+            </a:xfrm>
+            <a:prstGeom prst="rect">
+              <a:avLst/>
+            </a:prstGeom>
+            <a:noFill/>
+          </p:spPr>
+          <p:txBody>
+            <a:bodyPr wrap="none" rtlCol="0">
+              <a:spAutoFit/>
+            </a:bodyPr>
+            <a:lstStyle/>
+            <a:p>
+              <a:r>
+                <a:rPr lang="es-ES" dirty="0" smtClean="0">
+                  <a:solidFill>
+                    <a:srgbClr val="7F0000"/>
+                  </a:solidFill>
+                </a:rPr>
+                <a:t>3</a:t>
+              </a:r>
+            </a:p>
+          </p:txBody>
+        </p:sp>
+      </p:grpSp>
+    </p:spTree>
+    <p:extLst>
+      <p:ext uri="{BB962C8B-B14F-4D97-AF65-F5344CB8AC3E}">
+        <p14:creationId xmlns:p14="http://schemas.microsoft.com/office/powerpoint/2010/main" val="120834014"/>
+      </p:ext>
+    </p:extLst>
+  </p:cSld>
+  <p:clrMapOvr>
+    <a:masterClrMapping/>
+  </p:clrMapOvr>
+</p:sld>
+</file>
+
 <file path=ppt/slides/slide3.xml><?xml version="1.0" encoding="utf-8"?>
 <p:sld xmlns:a="http://schemas.openxmlformats.org/drawingml/2006/main" xmlns:r="http://schemas.openxmlformats.org/officeDocument/2006/relationships" xmlns:p="http://schemas.openxmlformats.org/presentationml/2006/main">
   <p:cSld>
